--- a/2조 시스템개요, 요구사항 정의.pptx
+++ b/2조 시스템개요, 요구사항 정의.pptx
@@ -268,7 +268,7 @@
                 </a:solidFill>
               </a:rPr>
               <a:pPr/>
-              <a:t>2019-12-13</a:t>
+              <a:t>2019-12-15</a:t>
             </a:fld>
             <a:endParaRPr lang="ko-KR" altLang="en-US">
               <a:solidFill>
@@ -468,7 +468,7 @@
                 </a:solidFill>
               </a:rPr>
               <a:pPr/>
-              <a:t>2019-12-13</a:t>
+              <a:t>2019-12-15</a:t>
             </a:fld>
             <a:endParaRPr lang="ko-KR" altLang="en-US">
               <a:solidFill>
@@ -678,7 +678,7 @@
                 </a:solidFill>
               </a:rPr>
               <a:pPr/>
-              <a:t>2019-12-13</a:t>
+              <a:t>2019-12-15</a:t>
             </a:fld>
             <a:endParaRPr lang="ko-KR" altLang="en-US">
               <a:solidFill>
@@ -878,7 +878,7 @@
                 </a:solidFill>
               </a:rPr>
               <a:pPr/>
-              <a:t>2019-12-13</a:t>
+              <a:t>2019-12-15</a:t>
             </a:fld>
             <a:endParaRPr lang="ko-KR" altLang="en-US">
               <a:solidFill>
@@ -1155,7 +1155,7 @@
                 </a:solidFill>
               </a:rPr>
               <a:pPr/>
-              <a:t>2019-12-13</a:t>
+              <a:t>2019-12-15</a:t>
             </a:fld>
             <a:endParaRPr lang="ko-KR" altLang="en-US">
               <a:solidFill>
@@ -1416,7 +1416,7 @@
                 </a:solidFill>
               </a:rPr>
               <a:pPr/>
-              <a:t>2019-12-13</a:t>
+              <a:t>2019-12-15</a:t>
             </a:fld>
             <a:endParaRPr lang="ko-KR" altLang="en-US">
               <a:solidFill>
@@ -1812,7 +1812,7 @@
                 </a:solidFill>
               </a:rPr>
               <a:pPr/>
-              <a:t>2019-12-13</a:t>
+              <a:t>2019-12-15</a:t>
             </a:fld>
             <a:endParaRPr lang="ko-KR" altLang="en-US">
               <a:solidFill>
@@ -1961,7 +1961,7 @@
                 </a:solidFill>
               </a:rPr>
               <a:pPr/>
-              <a:t>2019-12-13</a:t>
+              <a:t>2019-12-15</a:t>
             </a:fld>
             <a:endParaRPr lang="ko-KR" altLang="en-US">
               <a:solidFill>
@@ -2088,7 +2088,7 @@
                 </a:solidFill>
               </a:rPr>
               <a:pPr/>
-              <a:t>2019-12-13</a:t>
+              <a:t>2019-12-15</a:t>
             </a:fld>
             <a:endParaRPr lang="ko-KR" altLang="en-US">
               <a:solidFill>
@@ -2395,7 +2395,7 @@
                 </a:solidFill>
               </a:rPr>
               <a:pPr/>
-              <a:t>2019-12-13</a:t>
+              <a:t>2019-12-15</a:t>
             </a:fld>
             <a:endParaRPr lang="ko-KR" altLang="en-US">
               <a:solidFill>
@@ -2679,7 +2679,7 @@
                 </a:solidFill>
               </a:rPr>
               <a:pPr/>
-              <a:t>2019-12-13</a:t>
+              <a:t>2019-12-15</a:t>
             </a:fld>
             <a:endParaRPr lang="ko-KR" altLang="en-US">
               <a:solidFill>
@@ -2922,7 +2922,7 @@
                 </a:solidFill>
               </a:rPr>
               <a:pPr/>
-              <a:t>2019-12-13</a:t>
+              <a:t>2019-12-15</a:t>
             </a:fld>
             <a:endParaRPr lang="ko-KR" altLang="en-US">
               <a:solidFill>
@@ -3902,7 +3902,7 @@
         <p:spPr>
           <a:xfrm>
             <a:off x="441820" y="1117789"/>
-            <a:ext cx="11308360" cy="4924425"/>
+            <a:ext cx="11308360" cy="4708981"/>
           </a:xfrm>
           <a:prstGeom prst="rect">
             <a:avLst/>
@@ -4259,79 +4259,6 @@
                 </a:solidFill>
               </a:rPr>
               <a:t>.</a:t>
-            </a:r>
-          </a:p>
-          <a:p>
-            <a:pPr lvl="2"/>
-            <a:r>
-              <a:rPr lang="en-US" altLang="ko-KR" sz="1400">
-                <a:solidFill>
-                  <a:schemeClr val="bg2">
-                    <a:lumMod val="90000"/>
-                  </a:schemeClr>
-                </a:solidFill>
-              </a:rPr>
-              <a:t>- </a:t>
-            </a:r>
-            <a:r>
-              <a:rPr lang="ko-KR" altLang="en-US" sz="1400">
-                <a:solidFill>
-                  <a:schemeClr val="bg2">
-                    <a:lumMod val="90000"/>
-                  </a:schemeClr>
-                </a:solidFill>
-              </a:rPr>
-              <a:t>회원은 영화를 즐겨찾기에 추가하거나 삭제하고</a:t>
-            </a:r>
-            <a:r>
-              <a:rPr lang="en-US" altLang="ko-KR" sz="1400">
-                <a:solidFill>
-                  <a:schemeClr val="bg2">
-                    <a:lumMod val="90000"/>
-                  </a:schemeClr>
-                </a:solidFill>
-              </a:rPr>
-              <a:t>, </a:t>
-            </a:r>
-            <a:r>
-              <a:rPr lang="ko-KR" altLang="en-US" sz="1400">
-                <a:solidFill>
-                  <a:schemeClr val="bg2">
-                    <a:lumMod val="90000"/>
-                  </a:schemeClr>
-                </a:solidFill>
-              </a:rPr>
-              <a:t>즐겨찾기 목록을 조회할 수 있다</a:t>
-            </a:r>
-            <a:r>
-              <a:rPr lang="en-US" altLang="ko-KR" sz="1400">
-                <a:solidFill>
-                  <a:schemeClr val="bg2">
-                    <a:lumMod val="90000"/>
-                  </a:schemeClr>
-                </a:solidFill>
-              </a:rPr>
-              <a:t>. (</a:t>
-            </a:r>
-            <a:r>
-              <a:rPr lang="ko-KR" altLang="en-US" sz="1400">
-                <a:solidFill>
-                  <a:schemeClr val="bg2">
-                    <a:lumMod val="90000"/>
-                  </a:schemeClr>
-                </a:solidFill>
-              </a:rPr>
-              <a:t>추가됨</a:t>
-            </a:r>
-            <a:r>
-              <a:rPr lang="en-US" altLang="ko-KR" sz="1400">
-                <a:solidFill>
-                  <a:schemeClr val="bg2">
-                    <a:lumMod val="90000"/>
-                  </a:schemeClr>
-                </a:solidFill>
-              </a:rPr>
-              <a:t>!)</a:t>
             </a:r>
           </a:p>
           <a:p>

--- a/2조 시스템개요, 요구사항 정의.pptx
+++ b/2조 시스템개요, 요구사항 정의.pptx
@@ -2,7 +2,7 @@
 <file path=ppt/presentation.xml><?xml version="1.0" encoding="utf-8"?>
 <p:presentation xmlns:r="http://schemas.openxmlformats.org/officeDocument/2006/relationships" xmlns:c="http://schemas.openxmlformats.org/drawingml/2006/chart" xmlns:a="http://schemas.openxmlformats.org/drawingml/2006/main" xmlns:dgm="http://schemas.openxmlformats.org/drawingml/2006/diagram" xmlns:dsp="http://schemas.microsoft.com/office/drawing/2008/diagram" xmlns:p="http://schemas.openxmlformats.org/presentationml/2006/main" embedTrueTypeFonts="1" saveSubsetFonts="1">
   <p:sldMasterIdLst>
-    <p:sldMasterId id="2147483672" r:id="rId1"/>
+    <p:sldMasterId id="2147483687" r:id="rId1"/>
   </p:sldMasterIdLst>
   <p:sldIdLst>
     <p:sldId id="256" r:id="rId2"/>
@@ -22,6 +22,11 @@
     <p:sldId id="270" r:id="rId16"/>
     <p:sldId id="271" r:id="rId17"/>
     <p:sldId id="272" r:id="rId18"/>
+    <p:sldId id="273" r:id="rId19"/>
+    <p:sldId id="274" r:id="rId20"/>
+    <p:sldId id="275" r:id="rId21"/>
+    <p:sldId id="276" r:id="rId22"/>
+    <p:sldId id="277" r:id="rId23"/>
   </p:sldIdLst>
   <p:sldSz cx="12192000" cy="6858000"/>
   <p:notesSz cx="6858000" cy="9144000"/>
@@ -3639,6 +3644,21 @@
               </a:rPr>
               <a:t>2. 리뷰(게시판) - 회원과 관리자만 이용가능</a:t>
             </a:r>
+            <a:endParaRPr lang="ko-KR" altLang="ko-KR" b="1">
+              <a:solidFill>
+                <a:srgbClr val="e7e6e6">
+                  <a:lumMod val="90000"/>
+                </a:srgbClr>
+              </a:solidFill>
+            </a:endParaRPr>
+          </a:p>
+          <a:p>
+            <a:pPr lvl="1">
+              <a:lnSpc>
+                <a:spcPct val="150000"/>
+              </a:lnSpc>
+              <a:defRPr/>
+            </a:pPr>
             <a:endParaRPr lang="ko-KR" altLang="ko-KR" sz="1450">
               <a:solidFill>
                 <a:srgbClr val="e7e6e6">
@@ -3654,6 +3674,36 @@
               </a:lnSpc>
               <a:defRPr/>
             </a:pPr>
+            <a:r>
+              <a:rPr lang="en-US" altLang="ko-KR" sz="1450">
+                <a:solidFill>
+                  <a:srgbClr val="e7e6e6">
+                    <a:lumMod val="90000"/>
+                  </a:srgbClr>
+                </a:solidFill>
+              </a:rPr>
+              <a:t>-</a:t>
+            </a:r>
+            <a:r>
+              <a:rPr lang="ko-KR" altLang="en-US" sz="1450">
+                <a:solidFill>
+                  <a:srgbClr val="e7e6e6">
+                    <a:lumMod val="90000"/>
+                  </a:srgbClr>
+                </a:solidFill>
+              </a:rPr>
+              <a:t> </a:t>
+            </a:r>
+            <a:r>
+              <a:rPr lang="ko-KR" altLang="ko-KR" sz="1450">
+                <a:solidFill>
+                  <a:srgbClr val="e7e6e6">
+                    <a:lumMod val="90000"/>
+                  </a:srgbClr>
+                </a:solidFill>
+              </a:rPr>
+              <a:t>회원은 마이페이지에서 ‘내 리뷰’를 클릭하여 내가 작성한 리뷰글을 조회, 상세보기, 수정, 삭제 할 수 있다.</a:t>
+            </a:r>
             <a:endParaRPr lang="ko-KR" altLang="ko-KR" sz="1450">
               <a:solidFill>
                 <a:srgbClr val="e7e6e6">
@@ -3680,6 +3730,136 @@
               <a:t>-</a:t>
             </a:r>
             <a:r>
+              <a:rPr lang="ko-KR" altLang="ko-KR" sz="1450">
+                <a:solidFill>
+                  <a:srgbClr val="e7e6e6">
+                    <a:lumMod val="90000"/>
+                  </a:srgbClr>
+                </a:solidFill>
+              </a:rPr>
+              <a:t> 회원은 마이페이지에서 ‘내 예매 내역’를 클릭 후 내가 본 영화 상세페이지에서 리뷰를 작성할 수 있다.</a:t>
+            </a:r>
+            <a:endParaRPr lang="ko-KR" altLang="ko-KR" sz="1450">
+              <a:solidFill>
+                <a:srgbClr val="e7e6e6">
+                  <a:lumMod val="90000"/>
+                </a:srgbClr>
+              </a:solidFill>
+            </a:endParaRPr>
+          </a:p>
+          <a:p>
+            <a:pPr lvl="1">
+              <a:lnSpc>
+                <a:spcPct val="150000"/>
+              </a:lnSpc>
+              <a:defRPr/>
+            </a:pPr>
+            <a:r>
+              <a:rPr lang="en-US" altLang="ko-KR" sz="1450">
+                <a:solidFill>
+                  <a:srgbClr val="e7e6e6">
+                    <a:lumMod val="90000"/>
+                  </a:srgbClr>
+                </a:solidFill>
+              </a:rPr>
+              <a:t>-</a:t>
+            </a:r>
+            <a:r>
+              <a:rPr lang="ko-KR" altLang="ko-KR" sz="1450">
+                <a:solidFill>
+                  <a:srgbClr val="e7e6e6">
+                    <a:lumMod val="90000"/>
+                  </a:srgbClr>
+                </a:solidFill>
+              </a:rPr>
+              <a:t> 회원은 리뷰게시판 페이지에서 모든 회원이 작성한 리뷰 게시글을 조회(제목, 내용, 아이디, 조회수) 할 수 있다.</a:t>
+            </a:r>
+            <a:endParaRPr lang="ko-KR" altLang="ko-KR" sz="1450">
+              <a:solidFill>
+                <a:srgbClr val="e7e6e6">
+                  <a:lumMod val="90000"/>
+                </a:srgbClr>
+              </a:solidFill>
+            </a:endParaRPr>
+          </a:p>
+          <a:p>
+            <a:pPr lvl="1">
+              <a:lnSpc>
+                <a:spcPct val="150000"/>
+              </a:lnSpc>
+              <a:defRPr/>
+            </a:pPr>
+            <a:r>
+              <a:rPr lang="en-US" altLang="ko-KR" sz="1450">
+                <a:solidFill>
+                  <a:srgbClr val="e7e6e6">
+                    <a:lumMod val="90000"/>
+                  </a:srgbClr>
+                </a:solidFill>
+              </a:rPr>
+              <a:t>-</a:t>
+            </a:r>
+            <a:r>
+              <a:rPr lang="ko-KR" altLang="ko-KR" sz="1450">
+                <a:solidFill>
+                  <a:srgbClr val="e7e6e6">
+                    <a:lumMod val="90000"/>
+                  </a:srgbClr>
+                </a:solidFill>
+              </a:rPr>
+              <a:t> 회원은 리뷰게시판 페이지에서 특정 키워드를 입력하여(제목, 내용, 아이디) 검색을 할 수 있다.</a:t>
+            </a:r>
+            <a:endParaRPr lang="ko-KR" altLang="ko-KR" sz="1450">
+              <a:solidFill>
+                <a:srgbClr val="e7e6e6">
+                  <a:lumMod val="90000"/>
+                </a:srgbClr>
+              </a:solidFill>
+            </a:endParaRPr>
+          </a:p>
+          <a:p>
+            <a:pPr lvl="1">
+              <a:lnSpc>
+                <a:spcPct val="150000"/>
+              </a:lnSpc>
+              <a:defRPr/>
+            </a:pPr>
+            <a:r>
+              <a:rPr lang="en-US" altLang="ko-KR" sz="1450">
+                <a:solidFill>
+                  <a:srgbClr val="e7e6e6">
+                    <a:lumMod val="90000"/>
+                  </a:srgbClr>
+                </a:solidFill>
+              </a:rPr>
+              <a:t>-</a:t>
+            </a:r>
+            <a:r>
+              <a:rPr lang="ko-KR" altLang="ko-KR" sz="1450">
+                <a:solidFill>
+                  <a:srgbClr val="e7e6e6">
+                    <a:lumMod val="90000"/>
+                  </a:srgbClr>
+                </a:solidFill>
+              </a:rPr>
+              <a:t> 회원은 리뷰게시판 페이지에서 모든 회원이 작성한 리뷰글들을 상세보기(제목, 내용, 작성한사람 아이디, 작성한 시간, 조회수)</a:t>
+            </a:r>
+            <a:endParaRPr lang="ko-KR" altLang="ko-KR" sz="1450">
+              <a:solidFill>
+                <a:srgbClr val="e7e6e6">
+                  <a:lumMod val="90000"/>
+                </a:srgbClr>
+              </a:solidFill>
+            </a:endParaRPr>
+          </a:p>
+          <a:p>
+            <a:pPr lvl="1">
+              <a:lnSpc>
+                <a:spcPct val="150000"/>
+              </a:lnSpc>
+              <a:defRPr/>
+            </a:pPr>
+            <a:r>
               <a:rPr lang="ko-KR" altLang="en-US" sz="1450">
                 <a:solidFill>
                   <a:srgbClr val="e7e6e6">
@@ -3687,6 +3867,216 @@
                   </a:srgbClr>
                 </a:solidFill>
               </a:rPr>
+              <a:t>  </a:t>
+            </a:r>
+            <a:r>
+              <a:rPr lang="ko-KR" altLang="ko-KR" sz="1450">
+                <a:solidFill>
+                  <a:srgbClr val="e7e6e6">
+                    <a:lumMod val="90000"/>
+                  </a:srgbClr>
+                </a:solidFill>
+              </a:rPr>
+              <a:t>할 수 있다. </a:t>
+            </a:r>
+            <a:endParaRPr lang="ko-KR" altLang="ko-KR" sz="1450">
+              <a:solidFill>
+                <a:srgbClr val="e7e6e6">
+                  <a:lumMod val="90000"/>
+                </a:srgbClr>
+              </a:solidFill>
+            </a:endParaRPr>
+          </a:p>
+          <a:p>
+            <a:pPr lvl="1">
+              <a:lnSpc>
+                <a:spcPct val="150000"/>
+              </a:lnSpc>
+              <a:defRPr/>
+            </a:pPr>
+            <a:r>
+              <a:rPr lang="en-US" altLang="ko-KR" sz="1450">
+                <a:solidFill>
+                  <a:srgbClr val="e7e6e6">
+                    <a:lumMod val="90000"/>
+                  </a:srgbClr>
+                </a:solidFill>
+              </a:rPr>
+              <a:t>-</a:t>
+            </a:r>
+            <a:r>
+              <a:rPr lang="ko-KR" altLang="ko-KR" sz="1450">
+                <a:solidFill>
+                  <a:srgbClr val="e7e6e6">
+                    <a:lumMod val="90000"/>
+                  </a:srgbClr>
+                </a:solidFill>
+              </a:rPr>
+              <a:t> 회원은 리뷰게시판 페이지에서 자신이 작성한 게시글을 클릭 후 리뷰글 상세보기 페이지에서 수정(제목, 내용) 및 삭제할 수 있다.</a:t>
+            </a:r>
+            <a:endParaRPr lang="ko-KR" altLang="ko-KR" sz="1450">
+              <a:solidFill>
+                <a:srgbClr val="e7e6e6">
+                  <a:lumMod val="90000"/>
+                </a:srgbClr>
+              </a:solidFill>
+            </a:endParaRPr>
+          </a:p>
+          <a:p>
+            <a:pPr lvl="1">
+              <a:lnSpc>
+                <a:spcPct val="150000"/>
+              </a:lnSpc>
+              <a:defRPr/>
+            </a:pPr>
+            <a:r>
+              <a:rPr lang="en-US" altLang="ko-KR" sz="1450">
+                <a:solidFill>
+                  <a:srgbClr val="e7e6e6">
+                    <a:lumMod val="90000"/>
+                  </a:srgbClr>
+                </a:solidFill>
+              </a:rPr>
+              <a:t>-</a:t>
+            </a:r>
+            <a:r>
+              <a:rPr lang="ko-KR" altLang="ko-KR" sz="1450">
+                <a:solidFill>
+                  <a:srgbClr val="e7e6e6">
+                    <a:lumMod val="90000"/>
+                  </a:srgbClr>
+                </a:solidFill>
+              </a:rPr>
+              <a:t> 회원은 리뷰게시판 페이지 내에서 다른 회원이 작성한 리뷰글을 신고할 수 있다.</a:t>
+            </a:r>
+            <a:endParaRPr lang="ko-KR" altLang="ko-KR" sz="1450">
+              <a:solidFill>
+                <a:srgbClr val="e7e6e6">
+                  <a:lumMod val="90000"/>
+                </a:srgbClr>
+              </a:solidFill>
+            </a:endParaRPr>
+          </a:p>
+          <a:p>
+            <a:pPr lvl="1">
+              <a:lnSpc>
+                <a:spcPct val="150000"/>
+              </a:lnSpc>
+              <a:defRPr/>
+            </a:pPr>
+            <a:endParaRPr lang="ko-KR" altLang="ko-KR" sz="1450">
+              <a:solidFill>
+                <a:srgbClr val="e7e6e6">
+                  <a:lumMod val="90000"/>
+                </a:srgbClr>
+              </a:solidFill>
+            </a:endParaRPr>
+          </a:p>
+          <a:p>
+            <a:pPr lvl="1">
+              <a:lnSpc>
+                <a:spcPct val="150000"/>
+              </a:lnSpc>
+              <a:defRPr/>
+            </a:pPr>
+            <a:r>
+              <a:rPr lang="en-US" altLang="ko-KR" sz="1450">
+                <a:solidFill>
+                  <a:srgbClr val="e7e6e6">
+                    <a:lumMod val="90000"/>
+                  </a:srgbClr>
+                </a:solidFill>
+              </a:rPr>
+              <a:t>-</a:t>
+            </a:r>
+            <a:r>
+              <a:rPr lang="ko-KR" altLang="ko-KR" sz="1450">
+                <a:solidFill>
+                  <a:srgbClr val="e7e6e6">
+                    <a:lumMod val="90000"/>
+                  </a:srgbClr>
+                </a:solidFill>
+              </a:rPr>
+              <a:t> 관리자는 리뷰게시판 페이지에서 모든회원이 작성한 리뷰글을 조회할 수 있다.</a:t>
+            </a:r>
+            <a:endParaRPr lang="ko-KR" altLang="ko-KR" sz="1450">
+              <a:solidFill>
+                <a:srgbClr val="e7e6e6">
+                  <a:lumMod val="90000"/>
+                </a:srgbClr>
+              </a:solidFill>
+            </a:endParaRPr>
+          </a:p>
+          <a:p>
+            <a:pPr lvl="1">
+              <a:lnSpc>
+                <a:spcPct val="150000"/>
+              </a:lnSpc>
+              <a:defRPr/>
+            </a:pPr>
+            <a:r>
+              <a:rPr lang="en-US" altLang="ko-KR" sz="1450">
+                <a:solidFill>
+                  <a:srgbClr val="e7e6e6">
+                    <a:lumMod val="90000"/>
+                  </a:srgbClr>
+                </a:solidFill>
+              </a:rPr>
+              <a:t>-</a:t>
+            </a:r>
+            <a:r>
+              <a:rPr lang="ko-KR" altLang="ko-KR" sz="1450">
+                <a:solidFill>
+                  <a:srgbClr val="e7e6e6">
+                    <a:lumMod val="90000"/>
+                  </a:srgbClr>
+                </a:solidFill>
+              </a:rPr>
+              <a:t> 관리자는 리뷰게시판 페이지에서 특정 키워드를 입력하여 게시글을 검색할 수 있다.(아이디, 제목, 내용 )</a:t>
+            </a:r>
+            <a:endParaRPr lang="ko-KR" altLang="ko-KR" sz="1450">
+              <a:solidFill>
+                <a:srgbClr val="e7e6e6">
+                  <a:lumMod val="90000"/>
+                </a:srgbClr>
+              </a:solidFill>
+            </a:endParaRPr>
+          </a:p>
+          <a:p>
+            <a:pPr lvl="1">
+              <a:lnSpc>
+                <a:spcPct val="150000"/>
+              </a:lnSpc>
+              <a:defRPr/>
+            </a:pPr>
+            <a:r>
+              <a:rPr lang="en-US" altLang="ko-KR" sz="1450">
+                <a:solidFill>
+                  <a:srgbClr val="e7e6e6">
+                    <a:lumMod val="90000"/>
+                  </a:srgbClr>
+                </a:solidFill>
+              </a:rPr>
+              <a:t>-</a:t>
+            </a:r>
+            <a:r>
+              <a:rPr lang="ko-KR" altLang="ko-KR" sz="1450">
+                <a:solidFill>
+                  <a:srgbClr val="e7e6e6">
+                    <a:lumMod val="90000"/>
+                  </a:srgbClr>
+                </a:solidFill>
+              </a:rPr>
+              <a:t> 관리자는 리뷰게시판 페이지에서 모든</a:t>
+            </a:r>
+            <a:r>
+              <a:rPr lang="ko-KR" altLang="en-US" sz="1450">
+                <a:solidFill>
+                  <a:srgbClr val="e7e6e6">
+                    <a:lumMod val="90000"/>
+                  </a:srgbClr>
+                </a:solidFill>
+              </a:rPr>
               <a:t> </a:t>
             </a:r>
             <a:r>
@@ -3697,7 +4087,7 @@
                   </a:srgbClr>
                 </a:solidFill>
               </a:rPr>
-              <a:t>회원은 마이페이지에서 ‘내 리뷰’를 클릭하여 내가 작성한 리뷰글을 조회, 상세보기, 수정, 삭제 할 수 있다.</a:t>
+              <a:t>회원이 작성한 리뷰글을 상세보기(제목, 내용, 작성 아이디, 작성한 시간, 조회수) 할 수 있다. </a:t>
             </a:r>
             <a:endParaRPr lang="ko-KR" altLang="ko-KR" sz="1450">
               <a:solidFill>
@@ -3732,392 +4122,7 @@
                   </a:srgbClr>
                 </a:solidFill>
               </a:rPr>
-              <a:t> 회원은 마이페이지에서 ‘내 예매 내역’를 클릭 후 내가 본 영화 상세페이지에서 리뷰를 작성할 수 있다.</a:t>
-            </a:r>
-            <a:endParaRPr lang="ko-KR" altLang="ko-KR" sz="1450">
-              <a:solidFill>
-                <a:srgbClr val="e7e6e6">
-                  <a:lumMod val="90000"/>
-                </a:srgbClr>
-              </a:solidFill>
-            </a:endParaRPr>
-          </a:p>
-          <a:p>
-            <a:pPr lvl="1">
-              <a:lnSpc>
-                <a:spcPct val="150000"/>
-              </a:lnSpc>
-              <a:defRPr/>
-            </a:pPr>
-            <a:r>
-              <a:rPr lang="en-US" altLang="ko-KR" sz="1450">
-                <a:solidFill>
-                  <a:srgbClr val="e7e6e6">
-                    <a:lumMod val="90000"/>
-                  </a:srgbClr>
-                </a:solidFill>
-              </a:rPr>
-              <a:t>-</a:t>
-            </a:r>
-            <a:r>
-              <a:rPr lang="ko-KR" altLang="ko-KR" sz="1450">
-                <a:solidFill>
-                  <a:srgbClr val="e7e6e6">
-                    <a:lumMod val="90000"/>
-                  </a:srgbClr>
-                </a:solidFill>
-              </a:rPr>
-              <a:t> 회원은 리뷰게시판 페이지에서 모든 회원이 작성한 리뷰 게시글을 조회(제목, 내용, 아이디, 조회수) 할 수 있다.</a:t>
-            </a:r>
-            <a:endParaRPr lang="ko-KR" altLang="ko-KR" sz="1450">
-              <a:solidFill>
-                <a:srgbClr val="e7e6e6">
-                  <a:lumMod val="90000"/>
-                </a:srgbClr>
-              </a:solidFill>
-            </a:endParaRPr>
-          </a:p>
-          <a:p>
-            <a:pPr lvl="1">
-              <a:lnSpc>
-                <a:spcPct val="150000"/>
-              </a:lnSpc>
-              <a:defRPr/>
-            </a:pPr>
-            <a:r>
-              <a:rPr lang="en-US" altLang="ko-KR" sz="1450">
-                <a:solidFill>
-                  <a:srgbClr val="e7e6e6">
-                    <a:lumMod val="90000"/>
-                  </a:srgbClr>
-                </a:solidFill>
-              </a:rPr>
-              <a:t>-</a:t>
-            </a:r>
-            <a:r>
-              <a:rPr lang="ko-KR" altLang="ko-KR" sz="1450">
-                <a:solidFill>
-                  <a:srgbClr val="e7e6e6">
-                    <a:lumMod val="90000"/>
-                  </a:srgbClr>
-                </a:solidFill>
-              </a:rPr>
-              <a:t> 회원은 리뷰게시판 페이지에서 특정 키워드를 입력하여(제목, 내용, 아이디) 검색을 할 수 있다.</a:t>
-            </a:r>
-            <a:endParaRPr lang="ko-KR" altLang="ko-KR" sz="1450">
-              <a:solidFill>
-                <a:srgbClr val="e7e6e6">
-                  <a:lumMod val="90000"/>
-                </a:srgbClr>
-              </a:solidFill>
-            </a:endParaRPr>
-          </a:p>
-          <a:p>
-            <a:pPr lvl="1">
-              <a:lnSpc>
-                <a:spcPct val="150000"/>
-              </a:lnSpc>
-              <a:defRPr/>
-            </a:pPr>
-            <a:r>
-              <a:rPr lang="en-US" altLang="ko-KR" sz="1450">
-                <a:solidFill>
-                  <a:srgbClr val="e7e6e6">
-                    <a:lumMod val="90000"/>
-                  </a:srgbClr>
-                </a:solidFill>
-              </a:rPr>
-              <a:t>-</a:t>
-            </a:r>
-            <a:r>
-              <a:rPr lang="ko-KR" altLang="ko-KR" sz="1450">
-                <a:solidFill>
-                  <a:srgbClr val="e7e6e6">
-                    <a:lumMod val="90000"/>
-                  </a:srgbClr>
-                </a:solidFill>
-              </a:rPr>
-              <a:t> 회원은 리뷰게시판 페이지에서 모든 회원이 작성한 리뷰글들을 상세보기(제목, 내용, 작성한사람 아이디, 작성한 시간, 조회수)</a:t>
-            </a:r>
-            <a:endParaRPr lang="ko-KR" altLang="ko-KR" sz="1450">
-              <a:solidFill>
-                <a:srgbClr val="e7e6e6">
-                  <a:lumMod val="90000"/>
-                </a:srgbClr>
-              </a:solidFill>
-            </a:endParaRPr>
-          </a:p>
-          <a:p>
-            <a:pPr lvl="1">
-              <a:lnSpc>
-                <a:spcPct val="150000"/>
-              </a:lnSpc>
-              <a:defRPr/>
-            </a:pPr>
-            <a:r>
-              <a:rPr lang="ko-KR" altLang="en-US" sz="1450">
-                <a:solidFill>
-                  <a:srgbClr val="e7e6e6">
-                    <a:lumMod val="90000"/>
-                  </a:srgbClr>
-                </a:solidFill>
-              </a:rPr>
-              <a:t>  </a:t>
-            </a:r>
-            <a:r>
-              <a:rPr lang="ko-KR" altLang="ko-KR" sz="1450">
-                <a:solidFill>
-                  <a:srgbClr val="e7e6e6">
-                    <a:lumMod val="90000"/>
-                  </a:srgbClr>
-                </a:solidFill>
-              </a:rPr>
-              <a:t>할 수 있다. </a:t>
-            </a:r>
-            <a:endParaRPr lang="ko-KR" altLang="ko-KR" sz="1450">
-              <a:solidFill>
-                <a:srgbClr val="e7e6e6">
-                  <a:lumMod val="90000"/>
-                </a:srgbClr>
-              </a:solidFill>
-            </a:endParaRPr>
-          </a:p>
-          <a:p>
-            <a:pPr lvl="1">
-              <a:lnSpc>
-                <a:spcPct val="150000"/>
-              </a:lnSpc>
-              <a:defRPr/>
-            </a:pPr>
-            <a:r>
-              <a:rPr lang="en-US" altLang="ko-KR" sz="1450">
-                <a:solidFill>
-                  <a:srgbClr val="e7e6e6">
-                    <a:lumMod val="90000"/>
-                  </a:srgbClr>
-                </a:solidFill>
-              </a:rPr>
-              <a:t>-</a:t>
-            </a:r>
-            <a:r>
-              <a:rPr lang="ko-KR" altLang="ko-KR" sz="1450">
-                <a:solidFill>
-                  <a:srgbClr val="e7e6e6">
-                    <a:lumMod val="90000"/>
-                  </a:srgbClr>
-                </a:solidFill>
-              </a:rPr>
-              <a:t> 회원은 리뷰게시판 페이지에서 자신이 작성한 게시글을 클릭 후 리뷰글 상세보기 페이지에서 수정(제목, 내용) 및 삭제할 수 있다.</a:t>
-            </a:r>
-            <a:endParaRPr lang="ko-KR" altLang="ko-KR" sz="1450">
-              <a:solidFill>
-                <a:srgbClr val="e7e6e6">
-                  <a:lumMod val="90000"/>
-                </a:srgbClr>
-              </a:solidFill>
-            </a:endParaRPr>
-          </a:p>
-          <a:p>
-            <a:pPr lvl="1">
-              <a:lnSpc>
-                <a:spcPct val="150000"/>
-              </a:lnSpc>
-              <a:defRPr/>
-            </a:pPr>
-            <a:r>
-              <a:rPr lang="en-US" altLang="ko-KR" sz="1450">
-                <a:solidFill>
-                  <a:srgbClr val="e7e6e6">
-                    <a:lumMod val="90000"/>
-                  </a:srgbClr>
-                </a:solidFill>
-              </a:rPr>
-              <a:t>-</a:t>
-            </a:r>
-            <a:r>
-              <a:rPr lang="ko-KR" altLang="ko-KR" sz="1450">
-                <a:solidFill>
-                  <a:srgbClr val="e7e6e6">
-                    <a:lumMod val="90000"/>
-                  </a:srgbClr>
-                </a:solidFill>
-              </a:rPr>
-              <a:t> 회원은 리뷰게시판 페이지 내에서 다른 회원이 작성한 리뷰글을 신고할 수 있다.</a:t>
-            </a:r>
-            <a:endParaRPr lang="ko-KR" altLang="ko-KR" sz="1450">
-              <a:solidFill>
-                <a:srgbClr val="e7e6e6">
-                  <a:lumMod val="90000"/>
-                </a:srgbClr>
-              </a:solidFill>
-            </a:endParaRPr>
-          </a:p>
-          <a:p>
-            <a:pPr lvl="1">
-              <a:lnSpc>
-                <a:spcPct val="150000"/>
-              </a:lnSpc>
-              <a:defRPr/>
-            </a:pPr>
-            <a:endParaRPr lang="ko-KR" altLang="ko-KR" sz="1450">
-              <a:solidFill>
-                <a:srgbClr val="e7e6e6">
-                  <a:lumMod val="90000"/>
-                </a:srgbClr>
-              </a:solidFill>
-            </a:endParaRPr>
-          </a:p>
-          <a:p>
-            <a:pPr lvl="1">
-              <a:lnSpc>
-                <a:spcPct val="150000"/>
-              </a:lnSpc>
-              <a:defRPr/>
-            </a:pPr>
-            <a:r>
-              <a:rPr lang="en-US" altLang="ko-KR" sz="1450">
-                <a:solidFill>
-                  <a:srgbClr val="e7e6e6">
-                    <a:lumMod val="90000"/>
-                  </a:srgbClr>
-                </a:solidFill>
-              </a:rPr>
-              <a:t>-</a:t>
-            </a:r>
-            <a:r>
-              <a:rPr lang="ko-KR" altLang="ko-KR" sz="1450">
-                <a:solidFill>
-                  <a:srgbClr val="e7e6e6">
-                    <a:lumMod val="90000"/>
-                  </a:srgbClr>
-                </a:solidFill>
-              </a:rPr>
-              <a:t> 관리자는 리뷰게시판 페이지에서 모든회원이 작성한 리뷰글을 조회할 수 있다.</a:t>
-            </a:r>
-            <a:endParaRPr lang="ko-KR" altLang="ko-KR" sz="1450">
-              <a:solidFill>
-                <a:srgbClr val="e7e6e6">
-                  <a:lumMod val="90000"/>
-                </a:srgbClr>
-              </a:solidFill>
-            </a:endParaRPr>
-          </a:p>
-          <a:p>
-            <a:pPr lvl="1">
-              <a:lnSpc>
-                <a:spcPct val="150000"/>
-              </a:lnSpc>
-              <a:defRPr/>
-            </a:pPr>
-            <a:r>
-              <a:rPr lang="en-US" altLang="ko-KR" sz="1450">
-                <a:solidFill>
-                  <a:srgbClr val="e7e6e6">
-                    <a:lumMod val="90000"/>
-                  </a:srgbClr>
-                </a:solidFill>
-              </a:rPr>
-              <a:t>-</a:t>
-            </a:r>
-            <a:r>
-              <a:rPr lang="ko-KR" altLang="ko-KR" sz="1450">
-                <a:solidFill>
-                  <a:srgbClr val="e7e6e6">
-                    <a:lumMod val="90000"/>
-                  </a:srgbClr>
-                </a:solidFill>
-              </a:rPr>
-              <a:t> 관리자는 리뷰게시판 페이지에서 특정 키워드를 입력하여 게시글을 검색할 수 있다.(아이디, 제목, 내용 )</a:t>
-            </a:r>
-            <a:endParaRPr lang="ko-KR" altLang="ko-KR" sz="1450">
-              <a:solidFill>
-                <a:srgbClr val="e7e6e6">
-                  <a:lumMod val="90000"/>
-                </a:srgbClr>
-              </a:solidFill>
-            </a:endParaRPr>
-          </a:p>
-          <a:p>
-            <a:pPr lvl="1">
-              <a:lnSpc>
-                <a:spcPct val="150000"/>
-              </a:lnSpc>
-              <a:defRPr/>
-            </a:pPr>
-            <a:r>
-              <a:rPr lang="en-US" altLang="ko-KR" sz="1450">
-                <a:solidFill>
-                  <a:srgbClr val="e7e6e6">
-                    <a:lumMod val="90000"/>
-                  </a:srgbClr>
-                </a:solidFill>
-              </a:rPr>
-              <a:t>-</a:t>
-            </a:r>
-            <a:r>
-              <a:rPr lang="ko-KR" altLang="ko-KR" sz="1450">
-                <a:solidFill>
-                  <a:srgbClr val="e7e6e6">
-                    <a:lumMod val="90000"/>
-                  </a:srgbClr>
-                </a:solidFill>
-              </a:rPr>
-              <a:t> 관리자는 리뷰게시판 페이지에서 모든</a:t>
-            </a:r>
-            <a:r>
-              <a:rPr lang="ko-KR" altLang="en-US" sz="1450">
-                <a:solidFill>
-                  <a:srgbClr val="e7e6e6">
-                    <a:lumMod val="90000"/>
-                  </a:srgbClr>
-                </a:solidFill>
-              </a:rPr>
-              <a:t> </a:t>
-            </a:r>
-            <a:r>
-              <a:rPr lang="ko-KR" altLang="ko-KR" sz="1450">
-                <a:solidFill>
-                  <a:srgbClr val="e7e6e6">
-                    <a:lumMod val="90000"/>
-                  </a:srgbClr>
-                </a:solidFill>
-              </a:rPr>
-              <a:t>회원이 작성한 리뷰글을 상세보기(제목, 내용, 작성 아이디, 작성한 시간, 조회수) 할 수 있다. </a:t>
-            </a:r>
-            <a:endParaRPr lang="ko-KR" altLang="ko-KR" sz="1450">
-              <a:solidFill>
-                <a:srgbClr val="e7e6e6">
-                  <a:lumMod val="90000"/>
-                </a:srgbClr>
-              </a:solidFill>
-            </a:endParaRPr>
-          </a:p>
-          <a:p>
-            <a:pPr lvl="1">
-              <a:lnSpc>
-                <a:spcPct val="150000"/>
-              </a:lnSpc>
-              <a:defRPr/>
-            </a:pPr>
-            <a:r>
-              <a:rPr lang="en-US" altLang="ko-KR" sz="1450">
-                <a:solidFill>
-                  <a:srgbClr val="e7e6e6">
-                    <a:lumMod val="90000"/>
-                  </a:srgbClr>
-                </a:solidFill>
-              </a:rPr>
-              <a:t>-</a:t>
-            </a:r>
-            <a:r>
-              <a:rPr lang="ko-KR" altLang="ko-KR" sz="1450">
-                <a:solidFill>
-                  <a:srgbClr val="e7e6e6">
-                    <a:lumMod val="90000"/>
-                  </a:srgbClr>
-                </a:solidFill>
-              </a:rPr>
-              <a:t>. 관리자는 신고 관리 페이지에서 모든 회원이 작성한 리뷰글 중 신고가 접수된 리뷰글을 삭제 할 수 있다. </a:t>
+              <a:t> 관리자는 신고 관리 페이지에서 모든 회원이 작성한 리뷰글 중 신고가 접수된 리뷰글을 삭제 할 수 있다. </a:t>
             </a:r>
             <a:endParaRPr lang="ko-KR" altLang="ko-KR" sz="1450">
               <a:solidFill>
@@ -5128,8 +5133,8 @@
         </p:nvSpPr>
         <p:spPr>
           <a:xfrm>
-            <a:off x="203694" y="1534116"/>
-            <a:ext cx="11564802" cy="4045629"/>
+            <a:off x="158336" y="1406185"/>
+            <a:ext cx="11564802" cy="4049735"/>
           </a:xfrm>
           <a:prstGeom prst="rect">
             <a:avLst/>
@@ -5255,7 +5260,27 @@
                   </a:srgbClr>
                 </a:solidFill>
               </a:rPr>
-              <a:t>- 회원은 마이페이지에서 ‘내 예매 내역’을 클릭 하여 자신이 예매한 내역을 조회한 후, 시간이 지나지않은 영화의 좌석이나 시간을 </a:t>
+              <a:t>- 회원은 마이페이지에서 ‘내 예매 내역’을 클릭 하여 자신이 예매한 내역을 조회한 후, 시간이 지나지</a:t>
+            </a:r>
+            <a:r>
+              <a:rPr lang="ko-KR" altLang="en-US" sz="1450">
+                <a:solidFill>
+                  <a:srgbClr val="e7e6e6">
+                    <a:lumMod val="90000"/>
+                  </a:srgbClr>
+                </a:solidFill>
+              </a:rPr>
+              <a:t> </a:t>
+            </a:r>
+            <a:r>
+              <a:rPr lang="ko-KR" altLang="ko-KR" sz="1450">
+                <a:solidFill>
+                  <a:srgbClr val="e7e6e6">
+                    <a:lumMod val="90000"/>
+                  </a:srgbClr>
+                </a:solidFill>
+              </a:rPr>
+              <a:t>않은 영화의 좌석이나 시간을 </a:t>
             </a:r>
             <a:endParaRPr lang="ko-KR" altLang="ko-KR" sz="1450">
               <a:solidFill>
@@ -5315,7 +5340,27 @@
                   </a:srgbClr>
                 </a:solidFill>
               </a:rPr>
-              <a:t>- 회원은 마이페이지에서 ‘내 예매 내역’을 클릭 하여 자신이 예매한 내역을 조회한 후, 시간이 지나지않은 영화를 취소할 수있다. </a:t>
+              <a:t>- 회원은 마이페이지에서 ‘내 예매 내역’을 클릭 하여 자신이 예매한 내역을 조회한 후, 시간이 지나지</a:t>
+            </a:r>
+            <a:r>
+              <a:rPr lang="ko-KR" altLang="en-US" sz="1450">
+                <a:solidFill>
+                  <a:srgbClr val="e7e6e6">
+                    <a:lumMod val="90000"/>
+                  </a:srgbClr>
+                </a:solidFill>
+              </a:rPr>
+              <a:t> </a:t>
+            </a:r>
+            <a:r>
+              <a:rPr lang="ko-KR" altLang="ko-KR" sz="1450">
+                <a:solidFill>
+                  <a:srgbClr val="e7e6e6">
+                    <a:lumMod val="90000"/>
+                  </a:srgbClr>
+                </a:solidFill>
+              </a:rPr>
+              <a:t>않은 영화를 취소할 수있다. </a:t>
             </a:r>
             <a:endParaRPr lang="ko-KR" altLang="ko-KR" sz="1450">
               <a:solidFill>
@@ -5390,7 +5435,47 @@
                   </a:srgbClr>
                 </a:solidFill>
               </a:rPr>
-              <a:t>- 관리자는 예매내역 관리 페이지에서 전체회원이 예매한 전체내역을 조회할 수 있다</a:t>
+              <a:t>- 관리자는 예매내역 관리 페이지에서 </a:t>
+            </a:r>
+            <a:r>
+              <a:rPr lang="ko-KR" altLang="en-US" sz="1450">
+                <a:solidFill>
+                  <a:srgbClr val="e7e6e6">
+                    <a:lumMod val="90000"/>
+                  </a:srgbClr>
+                </a:solidFill>
+              </a:rPr>
+              <a:t>모든 </a:t>
+            </a:r>
+            <a:r>
+              <a:rPr lang="ko-KR" altLang="ko-KR" sz="1450">
+                <a:solidFill>
+                  <a:srgbClr val="e7e6e6">
+                    <a:lumMod val="90000"/>
+                  </a:srgbClr>
+                </a:solidFill>
+              </a:rPr>
+              <a:t>회원이 전체</a:t>
+            </a:r>
+            <a:r>
+              <a:rPr lang="ko-KR" altLang="en-US" sz="1450">
+                <a:solidFill>
+                  <a:srgbClr val="e7e6e6">
+                    <a:lumMod val="90000"/>
+                  </a:srgbClr>
+                </a:solidFill>
+              </a:rPr>
+              <a:t> 예매</a:t>
+            </a:r>
+            <a:r>
+              <a:rPr lang="ko-KR" altLang="ko-KR" sz="1450">
+                <a:solidFill>
+                  <a:srgbClr val="e7e6e6">
+                    <a:lumMod val="90000"/>
+                  </a:srgbClr>
+                </a:solidFill>
+              </a:rPr>
+              <a:t>내역을 조회할 수 있다</a:t>
             </a:r>
             <a:endParaRPr lang="ko-KR" altLang="ko-KR" sz="1450">
               <a:solidFill>
@@ -5569,8 +5654,8 @@
         </p:nvSpPr>
         <p:spPr>
           <a:xfrm>
-            <a:off x="167059" y="1552434"/>
-            <a:ext cx="11564802" cy="3344808"/>
+            <a:off x="130772" y="1443576"/>
+            <a:ext cx="11564803" cy="3345594"/>
           </a:xfrm>
           <a:prstGeom prst="rect">
             <a:avLst/>
@@ -5598,7 +5683,7 @@
               </a:rPr>
               <a:t>6. 상영스케줄 - 회원, 비회원, 관리자 </a:t>
             </a:r>
-            <a:endParaRPr lang="ko-KR" altLang="ko-KR" sz="1600">
+            <a:endParaRPr lang="ko-KR" altLang="ko-KR" b="1">
               <a:solidFill>
                 <a:srgbClr val="e7e6e6">
                   <a:lumMod val="90000"/>
@@ -5701,7 +5786,27 @@
                   </a:srgbClr>
                 </a:solidFill>
               </a:rPr>
-              <a:t>- 관리자는 상영스케줄 관리 페이지에서 영화에 대한 상영스케줄을 등록할 수 있다.</a:t>
+              <a:t>- 관리자는 상영스케줄 관리 페이지에서 영화에 대한 상영스케줄을 등록</a:t>
+            </a:r>
+            <a:r>
+              <a:rPr lang="ko-KR" altLang="en-US" sz="1450">
+                <a:solidFill>
+                  <a:srgbClr val="e7e6e6">
+                    <a:lumMod val="90000"/>
+                  </a:srgbClr>
+                </a:solidFill>
+              </a:rPr>
+              <a:t> </a:t>
+            </a:r>
+            <a:r>
+              <a:rPr lang="ko-KR" altLang="ko-KR" sz="1450">
+                <a:solidFill>
+                  <a:srgbClr val="e7e6e6">
+                    <a:lumMod val="90000"/>
+                  </a:srgbClr>
+                </a:solidFill>
+              </a:rPr>
+              <a:t>할 수 있다.</a:t>
             </a:r>
             <a:endParaRPr lang="ko-KR" altLang="ko-KR" sz="1450">
               <a:solidFill>
@@ -5726,7 +5831,27 @@
                   </a:srgbClr>
                 </a:solidFill>
               </a:rPr>
-              <a:t>- 관리자는 상영스케줄 관리 페이지에서 영화에 대한 상영스케줄을 수정할 수 있다.</a:t>
+              <a:t>- 관리자는 상영스케줄 관리 페이지에서 영화에 대한 상영스케줄을 수정</a:t>
+            </a:r>
+            <a:r>
+              <a:rPr lang="ko-KR" altLang="en-US" sz="1450">
+                <a:solidFill>
+                  <a:srgbClr val="e7e6e6">
+                    <a:lumMod val="90000"/>
+                  </a:srgbClr>
+                </a:solidFill>
+              </a:rPr>
+              <a:t> </a:t>
+            </a:r>
+            <a:r>
+              <a:rPr lang="ko-KR" altLang="ko-KR" sz="1450">
+                <a:solidFill>
+                  <a:srgbClr val="e7e6e6">
+                    <a:lumMod val="90000"/>
+                  </a:srgbClr>
+                </a:solidFill>
+              </a:rPr>
+              <a:t>할 수 있다.</a:t>
             </a:r>
             <a:endParaRPr lang="ko-KR" altLang="ko-KR" sz="1450">
               <a:solidFill>
@@ -5751,7 +5876,27 @@
                   </a:srgbClr>
                 </a:solidFill>
               </a:rPr>
-              <a:t>- 관리자는 상영스케줄 관리 페이지에서 영화에 대한 상영스케줄을 삭제할 수 있다.</a:t>
+              <a:t>- 관리자는 상영스케줄 관리 페이지에서 영화에 대한 상영스케줄을 삭제</a:t>
+            </a:r>
+            <a:r>
+              <a:rPr lang="ko-KR" altLang="en-US" sz="1450">
+                <a:solidFill>
+                  <a:srgbClr val="e7e6e6">
+                    <a:lumMod val="90000"/>
+                  </a:srgbClr>
+                </a:solidFill>
+              </a:rPr>
+              <a:t> </a:t>
+            </a:r>
+            <a:r>
+              <a:rPr lang="ko-KR" altLang="ko-KR" sz="1450">
+                <a:solidFill>
+                  <a:srgbClr val="e7e6e6">
+                    <a:lumMod val="90000"/>
+                  </a:srgbClr>
+                </a:solidFill>
+              </a:rPr>
+              <a:t>할 수 있다.</a:t>
             </a:r>
             <a:endParaRPr lang="ko-KR" altLang="ko-KR" sz="1450">
               <a:solidFill>
@@ -5920,8 +6065,8 @@
         </p:nvSpPr>
         <p:spPr>
           <a:xfrm>
-            <a:off x="112108" y="1589068"/>
-            <a:ext cx="11564802" cy="4411608"/>
+            <a:off x="157464" y="1452995"/>
+            <a:ext cx="11564803" cy="4764924"/>
           </a:xfrm>
           <a:prstGeom prst="rect">
             <a:avLst/>
@@ -6037,7 +6182,27 @@
                   </a:srgbClr>
                 </a:solidFill>
               </a:rPr>
-              <a:t>- 회원, 비회원, 관리자는 영화 랭킹 페이지에서 현재 상영 중인 영화전체를 조회 할 수 있다. (포스터, 제목, 예매율) </a:t>
+              <a:t>- 회원, 비회원, 관리자는 영화 랭킹 페이지에서 현재 상영 중인 영화</a:t>
+            </a:r>
+            <a:r>
+              <a:rPr lang="ko-KR" altLang="en-US" sz="1450">
+                <a:solidFill>
+                  <a:srgbClr val="e7e6e6">
+                    <a:lumMod val="90000"/>
+                  </a:srgbClr>
+                </a:solidFill>
+              </a:rPr>
+              <a:t> </a:t>
+            </a:r>
+            <a:r>
+              <a:rPr lang="ko-KR" altLang="ko-KR" sz="1450">
+                <a:solidFill>
+                  <a:srgbClr val="e7e6e6">
+                    <a:lumMod val="90000"/>
+                  </a:srgbClr>
+                </a:solidFill>
+              </a:rPr>
+              <a:t>전체를 조회 할 수 있다. (포스터, 제목, 예매율) </a:t>
             </a:r>
             <a:endParaRPr lang="ko-KR" altLang="ko-KR" sz="1450">
               <a:solidFill>
@@ -6055,6 +6220,16 @@
               <a:defRPr/>
             </a:pPr>
             <a:r>
+              <a:rPr lang="ko-KR" altLang="en-US" sz="1450">
+                <a:solidFill>
+                  <a:srgbClr val="e7e6e6">
+                    <a:lumMod val="90000"/>
+                  </a:srgbClr>
+                </a:solidFill>
+              </a:rPr>
+              <a:t>  </a:t>
+            </a:r>
+            <a:r>
               <a:rPr lang="ko-KR" altLang="ko-KR" sz="1450">
                 <a:solidFill>
                   <a:srgbClr val="e7e6e6">
@@ -6112,7 +6287,7 @@
                   </a:srgbClr>
                 </a:solidFill>
               </a:rPr>
-              <a:t>- 회원, 비회원, 관리자는 영화 랭킹 페이지에서 영화들 중 하나를 클릭하여 상세보기가 가능하다. (포스터, 제목, 줄거리, 개봉일, 장르, 감독, 배우)</a:t>
+              <a:t>- 회원, 비회원, 관리자는 영화 랭킹 페이지에서 영화들 중 하나를 클릭하여 상세보기가 가능하다. (포스터, 제목, 줄거리, 개봉일, </a:t>
             </a:r>
             <a:endParaRPr lang="ko-KR" altLang="ko-KR" sz="1450">
               <a:solidFill>
@@ -6130,6 +6305,16 @@
               <a:defRPr/>
             </a:pPr>
             <a:r>
+              <a:rPr lang="ko-KR" altLang="en-US" sz="1450">
+                <a:solidFill>
+                  <a:srgbClr val="e7e6e6">
+                    <a:lumMod val="90000"/>
+                  </a:srgbClr>
+                </a:solidFill>
+              </a:rPr>
+              <a:t>  </a:t>
+            </a:r>
+            <a:r>
               <a:rPr lang="ko-KR" altLang="ko-KR" sz="1450">
                 <a:solidFill>
                   <a:srgbClr val="e7e6e6">
@@ -6137,6 +6322,46 @@
                   </a:srgbClr>
                 </a:solidFill>
               </a:rPr>
+              <a:t>장르, 감독, 배우)</a:t>
+            </a:r>
+            <a:endParaRPr lang="ko-KR" altLang="ko-KR" sz="1450">
+              <a:solidFill>
+                <a:srgbClr val="e7e6e6">
+                  <a:lumMod val="90000"/>
+                </a:srgbClr>
+              </a:solidFill>
+            </a:endParaRPr>
+          </a:p>
+          <a:p>
+            <a:pPr lvl="1">
+              <a:lnSpc>
+                <a:spcPct val="160000"/>
+              </a:lnSpc>
+              <a:defRPr/>
+            </a:pPr>
+            <a:endParaRPr lang="ko-KR" altLang="ko-KR" sz="1450">
+              <a:solidFill>
+                <a:srgbClr val="e7e6e6">
+                  <a:lumMod val="90000"/>
+                </a:srgbClr>
+              </a:solidFill>
+            </a:endParaRPr>
+          </a:p>
+          <a:p>
+            <a:pPr lvl="1">
+              <a:lnSpc>
+                <a:spcPct val="160000"/>
+              </a:lnSpc>
+              <a:defRPr/>
+            </a:pPr>
+            <a:r>
+              <a:rPr lang="ko-KR" altLang="ko-KR" sz="1450">
+                <a:solidFill>
+                  <a:srgbClr val="e7e6e6">
+                    <a:lumMod val="90000"/>
+                  </a:srgbClr>
+                </a:solidFill>
+              </a:rPr>
               <a:t>- 관리자는 영화 관리 페이지에서 영화 정보(포스터, 제목, 줄거리, 개봉일, 장르, 감독, 배우)를 등록 할 수 있다.</a:t>
             </a:r>
             <a:endParaRPr lang="ko-KR" altLang="ko-KR" sz="1450">
@@ -6162,7 +6387,27 @@
                   </a:srgbClr>
                 </a:solidFill>
               </a:rPr>
-              <a:t>- 관리자는 영화 관리 페이지에서 영화 정보(포스터, 제목, 줄거리, 개봉일, 장르, 감독, 배우)를 수정할 수 있다.</a:t>
+              <a:t>- 관리자는 영화 관리 페이지에서 영화 정보(포스터, 제목, 줄거리, 개봉일, 장르, 감독, 배우)를 수정</a:t>
+            </a:r>
+            <a:r>
+              <a:rPr lang="ko-KR" altLang="en-US" sz="1450">
+                <a:solidFill>
+                  <a:srgbClr val="e7e6e6">
+                    <a:lumMod val="90000"/>
+                  </a:srgbClr>
+                </a:solidFill>
+              </a:rPr>
+              <a:t> </a:t>
+            </a:r>
+            <a:r>
+              <a:rPr lang="ko-KR" altLang="ko-KR" sz="1450">
+                <a:solidFill>
+                  <a:srgbClr val="e7e6e6">
+                    <a:lumMod val="90000"/>
+                  </a:srgbClr>
+                </a:solidFill>
+              </a:rPr>
+              <a:t>할 수 있다.</a:t>
             </a:r>
             <a:endParaRPr lang="ko-KR" altLang="ko-KR" sz="1450">
               <a:solidFill>
@@ -6341,8 +6586,8 @@
         </p:nvSpPr>
         <p:spPr>
           <a:xfrm>
-            <a:off x="139584" y="1396737"/>
-            <a:ext cx="11564802" cy="2573283"/>
+            <a:off x="157725" y="1378594"/>
+            <a:ext cx="11664590" cy="5308319"/>
           </a:xfrm>
           <a:prstGeom prst="rect">
             <a:avLst/>
@@ -6368,10 +6613,155 @@
                   </a:srgbClr>
                 </a:solidFill>
               </a:rPr>
-              <a:t>1. 회원</a:t>
-            </a:r>
-            <a:r>
-              <a:rPr lang="ko-KR" altLang="ko-KR" sz="1600">
+              <a:t>8 채용정보 - 회원, 관리자 이용가능</a:t>
+            </a:r>
+            <a:endParaRPr lang="ko-KR" altLang="ko-KR" b="1">
+              <a:solidFill>
+                <a:srgbClr val="e7e6e6">
+                  <a:lumMod val="90000"/>
+                </a:srgbClr>
+              </a:solidFill>
+            </a:endParaRPr>
+          </a:p>
+          <a:p>
+            <a:pPr lvl="1">
+              <a:lnSpc>
+                <a:spcPct val="160000"/>
+              </a:lnSpc>
+              <a:defRPr/>
+            </a:pPr>
+            <a:endParaRPr lang="ko-KR" altLang="ko-KR" sz="1400">
+              <a:solidFill>
+                <a:srgbClr val="e7e6e6">
+                  <a:lumMod val="90000"/>
+                </a:srgbClr>
+              </a:solidFill>
+            </a:endParaRPr>
+          </a:p>
+          <a:p>
+            <a:pPr lvl="1">
+              <a:lnSpc>
+                <a:spcPct val="160000"/>
+              </a:lnSpc>
+              <a:defRPr/>
+            </a:pPr>
+            <a:r>
+              <a:rPr lang="ko-KR" altLang="ko-KR" sz="1400">
+                <a:solidFill>
+                  <a:srgbClr val="e7e6e6">
+                    <a:lumMod val="90000"/>
+                  </a:srgbClr>
+                </a:solidFill>
+              </a:rPr>
+              <a:t>- 회원은 채용정보 게시판에서 현재 진행 중인 채용정보를 조회 할 수 있다.</a:t>
+            </a:r>
+            <a:endParaRPr lang="ko-KR" altLang="ko-KR" sz="1400">
+              <a:solidFill>
+                <a:srgbClr val="e7e6e6">
+                  <a:lumMod val="90000"/>
+                </a:srgbClr>
+              </a:solidFill>
+            </a:endParaRPr>
+          </a:p>
+          <a:p>
+            <a:pPr lvl="1">
+              <a:lnSpc>
+                <a:spcPct val="160000"/>
+              </a:lnSpc>
+              <a:defRPr/>
+            </a:pPr>
+            <a:r>
+              <a:rPr lang="ko-KR" altLang="ko-KR" sz="1400">
+                <a:solidFill>
+                  <a:srgbClr val="e7e6e6">
+                    <a:lumMod val="90000"/>
+                  </a:srgbClr>
+                </a:solidFill>
+              </a:rPr>
+              <a:t>- 회원은 채용정보 게시판에서 현재 진행 중인 채용정보를 상세보기 할 수 있다.</a:t>
+            </a:r>
+            <a:endParaRPr lang="ko-KR" altLang="ko-KR" sz="1400">
+              <a:solidFill>
+                <a:srgbClr val="e7e6e6">
+                  <a:lumMod val="90000"/>
+                </a:srgbClr>
+              </a:solidFill>
+            </a:endParaRPr>
+          </a:p>
+          <a:p>
+            <a:pPr lvl="1">
+              <a:lnSpc>
+                <a:spcPct val="160000"/>
+              </a:lnSpc>
+              <a:defRPr/>
+            </a:pPr>
+            <a:r>
+              <a:rPr lang="ko-KR" altLang="ko-KR" sz="1400">
+                <a:solidFill>
+                  <a:srgbClr val="e7e6e6">
+                    <a:lumMod val="90000"/>
+                  </a:srgbClr>
+                </a:solidFill>
+              </a:rPr>
+              <a:t>- 회원은 채용정보 상세보기 창에서 지원하기 버튼을 눌러 지원양식 폼에 사진, 이름, 자기소개, 주소, 전화번호, 이메일, </a:t>
+            </a:r>
+            <a:r>
+              <a:rPr lang="ko-KR" altLang="en-US" sz="1400">
+                <a:solidFill>
+                  <a:srgbClr val="e7e6e6">
+                    <a:lumMod val="90000"/>
+                  </a:srgbClr>
+                </a:solidFill>
+              </a:rPr>
+              <a:t>아르바이트 </a:t>
+            </a:r>
+            <a:r>
+              <a:rPr lang="ko-KR" altLang="ko-KR" sz="1400">
+                <a:solidFill>
+                  <a:srgbClr val="e7e6e6">
+                    <a:lumMod val="90000"/>
+                  </a:srgbClr>
+                </a:solidFill>
+              </a:rPr>
+              <a:t>경력을 </a:t>
+            </a:r>
+            <a:endParaRPr lang="ko-KR" altLang="ko-KR" sz="1400">
+              <a:solidFill>
+                <a:srgbClr val="e7e6e6">
+                  <a:lumMod val="90000"/>
+                </a:srgbClr>
+              </a:solidFill>
+            </a:endParaRPr>
+          </a:p>
+          <a:p>
+            <a:pPr lvl="1">
+              <a:lnSpc>
+                <a:spcPct val="160000"/>
+              </a:lnSpc>
+              <a:defRPr/>
+            </a:pPr>
+            <a:r>
+              <a:rPr lang="ko-KR" altLang="en-US" sz="1400">
+                <a:solidFill>
+                  <a:srgbClr val="e7e6e6">
+                    <a:lumMod val="90000"/>
+                  </a:srgbClr>
+                </a:solidFill>
+              </a:rPr>
+              <a:t>  </a:t>
+            </a:r>
+            <a:r>
+              <a:rPr lang="ko-KR" altLang="ko-KR" sz="1400">
+                <a:solidFill>
+                  <a:srgbClr val="e7e6e6">
+                    <a:lumMod val="90000"/>
+                  </a:srgbClr>
+                </a:solidFill>
+              </a:rPr>
+              <a:t>넣어서 지원할 수 있다.</a:t>
+            </a:r>
+            <a:r>
+              <a:rPr lang="ko-KR" altLang="en-US" sz="1400">
                 <a:solidFill>
                   <a:srgbClr val="e7e6e6">
                     <a:lumMod val="90000"/>
@@ -6380,7 +6770,37 @@
               </a:rPr>
               <a:t> </a:t>
             </a:r>
-            <a:endParaRPr lang="ko-KR" altLang="ko-KR" sz="1600">
+            <a:r>
+              <a:rPr lang="en-US" altLang="ko-KR" sz="1400">
+                <a:solidFill>
+                  <a:srgbClr val="e7e6e6">
+                    <a:lumMod val="90000"/>
+                  </a:srgbClr>
+                </a:solidFill>
+              </a:rPr>
+              <a:t>{</a:t>
+            </a:r>
+            <a:r>
+              <a:rPr lang="ko-KR" altLang="ko-KR" sz="1400">
+                <a:solidFill>
+                  <a:srgbClr val="e7e6e6">
+                    <a:lumMod val="90000"/>
+                  </a:srgbClr>
+                </a:solidFill>
+              </a:rPr>
+              <a:t>블라인드 채용생각해보기</a:t>
+            </a:r>
+            <a:r>
+              <a:rPr lang="en-US" altLang="ko-KR" sz="1400">
+                <a:solidFill>
+                  <a:srgbClr val="e7e6e6">
+                    <a:lumMod val="90000"/>
+                  </a:srgbClr>
+                </a:solidFill>
+              </a:rPr>
+              <a:t>}</a:t>
+            </a:r>
+            <a:endParaRPr lang="en-US" altLang="ko-KR" sz="1400">
               <a:solidFill>
                 <a:srgbClr val="e7e6e6">
                   <a:lumMod val="90000"/>
@@ -6395,6 +6815,16 @@
               </a:lnSpc>
               <a:defRPr/>
             </a:pPr>
+            <a:r>
+              <a:rPr lang="ko-KR" altLang="ko-KR" sz="1400">
+                <a:solidFill>
+                  <a:srgbClr val="e7e6e6">
+                    <a:lumMod val="90000"/>
+                  </a:srgbClr>
+                </a:solidFill>
+              </a:rPr>
+              <a:t>- 회원은 채용정보 게시판 페이지에서 이름을 입력해 자신의 지원서를 조회한뒤 상세보기 할 수 있다</a:t>
+            </a:r>
             <a:endParaRPr lang="ko-KR" altLang="ko-KR" sz="1400">
               <a:solidFill>
                 <a:srgbClr val="e7e6e6">
@@ -6418,7 +6848,7 @@
                   </a:srgbClr>
                 </a:solidFill>
               </a:rPr>
-              <a:t>- 회원, 비회원, 관리자는 공지사항 게시판 페이지에서 공지사항 게시글 전체를 조회할 수 있다</a:t>
+              <a:t>- 회원은 채용정보 게시판 내에서 ‘내 지원현황’을 클릭하여 자신의 지원현황을 조회 할 수 있다.</a:t>
             </a:r>
             <a:endParaRPr lang="ko-KR" altLang="ko-KR" sz="1400">
               <a:solidFill>
@@ -6443,7 +6873,7 @@
                   </a:srgbClr>
                 </a:solidFill>
               </a:rPr>
-              <a:t>- 회원, 비회원, 관리자는 공지사항 게시판 페이지에서 키워드(제목, 내용)를 입력하여 검색할 수 있다.</a:t>
+              <a:t>- 회원은 채용정보 게시판 내에서 ‘내 지원현황’을 클릭하여 자신의 지원현황를 수정 및 삭제 할 수 있다.</a:t>
             </a:r>
             <a:endParaRPr lang="ko-KR" altLang="ko-KR" sz="1400">
               <a:solidFill>
@@ -6460,6 +6890,21 @@
               </a:lnSpc>
               <a:defRPr/>
             </a:pPr>
+            <a:endParaRPr lang="ko-KR" altLang="ko-KR" sz="1400">
+              <a:solidFill>
+                <a:srgbClr val="e7e6e6">
+                  <a:lumMod val="90000"/>
+                </a:srgbClr>
+              </a:solidFill>
+            </a:endParaRPr>
+          </a:p>
+          <a:p>
+            <a:pPr lvl="1">
+              <a:lnSpc>
+                <a:spcPct val="160000"/>
+              </a:lnSpc>
+              <a:defRPr/>
+            </a:pPr>
             <a:r>
               <a:rPr lang="ko-KR" altLang="ko-KR" sz="1400">
                 <a:solidFill>
@@ -6468,7 +6913,7 @@
                   </a:srgbClr>
                 </a:solidFill>
               </a:rPr>
-              <a:t>- 회원, 비회원, 관리자는 공지사항 게시판 페이지에서 특정 공지사항 글 하나를 상세보기 할 수 있다.(제목 내용)</a:t>
+              <a:t>- 관리자는 채용정보 게시판 페이지에서 채용공고를 등록 할 수 있다. </a:t>
             </a:r>
             <a:endParaRPr lang="ko-KR" altLang="ko-KR" sz="1400">
               <a:solidFill>
@@ -6493,7 +6938,7 @@
                   </a:srgbClr>
                 </a:solidFill>
               </a:rPr>
-              <a:t>- 관리자는 공지사항 게시판 페이지에서 게시글을 작성할 수 있다</a:t>
+              <a:t>- 관리자는 채용정보 게시판 페이지에서 모든 회원이 제출한 지원서들을 조회 및 상세보기할 수 있다.</a:t>
             </a:r>
             <a:endParaRPr lang="ko-KR" altLang="ko-KR" sz="1400">
               <a:solidFill>
@@ -6518,7 +6963,77 @@
                   </a:srgbClr>
                 </a:solidFill>
               </a:rPr>
-              <a:t>- 관리자는 공지사항 게시판 페이지에서 게시글을 상세보기하여 수정 및 삭제할 수 있다.</a:t>
+              <a:t>- 관리자는 채용정보 게시판 페이지에서 키워드를 입력해 지원서를 상세보기 할 수 있다.</a:t>
+            </a:r>
+            <a:endParaRPr lang="ko-KR" altLang="ko-KR" sz="1400">
+              <a:solidFill>
+                <a:srgbClr val="e7e6e6">
+                  <a:lumMod val="90000"/>
+                </a:srgbClr>
+              </a:solidFill>
+            </a:endParaRPr>
+          </a:p>
+          <a:p>
+            <a:pPr lvl="1">
+              <a:lnSpc>
+                <a:spcPct val="160000"/>
+              </a:lnSpc>
+              <a:defRPr/>
+            </a:pPr>
+            <a:r>
+              <a:rPr lang="ko-KR" altLang="ko-KR" sz="1400">
+                <a:solidFill>
+                  <a:srgbClr val="e7e6e6">
+                    <a:lumMod val="90000"/>
+                  </a:srgbClr>
+                </a:solidFill>
+              </a:rPr>
+              <a:t>- 관리자는 채용정보 게시판 페이지에서 모든</a:t>
+            </a:r>
+            <a:r>
+              <a:rPr lang="ko-KR" altLang="en-US" sz="1400">
+                <a:solidFill>
+                  <a:srgbClr val="e7e6e6">
+                    <a:lumMod val="90000"/>
+                  </a:srgbClr>
+                </a:solidFill>
+              </a:rPr>
+              <a:t> </a:t>
+            </a:r>
+            <a:r>
+              <a:rPr lang="ko-KR" altLang="ko-KR" sz="1400">
+                <a:solidFill>
+                  <a:srgbClr val="e7e6e6">
+                    <a:lumMod val="90000"/>
+                  </a:srgbClr>
+                </a:solidFill>
+              </a:rPr>
+              <a:t>회원이 제출한 지원서를 즐겨찾기에 추가하거나 해제할 수 있다.</a:t>
+            </a:r>
+            <a:endParaRPr lang="ko-KR" altLang="ko-KR" sz="1400">
+              <a:solidFill>
+                <a:srgbClr val="e7e6e6">
+                  <a:lumMod val="90000"/>
+                </a:srgbClr>
+              </a:solidFill>
+            </a:endParaRPr>
+          </a:p>
+          <a:p>
+            <a:pPr lvl="1">
+              <a:lnSpc>
+                <a:spcPct val="160000"/>
+              </a:lnSpc>
+              <a:defRPr/>
+            </a:pPr>
+            <a:r>
+              <a:rPr lang="ko-KR" altLang="ko-KR" sz="1400">
+                <a:solidFill>
+                  <a:srgbClr val="e7e6e6">
+                    <a:lumMod val="90000"/>
+                  </a:srgbClr>
+                </a:solidFill>
+              </a:rPr>
+              <a:t>- 관리자는 채용정보 즐겨찾기 페이지에서 즐겨찾기한 지원서를 조회 및 상세보기 할 수 있다.</a:t>
             </a:r>
             <a:endParaRPr lang="ko-KR" altLang="ko-KR" sz="1400">
               <a:solidFill>
@@ -6672,8 +7187,8 @@
         </p:nvSpPr>
         <p:spPr>
           <a:xfrm>
-            <a:off x="139584" y="1396737"/>
-            <a:ext cx="11564802" cy="4738755"/>
+            <a:off x="130512" y="1442094"/>
+            <a:ext cx="11564802" cy="3089901"/>
           </a:xfrm>
           <a:prstGeom prst="rect">
             <a:avLst/>
@@ -6699,10 +7214,812 @@
                   </a:srgbClr>
                 </a:solidFill>
               </a:rPr>
-              <a:t>1. 회원</a:t>
-            </a:r>
-            <a:r>
-              <a:rPr lang="ko-KR" altLang="ko-KR" sz="1600">
+              <a:t>9 공지사항 게시판 - 회원, 비회원, 관리자</a:t>
+            </a:r>
+            <a:endParaRPr lang="ko-KR" altLang="ko-KR" b="1">
+              <a:solidFill>
+                <a:srgbClr val="e7e6e6">
+                  <a:lumMod val="90000"/>
+                </a:srgbClr>
+              </a:solidFill>
+            </a:endParaRPr>
+          </a:p>
+          <a:p>
+            <a:pPr lvl="1">
+              <a:lnSpc>
+                <a:spcPct val="160000"/>
+              </a:lnSpc>
+              <a:defRPr/>
+            </a:pPr>
+            <a:endParaRPr lang="ko-KR" altLang="ko-KR" b="1">
+              <a:solidFill>
+                <a:srgbClr val="e7e6e6">
+                  <a:lumMod val="90000"/>
+                </a:srgbClr>
+              </a:solidFill>
+            </a:endParaRPr>
+          </a:p>
+          <a:p>
+            <a:pPr lvl="1">
+              <a:lnSpc>
+                <a:spcPct val="160000"/>
+              </a:lnSpc>
+              <a:defRPr/>
+            </a:pPr>
+            <a:r>
+              <a:rPr lang="ko-KR" altLang="ko-KR" sz="1450">
+                <a:solidFill>
+                  <a:srgbClr val="e7e6e6">
+                    <a:lumMod val="90000"/>
+                  </a:srgbClr>
+                </a:solidFill>
+              </a:rPr>
+              <a:t>- 회원, 비회원, 관리자는 공지사항 게시판 페이지에서 공지사항 게시글 전체를 조회할 수 있다</a:t>
+            </a:r>
+            <a:r>
+              <a:rPr lang="en-US" altLang="ko-KR" sz="1450">
+                <a:solidFill>
+                  <a:srgbClr val="e7e6e6">
+                    <a:lumMod val="90000"/>
+                  </a:srgbClr>
+                </a:solidFill>
+              </a:rPr>
+              <a:t>.</a:t>
+            </a:r>
+            <a:endParaRPr lang="en-US" altLang="ko-KR" sz="1450">
+              <a:solidFill>
+                <a:srgbClr val="e7e6e6">
+                  <a:lumMod val="90000"/>
+                </a:srgbClr>
+              </a:solidFill>
+            </a:endParaRPr>
+          </a:p>
+          <a:p>
+            <a:pPr lvl="1">
+              <a:lnSpc>
+                <a:spcPct val="160000"/>
+              </a:lnSpc>
+              <a:defRPr/>
+            </a:pPr>
+            <a:r>
+              <a:rPr lang="ko-KR" altLang="ko-KR" sz="1450">
+                <a:solidFill>
+                  <a:srgbClr val="e7e6e6">
+                    <a:lumMod val="90000"/>
+                  </a:srgbClr>
+                </a:solidFill>
+              </a:rPr>
+              <a:t>- 회원, 비회원, 관리자는 공지사항 게시판 페이지에서 키워드(제목, 내용)를 입력하여 검색할 수 있다.</a:t>
+            </a:r>
+            <a:endParaRPr lang="ko-KR" altLang="ko-KR" sz="1450">
+              <a:solidFill>
+                <a:srgbClr val="e7e6e6">
+                  <a:lumMod val="90000"/>
+                </a:srgbClr>
+              </a:solidFill>
+            </a:endParaRPr>
+          </a:p>
+          <a:p>
+            <a:pPr lvl="1">
+              <a:lnSpc>
+                <a:spcPct val="160000"/>
+              </a:lnSpc>
+              <a:defRPr/>
+            </a:pPr>
+            <a:r>
+              <a:rPr lang="ko-KR" altLang="ko-KR" sz="1450">
+                <a:solidFill>
+                  <a:srgbClr val="e7e6e6">
+                    <a:lumMod val="90000"/>
+                  </a:srgbClr>
+                </a:solidFill>
+              </a:rPr>
+              <a:t>- 회원, 비회원, 관리자는 공지사항 게시판 페이지에서 특정 공지사항 글 하나를 상세보기 할 수 있다.(제목</a:t>
+            </a:r>
+            <a:r>
+              <a:rPr lang="en-US" altLang="ko-KR" sz="1450">
+                <a:solidFill>
+                  <a:srgbClr val="e7e6e6">
+                    <a:lumMod val="90000"/>
+                  </a:srgbClr>
+                </a:solidFill>
+              </a:rPr>
+              <a:t>,</a:t>
+            </a:r>
+            <a:r>
+              <a:rPr lang="ko-KR" altLang="ko-KR" sz="1450">
+                <a:solidFill>
+                  <a:srgbClr val="e7e6e6">
+                    <a:lumMod val="90000"/>
+                  </a:srgbClr>
+                </a:solidFill>
+              </a:rPr>
+              <a:t> 내용)</a:t>
+            </a:r>
+            <a:endParaRPr lang="ko-KR" altLang="ko-KR" sz="1450">
+              <a:solidFill>
+                <a:srgbClr val="e7e6e6">
+                  <a:lumMod val="90000"/>
+                </a:srgbClr>
+              </a:solidFill>
+            </a:endParaRPr>
+          </a:p>
+          <a:p>
+            <a:pPr lvl="1">
+              <a:lnSpc>
+                <a:spcPct val="160000"/>
+              </a:lnSpc>
+              <a:defRPr/>
+            </a:pPr>
+            <a:endParaRPr lang="ko-KR" altLang="ko-KR" sz="1450">
+              <a:solidFill>
+                <a:srgbClr val="e7e6e6">
+                  <a:lumMod val="90000"/>
+                </a:srgbClr>
+              </a:solidFill>
+            </a:endParaRPr>
+          </a:p>
+          <a:p>
+            <a:pPr lvl="1">
+              <a:lnSpc>
+                <a:spcPct val="160000"/>
+              </a:lnSpc>
+              <a:defRPr/>
+            </a:pPr>
+            <a:r>
+              <a:rPr lang="ko-KR" altLang="ko-KR" sz="1450">
+                <a:solidFill>
+                  <a:srgbClr val="e7e6e6">
+                    <a:lumMod val="90000"/>
+                  </a:srgbClr>
+                </a:solidFill>
+              </a:rPr>
+              <a:t>- 관리자는 공지사항 게시판 페이지에서 게시글을 작성할 수 있다</a:t>
+            </a:r>
+            <a:r>
+              <a:rPr lang="en-US" altLang="ko-KR" sz="1450">
+                <a:solidFill>
+                  <a:srgbClr val="e7e6e6">
+                    <a:lumMod val="90000"/>
+                  </a:srgbClr>
+                </a:solidFill>
+              </a:rPr>
+              <a:t>.</a:t>
+            </a:r>
+            <a:endParaRPr lang="en-US" altLang="ko-KR" sz="1450">
+              <a:solidFill>
+                <a:srgbClr val="e7e6e6">
+                  <a:lumMod val="90000"/>
+                </a:srgbClr>
+              </a:solidFill>
+            </a:endParaRPr>
+          </a:p>
+          <a:p>
+            <a:pPr lvl="1">
+              <a:lnSpc>
+                <a:spcPct val="160000"/>
+              </a:lnSpc>
+              <a:defRPr/>
+            </a:pPr>
+            <a:r>
+              <a:rPr lang="ko-KR" altLang="ko-KR" sz="1450">
+                <a:solidFill>
+                  <a:srgbClr val="e7e6e6">
+                    <a:lumMod val="90000"/>
+                  </a:srgbClr>
+                </a:solidFill>
+              </a:rPr>
+              <a:t>- 관리자는 공지사항 게시판 페이지에서 게시글을 상세보기하여 수정 및 삭제할 수 있다.</a:t>
+            </a:r>
+            <a:endParaRPr lang="ko-KR" altLang="ko-KR" sz="1450">
+              <a:solidFill>
+                <a:srgbClr val="e7e6e6">
+                  <a:lumMod val="90000"/>
+                </a:srgbClr>
+              </a:solidFill>
+            </a:endParaRPr>
+          </a:p>
+        </p:txBody>
+      </p:sp>
+      <p:sp>
+        <p:nvSpPr>
+          <p:cNvPr id="57" name="직사각형 14"/>
+          <p:cNvSpPr/>
+          <p:nvPr/>
+        </p:nvSpPr>
+        <p:spPr>
+          <a:xfrm>
+            <a:off x="4712650" y="677994"/>
+            <a:ext cx="2766700" cy="728088"/>
+          </a:xfrm>
+          <a:prstGeom prst="rect">
+            <a:avLst/>
+          </a:prstGeom>
+        </p:spPr>
+        <p:txBody>
+          <a:bodyPr wrap="square">
+            <a:spAutoFit/>
+          </a:bodyPr>
+          <a:lstStyle/>
+          <a:p>
+            <a:pPr algn="ctr">
+              <a:lnSpc>
+                <a:spcPct val="150000"/>
+              </a:lnSpc>
+              <a:defRPr/>
+            </a:pPr>
+            <a:r>
+              <a:rPr lang="ko-KR" altLang="en-US" sz="2800" b="1">
+                <a:solidFill>
+                  <a:srgbClr val="15eeff"/>
+                </a:solidFill>
+              </a:rPr>
+              <a:t>요구사항 정의</a:t>
+            </a:r>
+            <a:endParaRPr lang="ko-KR" altLang="en-US" sz="2800" b="1">
+              <a:solidFill>
+                <a:srgbClr val="15eeff"/>
+              </a:solidFill>
+            </a:endParaRPr>
+          </a:p>
+        </p:txBody>
+      </p:sp>
+      <p:sp>
+        <p:nvSpPr>
+          <p:cNvPr id="58" name="직사각형 14"/>
+          <p:cNvSpPr/>
+          <p:nvPr/>
+        </p:nvSpPr>
+        <p:spPr>
+          <a:xfrm>
+            <a:off x="8460336" y="179957"/>
+            <a:ext cx="3630182" cy="475363"/>
+          </a:xfrm>
+          <a:prstGeom prst="rect">
+            <a:avLst/>
+          </a:prstGeom>
+        </p:spPr>
+        <p:txBody>
+          <a:bodyPr wrap="square">
+            <a:spAutoFit/>
+          </a:bodyPr>
+          <a:lstStyle/>
+          <a:p>
+            <a:pPr algn="ctr">
+              <a:lnSpc>
+                <a:spcPct val="150000"/>
+              </a:lnSpc>
+              <a:defRPr/>
+            </a:pPr>
+            <a:r>
+              <a:rPr lang="ko-KR" altLang="en-US" sz="1700" b="1" i="1">
+                <a:solidFill>
+                  <a:prstClr val="white">
+                    <a:lumMod val="95000"/>
+                  </a:prstClr>
+                </a:solidFill>
+                <a:latin typeface="KoPub돋움체 Bold"/>
+                <a:ea typeface="KoPub돋움체 Bold"/>
+              </a:rPr>
+              <a:t>멀티플렉스 영화관 관리 시스템</a:t>
+            </a:r>
+            <a:endParaRPr lang="ko-KR" altLang="en-US" sz="1700" b="1" i="1">
+              <a:solidFill>
+                <a:prstClr val="white">
+                  <a:lumMod val="95000"/>
+                </a:prstClr>
+              </a:solidFill>
+              <a:latin typeface="KoPub돋움체 Bold"/>
+              <a:ea typeface="KoPub돋움체 Bold"/>
+            </a:endParaRPr>
+          </a:p>
+        </p:txBody>
+      </p:sp>
+    </p:spTree>
+  </p:cSld>
+  <p:clrMapOvr>
+    <a:masterClrMapping/>
+  </p:clrMapOvr>
+  <mc:AlternateContent xmlns:mc="http://schemas.openxmlformats.org/markup-compatibility/2006">
+    <mc:Choice xmlns:p14="http://schemas.microsoft.com/office/powerpoint/2010/main" Requires="p14">
+      <p:transition xmlns:mc="http://schemas.openxmlformats.org/markup-compatibility/2006" xmlns:p14="http://schemas.microsoft.com/office/powerpoint/2010/main" mc:Ignorable="p14" p14:dur="500"/>
+    </mc:Choice>
+    <mc:Fallback>
+      <p:transition/>
+    </mc:Fallback>
+  </mc:AlternateContent>
+</p:sld>
+</file>
+
+<file path=ppt/slides/slide18.xml><?xml version="1.0" encoding="utf-8"?>
+<p:sld xmlns:r="http://schemas.openxmlformats.org/officeDocument/2006/relationships" xmlns:c="http://schemas.openxmlformats.org/drawingml/2006/chart" xmlns:a="http://schemas.openxmlformats.org/drawingml/2006/main" xmlns:dgm="http://schemas.openxmlformats.org/drawingml/2006/diagram" xmlns:dsp="http://schemas.microsoft.com/office/drawing/2008/diagram" xmlns:p="http://schemas.openxmlformats.org/presentationml/2006/main">
+  <p:cSld>
+    <p:bg>
+      <p:bgPr shadeToTitle="0">
+        <a:solidFill>
+          <a:srgbClr val="303038"/>
+        </a:solidFill>
+      </p:bgPr>
+    </p:bg>
+    <p:spTree>
+      <p:nvGrpSpPr>
+        <p:cNvPr id="1" name=""/>
+        <p:cNvGrpSpPr/>
+        <p:nvPr/>
+      </p:nvGrpSpPr>
+      <p:grpSpPr>
+        <a:xfrm>
+          <a:off x="0" y="0"/>
+          <a:ext cx="0" cy="0"/>
+          <a:chOff x="0" y="0"/>
+          <a:chExt cx="0" cy="0"/>
+        </a:xfrm>
+      </p:grpSpPr>
+      <p:sp>
+        <p:nvSpPr>
+          <p:cNvPr id="56" name="직사각형 55"/>
+          <p:cNvSpPr/>
+          <p:nvPr/>
+        </p:nvSpPr>
+        <p:spPr>
+          <a:xfrm>
+            <a:off x="139584" y="1396737"/>
+            <a:ext cx="11564802" cy="3087633"/>
+          </a:xfrm>
+          <a:prstGeom prst="rect">
+            <a:avLst/>
+          </a:prstGeom>
+        </p:spPr>
+        <p:txBody>
+          <a:bodyPr vert="horz" wrap="square" lIns="91440" tIns="45720" rIns="91440" bIns="45720" anchor="t">
+            <a:spAutoFit/>
+          </a:bodyPr>
+          <a:lstStyle/>
+          <a:p>
+            <a:pPr lvl="1">
+              <a:lnSpc>
+                <a:spcPct val="160000"/>
+              </a:lnSpc>
+              <a:defRPr/>
+            </a:pPr>
+            <a:r>
+              <a:rPr lang="ko-KR" altLang="ko-KR" b="1">
+                <a:solidFill>
+                  <a:srgbClr val="e7e6e6">
+                    <a:lumMod val="90000"/>
+                  </a:srgbClr>
+                </a:solidFill>
+              </a:rPr>
+              <a:t>10. 할인정보 게시판 - 회원, 비회원, 관리자</a:t>
+            </a:r>
+            <a:endParaRPr lang="ko-KR" altLang="ko-KR" b="1">
+              <a:solidFill>
+                <a:srgbClr val="e7e6e6">
+                  <a:lumMod val="90000"/>
+                </a:srgbClr>
+              </a:solidFill>
+            </a:endParaRPr>
+          </a:p>
+          <a:p>
+            <a:pPr lvl="1">
+              <a:lnSpc>
+                <a:spcPct val="160000"/>
+              </a:lnSpc>
+              <a:defRPr/>
+            </a:pPr>
+            <a:endParaRPr lang="ko-KR" altLang="ko-KR" b="1">
+              <a:solidFill>
+                <a:srgbClr val="e7e6e6">
+                  <a:lumMod val="90000"/>
+                </a:srgbClr>
+              </a:solidFill>
+            </a:endParaRPr>
+          </a:p>
+          <a:p>
+            <a:pPr lvl="1">
+              <a:lnSpc>
+                <a:spcPct val="160000"/>
+              </a:lnSpc>
+              <a:defRPr/>
+            </a:pPr>
+            <a:r>
+              <a:rPr lang="ko-KR" altLang="ko-KR" sz="1450">
+                <a:solidFill>
+                  <a:srgbClr val="e7e6e6">
+                    <a:lumMod val="90000"/>
+                  </a:srgbClr>
+                </a:solidFill>
+              </a:rPr>
+              <a:t>- 회원, 비회원, 관리자는 할인정보 게시판에서 할인정보 게시글 전체를 조회할 수 있다</a:t>
+            </a:r>
+            <a:endParaRPr lang="ko-KR" altLang="ko-KR" sz="1450">
+              <a:solidFill>
+                <a:srgbClr val="e7e6e6">
+                  <a:lumMod val="90000"/>
+                </a:srgbClr>
+              </a:solidFill>
+            </a:endParaRPr>
+          </a:p>
+          <a:p>
+            <a:pPr lvl="1">
+              <a:lnSpc>
+                <a:spcPct val="160000"/>
+              </a:lnSpc>
+              <a:defRPr/>
+            </a:pPr>
+            <a:r>
+              <a:rPr lang="ko-KR" altLang="ko-KR" sz="1450">
+                <a:solidFill>
+                  <a:srgbClr val="e7e6e6">
+                    <a:lumMod val="90000"/>
+                  </a:srgbClr>
+                </a:solidFill>
+              </a:rPr>
+              <a:t>- 회원, 비회원, 관리자는 할인정보 게시판에서 키워드(제목</a:t>
+            </a:r>
+            <a:r>
+              <a:rPr lang="en-US" altLang="ko-KR" sz="1450">
+                <a:solidFill>
+                  <a:srgbClr val="e7e6e6">
+                    <a:lumMod val="90000"/>
+                  </a:srgbClr>
+                </a:solidFill>
+              </a:rPr>
+              <a:t>/</a:t>
+            </a:r>
+            <a:r>
+              <a:rPr lang="ko-KR" altLang="ko-KR" sz="1450">
+                <a:solidFill>
+                  <a:srgbClr val="e7e6e6">
+                    <a:lumMod val="90000"/>
+                  </a:srgbClr>
+                </a:solidFill>
+              </a:rPr>
+              <a:t> 내용)를 입력하여 검색할 수 있다.</a:t>
+            </a:r>
+            <a:endParaRPr lang="ko-KR" altLang="ko-KR" sz="1450">
+              <a:solidFill>
+                <a:srgbClr val="e7e6e6">
+                  <a:lumMod val="90000"/>
+                </a:srgbClr>
+              </a:solidFill>
+            </a:endParaRPr>
+          </a:p>
+          <a:p>
+            <a:pPr lvl="1">
+              <a:lnSpc>
+                <a:spcPct val="160000"/>
+              </a:lnSpc>
+              <a:defRPr/>
+            </a:pPr>
+            <a:r>
+              <a:rPr lang="ko-KR" altLang="ko-KR" sz="1450">
+                <a:solidFill>
+                  <a:srgbClr val="e7e6e6">
+                    <a:lumMod val="90000"/>
+                  </a:srgbClr>
+                </a:solidFill>
+              </a:rPr>
+              <a:t>- 회원, 비회원, 관리자는 할인정보 게시판에서 특정 할인정보 글 하나를 상세보기(제목 내용)할 수 있다.</a:t>
+            </a:r>
+            <a:endParaRPr lang="ko-KR" altLang="ko-KR" sz="1450">
+              <a:solidFill>
+                <a:srgbClr val="e7e6e6">
+                  <a:lumMod val="90000"/>
+                </a:srgbClr>
+              </a:solidFill>
+            </a:endParaRPr>
+          </a:p>
+          <a:p>
+            <a:pPr lvl="1">
+              <a:lnSpc>
+                <a:spcPct val="160000"/>
+              </a:lnSpc>
+              <a:defRPr/>
+            </a:pPr>
+            <a:endParaRPr lang="ko-KR" altLang="ko-KR" sz="1450">
+              <a:solidFill>
+                <a:srgbClr val="e7e6e6">
+                  <a:lumMod val="90000"/>
+                </a:srgbClr>
+              </a:solidFill>
+            </a:endParaRPr>
+          </a:p>
+          <a:p>
+            <a:pPr lvl="1">
+              <a:lnSpc>
+                <a:spcPct val="160000"/>
+              </a:lnSpc>
+              <a:defRPr/>
+            </a:pPr>
+            <a:r>
+              <a:rPr lang="ko-KR" altLang="ko-KR" sz="1450">
+                <a:solidFill>
+                  <a:srgbClr val="e7e6e6">
+                    <a:lumMod val="90000"/>
+                  </a:srgbClr>
+                </a:solidFill>
+              </a:rPr>
+              <a:t>- 관리자는 할인정보 게시판에서 게시글을 작성할 수 있다</a:t>
+            </a:r>
+            <a:r>
+              <a:rPr lang="en-US" altLang="ko-KR" sz="1450">
+                <a:solidFill>
+                  <a:srgbClr val="e7e6e6">
+                    <a:lumMod val="90000"/>
+                  </a:srgbClr>
+                </a:solidFill>
+              </a:rPr>
+              <a:t>.</a:t>
+            </a:r>
+            <a:endParaRPr lang="en-US" altLang="ko-KR" sz="1450">
+              <a:solidFill>
+                <a:srgbClr val="e7e6e6">
+                  <a:lumMod val="90000"/>
+                </a:srgbClr>
+              </a:solidFill>
+            </a:endParaRPr>
+          </a:p>
+          <a:p>
+            <a:pPr lvl="1">
+              <a:lnSpc>
+                <a:spcPct val="160000"/>
+              </a:lnSpc>
+              <a:defRPr/>
+            </a:pPr>
+            <a:r>
+              <a:rPr lang="ko-KR" altLang="ko-KR" sz="1450">
+                <a:solidFill>
+                  <a:srgbClr val="e7e6e6">
+                    <a:lumMod val="90000"/>
+                  </a:srgbClr>
+                </a:solidFill>
+              </a:rPr>
+              <a:t>- 관리자는 할인정보 게시판에서 게시글을 상세보기하여 수정 및 삭제할 수 있다.</a:t>
+            </a:r>
+            <a:endParaRPr lang="ko-KR" altLang="ko-KR" sz="1450">
+              <a:solidFill>
+                <a:srgbClr val="e7e6e6">
+                  <a:lumMod val="90000"/>
+                </a:srgbClr>
+              </a:solidFill>
+            </a:endParaRPr>
+          </a:p>
+        </p:txBody>
+      </p:sp>
+      <p:sp>
+        <p:nvSpPr>
+          <p:cNvPr id="57" name="직사각형 14"/>
+          <p:cNvSpPr/>
+          <p:nvPr/>
+        </p:nvSpPr>
+        <p:spPr>
+          <a:xfrm>
+            <a:off x="4712650" y="677994"/>
+            <a:ext cx="2766700" cy="728088"/>
+          </a:xfrm>
+          <a:prstGeom prst="rect">
+            <a:avLst/>
+          </a:prstGeom>
+        </p:spPr>
+        <p:txBody>
+          <a:bodyPr wrap="square">
+            <a:spAutoFit/>
+          </a:bodyPr>
+          <a:lstStyle/>
+          <a:p>
+            <a:pPr algn="ctr">
+              <a:lnSpc>
+                <a:spcPct val="150000"/>
+              </a:lnSpc>
+              <a:defRPr/>
+            </a:pPr>
+            <a:r>
+              <a:rPr lang="ko-KR" altLang="en-US" sz="2800" b="1">
+                <a:solidFill>
+                  <a:srgbClr val="15eeff"/>
+                </a:solidFill>
+              </a:rPr>
+              <a:t>요구사항 정의</a:t>
+            </a:r>
+            <a:endParaRPr lang="ko-KR" altLang="en-US" sz="2800" b="1">
+              <a:solidFill>
+                <a:srgbClr val="15eeff"/>
+              </a:solidFill>
+            </a:endParaRPr>
+          </a:p>
+        </p:txBody>
+      </p:sp>
+      <p:sp>
+        <p:nvSpPr>
+          <p:cNvPr id="58" name="직사각형 14"/>
+          <p:cNvSpPr/>
+          <p:nvPr/>
+        </p:nvSpPr>
+        <p:spPr>
+          <a:xfrm>
+            <a:off x="8460336" y="179957"/>
+            <a:ext cx="3630182" cy="475363"/>
+          </a:xfrm>
+          <a:prstGeom prst="rect">
+            <a:avLst/>
+          </a:prstGeom>
+        </p:spPr>
+        <p:txBody>
+          <a:bodyPr wrap="square">
+            <a:spAutoFit/>
+          </a:bodyPr>
+          <a:lstStyle/>
+          <a:p>
+            <a:pPr algn="ctr">
+              <a:lnSpc>
+                <a:spcPct val="150000"/>
+              </a:lnSpc>
+              <a:defRPr/>
+            </a:pPr>
+            <a:r>
+              <a:rPr lang="ko-KR" altLang="en-US" sz="1700" b="1" i="1">
+                <a:solidFill>
+                  <a:prstClr val="white">
+                    <a:lumMod val="95000"/>
+                  </a:prstClr>
+                </a:solidFill>
+                <a:latin typeface="KoPub돋움체 Bold"/>
+                <a:ea typeface="KoPub돋움체 Bold"/>
+              </a:rPr>
+              <a:t>멀티플렉스 영화관 관리 시스템</a:t>
+            </a:r>
+            <a:endParaRPr lang="ko-KR" altLang="en-US" sz="1700" b="1" i="1">
+              <a:solidFill>
+                <a:prstClr val="white">
+                  <a:lumMod val="95000"/>
+                </a:prstClr>
+              </a:solidFill>
+              <a:latin typeface="KoPub돋움체 Bold"/>
+              <a:ea typeface="KoPub돋움체 Bold"/>
+            </a:endParaRPr>
+          </a:p>
+        </p:txBody>
+      </p:sp>
+    </p:spTree>
+  </p:cSld>
+  <p:clrMapOvr>
+    <a:masterClrMapping/>
+  </p:clrMapOvr>
+  <mc:AlternateContent xmlns:mc="http://schemas.openxmlformats.org/markup-compatibility/2006">
+    <mc:Choice xmlns:p14="http://schemas.microsoft.com/office/powerpoint/2010/main" Requires="p14">
+      <p:transition xmlns:mc="http://schemas.openxmlformats.org/markup-compatibility/2006" xmlns:p14="http://schemas.microsoft.com/office/powerpoint/2010/main" mc:Ignorable="p14" p14:dur="500"/>
+    </mc:Choice>
+    <mc:Fallback>
+      <p:transition/>
+    </mc:Fallback>
+  </mc:AlternateContent>
+</p:sld>
+</file>
+
+<file path=ppt/slides/slide19.xml><?xml version="1.0" encoding="utf-8"?>
+<p:sld xmlns:r="http://schemas.openxmlformats.org/officeDocument/2006/relationships" xmlns:c="http://schemas.openxmlformats.org/drawingml/2006/chart" xmlns:a="http://schemas.openxmlformats.org/drawingml/2006/main" xmlns:dgm="http://schemas.openxmlformats.org/drawingml/2006/diagram" xmlns:dsp="http://schemas.microsoft.com/office/drawing/2008/diagram" xmlns:p="http://schemas.openxmlformats.org/presentationml/2006/main">
+  <p:cSld>
+    <p:bg>
+      <p:bgPr shadeToTitle="0">
+        <a:solidFill>
+          <a:srgbClr val="303038"/>
+        </a:solidFill>
+      </p:bgPr>
+    </p:bg>
+    <p:spTree>
+      <p:nvGrpSpPr>
+        <p:cNvPr id="1" name=""/>
+        <p:cNvGrpSpPr/>
+        <p:nvPr/>
+      </p:nvGrpSpPr>
+      <p:grpSpPr>
+        <a:xfrm>
+          <a:off x="0" y="0"/>
+          <a:ext cx="0" cy="0"/>
+          <a:chOff x="0" y="0"/>
+          <a:chExt cx="0" cy="0"/>
+        </a:xfrm>
+      </p:grpSpPr>
+      <p:sp>
+        <p:nvSpPr>
+          <p:cNvPr id="56" name="직사각형 55"/>
+          <p:cNvSpPr/>
+          <p:nvPr/>
+        </p:nvSpPr>
+        <p:spPr>
+          <a:xfrm>
+            <a:off x="139584" y="1396736"/>
+            <a:ext cx="11564802" cy="4421134"/>
+          </a:xfrm>
+          <a:prstGeom prst="rect">
+            <a:avLst/>
+          </a:prstGeom>
+        </p:spPr>
+        <p:txBody>
+          <a:bodyPr vert="horz" wrap="square" lIns="91440" tIns="45720" rIns="91440" bIns="45720" anchor="t">
+            <a:spAutoFit/>
+          </a:bodyPr>
+          <a:lstStyle/>
+          <a:p>
+            <a:pPr lvl="1">
+              <a:lnSpc>
+                <a:spcPct val="160000"/>
+              </a:lnSpc>
+              <a:defRPr/>
+            </a:pPr>
+            <a:r>
+              <a:rPr lang="ko-KR" altLang="ko-KR" b="1">
+                <a:solidFill>
+                  <a:srgbClr val="e7e6e6">
+                    <a:lumMod val="90000"/>
+                  </a:srgbClr>
+                </a:solidFill>
+              </a:rPr>
+              <a:t>11</a:t>
+            </a:r>
+            <a:r>
+              <a:rPr lang="en-US" altLang="ko-KR" b="1">
+                <a:solidFill>
+                  <a:srgbClr val="e7e6e6">
+                    <a:lumMod val="90000"/>
+                  </a:srgbClr>
+                </a:solidFill>
+              </a:rPr>
+              <a:t>.</a:t>
+            </a:r>
+            <a:r>
+              <a:rPr lang="ko-KR" altLang="ko-KR" b="1">
+                <a:solidFill>
+                  <a:srgbClr val="e7e6e6">
+                    <a:lumMod val="90000"/>
+                  </a:srgbClr>
+                </a:solidFill>
+              </a:rPr>
+              <a:t> 건의사항 게시판 -회원, 관리자</a:t>
+            </a:r>
+            <a:endParaRPr lang="ko-KR" altLang="ko-KR" b="1">
+              <a:solidFill>
+                <a:srgbClr val="e7e6e6">
+                  <a:lumMod val="90000"/>
+                </a:srgbClr>
+              </a:solidFill>
+            </a:endParaRPr>
+          </a:p>
+          <a:p>
+            <a:pPr lvl="1">
+              <a:lnSpc>
+                <a:spcPct val="160000"/>
+              </a:lnSpc>
+              <a:defRPr/>
+            </a:pPr>
+            <a:endParaRPr lang="ko-KR" altLang="ko-KR" sz="1450">
+              <a:solidFill>
+                <a:srgbClr val="e7e6e6">
+                  <a:lumMod val="90000"/>
+                </a:srgbClr>
+              </a:solidFill>
+            </a:endParaRPr>
+          </a:p>
+          <a:p>
+            <a:pPr lvl="1">
+              <a:lnSpc>
+                <a:spcPct val="160000"/>
+              </a:lnSpc>
+              <a:defRPr/>
+            </a:pPr>
+            <a:r>
+              <a:rPr lang="ko-KR" altLang="ko-KR" sz="1450">
+                <a:solidFill>
+                  <a:srgbClr val="e7e6e6">
+                    <a:lumMod val="90000"/>
+                  </a:srgbClr>
+                </a:solidFill>
+              </a:rPr>
+              <a:t>- 회원은 건의사항 게시판에서 건의사항 전체</a:t>
+            </a:r>
+            <a:r>
+              <a:rPr lang="ko-KR" altLang="en-US" sz="1450">
                 <a:solidFill>
                   <a:srgbClr val="e7e6e6">
                     <a:lumMod val="90000"/>
@@ -6711,7 +8028,17 @@
               </a:rPr>
               <a:t> </a:t>
             </a:r>
-            <a:endParaRPr lang="ko-KR" altLang="ko-KR" sz="1400">
+            <a:r>
+              <a:rPr lang="ko-KR" altLang="ko-KR" sz="1450">
+                <a:solidFill>
+                  <a:srgbClr val="e7e6e6">
+                    <a:lumMod val="90000"/>
+                  </a:srgbClr>
+                </a:solidFill>
+              </a:rPr>
+              <a:t>게시글을 조회 할 수 있다. (공개글에 한함)</a:t>
+            </a:r>
+            <a:endParaRPr lang="ko-KR" altLang="ko-KR" sz="1450">
               <a:solidFill>
                 <a:srgbClr val="e7e6e6">
                   <a:lumMod val="90000"/>
@@ -6726,7 +8053,97 @@
               </a:lnSpc>
               <a:defRPr/>
             </a:pPr>
-            <a:endParaRPr lang="ko-KR" altLang="ko-KR" sz="1400">
+            <a:r>
+              <a:rPr lang="ko-KR" altLang="ko-KR" sz="1450">
+                <a:solidFill>
+                  <a:srgbClr val="e7e6e6">
+                    <a:lumMod val="90000"/>
+                  </a:srgbClr>
+                </a:solidFill>
+              </a:rPr>
+              <a:t>- 회원은 건의사항 게시판에서 키워드(제목</a:t>
+            </a:r>
+            <a:r>
+              <a:rPr lang="en-US" altLang="ko-KR" sz="1450">
+                <a:solidFill>
+                  <a:srgbClr val="e7e6e6">
+                    <a:lumMod val="90000"/>
+                  </a:srgbClr>
+                </a:solidFill>
+              </a:rPr>
+              <a:t>/</a:t>
+            </a:r>
+            <a:r>
+              <a:rPr lang="ko-KR" altLang="ko-KR" sz="1450">
+                <a:solidFill>
+                  <a:srgbClr val="e7e6e6">
+                    <a:lumMod val="90000"/>
+                  </a:srgbClr>
+                </a:solidFill>
+              </a:rPr>
+              <a:t> 내용</a:t>
+            </a:r>
+            <a:r>
+              <a:rPr lang="en-US" altLang="ko-KR" sz="1450">
+                <a:solidFill>
+                  <a:srgbClr val="e7e6e6">
+                    <a:lumMod val="90000"/>
+                  </a:srgbClr>
+                </a:solidFill>
+              </a:rPr>
+              <a:t>/</a:t>
+            </a:r>
+            <a:r>
+              <a:rPr lang="ko-KR" altLang="ko-KR" sz="1450">
+                <a:solidFill>
+                  <a:srgbClr val="e7e6e6">
+                    <a:lumMod val="90000"/>
+                  </a:srgbClr>
+                </a:solidFill>
+              </a:rPr>
+              <a:t> 아이디)를 입력하여 검색 및 상세보기(제목</a:t>
+            </a:r>
+            <a:r>
+              <a:rPr lang="en-US" altLang="ko-KR" sz="1450">
+                <a:solidFill>
+                  <a:srgbClr val="e7e6e6">
+                    <a:lumMod val="90000"/>
+                  </a:srgbClr>
+                </a:solidFill>
+              </a:rPr>
+              <a:t>,</a:t>
+            </a:r>
+            <a:r>
+              <a:rPr lang="ko-KR" altLang="ko-KR" sz="1450">
+                <a:solidFill>
+                  <a:srgbClr val="e7e6e6">
+                    <a:lumMod val="90000"/>
+                  </a:srgbClr>
+                </a:solidFill>
+              </a:rPr>
+              <a:t> 내용</a:t>
+            </a:r>
+            <a:r>
+              <a:rPr lang="en-US" altLang="ko-KR" sz="1450">
+                <a:solidFill>
+                  <a:srgbClr val="e7e6e6">
+                    <a:lumMod val="90000"/>
+                  </a:srgbClr>
+                </a:solidFill>
+              </a:rPr>
+              <a:t>,</a:t>
+            </a:r>
+            <a:r>
+              <a:rPr lang="ko-KR" altLang="ko-KR" sz="1450">
+                <a:solidFill>
+                  <a:srgbClr val="e7e6e6">
+                    <a:lumMod val="90000"/>
+                  </a:srgbClr>
+                </a:solidFill>
+              </a:rPr>
+              <a:t> 아이디)를 할 수 있다. </a:t>
+            </a:r>
+            <a:endParaRPr lang="ko-KR" altLang="ko-KR" sz="1450">
               <a:solidFill>
                 <a:srgbClr val="e7e6e6">
                   <a:lumMod val="90000"/>
@@ -6742,6 +8159,116 @@
               <a:defRPr/>
             </a:pPr>
             <a:r>
+              <a:rPr lang="ko-KR" altLang="en-US" sz="1450">
+                <a:solidFill>
+                  <a:srgbClr val="e7e6e6">
+                    <a:lumMod val="90000"/>
+                  </a:srgbClr>
+                </a:solidFill>
+              </a:rPr>
+              <a:t>   </a:t>
+            </a:r>
+            <a:r>
+              <a:rPr lang="ko-KR" altLang="ko-KR" sz="1450">
+                <a:solidFill>
+                  <a:srgbClr val="e7e6e6">
+                    <a:lumMod val="90000"/>
+                  </a:srgbClr>
+                </a:solidFill>
+              </a:rPr>
+              <a:t>(공개글에 한함)</a:t>
+            </a:r>
+            <a:endParaRPr lang="ko-KR" altLang="ko-KR" sz="1450">
+              <a:solidFill>
+                <a:srgbClr val="e7e6e6">
+                  <a:lumMod val="90000"/>
+                </a:srgbClr>
+              </a:solidFill>
+            </a:endParaRPr>
+          </a:p>
+          <a:p>
+            <a:pPr lvl="1">
+              <a:lnSpc>
+                <a:spcPct val="160000"/>
+              </a:lnSpc>
+              <a:defRPr/>
+            </a:pPr>
+            <a:r>
+              <a:rPr lang="ko-KR" altLang="ko-KR" sz="1450">
+                <a:solidFill>
+                  <a:srgbClr val="e7e6e6">
+                    <a:lumMod val="90000"/>
+                  </a:srgbClr>
+                </a:solidFill>
+              </a:rPr>
+              <a:t>- 회원은 건의사항 게시판에서 게시글을 작성 할 수 있다 (공개글/비밀글-비밀번호 여부, 제목, 내용)</a:t>
+            </a:r>
+            <a:endParaRPr lang="ko-KR" altLang="ko-KR" sz="1450">
+              <a:solidFill>
+                <a:srgbClr val="e7e6e6">
+                  <a:lumMod val="90000"/>
+                </a:srgbClr>
+              </a:solidFill>
+            </a:endParaRPr>
+          </a:p>
+          <a:p>
+            <a:pPr lvl="1">
+              <a:lnSpc>
+                <a:spcPct val="160000"/>
+              </a:lnSpc>
+              <a:defRPr/>
+            </a:pPr>
+            <a:r>
+              <a:rPr lang="ko-KR" altLang="ko-KR" sz="1450">
+                <a:solidFill>
+                  <a:srgbClr val="e7e6e6">
+                    <a:lumMod val="90000"/>
+                  </a:srgbClr>
+                </a:solidFill>
+              </a:rPr>
+              <a:t>- 회원은 마이페이지에서 ‘내 건의사항’을 클릭 후 자신이 작성한 게시글을 조회, 상세보기, 수정, 삭제 할 수 있다. </a:t>
+            </a:r>
+            <a:endParaRPr lang="ko-KR" altLang="ko-KR" sz="1450">
+              <a:solidFill>
+                <a:srgbClr val="e7e6e6">
+                  <a:lumMod val="90000"/>
+                </a:srgbClr>
+              </a:solidFill>
+            </a:endParaRPr>
+          </a:p>
+          <a:p>
+            <a:pPr lvl="1">
+              <a:lnSpc>
+                <a:spcPct val="160000"/>
+              </a:lnSpc>
+              <a:defRPr/>
+            </a:pPr>
+            <a:endParaRPr lang="ko-KR" altLang="ko-KR" sz="1450">
+              <a:solidFill>
+                <a:srgbClr val="e7e6e6">
+                  <a:lumMod val="90000"/>
+                </a:srgbClr>
+              </a:solidFill>
+            </a:endParaRPr>
+          </a:p>
+          <a:p>
+            <a:pPr lvl="1">
+              <a:lnSpc>
+                <a:spcPct val="160000"/>
+              </a:lnSpc>
+              <a:defRPr/>
+            </a:pPr>
+            <a:r>
+              <a:rPr lang="ko-KR" altLang="ko-KR" sz="1450">
+                <a:solidFill>
+                  <a:srgbClr val="e7e6e6">
+                    <a:lumMod val="90000"/>
+                  </a:srgbClr>
+                </a:solidFill>
+              </a:rPr>
+              <a:t>- 관리자는 건의사항 페이지에서 비밀글을 포함한 모든회원이 작성한 전체 게시글을 조회 할 수 있다</a:t>
+            </a:r>
+            <a:r>
               <a:rPr lang="en-US" altLang="ko-KR" sz="1450">
                 <a:solidFill>
                   <a:srgbClr val="e7e6e6">
@@ -6749,8 +8276,88 @@
                   </a:srgbClr>
                 </a:solidFill>
               </a:rPr>
-              <a:t>-</a:t>
-            </a:r>
+              <a:t>.</a:t>
+            </a:r>
+            <a:endParaRPr lang="en-US" altLang="ko-KR" sz="1450">
+              <a:solidFill>
+                <a:srgbClr val="e7e6e6">
+                  <a:lumMod val="90000"/>
+                </a:srgbClr>
+              </a:solidFill>
+            </a:endParaRPr>
+          </a:p>
+          <a:p>
+            <a:pPr lvl="1">
+              <a:lnSpc>
+                <a:spcPct val="160000"/>
+              </a:lnSpc>
+              <a:defRPr/>
+            </a:pPr>
+            <a:r>
+              <a:rPr lang="ko-KR" altLang="ko-KR" sz="1450">
+                <a:solidFill>
+                  <a:srgbClr val="e7e6e6">
+                    <a:lumMod val="90000"/>
+                  </a:srgbClr>
+                </a:solidFill>
+              </a:rPr>
+              <a:t>- 관리자는 건의사항 페이지에서 키워드(제목</a:t>
+            </a:r>
+            <a:r>
+              <a:rPr lang="en-US" altLang="ko-KR" sz="1450">
+                <a:solidFill>
+                  <a:srgbClr val="e7e6e6">
+                    <a:lumMod val="90000"/>
+                  </a:srgbClr>
+                </a:solidFill>
+              </a:rPr>
+              <a:t>/</a:t>
+            </a:r>
+            <a:r>
+              <a:rPr lang="ko-KR" altLang="ko-KR" sz="1450">
+                <a:solidFill>
+                  <a:srgbClr val="e7e6e6">
+                    <a:lumMod val="90000"/>
+                  </a:srgbClr>
+                </a:solidFill>
+              </a:rPr>
+              <a:t> 내용</a:t>
+            </a:r>
+            <a:r>
+              <a:rPr lang="en-US" altLang="ko-KR" sz="1450">
+                <a:solidFill>
+                  <a:srgbClr val="e7e6e6">
+                    <a:lumMod val="90000"/>
+                  </a:srgbClr>
+                </a:solidFill>
+              </a:rPr>
+              <a:t>/</a:t>
+            </a:r>
+            <a:r>
+              <a:rPr lang="ko-KR" altLang="ko-KR" sz="1450">
+                <a:solidFill>
+                  <a:srgbClr val="e7e6e6">
+                    <a:lumMod val="90000"/>
+                  </a:srgbClr>
+                </a:solidFill>
+              </a:rPr>
+              <a:t> 아이디)를 입력하여 검색 및 상세보기(제목 내용 아이디 비밀글/공개글 여부)를 </a:t>
+            </a:r>
+            <a:endParaRPr lang="ko-KR" altLang="ko-KR" sz="1450">
+              <a:solidFill>
+                <a:srgbClr val="e7e6e6">
+                  <a:lumMod val="90000"/>
+                </a:srgbClr>
+              </a:solidFill>
+            </a:endParaRPr>
+          </a:p>
+          <a:p>
+            <a:pPr lvl="1">
+              <a:lnSpc>
+                <a:spcPct val="160000"/>
+              </a:lnSpc>
+              <a:defRPr/>
+            </a:pPr>
             <a:r>
               <a:rPr lang="ko-KR" altLang="en-US" sz="1450">
                 <a:solidFill>
@@ -6759,7 +8366,7 @@
                   </a:srgbClr>
                 </a:solidFill>
               </a:rPr>
-              <a:t> </a:t>
+              <a:t>  </a:t>
             </a:r>
             <a:r>
               <a:rPr lang="ko-KR" altLang="ko-KR" sz="1450">
@@ -6769,7 +8376,7 @@
                   </a:srgbClr>
                 </a:solidFill>
               </a:rPr>
-              <a:t>회원은 회원가입 페이지에서 아이디, 이름, 비밀번호, 비밀번호확인, 이메일, 생년월일, 핸드폰번호를 통해서 회원가입을 할 수 있다.</a:t>
+              <a:t>할 수 있다.</a:t>
             </a:r>
             <a:endParaRPr lang="ko-KR" altLang="ko-KR" sz="1450">
               <a:solidFill>
@@ -6787,26 +8394,6 @@
               <a:defRPr/>
             </a:pPr>
             <a:r>
-              <a:rPr lang="en-US" altLang="ko-KR" sz="1450">
-                <a:solidFill>
-                  <a:srgbClr val="e7e6e6">
-                    <a:lumMod val="90000"/>
-                  </a:srgbClr>
-                </a:solidFill>
-              </a:rPr>
-              <a:t>-</a:t>
-            </a:r>
-            <a:r>
-              <a:rPr lang="ko-KR" altLang="en-US" sz="1450">
-                <a:solidFill>
-                  <a:srgbClr val="e7e6e6">
-                    <a:lumMod val="90000"/>
-                  </a:srgbClr>
-                </a:solidFill>
-              </a:rPr>
-              <a:t> </a:t>
-            </a:r>
-            <a:r>
               <a:rPr lang="ko-KR" altLang="ko-KR" sz="1450">
                 <a:solidFill>
                   <a:srgbClr val="e7e6e6">
@@ -6814,434 +8401,9 @@
                   </a:srgbClr>
                 </a:solidFill>
               </a:rPr>
-              <a:t>회원은 아이디 찾기 페이지에서 이메일, 핸드폰번호를 통해서 아이디를 찾을수 있다.</a:t>
+              <a:t>- 관리자는 건의사항 페이지에서 비밀글을 포함한 모든회원이 작성한 글을 삭제 할 수 있다. </a:t>
             </a:r>
             <a:endParaRPr lang="ko-KR" altLang="ko-KR" sz="1450">
-              <a:solidFill>
-                <a:srgbClr val="e7e6e6">
-                  <a:lumMod val="90000"/>
-                </a:srgbClr>
-              </a:solidFill>
-            </a:endParaRPr>
-          </a:p>
-          <a:p>
-            <a:pPr lvl="1">
-              <a:lnSpc>
-                <a:spcPct val="160000"/>
-              </a:lnSpc>
-              <a:defRPr/>
-            </a:pPr>
-            <a:r>
-              <a:rPr lang="en-US" altLang="ko-KR" sz="1450">
-                <a:solidFill>
-                  <a:srgbClr val="e7e6e6">
-                    <a:lumMod val="90000"/>
-                  </a:srgbClr>
-                </a:solidFill>
-              </a:rPr>
-              <a:t>-</a:t>
-            </a:r>
-            <a:r>
-              <a:rPr lang="ko-KR" altLang="en-US" sz="1450">
-                <a:solidFill>
-                  <a:srgbClr val="e7e6e6">
-                    <a:lumMod val="90000"/>
-                  </a:srgbClr>
-                </a:solidFill>
-              </a:rPr>
-              <a:t> </a:t>
-            </a:r>
-            <a:r>
-              <a:rPr lang="ko-KR" altLang="ko-KR" sz="1450">
-                <a:solidFill>
-                  <a:srgbClr val="e7e6e6">
-                    <a:lumMod val="90000"/>
-                  </a:srgbClr>
-                </a:solidFill>
-              </a:rPr>
-              <a:t>회원은 비밀번호 찾기 페이지에서 아이디, 이메일, 핸드폰번호를 통해서 비밀번호를 초기화 할 수 있다.</a:t>
-            </a:r>
-            <a:endParaRPr lang="ko-KR" altLang="ko-KR" sz="1450">
-              <a:solidFill>
-                <a:srgbClr val="e7e6e6">
-                  <a:lumMod val="90000"/>
-                </a:srgbClr>
-              </a:solidFill>
-            </a:endParaRPr>
-          </a:p>
-          <a:p>
-            <a:pPr lvl="1">
-              <a:lnSpc>
-                <a:spcPct val="150000"/>
-              </a:lnSpc>
-              <a:defRPr/>
-            </a:pPr>
-            <a:r>
-              <a:rPr lang="en-US" altLang="ko-KR" sz="1450">
-                <a:solidFill>
-                  <a:srgbClr val="e7e6e6">
-                    <a:lumMod val="90000"/>
-                  </a:srgbClr>
-                </a:solidFill>
-              </a:rPr>
-              <a:t>-</a:t>
-            </a:r>
-            <a:r>
-              <a:rPr lang="ko-KR" altLang="en-US" sz="1450">
-                <a:solidFill>
-                  <a:srgbClr val="e7e6e6">
-                    <a:lumMod val="90000"/>
-                  </a:srgbClr>
-                </a:solidFill>
-              </a:rPr>
-              <a:t> </a:t>
-            </a:r>
-            <a:r>
-              <a:rPr lang="ko-KR" altLang="ko-KR" sz="1450">
-                <a:solidFill>
-                  <a:srgbClr val="e7e6e6">
-                    <a:lumMod val="90000"/>
-                  </a:srgbClr>
-                </a:solidFill>
-              </a:rPr>
-              <a:t>회원은 마이페이지에서 본인의 정보를 상세보기(아이디, 이름, 이메일, 생년월일, 핸드폰번호) 할 수 있다.</a:t>
-            </a:r>
-            <a:endParaRPr lang="ko-KR" altLang="ko-KR" sz="1450">
-              <a:solidFill>
-                <a:srgbClr val="e7e6e6">
-                  <a:lumMod val="90000"/>
-                </a:srgbClr>
-              </a:solidFill>
-            </a:endParaRPr>
-          </a:p>
-          <a:p>
-            <a:pPr lvl="1">
-              <a:lnSpc>
-                <a:spcPct val="160000"/>
-              </a:lnSpc>
-              <a:defRPr/>
-            </a:pPr>
-            <a:r>
-              <a:rPr lang="en-US" altLang="ko-KR" sz="1450">
-                <a:solidFill>
-                  <a:srgbClr val="e7e6e6">
-                    <a:lumMod val="90000"/>
-                  </a:srgbClr>
-                </a:solidFill>
-              </a:rPr>
-              <a:t>-</a:t>
-            </a:r>
-            <a:r>
-              <a:rPr lang="ko-KR" altLang="en-US" sz="1450">
-                <a:solidFill>
-                  <a:srgbClr val="e7e6e6">
-                    <a:lumMod val="90000"/>
-                  </a:srgbClr>
-                </a:solidFill>
-              </a:rPr>
-              <a:t> </a:t>
-            </a:r>
-            <a:r>
-              <a:rPr lang="ko-KR" altLang="ko-KR" sz="1450">
-                <a:solidFill>
-                  <a:srgbClr val="e7e6e6">
-                    <a:lumMod val="90000"/>
-                  </a:srgbClr>
-                </a:solidFill>
-              </a:rPr>
-              <a:t>회원은 마이페이지에서 ‘내정보 조회’를 클릭 후 상세보기 페이지에서 내정보를 수정(이메일</a:t>
-            </a:r>
-            <a:r>
-              <a:rPr lang="en-US" altLang="ko-KR" sz="1450">
-                <a:solidFill>
-                  <a:srgbClr val="e7e6e6">
-                    <a:lumMod val="90000"/>
-                  </a:srgbClr>
-                </a:solidFill>
-              </a:rPr>
-              <a:t>,</a:t>
-            </a:r>
-            <a:r>
-              <a:rPr lang="ko-KR" altLang="ko-KR" sz="1450">
-                <a:solidFill>
-                  <a:srgbClr val="e7e6e6">
-                    <a:lumMod val="90000"/>
-                  </a:srgbClr>
-                </a:solidFill>
-              </a:rPr>
-              <a:t> 핸드폰번호</a:t>
-            </a:r>
-            <a:r>
-              <a:rPr lang="en-US" altLang="ko-KR" sz="1450">
-                <a:solidFill>
-                  <a:srgbClr val="e7e6e6">
-                    <a:lumMod val="90000"/>
-                  </a:srgbClr>
-                </a:solidFill>
-              </a:rPr>
-              <a:t>,</a:t>
-            </a:r>
-            <a:r>
-              <a:rPr lang="ko-KR" altLang="ko-KR" sz="1450">
-                <a:solidFill>
-                  <a:srgbClr val="e7e6e6">
-                    <a:lumMod val="90000"/>
-                  </a:srgbClr>
-                </a:solidFill>
-              </a:rPr>
-              <a:t> 비밀번호)할 수 있다.</a:t>
-            </a:r>
-            <a:endParaRPr lang="ko-KR" altLang="ko-KR" sz="1450">
-              <a:solidFill>
-                <a:srgbClr val="e7e6e6">
-                  <a:lumMod val="90000"/>
-                </a:srgbClr>
-              </a:solidFill>
-            </a:endParaRPr>
-          </a:p>
-          <a:p>
-            <a:pPr lvl="1">
-              <a:lnSpc>
-                <a:spcPct val="160000"/>
-              </a:lnSpc>
-              <a:defRPr/>
-            </a:pPr>
-            <a:r>
-              <a:rPr lang="en-US" altLang="ko-KR" sz="1450">
-                <a:solidFill>
-                  <a:srgbClr val="e7e6e6">
-                    <a:lumMod val="90000"/>
-                  </a:srgbClr>
-                </a:solidFill>
-              </a:rPr>
-              <a:t>-</a:t>
-            </a:r>
-            <a:r>
-              <a:rPr lang="ko-KR" altLang="ko-KR" sz="1450">
-                <a:solidFill>
-                  <a:srgbClr val="e7e6e6">
-                    <a:lumMod val="90000"/>
-                  </a:srgbClr>
-                </a:solidFill>
-              </a:rPr>
-              <a:t> 회원은 마이페이지에서 ‘내정보 조회’를 클릭 후 상세보기 페이지에서 비밀번호를 입력하면 회원 탈퇴를 할 수 있다. </a:t>
-            </a:r>
-            <a:endParaRPr lang="ko-KR" altLang="ko-KR" sz="1450">
-              <a:solidFill>
-                <a:srgbClr val="e7e6e6">
-                  <a:lumMod val="90000"/>
-                </a:srgbClr>
-              </a:solidFill>
-            </a:endParaRPr>
-          </a:p>
-          <a:p>
-            <a:pPr lvl="1">
-              <a:lnSpc>
-                <a:spcPct val="160000"/>
-              </a:lnSpc>
-              <a:defRPr/>
-            </a:pPr>
-            <a:endParaRPr lang="ko-KR" altLang="ko-KR" sz="1450">
-              <a:solidFill>
-                <a:srgbClr val="e7e6e6">
-                  <a:lumMod val="90000"/>
-                </a:srgbClr>
-              </a:solidFill>
-            </a:endParaRPr>
-          </a:p>
-          <a:p>
-            <a:pPr lvl="1">
-              <a:lnSpc>
-                <a:spcPct val="160000"/>
-              </a:lnSpc>
-              <a:defRPr/>
-            </a:pPr>
-            <a:r>
-              <a:rPr lang="en-US" altLang="ko-KR" sz="1450">
-                <a:solidFill>
-                  <a:srgbClr val="e7e6e6">
-                    <a:lumMod val="90000"/>
-                  </a:srgbClr>
-                </a:solidFill>
-              </a:rPr>
-              <a:t>-</a:t>
-            </a:r>
-            <a:r>
-              <a:rPr lang="ko-KR" altLang="ko-KR" sz="1450">
-                <a:solidFill>
-                  <a:srgbClr val="e7e6e6">
-                    <a:lumMod val="90000"/>
-                  </a:srgbClr>
-                </a:solidFill>
-              </a:rPr>
-              <a:t> 관리자는 ‘회원 관리’ 페이지에서 전체 회원을 조회(아이디, 이름, 이메일, 생년월일) 할 수 있다.</a:t>
-            </a:r>
-            <a:endParaRPr lang="ko-KR" altLang="ko-KR" sz="1450">
-              <a:solidFill>
-                <a:srgbClr val="e7e6e6">
-                  <a:lumMod val="90000"/>
-                </a:srgbClr>
-              </a:solidFill>
-            </a:endParaRPr>
-          </a:p>
-          <a:p>
-            <a:pPr lvl="1">
-              <a:lnSpc>
-                <a:spcPct val="160000"/>
-              </a:lnSpc>
-              <a:defRPr/>
-            </a:pPr>
-            <a:r>
-              <a:rPr lang="en-US" altLang="ko-KR" sz="1450">
-                <a:solidFill>
-                  <a:srgbClr val="e7e6e6">
-                    <a:lumMod val="90000"/>
-                  </a:srgbClr>
-                </a:solidFill>
-              </a:rPr>
-              <a:t>-</a:t>
-            </a:r>
-            <a:r>
-              <a:rPr lang="ko-KR" altLang="ko-KR" sz="1450">
-                <a:solidFill>
-                  <a:srgbClr val="e7e6e6">
-                    <a:lumMod val="90000"/>
-                  </a:srgbClr>
-                </a:solidFill>
-              </a:rPr>
-              <a:t> 관리자는 ‘회원 관리’ 페이지에서 회원아이디, 이름 등으로 검색 할 수 있다.</a:t>
-            </a:r>
-            <a:r>
-              <a:rPr lang="ko-KR" altLang="en-US" sz="1450">
-                <a:solidFill>
-                  <a:srgbClr val="e7e6e6">
-                    <a:lumMod val="90000"/>
-                  </a:srgbClr>
-                </a:solidFill>
-              </a:rPr>
-              <a:t> </a:t>
-            </a:r>
-            <a:r>
-              <a:rPr lang="en-US" altLang="ko-KR" sz="1450">
-                <a:solidFill>
-                  <a:srgbClr val="e7e6e6">
-                    <a:lumMod val="90000"/>
-                  </a:srgbClr>
-                </a:solidFill>
-              </a:rPr>
-              <a:t>(</a:t>
-            </a:r>
-            <a:r>
-              <a:rPr lang="ko-KR" altLang="en-US" sz="1450">
-                <a:solidFill>
-                  <a:srgbClr val="e7e6e6">
-                    <a:lumMod val="90000"/>
-                  </a:srgbClr>
-                </a:solidFill>
-              </a:rPr>
-              <a:t>등으로 말고 확실히 적어야 할 듯</a:t>
-            </a:r>
-            <a:r>
-              <a:rPr lang="en-US" altLang="ko-KR" sz="1450">
-                <a:solidFill>
-                  <a:srgbClr val="e7e6e6">
-                    <a:lumMod val="90000"/>
-                  </a:srgbClr>
-                </a:solidFill>
-              </a:rPr>
-              <a:t>!)</a:t>
-            </a:r>
-            <a:endParaRPr lang="en-US" altLang="ko-KR" sz="1450">
-              <a:solidFill>
-                <a:srgbClr val="e7e6e6">
-                  <a:lumMod val="90000"/>
-                </a:srgbClr>
-              </a:solidFill>
-            </a:endParaRPr>
-          </a:p>
-          <a:p>
-            <a:pPr lvl="1">
-              <a:lnSpc>
-                <a:spcPct val="160000"/>
-              </a:lnSpc>
-              <a:defRPr/>
-            </a:pPr>
-            <a:r>
-              <a:rPr lang="en-US" altLang="ko-KR" sz="1450">
-                <a:solidFill>
-                  <a:srgbClr val="e7e6e6">
-                    <a:lumMod val="90000"/>
-                  </a:srgbClr>
-                </a:solidFill>
-              </a:rPr>
-              <a:t>-</a:t>
-            </a:r>
-            <a:r>
-              <a:rPr lang="ko-KR" altLang="ko-KR" sz="1450">
-                <a:solidFill>
-                  <a:srgbClr val="e7e6e6">
-                    <a:lumMod val="90000"/>
-                  </a:srgbClr>
-                </a:solidFill>
-              </a:rPr>
-              <a:t> 관리자는 ‘회원 관리’ 페이지에서 각 회원의 상세보기(아이디, 이메일, 생년월일, 핸드폰번호)를 할 수 있다.</a:t>
-            </a:r>
-            <a:endParaRPr lang="ko-KR" altLang="ko-KR" sz="1450">
-              <a:solidFill>
-                <a:srgbClr val="e7e6e6">
-                  <a:lumMod val="90000"/>
-                </a:srgbClr>
-              </a:solidFill>
-            </a:endParaRPr>
-          </a:p>
-          <a:p>
-            <a:pPr lvl="1">
-              <a:lnSpc>
-                <a:spcPct val="160000"/>
-              </a:lnSpc>
-              <a:defRPr/>
-            </a:pPr>
-            <a:r>
-              <a:rPr lang="en-US" altLang="ko-KR" sz="1450">
-                <a:solidFill>
-                  <a:srgbClr val="e7e6e6">
-                    <a:lumMod val="90000"/>
-                  </a:srgbClr>
-                </a:solidFill>
-              </a:rPr>
-              <a:t>-</a:t>
-            </a:r>
-            <a:r>
-              <a:rPr lang="ko-KR" altLang="ko-KR" sz="1450">
-                <a:solidFill>
-                  <a:srgbClr val="e7e6e6">
-                    <a:lumMod val="90000"/>
-                  </a:srgbClr>
-                </a:solidFill>
-              </a:rPr>
-              <a:t> 관리자는 ‘회원 관리’ 페이지에서 특정 회원 상세보기를 클릭 후 회원 상세보기 페이지에서 특정 회원을 강퇴 할 수 있</a:t>
-            </a:r>
-            <a:r>
-              <a:rPr lang="ko-KR" altLang="en-US" sz="1400">
-                <a:solidFill>
-                  <a:srgbClr val="e7e6e6">
-                    <a:lumMod val="90000"/>
-                  </a:srgbClr>
-                </a:solidFill>
-              </a:rPr>
-              <a:t>다</a:t>
-            </a:r>
-            <a:r>
-              <a:rPr lang="en-US" altLang="ko-KR" sz="1400">
-                <a:solidFill>
-                  <a:srgbClr val="e7e6e6">
-                    <a:lumMod val="90000"/>
-                  </a:srgbClr>
-                </a:solidFill>
-              </a:rPr>
-              <a:t>.</a:t>
-            </a:r>
-            <a:endParaRPr lang="en-US" altLang="ko-KR" sz="1400">
               <a:solidFill>
                 <a:srgbClr val="e7e6e6">
                   <a:lumMod val="90000"/>
@@ -7612,6 +8774,1399 @@
 </p:sld>
 </file>
 
+<file path=ppt/slides/slide20.xml><?xml version="1.0" encoding="utf-8"?>
+<p:sld xmlns:r="http://schemas.openxmlformats.org/officeDocument/2006/relationships" xmlns:c="http://schemas.openxmlformats.org/drawingml/2006/chart" xmlns:a="http://schemas.openxmlformats.org/drawingml/2006/main" xmlns:dgm="http://schemas.openxmlformats.org/drawingml/2006/diagram" xmlns:dsp="http://schemas.microsoft.com/office/drawing/2008/diagram" xmlns:p="http://schemas.openxmlformats.org/presentationml/2006/main">
+  <p:cSld>
+    <p:bg>
+      <p:bgPr shadeToTitle="0">
+        <a:solidFill>
+          <a:srgbClr val="303038"/>
+        </a:solidFill>
+      </p:bgPr>
+    </p:bg>
+    <p:spTree>
+      <p:nvGrpSpPr>
+        <p:cNvPr id="1" name=""/>
+        <p:cNvGrpSpPr/>
+        <p:nvPr/>
+      </p:nvGrpSpPr>
+      <p:grpSpPr>
+        <a:xfrm>
+          <a:off x="0" y="0"/>
+          <a:ext cx="0" cy="0"/>
+          <a:chOff x="0" y="0"/>
+          <a:chExt cx="0" cy="0"/>
+        </a:xfrm>
+      </p:grpSpPr>
+      <p:sp>
+        <p:nvSpPr>
+          <p:cNvPr id="56" name="직사각형 55"/>
+          <p:cNvSpPr/>
+          <p:nvPr/>
+        </p:nvSpPr>
+        <p:spPr>
+          <a:xfrm>
+            <a:off x="139584" y="1396736"/>
+            <a:ext cx="11564802" cy="3440059"/>
+          </a:xfrm>
+          <a:prstGeom prst="rect">
+            <a:avLst/>
+          </a:prstGeom>
+        </p:spPr>
+        <p:txBody>
+          <a:bodyPr vert="horz" wrap="square" lIns="91440" tIns="45720" rIns="91440" bIns="45720" anchor="t">
+            <a:spAutoFit/>
+          </a:bodyPr>
+          <a:lstStyle/>
+          <a:p>
+            <a:pPr lvl="1">
+              <a:lnSpc>
+                <a:spcPct val="160000"/>
+              </a:lnSpc>
+              <a:defRPr/>
+            </a:pPr>
+            <a:r>
+              <a:rPr lang="ko-KR" altLang="ko-KR" b="1">
+                <a:solidFill>
+                  <a:srgbClr val="e7e6e6">
+                    <a:lumMod val="90000"/>
+                  </a:srgbClr>
+                </a:solidFill>
+              </a:rPr>
+              <a:t>12</a:t>
+            </a:r>
+            <a:r>
+              <a:rPr lang="en-US" altLang="ko-KR" b="1">
+                <a:solidFill>
+                  <a:srgbClr val="e7e6e6">
+                    <a:lumMod val="90000"/>
+                  </a:srgbClr>
+                </a:solidFill>
+              </a:rPr>
+              <a:t>.</a:t>
+            </a:r>
+            <a:r>
+              <a:rPr lang="ko-KR" altLang="ko-KR" b="1">
+                <a:solidFill>
+                  <a:srgbClr val="e7e6e6">
+                    <a:lumMod val="90000"/>
+                  </a:srgbClr>
+                </a:solidFill>
+              </a:rPr>
+              <a:t> 습득물 알림 게시판 - 회원, 관리자</a:t>
+            </a:r>
+            <a:endParaRPr lang="ko-KR" altLang="ko-KR" b="1">
+              <a:solidFill>
+                <a:srgbClr val="e7e6e6">
+                  <a:lumMod val="90000"/>
+                </a:srgbClr>
+              </a:solidFill>
+            </a:endParaRPr>
+          </a:p>
+          <a:p>
+            <a:pPr lvl="1">
+              <a:lnSpc>
+                <a:spcPct val="160000"/>
+              </a:lnSpc>
+              <a:defRPr/>
+            </a:pPr>
+            <a:endParaRPr lang="ko-KR" altLang="ko-KR" b="1">
+              <a:solidFill>
+                <a:srgbClr val="e7e6e6">
+                  <a:lumMod val="90000"/>
+                </a:srgbClr>
+              </a:solidFill>
+            </a:endParaRPr>
+          </a:p>
+          <a:p>
+            <a:pPr lvl="1">
+              <a:lnSpc>
+                <a:spcPct val="160000"/>
+              </a:lnSpc>
+              <a:defRPr/>
+            </a:pPr>
+            <a:r>
+              <a:rPr lang="ko-KR" altLang="ko-KR" sz="1450">
+                <a:solidFill>
+                  <a:srgbClr val="e7e6e6">
+                    <a:lumMod val="90000"/>
+                  </a:srgbClr>
+                </a:solidFill>
+              </a:rPr>
+              <a:t>- 회원, 관리자는 습득물 알림 게시판 페이지에서 습득물 알림 게시판의 글을 조회(제목 내용), 검색(제목</a:t>
+            </a:r>
+            <a:r>
+              <a:rPr lang="en-US" altLang="ko-KR" sz="1450">
+                <a:solidFill>
+                  <a:srgbClr val="e7e6e6">
+                    <a:lumMod val="90000"/>
+                  </a:srgbClr>
+                </a:solidFill>
+              </a:rPr>
+              <a:t>,</a:t>
+            </a:r>
+            <a:r>
+              <a:rPr lang="ko-KR" altLang="en-US" sz="1450">
+                <a:solidFill>
+                  <a:srgbClr val="e7e6e6">
+                    <a:lumMod val="90000"/>
+                  </a:srgbClr>
+                </a:solidFill>
+              </a:rPr>
+              <a:t> </a:t>
+            </a:r>
+            <a:r>
+              <a:rPr lang="ko-KR" altLang="ko-KR" sz="1450">
+                <a:solidFill>
+                  <a:srgbClr val="e7e6e6">
+                    <a:lumMod val="90000"/>
+                  </a:srgbClr>
+                </a:solidFill>
+              </a:rPr>
+              <a:t>내용), 상세보기(제목</a:t>
+            </a:r>
+            <a:r>
+              <a:rPr lang="en-US" altLang="ko-KR" sz="1450">
+                <a:solidFill>
+                  <a:srgbClr val="e7e6e6">
+                    <a:lumMod val="90000"/>
+                  </a:srgbClr>
+                </a:solidFill>
+              </a:rPr>
+              <a:t>,</a:t>
+            </a:r>
+            <a:endParaRPr lang="ko-KR" altLang="ko-KR" sz="1450">
+              <a:solidFill>
+                <a:srgbClr val="e7e6e6">
+                  <a:lumMod val="90000"/>
+                </a:srgbClr>
+              </a:solidFill>
+            </a:endParaRPr>
+          </a:p>
+          <a:p>
+            <a:pPr lvl="1">
+              <a:lnSpc>
+                <a:spcPct val="160000"/>
+              </a:lnSpc>
+              <a:defRPr/>
+            </a:pPr>
+            <a:r>
+              <a:rPr lang="ko-KR" altLang="en-US" sz="1450">
+                <a:solidFill>
+                  <a:srgbClr val="e7e6e6">
+                    <a:lumMod val="90000"/>
+                  </a:srgbClr>
+                </a:solidFill>
+              </a:rPr>
+              <a:t>  </a:t>
+            </a:r>
+            <a:r>
+              <a:rPr lang="ko-KR" altLang="ko-KR" sz="1450">
+                <a:solidFill>
+                  <a:srgbClr val="e7e6e6">
+                    <a:lumMod val="90000"/>
+                  </a:srgbClr>
+                </a:solidFill>
+              </a:rPr>
+              <a:t>내용)할 수 있다.</a:t>
+            </a:r>
+            <a:endParaRPr lang="ko-KR" altLang="ko-KR" sz="1450">
+              <a:solidFill>
+                <a:srgbClr val="e7e6e6">
+                  <a:lumMod val="90000"/>
+                </a:srgbClr>
+              </a:solidFill>
+            </a:endParaRPr>
+          </a:p>
+          <a:p>
+            <a:pPr lvl="1">
+              <a:lnSpc>
+                <a:spcPct val="160000"/>
+              </a:lnSpc>
+              <a:defRPr/>
+            </a:pPr>
+            <a:endParaRPr lang="ko-KR" altLang="ko-KR" sz="1450">
+              <a:solidFill>
+                <a:srgbClr val="e7e6e6">
+                  <a:lumMod val="90000"/>
+                </a:srgbClr>
+              </a:solidFill>
+            </a:endParaRPr>
+          </a:p>
+          <a:p>
+            <a:pPr lvl="1">
+              <a:lnSpc>
+                <a:spcPct val="160000"/>
+              </a:lnSpc>
+              <a:defRPr/>
+            </a:pPr>
+            <a:r>
+              <a:rPr lang="ko-KR" altLang="ko-KR" sz="1450">
+                <a:solidFill>
+                  <a:srgbClr val="e7e6e6">
+                    <a:lumMod val="90000"/>
+                  </a:srgbClr>
+                </a:solidFill>
+              </a:rPr>
+              <a:t>- 관리자는 습득물 알림 게시판 페이지에서 습득된 분실물에 대한 정보를 게시판에 등록할 수 있다. </a:t>
+            </a:r>
+            <a:endParaRPr lang="ko-KR" altLang="ko-KR" sz="1450">
+              <a:solidFill>
+                <a:srgbClr val="e7e6e6">
+                  <a:lumMod val="90000"/>
+                </a:srgbClr>
+              </a:solidFill>
+            </a:endParaRPr>
+          </a:p>
+          <a:p>
+            <a:pPr lvl="1">
+              <a:lnSpc>
+                <a:spcPct val="160000"/>
+              </a:lnSpc>
+              <a:defRPr/>
+            </a:pPr>
+            <a:r>
+              <a:rPr lang="ko-KR" altLang="ko-KR" sz="1450">
+                <a:solidFill>
+                  <a:srgbClr val="e7e6e6">
+                    <a:lumMod val="90000"/>
+                  </a:srgbClr>
+                </a:solidFill>
+              </a:rPr>
+              <a:t>- 관리자는 습득물 알림 게시판 페이지에서 습득된 분실물에 대한 글의 내용을 수정할 수 있다.</a:t>
+            </a:r>
+            <a:endParaRPr lang="ko-KR" altLang="ko-KR" sz="1450">
+              <a:solidFill>
+                <a:srgbClr val="e7e6e6">
+                  <a:lumMod val="90000"/>
+                </a:srgbClr>
+              </a:solidFill>
+            </a:endParaRPr>
+          </a:p>
+          <a:p>
+            <a:pPr lvl="1">
+              <a:lnSpc>
+                <a:spcPct val="160000"/>
+              </a:lnSpc>
+              <a:defRPr/>
+            </a:pPr>
+            <a:r>
+              <a:rPr lang="ko-KR" altLang="ko-KR" sz="1450">
+                <a:solidFill>
+                  <a:srgbClr val="e7e6e6">
+                    <a:lumMod val="90000"/>
+                  </a:srgbClr>
+                </a:solidFill>
+              </a:rPr>
+              <a:t>- 관리자는 습득물 알림 게시판 페이지에서 습득된 분실물에 대한 글을 삭제할 수 있다.</a:t>
+            </a:r>
+            <a:endParaRPr lang="ko-KR" altLang="ko-KR" sz="1450">
+              <a:solidFill>
+                <a:srgbClr val="e7e6e6">
+                  <a:lumMod val="90000"/>
+                </a:srgbClr>
+              </a:solidFill>
+            </a:endParaRPr>
+          </a:p>
+          <a:p>
+            <a:pPr lvl="1">
+              <a:lnSpc>
+                <a:spcPct val="160000"/>
+              </a:lnSpc>
+              <a:defRPr/>
+            </a:pPr>
+            <a:endParaRPr lang="ko-KR" altLang="ko-KR" sz="1450">
+              <a:solidFill>
+                <a:srgbClr val="e7e6e6">
+                  <a:lumMod val="90000"/>
+                </a:srgbClr>
+              </a:solidFill>
+            </a:endParaRPr>
+          </a:p>
+        </p:txBody>
+      </p:sp>
+      <p:sp>
+        <p:nvSpPr>
+          <p:cNvPr id="57" name="직사각형 14"/>
+          <p:cNvSpPr/>
+          <p:nvPr/>
+        </p:nvSpPr>
+        <p:spPr>
+          <a:xfrm>
+            <a:off x="4712650" y="677994"/>
+            <a:ext cx="2766700" cy="728088"/>
+          </a:xfrm>
+          <a:prstGeom prst="rect">
+            <a:avLst/>
+          </a:prstGeom>
+        </p:spPr>
+        <p:txBody>
+          <a:bodyPr wrap="square">
+            <a:spAutoFit/>
+          </a:bodyPr>
+          <a:lstStyle/>
+          <a:p>
+            <a:pPr algn="ctr">
+              <a:lnSpc>
+                <a:spcPct val="150000"/>
+              </a:lnSpc>
+              <a:defRPr/>
+            </a:pPr>
+            <a:r>
+              <a:rPr lang="ko-KR" altLang="en-US" sz="2800" b="1">
+                <a:solidFill>
+                  <a:srgbClr val="15eeff"/>
+                </a:solidFill>
+              </a:rPr>
+              <a:t>요구사항 정의</a:t>
+            </a:r>
+            <a:endParaRPr lang="ko-KR" altLang="en-US" sz="2800" b="1">
+              <a:solidFill>
+                <a:srgbClr val="15eeff"/>
+              </a:solidFill>
+            </a:endParaRPr>
+          </a:p>
+        </p:txBody>
+      </p:sp>
+      <p:sp>
+        <p:nvSpPr>
+          <p:cNvPr id="58" name="직사각형 14"/>
+          <p:cNvSpPr/>
+          <p:nvPr/>
+        </p:nvSpPr>
+        <p:spPr>
+          <a:xfrm>
+            <a:off x="8460336" y="179957"/>
+            <a:ext cx="3630182" cy="475363"/>
+          </a:xfrm>
+          <a:prstGeom prst="rect">
+            <a:avLst/>
+          </a:prstGeom>
+        </p:spPr>
+        <p:txBody>
+          <a:bodyPr wrap="square">
+            <a:spAutoFit/>
+          </a:bodyPr>
+          <a:lstStyle/>
+          <a:p>
+            <a:pPr algn="ctr">
+              <a:lnSpc>
+                <a:spcPct val="150000"/>
+              </a:lnSpc>
+              <a:defRPr/>
+            </a:pPr>
+            <a:r>
+              <a:rPr lang="ko-KR" altLang="en-US" sz="1700" b="1" i="1">
+                <a:solidFill>
+                  <a:prstClr val="white">
+                    <a:lumMod val="95000"/>
+                  </a:prstClr>
+                </a:solidFill>
+                <a:latin typeface="KoPub돋움체 Bold"/>
+                <a:ea typeface="KoPub돋움체 Bold"/>
+              </a:rPr>
+              <a:t>멀티플렉스 영화관 관리 시스템</a:t>
+            </a:r>
+            <a:endParaRPr lang="ko-KR" altLang="en-US" sz="1700" b="1" i="1">
+              <a:solidFill>
+                <a:prstClr val="white">
+                  <a:lumMod val="95000"/>
+                </a:prstClr>
+              </a:solidFill>
+              <a:latin typeface="KoPub돋움체 Bold"/>
+              <a:ea typeface="KoPub돋움체 Bold"/>
+            </a:endParaRPr>
+          </a:p>
+        </p:txBody>
+      </p:sp>
+    </p:spTree>
+  </p:cSld>
+  <p:clrMapOvr>
+    <a:masterClrMapping/>
+  </p:clrMapOvr>
+  <mc:AlternateContent xmlns:mc="http://schemas.openxmlformats.org/markup-compatibility/2006">
+    <mc:Choice xmlns:p14="http://schemas.microsoft.com/office/powerpoint/2010/main" Requires="p14">
+      <p:transition xmlns:mc="http://schemas.openxmlformats.org/markup-compatibility/2006" xmlns:p14="http://schemas.microsoft.com/office/powerpoint/2010/main" mc:Ignorable="p14" p14:dur="500"/>
+    </mc:Choice>
+    <mc:Fallback>
+      <p:transition/>
+    </mc:Fallback>
+  </mc:AlternateContent>
+</p:sld>
+</file>
+
+<file path=ppt/slides/slide21.xml><?xml version="1.0" encoding="utf-8"?>
+<p:sld xmlns:r="http://schemas.openxmlformats.org/officeDocument/2006/relationships" xmlns:c="http://schemas.openxmlformats.org/drawingml/2006/chart" xmlns:a="http://schemas.openxmlformats.org/drawingml/2006/main" xmlns:dgm="http://schemas.openxmlformats.org/drawingml/2006/diagram" xmlns:dsp="http://schemas.microsoft.com/office/drawing/2008/diagram" xmlns:p="http://schemas.openxmlformats.org/presentationml/2006/main">
+  <p:cSld>
+    <p:bg>
+      <p:bgPr shadeToTitle="0">
+        <a:solidFill>
+          <a:srgbClr val="303038"/>
+        </a:solidFill>
+      </p:bgPr>
+    </p:bg>
+    <p:spTree>
+      <p:nvGrpSpPr>
+        <p:cNvPr id="1" name=""/>
+        <p:cNvGrpSpPr/>
+        <p:nvPr/>
+      </p:nvGrpSpPr>
+      <p:grpSpPr>
+        <a:xfrm>
+          <a:off x="0" y="0"/>
+          <a:ext cx="0" cy="0"/>
+          <a:chOff x="0" y="0"/>
+          <a:chExt cx="0" cy="0"/>
+        </a:xfrm>
+      </p:grpSpPr>
+      <p:sp>
+        <p:nvSpPr>
+          <p:cNvPr id="56" name="직사각형 55"/>
+          <p:cNvSpPr/>
+          <p:nvPr/>
+        </p:nvSpPr>
+        <p:spPr>
+          <a:xfrm>
+            <a:off x="139584" y="1396737"/>
+            <a:ext cx="11564802" cy="4154433"/>
+          </a:xfrm>
+          <a:prstGeom prst="rect">
+            <a:avLst/>
+          </a:prstGeom>
+        </p:spPr>
+        <p:txBody>
+          <a:bodyPr vert="horz" wrap="square" lIns="91440" tIns="45720" rIns="91440" bIns="45720" anchor="t">
+            <a:spAutoFit/>
+          </a:bodyPr>
+          <a:lstStyle/>
+          <a:p>
+            <a:pPr lvl="1">
+              <a:lnSpc>
+                <a:spcPct val="160000"/>
+              </a:lnSpc>
+              <a:defRPr/>
+            </a:pPr>
+            <a:r>
+              <a:rPr lang="ko-KR" altLang="ko-KR" b="1">
+                <a:solidFill>
+                  <a:srgbClr val="e7e6e6">
+                    <a:lumMod val="90000"/>
+                  </a:srgbClr>
+                </a:solidFill>
+              </a:rPr>
+              <a:t>13</a:t>
+            </a:r>
+            <a:r>
+              <a:rPr lang="en-US" altLang="ko-KR" b="1">
+                <a:solidFill>
+                  <a:srgbClr val="e7e6e6">
+                    <a:lumMod val="90000"/>
+                  </a:srgbClr>
+                </a:solidFill>
+              </a:rPr>
+              <a:t>.</a:t>
+            </a:r>
+            <a:r>
+              <a:rPr lang="ko-KR" altLang="ko-KR" b="1">
+                <a:solidFill>
+                  <a:srgbClr val="e7e6e6">
+                    <a:lumMod val="90000"/>
+                  </a:srgbClr>
+                </a:solidFill>
+              </a:rPr>
+              <a:t> 기프티콘 - 회원</a:t>
+            </a:r>
+            <a:endParaRPr lang="ko-KR" altLang="ko-KR" b="1">
+              <a:solidFill>
+                <a:srgbClr val="e7e6e6">
+                  <a:lumMod val="90000"/>
+                </a:srgbClr>
+              </a:solidFill>
+            </a:endParaRPr>
+          </a:p>
+          <a:p>
+            <a:pPr lvl="1">
+              <a:lnSpc>
+                <a:spcPct val="160000"/>
+              </a:lnSpc>
+              <a:defRPr/>
+            </a:pPr>
+            <a:endParaRPr lang="ko-KR" altLang="ko-KR" b="1">
+              <a:solidFill>
+                <a:srgbClr val="e7e6e6">
+                  <a:lumMod val="90000"/>
+                </a:srgbClr>
+              </a:solidFill>
+            </a:endParaRPr>
+          </a:p>
+          <a:p>
+            <a:pPr lvl="1">
+              <a:lnSpc>
+                <a:spcPct val="160000"/>
+              </a:lnSpc>
+              <a:defRPr/>
+            </a:pPr>
+            <a:r>
+              <a:rPr lang="ko-KR" altLang="ko-KR" sz="1450">
+                <a:solidFill>
+                  <a:srgbClr val="e7e6e6">
+                    <a:lumMod val="90000"/>
+                  </a:srgbClr>
+                </a:solidFill>
+              </a:rPr>
+              <a:t>- 회원은 기프티콘 페이지에서 현재 판매중인 기프티콘</a:t>
+            </a:r>
+            <a:r>
+              <a:rPr lang="ko-KR" altLang="en-US" sz="1450">
+                <a:solidFill>
+                  <a:srgbClr val="e7e6e6">
+                    <a:lumMod val="90000"/>
+                  </a:srgbClr>
+                </a:solidFill>
+              </a:rPr>
+              <a:t> </a:t>
+            </a:r>
+            <a:r>
+              <a:rPr lang="ko-KR" altLang="ko-KR" sz="1450">
+                <a:solidFill>
+                  <a:srgbClr val="e7e6e6">
+                    <a:lumMod val="90000"/>
+                  </a:srgbClr>
+                </a:solidFill>
+              </a:rPr>
+              <a:t>전체를 조회할 수 있다.</a:t>
+            </a:r>
+            <a:endParaRPr lang="ko-KR" altLang="ko-KR" sz="1450">
+              <a:solidFill>
+                <a:srgbClr val="e7e6e6">
+                  <a:lumMod val="90000"/>
+                </a:srgbClr>
+              </a:solidFill>
+            </a:endParaRPr>
+          </a:p>
+          <a:p>
+            <a:pPr lvl="1">
+              <a:lnSpc>
+                <a:spcPct val="160000"/>
+              </a:lnSpc>
+              <a:defRPr/>
+            </a:pPr>
+            <a:r>
+              <a:rPr lang="ko-KR" altLang="ko-KR" sz="1450">
+                <a:solidFill>
+                  <a:srgbClr val="e7e6e6">
+                    <a:lumMod val="90000"/>
+                  </a:srgbClr>
+                </a:solidFill>
+              </a:rPr>
+              <a:t>- 회원은 기프티콘 페이지에서 키워드(제목</a:t>
+            </a:r>
+            <a:r>
+              <a:rPr lang="en-US" altLang="ko-KR" sz="1450">
+                <a:solidFill>
+                  <a:srgbClr val="e7e6e6">
+                    <a:lumMod val="90000"/>
+                  </a:srgbClr>
+                </a:solidFill>
+              </a:rPr>
+              <a:t>/</a:t>
+            </a:r>
+            <a:r>
+              <a:rPr lang="ko-KR" altLang="ko-KR" sz="1450">
+                <a:solidFill>
+                  <a:srgbClr val="e7e6e6">
+                    <a:lumMod val="90000"/>
+                  </a:srgbClr>
+                </a:solidFill>
+              </a:rPr>
+              <a:t> 내용)를 검색하여 현재 판매중인 기프티콘 목록을 검색할 수 있고</a:t>
+            </a:r>
+            <a:r>
+              <a:rPr lang="en-US" altLang="ko-KR" sz="1450">
+                <a:solidFill>
+                  <a:srgbClr val="e7e6e6">
+                    <a:lumMod val="90000"/>
+                  </a:srgbClr>
+                </a:solidFill>
+              </a:rPr>
+              <a:t>,</a:t>
+            </a:r>
+            <a:r>
+              <a:rPr lang="ko-KR" altLang="ko-KR" sz="1450">
+                <a:solidFill>
+                  <a:srgbClr val="e7e6e6">
+                    <a:lumMod val="90000"/>
+                  </a:srgbClr>
+                </a:solidFill>
+              </a:rPr>
+              <a:t> 상세보기</a:t>
+            </a:r>
+            <a:endParaRPr lang="ko-KR" altLang="ko-KR" sz="1450">
+              <a:solidFill>
+                <a:srgbClr val="e7e6e6">
+                  <a:lumMod val="90000"/>
+                </a:srgbClr>
+              </a:solidFill>
+            </a:endParaRPr>
+          </a:p>
+          <a:p>
+            <a:pPr lvl="1">
+              <a:lnSpc>
+                <a:spcPct val="160000"/>
+              </a:lnSpc>
+              <a:defRPr/>
+            </a:pPr>
+            <a:r>
+              <a:rPr lang="ko-KR" altLang="en-US" sz="1450">
+                <a:solidFill>
+                  <a:srgbClr val="e7e6e6">
+                    <a:lumMod val="90000"/>
+                  </a:srgbClr>
+                </a:solidFill>
+              </a:rPr>
+              <a:t>   </a:t>
+            </a:r>
+            <a:r>
+              <a:rPr lang="ko-KR" altLang="ko-KR" sz="1450">
+                <a:solidFill>
+                  <a:srgbClr val="e7e6e6">
+                    <a:lumMod val="90000"/>
+                  </a:srgbClr>
+                </a:solidFill>
+              </a:rPr>
+              <a:t>(제목</a:t>
+            </a:r>
+            <a:r>
+              <a:rPr lang="en-US" altLang="ko-KR" sz="1450">
+                <a:solidFill>
+                  <a:srgbClr val="e7e6e6">
+                    <a:lumMod val="90000"/>
+                  </a:srgbClr>
+                </a:solidFill>
+              </a:rPr>
+              <a:t>,</a:t>
+            </a:r>
+            <a:r>
+              <a:rPr lang="ko-KR" altLang="ko-KR" sz="1450">
+                <a:solidFill>
+                  <a:srgbClr val="e7e6e6">
+                    <a:lumMod val="90000"/>
+                  </a:srgbClr>
+                </a:solidFill>
+              </a:rPr>
+              <a:t> 내용</a:t>
+            </a:r>
+            <a:r>
+              <a:rPr lang="en-US" altLang="ko-KR" sz="1450">
+                <a:solidFill>
+                  <a:srgbClr val="e7e6e6">
+                    <a:lumMod val="90000"/>
+                  </a:srgbClr>
+                </a:solidFill>
+              </a:rPr>
+              <a:t>,</a:t>
+            </a:r>
+            <a:r>
+              <a:rPr lang="ko-KR" altLang="ko-KR" sz="1450">
+                <a:solidFill>
+                  <a:srgbClr val="e7e6e6">
+                    <a:lumMod val="90000"/>
+                  </a:srgbClr>
+                </a:solidFill>
+              </a:rPr>
+              <a:t> 기간) 할수 있다. </a:t>
+            </a:r>
+            <a:endParaRPr lang="ko-KR" altLang="ko-KR" sz="1450">
+              <a:solidFill>
+                <a:srgbClr val="e7e6e6">
+                  <a:lumMod val="90000"/>
+                </a:srgbClr>
+              </a:solidFill>
+            </a:endParaRPr>
+          </a:p>
+          <a:p>
+            <a:pPr lvl="1">
+              <a:lnSpc>
+                <a:spcPct val="160000"/>
+              </a:lnSpc>
+              <a:defRPr/>
+            </a:pPr>
+            <a:r>
+              <a:rPr lang="ko-KR" altLang="ko-KR" sz="1450">
+                <a:solidFill>
+                  <a:srgbClr val="e7e6e6">
+                    <a:lumMod val="90000"/>
+                  </a:srgbClr>
+                </a:solidFill>
+              </a:rPr>
+              <a:t>- 회원은 기프티콘 페이지에서 기프티콘을 구입 할 수 있다.(기프티콘의 유효기간은 구매일자로부터 3달 이다.)</a:t>
+            </a:r>
+            <a:endParaRPr lang="ko-KR" altLang="ko-KR" sz="1450">
+              <a:solidFill>
+                <a:srgbClr val="e7e6e6">
+                  <a:lumMod val="90000"/>
+                </a:srgbClr>
+              </a:solidFill>
+            </a:endParaRPr>
+          </a:p>
+          <a:p>
+            <a:pPr lvl="1">
+              <a:lnSpc>
+                <a:spcPct val="160000"/>
+              </a:lnSpc>
+              <a:defRPr/>
+            </a:pPr>
+            <a:r>
+              <a:rPr lang="ko-KR" altLang="ko-KR" sz="1450">
+                <a:solidFill>
+                  <a:srgbClr val="e7e6e6">
+                    <a:lumMod val="90000"/>
+                  </a:srgbClr>
+                </a:solidFill>
+              </a:rPr>
+              <a:t>- 회원은 마이페이지 내 ‘내 기프티콘’ 페이지에서 기프티콘 만료 일주일 전에 유효기간을 1회 한</a:t>
+            </a:r>
+            <a:r>
+              <a:rPr lang="ko-KR" altLang="en-US" sz="1450">
+                <a:solidFill>
+                  <a:srgbClr val="e7e6e6">
+                    <a:lumMod val="90000"/>
+                  </a:srgbClr>
+                </a:solidFill>
+              </a:rPr>
+              <a:t> </a:t>
+            </a:r>
+            <a:r>
+              <a:rPr lang="ko-KR" altLang="ko-KR" sz="1450">
+                <a:solidFill>
+                  <a:srgbClr val="e7e6e6">
+                    <a:lumMod val="90000"/>
+                  </a:srgbClr>
+                </a:solidFill>
+              </a:rPr>
+              <a:t>달 연장 할 수 있다. </a:t>
+            </a:r>
+            <a:endParaRPr lang="ko-KR" altLang="ko-KR" sz="1450">
+              <a:solidFill>
+                <a:srgbClr val="e7e6e6">
+                  <a:lumMod val="90000"/>
+                </a:srgbClr>
+              </a:solidFill>
+            </a:endParaRPr>
+          </a:p>
+          <a:p>
+            <a:pPr lvl="1">
+              <a:lnSpc>
+                <a:spcPct val="160000"/>
+              </a:lnSpc>
+              <a:defRPr/>
+            </a:pPr>
+            <a:r>
+              <a:rPr lang="ko-KR" altLang="ko-KR" sz="1450">
+                <a:solidFill>
+                  <a:srgbClr val="e7e6e6">
+                    <a:lumMod val="90000"/>
+                  </a:srgbClr>
+                </a:solidFill>
+              </a:rPr>
+              <a:t>- 회원은 마이페이지 내 ‘내 기프티콘’ 페이지에서 사용가능한 기프티콘에 대하여 환불 받을 수 있다.</a:t>
+            </a:r>
+            <a:endParaRPr lang="ko-KR" altLang="ko-KR" sz="1450">
+              <a:solidFill>
+                <a:srgbClr val="e7e6e6">
+                  <a:lumMod val="90000"/>
+                </a:srgbClr>
+              </a:solidFill>
+            </a:endParaRPr>
+          </a:p>
+          <a:p>
+            <a:pPr lvl="1">
+              <a:lnSpc>
+                <a:spcPct val="160000"/>
+              </a:lnSpc>
+              <a:defRPr/>
+            </a:pPr>
+            <a:r>
+              <a:rPr lang="ko-KR" altLang="ko-KR" sz="1450">
+                <a:solidFill>
+                  <a:srgbClr val="e7e6e6">
+                    <a:lumMod val="90000"/>
+                  </a:srgbClr>
+                </a:solidFill>
+              </a:rPr>
+              <a:t>- 회원은 마이페이지 내 ‘내 기프티콘’</a:t>
+            </a:r>
+            <a:r>
+              <a:rPr lang="ko-KR" altLang="en-US" sz="1450">
+                <a:solidFill>
+                  <a:srgbClr val="e7e6e6">
+                    <a:lumMod val="90000"/>
+                  </a:srgbClr>
+                </a:solidFill>
+              </a:rPr>
+              <a:t> </a:t>
+            </a:r>
+            <a:r>
+              <a:rPr lang="ko-KR" altLang="ko-KR" sz="1450">
+                <a:solidFill>
+                  <a:srgbClr val="e7e6e6">
+                    <a:lumMod val="90000"/>
+                  </a:srgbClr>
+                </a:solidFill>
+              </a:rPr>
+              <a:t>페이지에서 자신이 사용한 기프티콘과 사용하지 않은 기프티콘 내역을 조회, 상세보기할 수 </a:t>
+            </a:r>
+            <a:endParaRPr lang="ko-KR" altLang="ko-KR" sz="1450">
+              <a:solidFill>
+                <a:srgbClr val="e7e6e6">
+                  <a:lumMod val="90000"/>
+                </a:srgbClr>
+              </a:solidFill>
+            </a:endParaRPr>
+          </a:p>
+          <a:p>
+            <a:pPr lvl="1">
+              <a:lnSpc>
+                <a:spcPct val="160000"/>
+              </a:lnSpc>
+              <a:defRPr/>
+            </a:pPr>
+            <a:r>
+              <a:rPr lang="ko-KR" altLang="en-US" sz="1450">
+                <a:solidFill>
+                  <a:srgbClr val="e7e6e6">
+                    <a:lumMod val="90000"/>
+                  </a:srgbClr>
+                </a:solidFill>
+              </a:rPr>
+              <a:t>  </a:t>
+            </a:r>
+            <a:r>
+              <a:rPr lang="ko-KR" altLang="ko-KR" sz="1450">
+                <a:solidFill>
+                  <a:srgbClr val="e7e6e6">
+                    <a:lumMod val="90000"/>
+                  </a:srgbClr>
+                </a:solidFill>
+              </a:rPr>
+              <a:t>있다.</a:t>
+            </a:r>
+            <a:endParaRPr lang="ko-KR" altLang="ko-KR" sz="1450">
+              <a:solidFill>
+                <a:srgbClr val="e7e6e6">
+                  <a:lumMod val="90000"/>
+                </a:srgbClr>
+              </a:solidFill>
+            </a:endParaRPr>
+          </a:p>
+          <a:p>
+            <a:pPr lvl="1">
+              <a:lnSpc>
+                <a:spcPct val="160000"/>
+              </a:lnSpc>
+              <a:defRPr/>
+            </a:pPr>
+            <a:endParaRPr lang="ko-KR" altLang="ko-KR" sz="1450">
+              <a:solidFill>
+                <a:srgbClr val="e7e6e6">
+                  <a:lumMod val="90000"/>
+                </a:srgbClr>
+              </a:solidFill>
+            </a:endParaRPr>
+          </a:p>
+        </p:txBody>
+      </p:sp>
+      <p:sp>
+        <p:nvSpPr>
+          <p:cNvPr id="57" name="직사각형 14"/>
+          <p:cNvSpPr/>
+          <p:nvPr/>
+        </p:nvSpPr>
+        <p:spPr>
+          <a:xfrm>
+            <a:off x="4712650" y="677994"/>
+            <a:ext cx="2766700" cy="728088"/>
+          </a:xfrm>
+          <a:prstGeom prst="rect">
+            <a:avLst/>
+          </a:prstGeom>
+        </p:spPr>
+        <p:txBody>
+          <a:bodyPr wrap="square">
+            <a:spAutoFit/>
+          </a:bodyPr>
+          <a:lstStyle/>
+          <a:p>
+            <a:pPr algn="ctr">
+              <a:lnSpc>
+                <a:spcPct val="150000"/>
+              </a:lnSpc>
+              <a:defRPr/>
+            </a:pPr>
+            <a:r>
+              <a:rPr lang="ko-KR" altLang="en-US" sz="2800" b="1">
+                <a:solidFill>
+                  <a:srgbClr val="15eeff"/>
+                </a:solidFill>
+              </a:rPr>
+              <a:t>요구사항 정의</a:t>
+            </a:r>
+            <a:endParaRPr lang="ko-KR" altLang="en-US" sz="2800" b="1">
+              <a:solidFill>
+                <a:srgbClr val="15eeff"/>
+              </a:solidFill>
+            </a:endParaRPr>
+          </a:p>
+        </p:txBody>
+      </p:sp>
+      <p:sp>
+        <p:nvSpPr>
+          <p:cNvPr id="58" name="직사각형 14"/>
+          <p:cNvSpPr/>
+          <p:nvPr/>
+        </p:nvSpPr>
+        <p:spPr>
+          <a:xfrm>
+            <a:off x="8460336" y="179957"/>
+            <a:ext cx="3630182" cy="475363"/>
+          </a:xfrm>
+          <a:prstGeom prst="rect">
+            <a:avLst/>
+          </a:prstGeom>
+        </p:spPr>
+        <p:txBody>
+          <a:bodyPr wrap="square">
+            <a:spAutoFit/>
+          </a:bodyPr>
+          <a:lstStyle/>
+          <a:p>
+            <a:pPr algn="ctr">
+              <a:lnSpc>
+                <a:spcPct val="150000"/>
+              </a:lnSpc>
+              <a:defRPr/>
+            </a:pPr>
+            <a:r>
+              <a:rPr lang="ko-KR" altLang="en-US" sz="1700" b="1" i="1">
+                <a:solidFill>
+                  <a:prstClr val="white">
+                    <a:lumMod val="95000"/>
+                  </a:prstClr>
+                </a:solidFill>
+                <a:latin typeface="KoPub돋움체 Bold"/>
+                <a:ea typeface="KoPub돋움체 Bold"/>
+              </a:rPr>
+              <a:t>멀티플렉스 영화관 관리 시스템</a:t>
+            </a:r>
+            <a:endParaRPr lang="ko-KR" altLang="en-US" sz="1700" b="1" i="1">
+              <a:solidFill>
+                <a:prstClr val="white">
+                  <a:lumMod val="95000"/>
+                </a:prstClr>
+              </a:solidFill>
+              <a:latin typeface="KoPub돋움체 Bold"/>
+              <a:ea typeface="KoPub돋움체 Bold"/>
+            </a:endParaRPr>
+          </a:p>
+        </p:txBody>
+      </p:sp>
+    </p:spTree>
+  </p:cSld>
+  <p:clrMapOvr>
+    <a:masterClrMapping/>
+  </p:clrMapOvr>
+  <mc:AlternateContent xmlns:mc="http://schemas.openxmlformats.org/markup-compatibility/2006">
+    <mc:Choice xmlns:p14="http://schemas.microsoft.com/office/powerpoint/2010/main" Requires="p14">
+      <p:transition xmlns:mc="http://schemas.openxmlformats.org/markup-compatibility/2006" xmlns:p14="http://schemas.microsoft.com/office/powerpoint/2010/main" mc:Ignorable="p14" p14:dur="500"/>
+    </mc:Choice>
+    <mc:Fallback>
+      <p:transition/>
+    </mc:Fallback>
+  </mc:AlternateContent>
+</p:sld>
+</file>
+
+<file path=ppt/slides/slide22.xml><?xml version="1.0" encoding="utf-8"?>
+<p:sld xmlns:r="http://schemas.openxmlformats.org/officeDocument/2006/relationships" xmlns:c="http://schemas.openxmlformats.org/drawingml/2006/chart" xmlns:a="http://schemas.openxmlformats.org/drawingml/2006/main" xmlns:dgm="http://schemas.openxmlformats.org/drawingml/2006/diagram" xmlns:dsp="http://schemas.microsoft.com/office/drawing/2008/diagram" xmlns:p="http://schemas.openxmlformats.org/presentationml/2006/main">
+  <p:cSld>
+    <p:bg>
+      <p:bgPr shadeToTitle="0">
+        <a:solidFill>
+          <a:srgbClr val="303038"/>
+        </a:solidFill>
+      </p:bgPr>
+    </p:bg>
+    <p:spTree>
+      <p:nvGrpSpPr>
+        <p:cNvPr id="1" name=""/>
+        <p:cNvGrpSpPr/>
+        <p:nvPr/>
+      </p:nvGrpSpPr>
+      <p:grpSpPr>
+        <a:xfrm>
+          <a:off x="0" y="0"/>
+          <a:ext cx="0" cy="0"/>
+          <a:chOff x="0" y="0"/>
+          <a:chExt cx="0" cy="0"/>
+        </a:xfrm>
+      </p:grpSpPr>
+      <p:sp>
+        <p:nvSpPr>
+          <p:cNvPr id="56" name="직사각형 55"/>
+          <p:cNvSpPr/>
+          <p:nvPr/>
+        </p:nvSpPr>
+        <p:spPr>
+          <a:xfrm>
+            <a:off x="139584" y="1396737"/>
+            <a:ext cx="11564802" cy="2735208"/>
+          </a:xfrm>
+          <a:prstGeom prst="rect">
+            <a:avLst/>
+          </a:prstGeom>
+        </p:spPr>
+        <p:txBody>
+          <a:bodyPr vert="horz" wrap="square" lIns="91440" tIns="45720" rIns="91440" bIns="45720" anchor="t">
+            <a:spAutoFit/>
+          </a:bodyPr>
+          <a:lstStyle/>
+          <a:p>
+            <a:pPr lvl="1">
+              <a:lnSpc>
+                <a:spcPct val="160000"/>
+              </a:lnSpc>
+              <a:defRPr/>
+            </a:pPr>
+            <a:r>
+              <a:rPr lang="ko-KR" altLang="ko-KR" b="1">
+                <a:solidFill>
+                  <a:srgbClr val="e7e6e6">
+                    <a:lumMod val="90000"/>
+                  </a:srgbClr>
+                </a:solidFill>
+              </a:rPr>
+              <a:t>14</a:t>
+            </a:r>
+            <a:r>
+              <a:rPr lang="en-US" altLang="ko-KR" b="1">
+                <a:solidFill>
+                  <a:srgbClr val="e7e6e6">
+                    <a:lumMod val="90000"/>
+                  </a:srgbClr>
+                </a:solidFill>
+              </a:rPr>
+              <a:t>.</a:t>
+            </a:r>
+            <a:r>
+              <a:rPr lang="ko-KR" altLang="ko-KR" b="1">
+                <a:solidFill>
+                  <a:srgbClr val="e7e6e6">
+                    <a:lumMod val="90000"/>
+                  </a:srgbClr>
+                </a:solidFill>
+              </a:rPr>
+              <a:t> 기프티콘 관리 - 관리자</a:t>
+            </a:r>
+            <a:endParaRPr lang="ko-KR" altLang="ko-KR" b="1">
+              <a:solidFill>
+                <a:srgbClr val="e7e6e6">
+                  <a:lumMod val="90000"/>
+                </a:srgbClr>
+              </a:solidFill>
+            </a:endParaRPr>
+          </a:p>
+          <a:p>
+            <a:pPr lvl="1">
+              <a:lnSpc>
+                <a:spcPct val="160000"/>
+              </a:lnSpc>
+              <a:defRPr/>
+            </a:pPr>
+            <a:endParaRPr lang="ko-KR" altLang="ko-KR" b="1">
+              <a:solidFill>
+                <a:srgbClr val="e7e6e6">
+                  <a:lumMod val="90000"/>
+                </a:srgbClr>
+              </a:solidFill>
+            </a:endParaRPr>
+          </a:p>
+          <a:p>
+            <a:pPr lvl="1">
+              <a:lnSpc>
+                <a:spcPct val="160000"/>
+              </a:lnSpc>
+              <a:defRPr/>
+            </a:pPr>
+            <a:r>
+              <a:rPr lang="ko-KR" altLang="ko-KR" sz="1450">
+                <a:solidFill>
+                  <a:srgbClr val="e7e6e6">
+                    <a:lumMod val="90000"/>
+                  </a:srgbClr>
+                </a:solidFill>
+              </a:rPr>
+              <a:t>- 관리자는 기프티콘 관리 페이지에서 현재 판매하고 있는 기프티콘 전체를 조회할 수 있다.</a:t>
+            </a:r>
+            <a:endParaRPr lang="ko-KR" altLang="ko-KR" sz="1450">
+              <a:solidFill>
+                <a:srgbClr val="e7e6e6">
+                  <a:lumMod val="90000"/>
+                </a:srgbClr>
+              </a:solidFill>
+            </a:endParaRPr>
+          </a:p>
+          <a:p>
+            <a:pPr lvl="1">
+              <a:lnSpc>
+                <a:spcPct val="160000"/>
+              </a:lnSpc>
+              <a:defRPr/>
+            </a:pPr>
+            <a:r>
+              <a:rPr lang="ko-KR" altLang="ko-KR" sz="1450">
+                <a:solidFill>
+                  <a:srgbClr val="e7e6e6">
+                    <a:lumMod val="90000"/>
+                  </a:srgbClr>
+                </a:solidFill>
+              </a:rPr>
+              <a:t>- 관리자는 기프티콘 관리 페이지에서 기프티콘을 검색(제목</a:t>
+            </a:r>
+            <a:r>
+              <a:rPr lang="en-US" altLang="ko-KR" sz="1450">
+                <a:solidFill>
+                  <a:srgbClr val="e7e6e6">
+                    <a:lumMod val="90000"/>
+                  </a:srgbClr>
+                </a:solidFill>
+              </a:rPr>
+              <a:t>/</a:t>
+            </a:r>
+            <a:r>
+              <a:rPr lang="ko-KR" altLang="ko-KR" sz="1450">
+                <a:solidFill>
+                  <a:srgbClr val="e7e6e6">
+                    <a:lumMod val="90000"/>
+                  </a:srgbClr>
+                </a:solidFill>
+              </a:rPr>
+              <a:t> 구성</a:t>
+            </a:r>
+            <a:r>
+              <a:rPr lang="en-US" altLang="ko-KR" sz="1450">
+                <a:solidFill>
+                  <a:srgbClr val="e7e6e6">
+                    <a:lumMod val="90000"/>
+                  </a:srgbClr>
+                </a:solidFill>
+              </a:rPr>
+              <a:t>/</a:t>
+            </a:r>
+            <a:r>
+              <a:rPr lang="ko-KR" altLang="ko-KR" sz="1450">
+                <a:solidFill>
+                  <a:srgbClr val="e7e6e6">
+                    <a:lumMod val="90000"/>
+                  </a:srgbClr>
+                </a:solidFill>
+              </a:rPr>
+              <a:t> 가격)할 수 있다.</a:t>
+            </a:r>
+            <a:endParaRPr lang="ko-KR" altLang="ko-KR" sz="1450">
+              <a:solidFill>
+                <a:srgbClr val="e7e6e6">
+                  <a:lumMod val="90000"/>
+                </a:srgbClr>
+              </a:solidFill>
+            </a:endParaRPr>
+          </a:p>
+          <a:p>
+            <a:pPr lvl="1">
+              <a:lnSpc>
+                <a:spcPct val="160000"/>
+              </a:lnSpc>
+              <a:defRPr/>
+            </a:pPr>
+            <a:r>
+              <a:rPr lang="ko-KR" altLang="ko-KR" sz="1450">
+                <a:solidFill>
+                  <a:srgbClr val="e7e6e6">
+                    <a:lumMod val="90000"/>
+                  </a:srgbClr>
+                </a:solidFill>
+              </a:rPr>
+              <a:t>- 관리자는 기프티콘 관리 페이지에서 기프티콘을 추가로 등록할 수 있다.</a:t>
+            </a:r>
+            <a:endParaRPr lang="ko-KR" altLang="ko-KR" sz="1450">
+              <a:solidFill>
+                <a:srgbClr val="e7e6e6">
+                  <a:lumMod val="90000"/>
+                </a:srgbClr>
+              </a:solidFill>
+            </a:endParaRPr>
+          </a:p>
+          <a:p>
+            <a:pPr lvl="1">
+              <a:lnSpc>
+                <a:spcPct val="160000"/>
+              </a:lnSpc>
+              <a:defRPr/>
+            </a:pPr>
+            <a:r>
+              <a:rPr lang="ko-KR" altLang="ko-KR" sz="1450">
+                <a:solidFill>
+                  <a:srgbClr val="e7e6e6">
+                    <a:lumMod val="90000"/>
+                  </a:srgbClr>
+                </a:solidFill>
+              </a:rPr>
+              <a:t>- 관리자는 기프티콘 관리 페이지에서 기프티콘의 이름, 가격을 수정할 수 있다.</a:t>
+            </a:r>
+            <a:endParaRPr lang="ko-KR" altLang="ko-KR" sz="1450">
+              <a:solidFill>
+                <a:srgbClr val="e7e6e6">
+                  <a:lumMod val="90000"/>
+                </a:srgbClr>
+              </a:solidFill>
+            </a:endParaRPr>
+          </a:p>
+          <a:p>
+            <a:pPr lvl="1">
+              <a:lnSpc>
+                <a:spcPct val="160000"/>
+              </a:lnSpc>
+              <a:defRPr/>
+            </a:pPr>
+            <a:r>
+              <a:rPr lang="ko-KR" altLang="ko-KR" sz="1450">
+                <a:solidFill>
+                  <a:srgbClr val="e7e6e6">
+                    <a:lumMod val="90000"/>
+                  </a:srgbClr>
+                </a:solidFill>
+              </a:rPr>
+              <a:t>- 관리자는 기프티콘 관리 페이지에서 상품 거래가 중단된 기프티콘을 목록에서 삭제할 수 있다.</a:t>
+            </a:r>
+            <a:endParaRPr lang="ko-KR" altLang="ko-KR" sz="1450">
+              <a:solidFill>
+                <a:srgbClr val="e7e6e6">
+                  <a:lumMod val="90000"/>
+                </a:srgbClr>
+              </a:solidFill>
+            </a:endParaRPr>
+          </a:p>
+        </p:txBody>
+      </p:sp>
+      <p:sp>
+        <p:nvSpPr>
+          <p:cNvPr id="57" name="직사각형 14"/>
+          <p:cNvSpPr/>
+          <p:nvPr/>
+        </p:nvSpPr>
+        <p:spPr>
+          <a:xfrm>
+            <a:off x="4712650" y="677994"/>
+            <a:ext cx="2766700" cy="728088"/>
+          </a:xfrm>
+          <a:prstGeom prst="rect">
+            <a:avLst/>
+          </a:prstGeom>
+        </p:spPr>
+        <p:txBody>
+          <a:bodyPr wrap="square">
+            <a:spAutoFit/>
+          </a:bodyPr>
+          <a:lstStyle/>
+          <a:p>
+            <a:pPr algn="ctr">
+              <a:lnSpc>
+                <a:spcPct val="150000"/>
+              </a:lnSpc>
+              <a:defRPr/>
+            </a:pPr>
+            <a:r>
+              <a:rPr lang="ko-KR" altLang="en-US" sz="2800" b="1">
+                <a:solidFill>
+                  <a:srgbClr val="15eeff"/>
+                </a:solidFill>
+              </a:rPr>
+              <a:t>요구사항 정의</a:t>
+            </a:r>
+            <a:endParaRPr lang="ko-KR" altLang="en-US" sz="2800" b="1">
+              <a:solidFill>
+                <a:srgbClr val="15eeff"/>
+              </a:solidFill>
+            </a:endParaRPr>
+          </a:p>
+        </p:txBody>
+      </p:sp>
+      <p:sp>
+        <p:nvSpPr>
+          <p:cNvPr id="58" name="직사각형 14"/>
+          <p:cNvSpPr/>
+          <p:nvPr/>
+        </p:nvSpPr>
+        <p:spPr>
+          <a:xfrm>
+            <a:off x="8460336" y="179957"/>
+            <a:ext cx="3630182" cy="475363"/>
+          </a:xfrm>
+          <a:prstGeom prst="rect">
+            <a:avLst/>
+          </a:prstGeom>
+        </p:spPr>
+        <p:txBody>
+          <a:bodyPr wrap="square">
+            <a:spAutoFit/>
+          </a:bodyPr>
+          <a:lstStyle/>
+          <a:p>
+            <a:pPr algn="ctr">
+              <a:lnSpc>
+                <a:spcPct val="150000"/>
+              </a:lnSpc>
+              <a:defRPr/>
+            </a:pPr>
+            <a:r>
+              <a:rPr lang="ko-KR" altLang="en-US" sz="1700" b="1" i="1">
+                <a:solidFill>
+                  <a:prstClr val="white">
+                    <a:lumMod val="95000"/>
+                  </a:prstClr>
+                </a:solidFill>
+                <a:latin typeface="KoPub돋움체 Bold"/>
+                <a:ea typeface="KoPub돋움체 Bold"/>
+              </a:rPr>
+              <a:t>멀티플렉스 영화관 관리 시스템</a:t>
+            </a:r>
+            <a:endParaRPr lang="ko-KR" altLang="en-US" sz="1700" b="1" i="1">
+              <a:solidFill>
+                <a:prstClr val="white">
+                  <a:lumMod val="95000"/>
+                </a:prstClr>
+              </a:solidFill>
+              <a:latin typeface="KoPub돋움체 Bold"/>
+              <a:ea typeface="KoPub돋움체 Bold"/>
+            </a:endParaRPr>
+          </a:p>
+        </p:txBody>
+      </p:sp>
+    </p:spTree>
+  </p:cSld>
+  <p:clrMapOvr>
+    <a:masterClrMapping/>
+  </p:clrMapOvr>
+  <mc:AlternateContent xmlns:mc="http://schemas.openxmlformats.org/markup-compatibility/2006">
+    <mc:Choice xmlns:p14="http://schemas.microsoft.com/office/powerpoint/2010/main" Requires="p14">
+      <p:transition xmlns:mc="http://schemas.openxmlformats.org/markup-compatibility/2006" xmlns:p14="http://schemas.microsoft.com/office/powerpoint/2010/main" mc:Ignorable="p14" p14:dur="500"/>
+    </mc:Choice>
+    <mc:Fallback>
+      <p:transition/>
+    </mc:Fallback>
+  </mc:AlternateContent>
+</p:sld>
+</file>
+
 <file path=ppt/slides/slide3.xml><?xml version="1.0" encoding="utf-8"?>
 <p:sld xmlns:r="http://schemas.openxmlformats.org/officeDocument/2006/relationships" xmlns:c="http://schemas.openxmlformats.org/drawingml/2006/chart" xmlns:a="http://schemas.openxmlformats.org/drawingml/2006/main" xmlns:dgm="http://schemas.openxmlformats.org/drawingml/2006/diagram" xmlns:dsp="http://schemas.microsoft.com/office/drawing/2008/diagram" xmlns:p="http://schemas.openxmlformats.org/presentationml/2006/main">
   <p:cSld>
@@ -9846,7 +12401,7 @@
         </p:nvSpPr>
         <p:spPr>
           <a:xfrm>
-            <a:off x="367226" y="1703059"/>
+            <a:off x="167654" y="1766558"/>
             <a:ext cx="11457548" cy="4814381"/>
           </a:xfrm>
           <a:prstGeom prst="rect">
@@ -10741,8 +13296,8 @@
         </p:nvSpPr>
         <p:spPr>
           <a:xfrm>
-            <a:off x="441820" y="1909626"/>
-            <a:ext cx="11308360" cy="2584269"/>
+            <a:off x="169676" y="1773554"/>
+            <a:ext cx="11308360" cy="2584270"/>
           </a:xfrm>
           <a:prstGeom prst="rect">
             <a:avLst/>

--- a/2조 시스템개요, 요구사항 정의.pptx
+++ b/2조 시스템개요, 요구사항 정의.pptx
@@ -2,7 +2,7 @@
 <file path=ppt/presentation.xml><?xml version="1.0" encoding="utf-8"?>
 <p:presentation xmlns:r="http://schemas.openxmlformats.org/officeDocument/2006/relationships" xmlns:c="http://schemas.openxmlformats.org/drawingml/2006/chart" xmlns:a="http://schemas.openxmlformats.org/drawingml/2006/main" xmlns:dgm="http://schemas.openxmlformats.org/drawingml/2006/diagram" xmlns:dsp="http://schemas.microsoft.com/office/drawing/2008/diagram" xmlns:p="http://schemas.openxmlformats.org/presentationml/2006/main" embedTrueTypeFonts="1" saveSubsetFonts="1">
   <p:sldMasterIdLst>
-    <p:sldMasterId id="2147483687" r:id="rId1"/>
+    <p:sldMasterId id="2147483691" r:id="rId1"/>
   </p:sldMasterIdLst>
   <p:sldIdLst>
     <p:sldId id="256" r:id="rId2"/>
@@ -27,6 +27,8 @@
     <p:sldId id="275" r:id="rId21"/>
     <p:sldId id="276" r:id="rId22"/>
     <p:sldId id="277" r:id="rId23"/>
+    <p:sldId id="278" r:id="rId24"/>
+    <p:sldId id="279" r:id="rId25"/>
   </p:sldIdLst>
   <p:sldSz cx="12192000" cy="6858000"/>
   <p:notesSz cx="6858000" cy="9144000"/>
@@ -3615,8 +3617,8 @@
         </p:nvSpPr>
         <p:spPr>
           <a:xfrm>
-            <a:off x="194535" y="1451688"/>
-            <a:ext cx="11564802" cy="5148330"/>
+            <a:off x="0" y="1533331"/>
+            <a:ext cx="11737158" cy="4141663"/>
           </a:xfrm>
           <a:prstGeom prst="rect">
             <a:avLst/>
@@ -3642,7 +3644,27 @@
                   </a:srgbClr>
                 </a:solidFill>
               </a:rPr>
-              <a:t>2. 리뷰(게시판) - 회원과 관리자만 이용가능</a:t>
+              <a:t>2. 리뷰(게시판) - 회원</a:t>
+            </a:r>
+            <a:r>
+              <a:rPr lang="en-US" altLang="ko-KR" b="1">
+                <a:solidFill>
+                  <a:srgbClr val="e7e6e6">
+                    <a:lumMod val="90000"/>
+                  </a:srgbClr>
+                </a:solidFill>
+              </a:rPr>
+              <a:t>,</a:t>
+            </a:r>
+            <a:r>
+              <a:rPr lang="ko-KR" altLang="ko-KR" b="1">
+                <a:solidFill>
+                  <a:srgbClr val="e7e6e6">
+                    <a:lumMod val="90000"/>
+                  </a:srgbClr>
+                </a:solidFill>
+              </a:rPr>
+              <a:t> 관리자 이용가능</a:t>
             </a:r>
             <a:endParaRPr lang="ko-KR" altLang="ko-KR" b="1">
               <a:solidFill>
@@ -3675,6 +3697,91 @@
               <a:defRPr/>
             </a:pPr>
             <a:r>
+              <a:rPr lang="ko-KR" altLang="ko-KR" sz="1450">
+                <a:solidFill>
+                  <a:srgbClr val="e7e6e6">
+                    <a:lumMod val="90000"/>
+                  </a:srgbClr>
+                </a:solidFill>
+              </a:rPr>
+              <a:t>-  회원은 마이페이지에서 ‘내 리뷰’를 클릭하여 내가 작성한 리뷰글을 조회할 수 있다.(리뷰글 클릭 시 리뷰글 상세보기 페이지로 이동)</a:t>
+            </a:r>
+            <a:endParaRPr lang="ko-KR" altLang="ko-KR" sz="1450">
+              <a:solidFill>
+                <a:srgbClr val="e7e6e6">
+                  <a:lumMod val="90000"/>
+                </a:srgbClr>
+              </a:solidFill>
+            </a:endParaRPr>
+          </a:p>
+          <a:p>
+            <a:pPr lvl="1">
+              <a:lnSpc>
+                <a:spcPct val="150000"/>
+              </a:lnSpc>
+              <a:defRPr/>
+            </a:pPr>
+            <a:r>
+              <a:rPr lang="ko-KR" altLang="ko-KR" sz="1450">
+                <a:solidFill>
+                  <a:srgbClr val="e7e6e6">
+                    <a:lumMod val="90000"/>
+                  </a:srgbClr>
+                </a:solidFill>
+              </a:rPr>
+              <a:t>-  회원은 마이페이지에서 ‘내 예매 내역’를 클릭 후 내가 본 영화 상세페이지에서 리뷰를 작성할 수 있다.</a:t>
+            </a:r>
+            <a:endParaRPr lang="ko-KR" altLang="ko-KR" sz="1450">
+              <a:solidFill>
+                <a:srgbClr val="e7e6e6">
+                  <a:lumMod val="90000"/>
+                </a:srgbClr>
+              </a:solidFill>
+            </a:endParaRPr>
+          </a:p>
+          <a:p>
+            <a:pPr lvl="1">
+              <a:lnSpc>
+                <a:spcPct val="150000"/>
+              </a:lnSpc>
+              <a:defRPr/>
+            </a:pPr>
+            <a:r>
+              <a:rPr lang="ko-KR" altLang="ko-KR" sz="1450">
+                <a:solidFill>
+                  <a:srgbClr val="e7e6e6">
+                    <a:lumMod val="90000"/>
+                  </a:srgbClr>
+                </a:solidFill>
+              </a:rPr>
+              <a:t>-  회원과 관리자는 리뷰게시판 페이지에서 모든 회원이 작성한 리뷰 게시글을 조회(제목, 내용, 아이디, 조회수)  할 수 있다. </a:t>
+            </a:r>
+            <a:endParaRPr lang="ko-KR" altLang="ko-KR" sz="1450">
+              <a:solidFill>
+                <a:srgbClr val="e7e6e6">
+                  <a:lumMod val="90000"/>
+                </a:srgbClr>
+              </a:solidFill>
+            </a:endParaRPr>
+          </a:p>
+          <a:p>
+            <a:pPr lvl="1">
+              <a:lnSpc>
+                <a:spcPct val="150000"/>
+              </a:lnSpc>
+              <a:defRPr/>
+            </a:pPr>
+            <a:r>
+              <a:rPr lang="ko-KR" altLang="ko-KR" sz="1450">
+                <a:solidFill>
+                  <a:srgbClr val="e7e6e6">
+                    <a:lumMod val="90000"/>
+                  </a:srgbClr>
+                </a:solidFill>
+              </a:rPr>
+              <a:t>-  회원과 관리자는 리뷰게시판 페이지에서 특정 키워드(제목</a:t>
+            </a:r>
+            <a:r>
               <a:rPr lang="en-US" altLang="ko-KR" sz="1450">
                 <a:solidFill>
                   <a:srgbClr val="e7e6e6">
@@ -3682,7 +3789,37 @@
                   </a:srgbClr>
                 </a:solidFill>
               </a:rPr>
-              <a:t>-</a:t>
+              <a:t>/</a:t>
+            </a:r>
+            <a:r>
+              <a:rPr lang="ko-KR" altLang="ko-KR" sz="1450">
+                <a:solidFill>
+                  <a:srgbClr val="e7e6e6">
+                    <a:lumMod val="90000"/>
+                  </a:srgbClr>
+                </a:solidFill>
+              </a:rPr>
+              <a:t> 내용</a:t>
+            </a:r>
+            <a:r>
+              <a:rPr lang="en-US" altLang="ko-KR" sz="1450">
+                <a:solidFill>
+                  <a:srgbClr val="e7e6e6">
+                    <a:lumMod val="90000"/>
+                  </a:srgbClr>
+                </a:solidFill>
+              </a:rPr>
+              <a:t>/</a:t>
+            </a:r>
+            <a:r>
+              <a:rPr lang="ko-KR" altLang="ko-KR" sz="1450">
+                <a:solidFill>
+                  <a:srgbClr val="e7e6e6">
+                    <a:lumMod val="90000"/>
+                  </a:srgbClr>
+                </a:solidFill>
+              </a:rPr>
+              <a:t> 아이디)를 입력하여</a:t>
             </a:r>
             <a:r>
               <a:rPr lang="ko-KR" altLang="en-US" sz="1450">
@@ -3702,7 +3839,7 @@
                   </a:srgbClr>
                 </a:solidFill>
               </a:rPr>
-              <a:t>회원은 마이페이지에서 ‘내 리뷰’를 클릭하여 내가 작성한 리뷰글을 조회, 상세보기, 수정, 삭제 할 수 있다.</a:t>
+              <a:t>검색 할 수 있다.</a:t>
             </a:r>
             <a:endParaRPr lang="ko-KR" altLang="ko-KR" sz="1450">
               <a:solidFill>
@@ -3720,16 +3857,6 @@
               <a:defRPr/>
             </a:pPr>
             <a:r>
-              <a:rPr lang="en-US" altLang="ko-KR" sz="1450">
-                <a:solidFill>
-                  <a:srgbClr val="e7e6e6">
-                    <a:lumMod val="90000"/>
-                  </a:srgbClr>
-                </a:solidFill>
-              </a:rPr>
-              <a:t>-</a:t>
-            </a:r>
-            <a:r>
               <a:rPr lang="ko-KR" altLang="ko-KR" sz="1450">
                 <a:solidFill>
                   <a:srgbClr val="e7e6e6">
@@ -3737,7 +3864,7 @@
                   </a:srgbClr>
                 </a:solidFill>
               </a:rPr>
-              <a:t> 회원은 마이페이지에서 ‘내 예매 내역’를 클릭 후 내가 본 영화 상세페이지에서 리뷰를 작성할 수 있다.</a:t>
+              <a:t>-  회원과 관리자는 리뷰게시판 페이지에서 모든 회원이 작성한 리뷰글들을 상세보기(제목, 내용, 작성한사람 아이디, 작성한 시간, </a:t>
             </a:r>
             <a:endParaRPr lang="ko-KR" altLang="ko-KR" sz="1450">
               <a:solidFill>
@@ -3755,14 +3882,14 @@
               <a:defRPr/>
             </a:pPr>
             <a:r>
-              <a:rPr lang="en-US" altLang="ko-KR" sz="1450">
-                <a:solidFill>
-                  <a:srgbClr val="e7e6e6">
-                    <a:lumMod val="90000"/>
-                  </a:srgbClr>
-                </a:solidFill>
-              </a:rPr>
-              <a:t>-</a:t>
+              <a:rPr lang="ko-KR" altLang="en-US" sz="1450">
+                <a:solidFill>
+                  <a:srgbClr val="e7e6e6">
+                    <a:lumMod val="90000"/>
+                  </a:srgbClr>
+                </a:solidFill>
+              </a:rPr>
+              <a:t>   </a:t>
             </a:r>
             <a:r>
               <a:rPr lang="ko-KR" altLang="ko-KR" sz="1450">
@@ -3772,7 +3899,7 @@
                   </a:srgbClr>
                 </a:solidFill>
               </a:rPr>
-              <a:t> 회원은 리뷰게시판 페이지에서 모든 회원이 작성한 리뷰 게시글을 조회(제목, 내용, 아이디, 조회수) 할 수 있다.</a:t>
+              <a:t>조회수) 할 수 있다. </a:t>
             </a:r>
             <a:endParaRPr lang="ko-KR" altLang="ko-KR" sz="1450">
               <a:solidFill>
@@ -3790,16 +3917,6 @@
               <a:defRPr/>
             </a:pPr>
             <a:r>
-              <a:rPr lang="en-US" altLang="ko-KR" sz="1450">
-                <a:solidFill>
-                  <a:srgbClr val="e7e6e6">
-                    <a:lumMod val="90000"/>
-                  </a:srgbClr>
-                </a:solidFill>
-              </a:rPr>
-              <a:t>-</a:t>
-            </a:r>
-            <a:r>
               <a:rPr lang="ko-KR" altLang="ko-KR" sz="1450">
                 <a:solidFill>
                   <a:srgbClr val="e7e6e6">
@@ -3807,7 +3924,27 @@
                   </a:srgbClr>
                 </a:solidFill>
               </a:rPr>
-              <a:t> 회원은 리뷰게시판 페이지에서 특정 키워드를 입력하여(제목, 내용, 아이디) 검색을 할 수 있다.</a:t>
+              <a:t>-  회원은 리뷰게시판 페이지에서 자신이 작성한 게시글을 클릭 후 리뷰글 상세보기 페이지에서 수정 및 삭제</a:t>
+            </a:r>
+            <a:r>
+              <a:rPr lang="ko-KR" altLang="en-US" sz="1450">
+                <a:solidFill>
+                  <a:srgbClr val="e7e6e6">
+                    <a:lumMod val="90000"/>
+                  </a:srgbClr>
+                </a:solidFill>
+              </a:rPr>
+              <a:t> </a:t>
+            </a:r>
+            <a:r>
+              <a:rPr lang="ko-KR" altLang="ko-KR" sz="1450">
+                <a:solidFill>
+                  <a:srgbClr val="e7e6e6">
+                    <a:lumMod val="90000"/>
+                  </a:srgbClr>
+                </a:solidFill>
+              </a:rPr>
+              <a:t>할 수 있다.</a:t>
             </a:r>
             <a:endParaRPr lang="ko-KR" altLang="ko-KR" sz="1450">
               <a:solidFill>
@@ -3825,16 +3962,6 @@
               <a:defRPr/>
             </a:pPr>
             <a:r>
-              <a:rPr lang="en-US" altLang="ko-KR" sz="1450">
-                <a:solidFill>
-                  <a:srgbClr val="e7e6e6">
-                    <a:lumMod val="90000"/>
-                  </a:srgbClr>
-                </a:solidFill>
-              </a:rPr>
-              <a:t>-</a:t>
-            </a:r>
-            <a:r>
               <a:rPr lang="ko-KR" altLang="ko-KR" sz="1450">
                 <a:solidFill>
                   <a:srgbClr val="e7e6e6">
@@ -3842,7 +3969,27 @@
                   </a:srgbClr>
                 </a:solidFill>
               </a:rPr>
-              <a:t> 회원은 리뷰게시판 페이지에서 모든 회원이 작성한 리뷰글들을 상세보기(제목, 내용, 작성한사람 아이디, 작성한 시간, 조회수)</a:t>
+              <a:t>-  회원은 리뷰게시판 페이지에서 다른 회원이 작성한 리뷰글 상세보기 페이지에서 신고</a:t>
+            </a:r>
+            <a:r>
+              <a:rPr lang="ko-KR" altLang="en-US" sz="1450">
+                <a:solidFill>
+                  <a:srgbClr val="e7e6e6">
+                    <a:lumMod val="90000"/>
+                  </a:srgbClr>
+                </a:solidFill>
+              </a:rPr>
+              <a:t> </a:t>
+            </a:r>
+            <a:r>
+              <a:rPr lang="ko-KR" altLang="ko-KR" sz="1450">
+                <a:solidFill>
+                  <a:srgbClr val="e7e6e6">
+                    <a:lumMod val="90000"/>
+                  </a:srgbClr>
+                </a:solidFill>
+              </a:rPr>
+              <a:t>할 수 있다.</a:t>
             </a:r>
             <a:endParaRPr lang="ko-KR" altLang="ko-KR" sz="1450">
               <a:solidFill>
@@ -3859,16 +4006,21 @@
               </a:lnSpc>
               <a:defRPr/>
             </a:pPr>
-            <a:r>
-              <a:rPr lang="ko-KR" altLang="en-US" sz="1450">
-                <a:solidFill>
-                  <a:srgbClr val="e7e6e6">
-                    <a:lumMod val="90000"/>
-                  </a:srgbClr>
-                </a:solidFill>
-              </a:rPr>
-              <a:t>  </a:t>
-            </a:r>
+            <a:endParaRPr lang="ko-KR" altLang="ko-KR" sz="1450">
+              <a:solidFill>
+                <a:srgbClr val="e7e6e6">
+                  <a:lumMod val="90000"/>
+                </a:srgbClr>
+              </a:solidFill>
+            </a:endParaRPr>
+          </a:p>
+          <a:p>
+            <a:pPr lvl="1">
+              <a:lnSpc>
+                <a:spcPct val="150000"/>
+              </a:lnSpc>
+              <a:defRPr/>
+            </a:pPr>
             <a:r>
               <a:rPr lang="ko-KR" altLang="ko-KR" sz="1450">
                 <a:solidFill>
@@ -3877,252 +4029,7 @@
                   </a:srgbClr>
                 </a:solidFill>
               </a:rPr>
-              <a:t>할 수 있다. </a:t>
-            </a:r>
-            <a:endParaRPr lang="ko-KR" altLang="ko-KR" sz="1450">
-              <a:solidFill>
-                <a:srgbClr val="e7e6e6">
-                  <a:lumMod val="90000"/>
-                </a:srgbClr>
-              </a:solidFill>
-            </a:endParaRPr>
-          </a:p>
-          <a:p>
-            <a:pPr lvl="1">
-              <a:lnSpc>
-                <a:spcPct val="150000"/>
-              </a:lnSpc>
-              <a:defRPr/>
-            </a:pPr>
-            <a:r>
-              <a:rPr lang="en-US" altLang="ko-KR" sz="1450">
-                <a:solidFill>
-                  <a:srgbClr val="e7e6e6">
-                    <a:lumMod val="90000"/>
-                  </a:srgbClr>
-                </a:solidFill>
-              </a:rPr>
-              <a:t>-</a:t>
-            </a:r>
-            <a:r>
-              <a:rPr lang="ko-KR" altLang="ko-KR" sz="1450">
-                <a:solidFill>
-                  <a:srgbClr val="e7e6e6">
-                    <a:lumMod val="90000"/>
-                  </a:srgbClr>
-                </a:solidFill>
-              </a:rPr>
-              <a:t> 회원은 리뷰게시판 페이지에서 자신이 작성한 게시글을 클릭 후 리뷰글 상세보기 페이지에서 수정(제목, 내용) 및 삭제할 수 있다.</a:t>
-            </a:r>
-            <a:endParaRPr lang="ko-KR" altLang="ko-KR" sz="1450">
-              <a:solidFill>
-                <a:srgbClr val="e7e6e6">
-                  <a:lumMod val="90000"/>
-                </a:srgbClr>
-              </a:solidFill>
-            </a:endParaRPr>
-          </a:p>
-          <a:p>
-            <a:pPr lvl="1">
-              <a:lnSpc>
-                <a:spcPct val="150000"/>
-              </a:lnSpc>
-              <a:defRPr/>
-            </a:pPr>
-            <a:r>
-              <a:rPr lang="en-US" altLang="ko-KR" sz="1450">
-                <a:solidFill>
-                  <a:srgbClr val="e7e6e6">
-                    <a:lumMod val="90000"/>
-                  </a:srgbClr>
-                </a:solidFill>
-              </a:rPr>
-              <a:t>-</a:t>
-            </a:r>
-            <a:r>
-              <a:rPr lang="ko-KR" altLang="ko-KR" sz="1450">
-                <a:solidFill>
-                  <a:srgbClr val="e7e6e6">
-                    <a:lumMod val="90000"/>
-                  </a:srgbClr>
-                </a:solidFill>
-              </a:rPr>
-              <a:t> 회원은 리뷰게시판 페이지 내에서 다른 회원이 작성한 리뷰글을 신고할 수 있다.</a:t>
-            </a:r>
-            <a:endParaRPr lang="ko-KR" altLang="ko-KR" sz="1450">
-              <a:solidFill>
-                <a:srgbClr val="e7e6e6">
-                  <a:lumMod val="90000"/>
-                </a:srgbClr>
-              </a:solidFill>
-            </a:endParaRPr>
-          </a:p>
-          <a:p>
-            <a:pPr lvl="1">
-              <a:lnSpc>
-                <a:spcPct val="150000"/>
-              </a:lnSpc>
-              <a:defRPr/>
-            </a:pPr>
-            <a:endParaRPr lang="ko-KR" altLang="ko-KR" sz="1450">
-              <a:solidFill>
-                <a:srgbClr val="e7e6e6">
-                  <a:lumMod val="90000"/>
-                </a:srgbClr>
-              </a:solidFill>
-            </a:endParaRPr>
-          </a:p>
-          <a:p>
-            <a:pPr lvl="1">
-              <a:lnSpc>
-                <a:spcPct val="150000"/>
-              </a:lnSpc>
-              <a:defRPr/>
-            </a:pPr>
-            <a:r>
-              <a:rPr lang="en-US" altLang="ko-KR" sz="1450">
-                <a:solidFill>
-                  <a:srgbClr val="e7e6e6">
-                    <a:lumMod val="90000"/>
-                  </a:srgbClr>
-                </a:solidFill>
-              </a:rPr>
-              <a:t>-</a:t>
-            </a:r>
-            <a:r>
-              <a:rPr lang="ko-KR" altLang="ko-KR" sz="1450">
-                <a:solidFill>
-                  <a:srgbClr val="e7e6e6">
-                    <a:lumMod val="90000"/>
-                  </a:srgbClr>
-                </a:solidFill>
-              </a:rPr>
-              <a:t> 관리자는 리뷰게시판 페이지에서 모든회원이 작성한 리뷰글을 조회할 수 있다.</a:t>
-            </a:r>
-            <a:endParaRPr lang="ko-KR" altLang="ko-KR" sz="1450">
-              <a:solidFill>
-                <a:srgbClr val="e7e6e6">
-                  <a:lumMod val="90000"/>
-                </a:srgbClr>
-              </a:solidFill>
-            </a:endParaRPr>
-          </a:p>
-          <a:p>
-            <a:pPr lvl="1">
-              <a:lnSpc>
-                <a:spcPct val="150000"/>
-              </a:lnSpc>
-              <a:defRPr/>
-            </a:pPr>
-            <a:r>
-              <a:rPr lang="en-US" altLang="ko-KR" sz="1450">
-                <a:solidFill>
-                  <a:srgbClr val="e7e6e6">
-                    <a:lumMod val="90000"/>
-                  </a:srgbClr>
-                </a:solidFill>
-              </a:rPr>
-              <a:t>-</a:t>
-            </a:r>
-            <a:r>
-              <a:rPr lang="ko-KR" altLang="ko-KR" sz="1450">
-                <a:solidFill>
-                  <a:srgbClr val="e7e6e6">
-                    <a:lumMod val="90000"/>
-                  </a:srgbClr>
-                </a:solidFill>
-              </a:rPr>
-              <a:t> 관리자는 리뷰게시판 페이지에서 특정 키워드를 입력하여 게시글을 검색할 수 있다.(아이디, 제목, 내용 )</a:t>
-            </a:r>
-            <a:endParaRPr lang="ko-KR" altLang="ko-KR" sz="1450">
-              <a:solidFill>
-                <a:srgbClr val="e7e6e6">
-                  <a:lumMod val="90000"/>
-                </a:srgbClr>
-              </a:solidFill>
-            </a:endParaRPr>
-          </a:p>
-          <a:p>
-            <a:pPr lvl="1">
-              <a:lnSpc>
-                <a:spcPct val="150000"/>
-              </a:lnSpc>
-              <a:defRPr/>
-            </a:pPr>
-            <a:r>
-              <a:rPr lang="en-US" altLang="ko-KR" sz="1450">
-                <a:solidFill>
-                  <a:srgbClr val="e7e6e6">
-                    <a:lumMod val="90000"/>
-                  </a:srgbClr>
-                </a:solidFill>
-              </a:rPr>
-              <a:t>-</a:t>
-            </a:r>
-            <a:r>
-              <a:rPr lang="ko-KR" altLang="ko-KR" sz="1450">
-                <a:solidFill>
-                  <a:srgbClr val="e7e6e6">
-                    <a:lumMod val="90000"/>
-                  </a:srgbClr>
-                </a:solidFill>
-              </a:rPr>
-              <a:t> 관리자는 리뷰게시판 페이지에서 모든</a:t>
-            </a:r>
-            <a:r>
-              <a:rPr lang="ko-KR" altLang="en-US" sz="1450">
-                <a:solidFill>
-                  <a:srgbClr val="e7e6e6">
-                    <a:lumMod val="90000"/>
-                  </a:srgbClr>
-                </a:solidFill>
-              </a:rPr>
-              <a:t> </a:t>
-            </a:r>
-            <a:r>
-              <a:rPr lang="ko-KR" altLang="ko-KR" sz="1450">
-                <a:solidFill>
-                  <a:srgbClr val="e7e6e6">
-                    <a:lumMod val="90000"/>
-                  </a:srgbClr>
-                </a:solidFill>
-              </a:rPr>
-              <a:t>회원이 작성한 리뷰글을 상세보기(제목, 내용, 작성 아이디, 작성한 시간, 조회수) 할 수 있다. </a:t>
-            </a:r>
-            <a:endParaRPr lang="ko-KR" altLang="ko-KR" sz="1450">
-              <a:solidFill>
-                <a:srgbClr val="e7e6e6">
-                  <a:lumMod val="90000"/>
-                </a:srgbClr>
-              </a:solidFill>
-            </a:endParaRPr>
-          </a:p>
-          <a:p>
-            <a:pPr lvl="1">
-              <a:lnSpc>
-                <a:spcPct val="150000"/>
-              </a:lnSpc>
-              <a:defRPr/>
-            </a:pPr>
-            <a:r>
-              <a:rPr lang="en-US" altLang="ko-KR" sz="1450">
-                <a:solidFill>
-                  <a:srgbClr val="e7e6e6">
-                    <a:lumMod val="90000"/>
-                  </a:srgbClr>
-                </a:solidFill>
-              </a:rPr>
-              <a:t>-</a:t>
-            </a:r>
-            <a:r>
-              <a:rPr lang="ko-KR" altLang="ko-KR" sz="1450">
-                <a:solidFill>
-                  <a:srgbClr val="e7e6e6">
-                    <a:lumMod val="90000"/>
-                  </a:srgbClr>
-                </a:solidFill>
-              </a:rPr>
-              <a:t> 관리자는 신고 관리 페이지에서 모든 회원이 작성한 리뷰글 중 신고가 접수된 리뷰글을 삭제 할 수 있다. </a:t>
+              <a:t>-  관리자는 리뷰게시판에 있는 모든 회원의 글을 삭제할 수 있다.</a:t>
             </a:r>
             <a:endParaRPr lang="ko-KR" altLang="ko-KR" sz="1450">
               <a:solidFill>
@@ -4276,8 +4183,8 @@
         </p:nvSpPr>
         <p:spPr>
           <a:xfrm>
-            <a:off x="139584" y="1488322"/>
-            <a:ext cx="11564802" cy="4424797"/>
+            <a:off x="0" y="1488322"/>
+            <a:ext cx="11704386" cy="3005573"/>
           </a:xfrm>
           <a:prstGeom prst="rect">
             <a:avLst/>
@@ -4303,7 +4210,27 @@
                   </a:srgbClr>
                 </a:solidFill>
               </a:rPr>
-              <a:t>3. 리뷰댓글 - 회원과 관리자만 이용가능</a:t>
+              <a:t>3. 리뷰댓글 - 회원</a:t>
+            </a:r>
+            <a:r>
+              <a:rPr lang="en-US" altLang="ko-KR" b="1">
+                <a:solidFill>
+                  <a:srgbClr val="e7e6e6">
+                    <a:lumMod val="90000"/>
+                  </a:srgbClr>
+                </a:solidFill>
+              </a:rPr>
+              <a:t>,</a:t>
+            </a:r>
+            <a:r>
+              <a:rPr lang="ko-KR" altLang="ko-KR" b="1">
+                <a:solidFill>
+                  <a:srgbClr val="e7e6e6">
+                    <a:lumMod val="90000"/>
+                  </a:srgbClr>
+                </a:solidFill>
+              </a:rPr>
+              <a:t> 관리자 이용가능</a:t>
             </a:r>
             <a:endParaRPr lang="ko-KR" altLang="ko-KR" b="1">
               <a:solidFill>
@@ -4343,7 +4270,7 @@
                   </a:srgbClr>
                 </a:solidFill>
               </a:rPr>
-              <a:t>- 회원은 리뷰게시판 페이지에서 게시글을 상세보기 한 후 해당 게시물 상세보기 페이지에서 댓글들을 조회 할 수 있다.</a:t>
+              <a:t>- 회원과 관리자는 리뷰게시판 내 게시글 상세보기 페이지에서 댓글들을 조회 할 수 있다.</a:t>
             </a:r>
             <a:endParaRPr lang="ko-KR" altLang="ko-KR" sz="1450">
               <a:solidFill>
@@ -4368,7 +4295,27 @@
                   </a:srgbClr>
                 </a:solidFill>
               </a:rPr>
-              <a:t>- 회원은 리뷰게시판 페이지에서 게시글을 상세보기 한 후 해당 게시물 상세보기 페이지에서 댓글을 작성하면 해당 게시물 </a:t>
+              <a:t>- 회원은 리뷰게시판 페이지</a:t>
+            </a:r>
+            <a:r>
+              <a:rPr lang="ko-KR" altLang="en-US" sz="1450">
+                <a:solidFill>
+                  <a:srgbClr val="e7e6e6">
+                    <a:lumMod val="90000"/>
+                  </a:srgbClr>
+                </a:solidFill>
+              </a:rPr>
+              <a:t>의</a:t>
+            </a:r>
+            <a:r>
+              <a:rPr lang="ko-KR" altLang="ko-KR" sz="1450">
+                <a:solidFill>
+                  <a:srgbClr val="e7e6e6">
+                    <a:lumMod val="90000"/>
+                  </a:srgbClr>
+                </a:solidFill>
+              </a:rPr>
+              <a:t> 게시글 상세보기 페이지에서 댓글을 작성하면 해당 게시물 하단에 자신의 댓글이 등록된다.</a:t>
             </a:r>
             <a:endParaRPr lang="ko-KR" altLang="ko-KR" sz="1450">
               <a:solidFill>
@@ -4386,6 +4333,16 @@
               <a:defRPr/>
             </a:pPr>
             <a:r>
+              <a:rPr lang="ko-KR" altLang="ko-KR" sz="1450">
+                <a:solidFill>
+                  <a:srgbClr val="e7e6e6">
+                    <a:lumMod val="90000"/>
+                  </a:srgbClr>
+                </a:solidFill>
+              </a:rPr>
+              <a:t>- 회원은 리뷰게시판 페이지</a:t>
+            </a:r>
+            <a:r>
               <a:rPr lang="ko-KR" altLang="en-US" sz="1450">
                 <a:solidFill>
                   <a:srgbClr val="e7e6e6">
@@ -4393,7 +4350,7 @@
                   </a:srgbClr>
                 </a:solidFill>
               </a:rPr>
-              <a:t>  </a:t>
+              <a:t>의</a:t>
             </a:r>
             <a:r>
               <a:rPr lang="ko-KR" altLang="ko-KR" sz="1450">
@@ -4403,7 +4360,27 @@
                   </a:srgbClr>
                 </a:solidFill>
               </a:rPr>
-              <a:t>하단에 자신의 댓글이 등록된다.</a:t>
+              <a:t> 게시글 상세보기 페이지</a:t>
+            </a:r>
+            <a:r>
+              <a:rPr lang="ko-KR" altLang="en-US" sz="1450">
+                <a:solidFill>
+                  <a:srgbClr val="e7e6e6">
+                    <a:lumMod val="90000"/>
+                  </a:srgbClr>
+                </a:solidFill>
+              </a:rPr>
+              <a:t>의</a:t>
+            </a:r>
+            <a:r>
+              <a:rPr lang="ko-KR" altLang="ko-KR" sz="1450">
+                <a:solidFill>
+                  <a:srgbClr val="e7e6e6">
+                    <a:lumMod val="90000"/>
+                  </a:srgbClr>
+                </a:solidFill>
+              </a:rPr>
+              <a:t> 해당 게시물에서 자신이 작성한 댓글을 수정 및 삭제 할 수 있다.</a:t>
             </a:r>
             <a:endParaRPr lang="ko-KR" altLang="ko-KR" sz="1450">
               <a:solidFill>
@@ -4428,7 +4405,7 @@
                   </a:srgbClr>
                 </a:solidFill>
               </a:rPr>
-              <a:t>- 회원은 리뷰게시판 페이지에서 게시글을 상세보기 한 후 해당 게시물 상세보기 페이지에서 자신이 작성한 댓글을 수정(내용)</a:t>
+              <a:t>- 회원은 리뷰게시판</a:t>
             </a:r>
             <a:r>
               <a:rPr lang="ko-KR" altLang="en-US" sz="1450">
@@ -4438,7 +4415,7 @@
                   </a:srgbClr>
                 </a:solidFill>
               </a:rPr>
-              <a:t> </a:t>
+              <a:t> 페이지의</a:t>
             </a:r>
             <a:r>
               <a:rPr lang="ko-KR" altLang="ko-KR" sz="1450">
@@ -4448,9 +4425,9 @@
                   </a:srgbClr>
                 </a:solidFill>
               </a:rPr>
-              <a:t>및</a:t>
-            </a:r>
-            <a:endParaRPr lang="ko-KR" altLang="en-US" sz="1450">
+              <a:t> 게시글 상세보기 페이지에서 다른 회원이 작성한 댓글을 신고할 수 있다.</a:t>
+            </a:r>
+            <a:endParaRPr lang="ko-KR" altLang="ko-KR" sz="1450">
               <a:solidFill>
                 <a:srgbClr val="e7e6e6">
                   <a:lumMod val="90000"/>
@@ -4465,6 +4442,31 @@
               </a:lnSpc>
               <a:defRPr/>
             </a:pPr>
+            <a:endParaRPr lang="ko-KR" altLang="ko-KR" sz="1450">
+              <a:solidFill>
+                <a:srgbClr val="e7e6e6">
+                  <a:lumMod val="90000"/>
+                </a:srgbClr>
+              </a:solidFill>
+            </a:endParaRPr>
+          </a:p>
+          <a:p>
+            <a:pPr lvl="1">
+              <a:lnSpc>
+                <a:spcPct val="160000"/>
+              </a:lnSpc>
+              <a:defRPr/>
+            </a:pPr>
+            <a:r>
+              <a:rPr lang="ko-KR" altLang="ko-KR" sz="1450">
+                <a:solidFill>
+                  <a:srgbClr val="e7e6e6">
+                    <a:lumMod val="90000"/>
+                  </a:srgbClr>
+                </a:solidFill>
+              </a:rPr>
+              <a:t>- 관리자는 리뷰게시판</a:t>
+            </a:r>
             <a:r>
               <a:rPr lang="ko-KR" altLang="en-US" sz="1450">
                 <a:solidFill>
@@ -4473,7 +4475,7 @@
                   </a:srgbClr>
                 </a:solidFill>
               </a:rPr>
-              <a:t>  </a:t>
+              <a:t> 페이지의</a:t>
             </a:r>
             <a:r>
               <a:rPr lang="ko-KR" altLang="ko-KR" sz="1450">
@@ -4483,142 +4485,7 @@
                   </a:srgbClr>
                 </a:solidFill>
               </a:rPr>
-              <a:t>삭제 할 수 있다.</a:t>
-            </a:r>
-            <a:endParaRPr lang="ko-KR" altLang="ko-KR" sz="1450">
-              <a:solidFill>
-                <a:srgbClr val="e7e6e6">
-                  <a:lumMod val="90000"/>
-                </a:srgbClr>
-              </a:solidFill>
-            </a:endParaRPr>
-          </a:p>
-          <a:p>
-            <a:pPr lvl="1">
-              <a:lnSpc>
-                <a:spcPct val="160000"/>
-              </a:lnSpc>
-              <a:defRPr/>
-            </a:pPr>
-            <a:r>
-              <a:rPr lang="ko-KR" altLang="ko-KR" sz="1450">
-                <a:solidFill>
-                  <a:srgbClr val="e7e6e6">
-                    <a:lumMod val="90000"/>
-                  </a:srgbClr>
-                </a:solidFill>
-              </a:rPr>
-              <a:t>- 회원은 리뷰게시판 게시글 상세보기에서 다른 회원이 작성한 댓글을 신고할 수 있다.</a:t>
-            </a:r>
-            <a:endParaRPr lang="ko-KR" altLang="ko-KR" sz="1450">
-              <a:solidFill>
-                <a:srgbClr val="e7e6e6">
-                  <a:lumMod val="90000"/>
-                </a:srgbClr>
-              </a:solidFill>
-            </a:endParaRPr>
-          </a:p>
-          <a:p>
-            <a:pPr lvl="1">
-              <a:lnSpc>
-                <a:spcPct val="160000"/>
-              </a:lnSpc>
-              <a:defRPr/>
-            </a:pPr>
-            <a:endParaRPr lang="ko-KR" altLang="ko-KR" sz="1450">
-              <a:solidFill>
-                <a:srgbClr val="e7e6e6">
-                  <a:lumMod val="90000"/>
-                </a:srgbClr>
-              </a:solidFill>
-            </a:endParaRPr>
-          </a:p>
-          <a:p>
-            <a:pPr lvl="1">
-              <a:lnSpc>
-                <a:spcPct val="160000"/>
-              </a:lnSpc>
-              <a:defRPr/>
-            </a:pPr>
-            <a:r>
-              <a:rPr lang="ko-KR" altLang="ko-KR" sz="1450">
-                <a:solidFill>
-                  <a:srgbClr val="e7e6e6">
-                    <a:lumMod val="90000"/>
-                  </a:srgbClr>
-                </a:solidFill>
-              </a:rPr>
-              <a:t>- 관리자는 리뷰 게시판 페이지에서 게시글을 상세보기 한 후 해당 게시물 상세보기 페이지에서 영화 리뷰 게시글을 상세보기한 후 </a:t>
-            </a:r>
-            <a:r>
-              <a:rPr lang="ko-KR" altLang="en-US" sz="1450">
-                <a:solidFill>
-                  <a:srgbClr val="e7e6e6">
-                    <a:lumMod val="90000"/>
-                  </a:srgbClr>
-                </a:solidFill>
-              </a:rPr>
-              <a:t>   </a:t>
-            </a:r>
-            <a:endParaRPr lang="ko-KR" altLang="ko-KR" sz="1450">
-              <a:solidFill>
-                <a:srgbClr val="e7e6e6">
-                  <a:lumMod val="90000"/>
-                </a:srgbClr>
-              </a:solidFill>
-            </a:endParaRPr>
-          </a:p>
-          <a:p>
-            <a:pPr lvl="1">
-              <a:lnSpc>
-                <a:spcPct val="160000"/>
-              </a:lnSpc>
-              <a:defRPr/>
-            </a:pPr>
-            <a:r>
-              <a:rPr lang="ko-KR" altLang="en-US" sz="1450">
-                <a:solidFill>
-                  <a:srgbClr val="e7e6e6">
-                    <a:lumMod val="90000"/>
-                  </a:srgbClr>
-                </a:solidFill>
-              </a:rPr>
-              <a:t>  </a:t>
-            </a:r>
-            <a:r>
-              <a:rPr lang="ko-KR" altLang="ko-KR" sz="1450">
-                <a:solidFill>
-                  <a:srgbClr val="e7e6e6">
-                    <a:lumMod val="90000"/>
-                  </a:srgbClr>
-                </a:solidFill>
-              </a:rPr>
-              <a:t>해당 게시물의 댓글을 조회할 수 있다.</a:t>
-            </a:r>
-            <a:endParaRPr lang="ko-KR" altLang="ko-KR" sz="1450">
-              <a:solidFill>
-                <a:srgbClr val="e7e6e6">
-                  <a:lumMod val="90000"/>
-                </a:srgbClr>
-              </a:solidFill>
-            </a:endParaRPr>
-          </a:p>
-          <a:p>
-            <a:pPr lvl="1">
-              <a:lnSpc>
-                <a:spcPct val="160000"/>
-              </a:lnSpc>
-              <a:defRPr/>
-            </a:pPr>
-            <a:r>
-              <a:rPr lang="ko-KR" altLang="ko-KR" sz="1450">
-                <a:solidFill>
-                  <a:srgbClr val="e7e6e6">
-                    <a:lumMod val="90000"/>
-                  </a:srgbClr>
-                </a:solidFill>
-              </a:rPr>
-              <a:t>- 관리자는 신고 관리 페이지에서 모든 회원이 작성한 리뷰게시글의 댓글중 신고가 접수된 댓글을 삭제 할 수 있다. </a:t>
+              <a:t> 게시글 상세보기 페이지에 있는 모든 회원들의 댓글을 삭제할 수 있다.</a:t>
             </a:r>
             <a:endParaRPr lang="ko-KR" altLang="ko-KR" sz="1450">
               <a:solidFill>
@@ -4772,8 +4639,8 @@
         </p:nvSpPr>
         <p:spPr>
           <a:xfrm>
-            <a:off x="139584" y="1460847"/>
-            <a:ext cx="11564802" cy="3347373"/>
+            <a:off x="0" y="1460847"/>
+            <a:ext cx="11564802" cy="3347372"/>
           </a:xfrm>
           <a:prstGeom prst="rect">
             <a:avLst/>
@@ -4839,7 +4706,7 @@
                   </a:srgbClr>
                 </a:solidFill>
               </a:rPr>
-              <a:t>- 회원과 비회원은 영화 상세보기 페이지에서 해당 영화에 대한 별점 + 한줄평들을 조회할 수 있다.</a:t>
+              <a:t>-  회원과 비회원과 관리자는 영화 상세보기 페이지에서 해당 영화에 대한 별점(최대 5개) + 한줄평들을 조회할 수 있다.</a:t>
             </a:r>
             <a:endParaRPr lang="ko-KR" altLang="ko-KR" sz="1450">
               <a:solidFill>
@@ -4864,7 +4731,7 @@
                   </a:srgbClr>
                 </a:solidFill>
               </a:rPr>
-              <a:t>- 회원은 영화 상세보기 페이지에서 해당 영화에 대한 별점과 한줄평을 작성할 수 있다.</a:t>
+              <a:t>-  회원은 영화 상세보기 페이지에서 해당 영화에 대한 별점과 한줄평을 작성할 수 있다.</a:t>
             </a:r>
             <a:endParaRPr lang="ko-KR" altLang="ko-KR" sz="1450">
               <a:solidFill>
@@ -4889,7 +4756,7 @@
                   </a:srgbClr>
                 </a:solidFill>
               </a:rPr>
-              <a:t>- 회원은 영화 상세보기 페이지에서 자신이 작성한 별점과 한줄평을 수정 및 삭제할 수 있다.</a:t>
+              <a:t>-  회원은 영화 상세보기 페이지에서 자신이 작성한 별점과 한줄평을 수정 및 삭제할 수 있다.</a:t>
             </a:r>
             <a:endParaRPr lang="ko-KR" altLang="ko-KR" sz="1450">
               <a:solidFill>
@@ -4914,7 +4781,7 @@
                   </a:srgbClr>
                 </a:solidFill>
               </a:rPr>
-              <a:t>- 회원은 영화 상세보기 페이지에서 다른 회원이 작성한 한줄평을 신고할 수 있다.</a:t>
+              <a:t>-  회원은 영화 상세보기 페이지에서 다른 회원이 작성한 한줄평을 신고할 수 있다.</a:t>
             </a:r>
             <a:endParaRPr lang="ko-KR" altLang="ko-KR" sz="1450">
               <a:solidFill>
@@ -4939,7 +4806,7 @@
                   </a:srgbClr>
                 </a:solidFill>
               </a:rPr>
-              <a:t>- 회원은 마이페이지에서 ‘내가 작성한 한줄평’을 클릭하여 내가 작성한 한줄평을 조회, 상세보기, 수정, 삭제 할 수 있다.</a:t>
+              <a:t>-  회원은 마이페이지에서 ‘내가 작성한 한줄평’을 클릭하여 내가 작성한 한줄평을 조회, 수정, 삭제 할 수 있다.</a:t>
             </a:r>
             <a:endParaRPr lang="ko-KR" altLang="ko-KR" sz="1450">
               <a:solidFill>
@@ -4979,7 +4846,7 @@
                   </a:srgbClr>
                 </a:solidFill>
               </a:rPr>
-              <a:t>- 관리자는 신고 관리 페이지에서 신고가 접수된 회원들의 한줄평을 삭제 할 수 있다.</a:t>
+              <a:t>-  관리자는 영화 상세보기 페이지 내 회원들이 작성한 한줄평을 삭제할 수 있다.</a:t>
             </a:r>
             <a:endParaRPr lang="ko-KR" altLang="ko-KR" sz="1450">
               <a:solidFill>
@@ -5133,8 +5000,8 @@
         </p:nvSpPr>
         <p:spPr>
           <a:xfrm>
-            <a:off x="158336" y="1406185"/>
-            <a:ext cx="11564802" cy="4049735"/>
+            <a:off x="0" y="1404132"/>
+            <a:ext cx="11836944" cy="4051788"/>
           </a:xfrm>
           <a:prstGeom prst="rect">
             <a:avLst/>
@@ -5160,10 +5027,165 @@
                   </a:srgbClr>
                 </a:solidFill>
               </a:rPr>
-              <a:t>5. 영화예매 - 회원, 관리자 이용가능</a:t>
-            </a:r>
-            <a:r>
-              <a:rPr lang="ko-KR" altLang="ko-KR">
+              <a:t>5. 영화예매 - 회원, 관리자 이용가능 // 마이페이지 - 내 예매 내역 / 내 영화 내역</a:t>
+            </a:r>
+            <a:endParaRPr lang="ko-KR" altLang="ko-KR" b="1">
+              <a:solidFill>
+                <a:srgbClr val="e7e6e6">
+                  <a:lumMod val="90000"/>
+                </a:srgbClr>
+              </a:solidFill>
+            </a:endParaRPr>
+          </a:p>
+          <a:p>
+            <a:pPr lvl="1">
+              <a:lnSpc>
+                <a:spcPct val="160000"/>
+              </a:lnSpc>
+              <a:defRPr/>
+            </a:pPr>
+            <a:endParaRPr lang="ko-KR" altLang="ko-KR" sz="1400">
+              <a:solidFill>
+                <a:srgbClr val="e7e6e6">
+                  <a:lumMod val="90000"/>
+                </a:srgbClr>
+              </a:solidFill>
+            </a:endParaRPr>
+          </a:p>
+          <a:p>
+            <a:pPr lvl="1">
+              <a:lnSpc>
+                <a:spcPct val="160000"/>
+              </a:lnSpc>
+              <a:defRPr/>
+            </a:pPr>
+            <a:r>
+              <a:rPr lang="ko-KR" altLang="ko-KR" sz="1450">
+                <a:solidFill>
+                  <a:srgbClr val="e7e6e6">
+                    <a:lumMod val="90000"/>
+                  </a:srgbClr>
+                </a:solidFill>
+              </a:rPr>
+              <a:t>- 회원은 영화 예매 페이지에서 영화와 날짜</a:t>
+            </a:r>
+            <a:r>
+              <a:rPr lang="en-US" altLang="ko-KR" sz="1450">
+                <a:solidFill>
+                  <a:srgbClr val="e7e6e6">
+                    <a:lumMod val="90000"/>
+                  </a:srgbClr>
+                </a:solidFill>
+              </a:rPr>
+              <a:t>,</a:t>
+            </a:r>
+            <a:r>
+              <a:rPr lang="ko-KR" altLang="ko-KR" sz="1450">
+                <a:solidFill>
+                  <a:srgbClr val="e7e6e6">
+                    <a:lumMod val="90000"/>
+                  </a:srgbClr>
+                </a:solidFill>
+              </a:rPr>
+              <a:t> 시간을 선택 </a:t>
+            </a:r>
+            <a:r>
+              <a:rPr lang="ko-KR" altLang="en-US" sz="1450">
+                <a:solidFill>
+                  <a:srgbClr val="e7e6e6">
+                    <a:lumMod val="90000"/>
+                  </a:srgbClr>
+                </a:solidFill>
+              </a:rPr>
+              <a:t>한 </a:t>
+            </a:r>
+            <a:r>
+              <a:rPr lang="ko-KR" altLang="ko-KR" sz="1450">
+                <a:solidFill>
+                  <a:srgbClr val="e7e6e6">
+                    <a:lumMod val="90000"/>
+                  </a:srgbClr>
+                </a:solidFill>
+              </a:rPr>
+              <a:t>후</a:t>
+            </a:r>
+            <a:r>
+              <a:rPr lang="en-US" altLang="ko-KR" sz="1450">
+                <a:solidFill>
+                  <a:srgbClr val="e7e6e6">
+                    <a:lumMod val="90000"/>
+                  </a:srgbClr>
+                </a:solidFill>
+              </a:rPr>
+              <a:t>,</a:t>
+            </a:r>
+            <a:r>
+              <a:rPr lang="ko-KR" altLang="ko-KR" sz="1450">
+                <a:solidFill>
+                  <a:srgbClr val="e7e6e6">
+                    <a:lumMod val="90000"/>
+                  </a:srgbClr>
+                </a:solidFill>
+              </a:rPr>
+              <a:t> 좌석 선택화면으로 넘어</a:t>
+            </a:r>
+            <a:r>
+              <a:rPr lang="ko-KR" altLang="en-US" sz="1450">
+                <a:solidFill>
+                  <a:srgbClr val="e7e6e6">
+                    <a:lumMod val="90000"/>
+                  </a:srgbClr>
+                </a:solidFill>
+              </a:rPr>
+              <a:t>가서</a:t>
+            </a:r>
+            <a:r>
+              <a:rPr lang="ko-KR" altLang="ko-KR" sz="1450">
+                <a:solidFill>
+                  <a:srgbClr val="e7e6e6">
+                    <a:lumMod val="90000"/>
+                  </a:srgbClr>
+                </a:solidFill>
+              </a:rPr>
+              <a:t> 좌석을 선택</a:t>
+            </a:r>
+            <a:r>
+              <a:rPr lang="ko-KR" altLang="en-US" sz="1450">
+                <a:solidFill>
+                  <a:srgbClr val="e7e6e6">
+                    <a:lumMod val="90000"/>
+                  </a:srgbClr>
+                </a:solidFill>
+              </a:rPr>
+              <a:t>한 다음</a:t>
+            </a:r>
+            <a:r>
+              <a:rPr lang="ko-KR" altLang="ko-KR" sz="1450">
+                <a:solidFill>
+                  <a:srgbClr val="e7e6e6">
+                    <a:lumMod val="90000"/>
+                  </a:srgbClr>
+                </a:solidFill>
+              </a:rPr>
+              <a:t> 결제하여 영화를</a:t>
+            </a:r>
+            <a:endParaRPr lang="ko-KR" altLang="ko-KR" sz="1450">
+              <a:solidFill>
+                <a:srgbClr val="e7e6e6">
+                  <a:lumMod val="90000"/>
+                </a:srgbClr>
+              </a:solidFill>
+            </a:endParaRPr>
+          </a:p>
+          <a:p>
+            <a:pPr lvl="1">
+              <a:lnSpc>
+                <a:spcPct val="160000"/>
+              </a:lnSpc>
+              <a:defRPr/>
+            </a:pPr>
+            <a:r>
+              <a:rPr lang="ko-KR" altLang="en-US" sz="1450">
                 <a:solidFill>
                   <a:srgbClr val="e7e6e6">
                     <a:lumMod val="90000"/>
@@ -5172,7 +5194,17 @@
               </a:rPr>
               <a:t> </a:t>
             </a:r>
-            <a:endParaRPr lang="ko-KR" altLang="ko-KR">
+            <a:r>
+              <a:rPr lang="ko-KR" altLang="ko-KR" sz="1450">
+                <a:solidFill>
+                  <a:srgbClr val="e7e6e6">
+                    <a:lumMod val="90000"/>
+                  </a:srgbClr>
+                </a:solidFill>
+              </a:rPr>
+              <a:t> 예매할 수 있다. (시간, 좌석선택)</a:t>
+            </a:r>
+            <a:endParaRPr lang="ko-KR" altLang="ko-KR" sz="1450">
               <a:solidFill>
                 <a:srgbClr val="e7e6e6">
                   <a:lumMod val="90000"/>
@@ -5187,7 +5219,57 @@
               </a:lnSpc>
               <a:defRPr/>
             </a:pPr>
-            <a:endParaRPr lang="ko-KR" altLang="ko-KR" sz="1400">
+            <a:r>
+              <a:rPr lang="ko-KR" altLang="ko-KR" sz="1450">
+                <a:solidFill>
+                  <a:srgbClr val="e7e6e6">
+                    <a:lumMod val="90000"/>
+                  </a:srgbClr>
+                </a:solidFill>
+              </a:rPr>
+              <a:t>  (</a:t>
+            </a:r>
+            <a:r>
+              <a:rPr lang="ko-KR" altLang="en-US" sz="1450">
+                <a:solidFill>
+                  <a:srgbClr val="e7e6e6">
+                    <a:lumMod val="90000"/>
+                  </a:srgbClr>
+                </a:solidFill>
+              </a:rPr>
+              <a:t>요금 </a:t>
+            </a:r>
+            <a:r>
+              <a:rPr lang="en-US" altLang="ko-KR" sz="1450">
+                <a:solidFill>
+                  <a:srgbClr val="e7e6e6">
+                    <a:lumMod val="90000"/>
+                  </a:srgbClr>
+                </a:solidFill>
+              </a:rPr>
+              <a:t>:</a:t>
+            </a:r>
+            <a:r>
+              <a:rPr lang="ko-KR" altLang="en-US" sz="1450">
+                <a:solidFill>
+                  <a:srgbClr val="e7e6e6">
+                    <a:lumMod val="90000"/>
+                  </a:srgbClr>
+                </a:solidFill>
+              </a:rPr>
+              <a:t> </a:t>
+            </a:r>
+            <a:r>
+              <a:rPr lang="ko-KR" altLang="ko-KR" sz="1450">
+                <a:solidFill>
+                  <a:srgbClr val="e7e6e6">
+                    <a:lumMod val="90000"/>
+                  </a:srgbClr>
+                </a:solidFill>
+              </a:rPr>
+              <a:t>성인인 경우 10000원, 청소년(~ 만 19세)인 경우 9000원에 예매할 수 있다. - 신용카드 / 체크카드만 결제 가능)</a:t>
+            </a:r>
+            <a:endParaRPr lang="ko-KR" altLang="ko-KR" sz="1450">
               <a:solidFill>
                 <a:srgbClr val="e7e6e6">
                   <a:lumMod val="90000"/>
@@ -5210,7 +5292,7 @@
                   </a:srgbClr>
                 </a:solidFill>
               </a:rPr>
-              <a:t>- 회원은 영화 예매 페이지에서 현재 상영중인 영화 중에 하나를 선택하여 영화를 예매할 수 있다.(시간, 좌석선택)</a:t>
+              <a:t>- 회원은 마이페이지에서 ‘내 예매 내역’ 페이지에서 자신이 예매한 내역 이력들(과거에 본 영화, 볼 영화, 취소한 영화)을 조회할 수 있다. </a:t>
             </a:r>
             <a:endParaRPr lang="ko-KR" altLang="ko-KR" sz="1450">
               <a:solidFill>
@@ -5235,7 +5317,27 @@
                   </a:srgbClr>
                 </a:solidFill>
               </a:rPr>
-              <a:t>- 회원은 마이페이지에서 ‘내 예매 내역’을 클릭 후 예매내역 페이지에서 자신이 예매한 내역을 조회할 수 있다.</a:t>
+              <a:t>- 회원은 마이페이지에서 ‘내 예매 내역’을 클릭하여 자신이 예매한 내역을 조회</a:t>
+            </a:r>
+            <a:r>
+              <a:rPr lang="ko-KR" altLang="en-US" sz="1450">
+                <a:solidFill>
+                  <a:srgbClr val="e7e6e6">
+                    <a:lumMod val="90000"/>
+                  </a:srgbClr>
+                </a:solidFill>
+              </a:rPr>
+              <a:t> </a:t>
+            </a:r>
+            <a:r>
+              <a:rPr lang="ko-KR" altLang="ko-KR" sz="1450">
+                <a:solidFill>
+                  <a:srgbClr val="e7e6e6">
+                    <a:lumMod val="90000"/>
+                  </a:srgbClr>
+                </a:solidFill>
+              </a:rPr>
+              <a:t>한 후, 영화 시작 30분 전까지 영화를 취소할 수있다.</a:t>
             </a:r>
             <a:endParaRPr lang="ko-KR" altLang="ko-KR" sz="1450">
               <a:solidFill>
@@ -5260,7 +5362,47 @@
                   </a:srgbClr>
                 </a:solidFill>
               </a:rPr>
-              <a:t>- 회원은 마이페이지에서 ‘내 예매 내역’을 클릭 하여 자신이 예매한 내역을 조회한 후, 시간이 지나지</a:t>
+              <a:t>  (신용카드 / 체크카드의 경우 즉시 취소처리가 이뤄지게 된다. )</a:t>
+            </a:r>
+            <a:endParaRPr lang="ko-KR" altLang="ko-KR" sz="1450">
+              <a:solidFill>
+                <a:srgbClr val="e7e6e6">
+                  <a:lumMod val="90000"/>
+                </a:srgbClr>
+              </a:solidFill>
+            </a:endParaRPr>
+          </a:p>
+          <a:p>
+            <a:pPr lvl="1">
+              <a:lnSpc>
+                <a:spcPct val="160000"/>
+              </a:lnSpc>
+              <a:defRPr/>
+            </a:pPr>
+            <a:endParaRPr lang="ko-KR" altLang="ko-KR" sz="1450">
+              <a:solidFill>
+                <a:srgbClr val="e7e6e6">
+                  <a:lumMod val="90000"/>
+                </a:srgbClr>
+              </a:solidFill>
+            </a:endParaRPr>
+          </a:p>
+          <a:p>
+            <a:pPr lvl="1">
+              <a:lnSpc>
+                <a:spcPct val="160000"/>
+              </a:lnSpc>
+              <a:defRPr/>
+            </a:pPr>
+            <a:r>
+              <a:rPr lang="ko-KR" altLang="ko-KR" sz="1450">
+                <a:solidFill>
+                  <a:srgbClr val="e7e6e6">
+                    <a:lumMod val="90000"/>
+                  </a:srgbClr>
+                </a:solidFill>
+              </a:rPr>
+              <a:t>- 관리자는 ‘회원 관리’ 페이지에서 회원 한 명을 검색(아이디/</a:t>
             </a:r>
             <a:r>
               <a:rPr lang="ko-KR" altLang="en-US" sz="1450">
@@ -5280,7 +5422,7 @@
                   </a:srgbClr>
                 </a:solidFill>
               </a:rPr>
-              <a:t>않은 영화의 좌석이나 시간을 </a:t>
+              <a:t>이름)하여 클릭 후 상세보기 페이지에서 예매 내역 보기 버튼을 누르면 </a:t>
             </a:r>
             <a:endParaRPr lang="ko-KR" altLang="ko-KR" sz="1450">
               <a:solidFill>
@@ -5315,32 +5457,7 @@
                   </a:srgbClr>
                 </a:solidFill>
               </a:rPr>
-              <a:t>변경할 수있다.</a:t>
-            </a:r>
-            <a:endParaRPr lang="ko-KR" altLang="ko-KR" sz="1450">
-              <a:solidFill>
-                <a:srgbClr val="e7e6e6">
-                  <a:lumMod val="90000"/>
-                </a:srgbClr>
-              </a:solidFill>
-            </a:endParaRPr>
-          </a:p>
-          <a:p>
-            <a:pPr lvl="1">
-              <a:lnSpc>
-                <a:spcPct val="160000"/>
-              </a:lnSpc>
-              <a:defRPr/>
-            </a:pPr>
-            <a:r>
-              <a:rPr lang="ko-KR" altLang="ko-KR" sz="1450">
-                <a:solidFill>
-                  <a:srgbClr val="e7e6e6">
-                    <a:lumMod val="90000"/>
-                  </a:srgbClr>
-                </a:solidFill>
-              </a:rPr>
-              <a:t>- 회원은 마이페이지에서 ‘내 예매 내역’을 클릭 하여 자신이 예매한 내역을 조회한 후, 시간이 지나지</a:t>
+              <a:t>그 회원의 전체 예매</a:t>
             </a:r>
             <a:r>
               <a:rPr lang="ko-KR" altLang="en-US" sz="1450">
@@ -5350,159 +5467,9 @@
                   </a:srgbClr>
                 </a:solidFill>
               </a:rPr>
-              <a:t> </a:t>
-            </a:r>
-            <a:r>
-              <a:rPr lang="ko-KR" altLang="ko-KR" sz="1450">
-                <a:solidFill>
-                  <a:srgbClr val="e7e6e6">
-                    <a:lumMod val="90000"/>
-                  </a:srgbClr>
-                </a:solidFill>
-              </a:rPr>
-              <a:t>않은 영화를 취소할 수있다. </a:t>
-            </a:r>
-            <a:endParaRPr lang="ko-KR" altLang="ko-KR" sz="1450">
-              <a:solidFill>
-                <a:srgbClr val="e7e6e6">
-                  <a:lumMod val="90000"/>
-                </a:srgbClr>
-              </a:solidFill>
-            </a:endParaRPr>
-          </a:p>
-          <a:p>
-            <a:pPr lvl="1">
-              <a:lnSpc>
-                <a:spcPct val="160000"/>
-              </a:lnSpc>
-              <a:defRPr/>
-            </a:pPr>
-            <a:r>
-              <a:rPr lang="ko-KR" altLang="en-US" sz="1450">
-                <a:solidFill>
-                  <a:srgbClr val="e7e6e6">
-                    <a:lumMod val="90000"/>
-                  </a:srgbClr>
-                </a:solidFill>
-              </a:rPr>
-              <a:t>  </a:t>
-            </a:r>
-            <a:r>
-              <a:rPr lang="ko-KR" altLang="ko-KR" sz="1450">
-                <a:solidFill>
-                  <a:srgbClr val="e7e6e6">
-                    <a:lumMod val="90000"/>
-                  </a:srgbClr>
-                </a:solidFill>
-              </a:rPr>
-              <a:t>(환불)</a:t>
-            </a:r>
-            <a:endParaRPr lang="ko-KR" altLang="ko-KR" sz="1450">
-              <a:solidFill>
-                <a:srgbClr val="e7e6e6">
-                  <a:lumMod val="90000"/>
-                </a:srgbClr>
-              </a:solidFill>
-            </a:endParaRPr>
-          </a:p>
-          <a:p>
-            <a:pPr lvl="1">
-              <a:lnSpc>
-                <a:spcPct val="160000"/>
-              </a:lnSpc>
-              <a:defRPr/>
-            </a:pPr>
-            <a:endParaRPr lang="ko-KR" altLang="ko-KR" sz="1450">
-              <a:solidFill>
-                <a:srgbClr val="e7e6e6">
-                  <a:lumMod val="90000"/>
-                </a:srgbClr>
-              </a:solidFill>
-            </a:endParaRPr>
-          </a:p>
-          <a:p>
-            <a:pPr lvl="1">
-              <a:lnSpc>
-                <a:spcPct val="160000"/>
-              </a:lnSpc>
-              <a:defRPr/>
-            </a:pPr>
-            <a:r>
-              <a:rPr lang="ko-KR" altLang="ko-KR" sz="1450">
-                <a:solidFill>
-                  <a:srgbClr val="e7e6e6">
-                    <a:lumMod val="90000"/>
-                  </a:srgbClr>
-                </a:solidFill>
-              </a:rPr>
-              <a:t>- 관리자는 예매내역 관리 페이지에서 </a:t>
-            </a:r>
-            <a:r>
-              <a:rPr lang="ko-KR" altLang="en-US" sz="1450">
-                <a:solidFill>
-                  <a:srgbClr val="e7e6e6">
-                    <a:lumMod val="90000"/>
-                  </a:srgbClr>
-                </a:solidFill>
-              </a:rPr>
-              <a:t>모든 </a:t>
-            </a:r>
-            <a:r>
-              <a:rPr lang="ko-KR" altLang="ko-KR" sz="1450">
-                <a:solidFill>
-                  <a:srgbClr val="e7e6e6">
-                    <a:lumMod val="90000"/>
-                  </a:srgbClr>
-                </a:solidFill>
-              </a:rPr>
-              <a:t>회원이 전체</a:t>
-            </a:r>
-            <a:r>
-              <a:rPr lang="ko-KR" altLang="en-US" sz="1450">
-                <a:solidFill>
-                  <a:srgbClr val="e7e6e6">
-                    <a:lumMod val="90000"/>
-                  </a:srgbClr>
-                </a:solidFill>
-              </a:rPr>
-              <a:t> 예매</a:t>
-            </a:r>
-            <a:r>
-              <a:rPr lang="ko-KR" altLang="ko-KR" sz="1450">
-                <a:solidFill>
-                  <a:srgbClr val="e7e6e6">
-                    <a:lumMod val="90000"/>
-                  </a:srgbClr>
-                </a:solidFill>
-              </a:rPr>
-              <a:t>내역을 조회할 수 있다</a:t>
-            </a:r>
-            <a:endParaRPr lang="ko-KR" altLang="ko-KR" sz="1450">
-              <a:solidFill>
-                <a:srgbClr val="e7e6e6">
-                  <a:lumMod val="90000"/>
-                </a:srgbClr>
-              </a:solidFill>
-            </a:endParaRPr>
-          </a:p>
-          <a:p>
-            <a:pPr lvl="1">
-              <a:lnSpc>
-                <a:spcPct val="160000"/>
-              </a:lnSpc>
-              <a:defRPr/>
-            </a:pPr>
-            <a:r>
-              <a:rPr lang="ko-KR" altLang="ko-KR" sz="1450">
-                <a:solidFill>
-                  <a:srgbClr val="e7e6e6">
-                    <a:lumMod val="90000"/>
-                  </a:srgbClr>
-                </a:solidFill>
-              </a:rPr>
-              <a:t>- 관리자는 예매내역 관리 페이지에서 영화명을 검색하여 영화별 예매내역을 볼 수 있고, 해당 영화의 예매율을 볼 수 있다.</a:t>
-            </a:r>
-            <a:endParaRPr lang="ko-KR" altLang="ko-KR" sz="1450">
+              <a:t> 내역을 조회할 수 있다.</a:t>
+            </a:r>
+            <a:endParaRPr lang="ko-KR" altLang="en-US" sz="1450">
               <a:solidFill>
                 <a:srgbClr val="e7e6e6">
                   <a:lumMod val="90000"/>
@@ -5654,8 +5621,8 @@
         </p:nvSpPr>
         <p:spPr>
           <a:xfrm>
-            <a:off x="130772" y="1443576"/>
-            <a:ext cx="11564803" cy="3345594"/>
+            <a:off x="130772" y="1443575"/>
+            <a:ext cx="11564803" cy="3698020"/>
           </a:xfrm>
           <a:prstGeom prst="rect">
             <a:avLst/>
@@ -5721,7 +5688,7 @@
                   </a:srgbClr>
                 </a:solidFill>
               </a:rPr>
-              <a:t>- 회원과 비회원은 영화 예매 페이지에서 영화를 선택 후 영화 상세보기 페이지에서 상영 스케줄을 조회할 수 있다.</a:t>
+              <a:t>- 회원, 비회원, 관리자는 상영스케줄 조회 페이지에서 날짜별 상영스케줄을 조회할 수 있다.</a:t>
             </a:r>
             <a:endParaRPr lang="ko-KR" altLang="ko-KR" sz="1450">
               <a:solidFill>
@@ -5761,7 +5728,7 @@
                   </a:srgbClr>
                 </a:solidFill>
               </a:rPr>
-              <a:t>- 관리자는 상영스케줄 관리 페이지에서 영화에 대한 상영스케줄을 조회 할 수 있다.</a:t>
+              <a:t>- 관리자는 상영스케줄 관리 페이지에서 날짜별 상영스케줄을 조회할 수 있다.</a:t>
             </a:r>
             <a:endParaRPr lang="ko-KR" altLang="ko-KR" sz="1450">
               <a:solidFill>
@@ -5786,18 +5753,23 @@
                   </a:srgbClr>
                 </a:solidFill>
               </a:rPr>
-              <a:t>- 관리자는 상영스케줄 관리 페이지에서 영화에 대한 상영스케줄을 등록</a:t>
-            </a:r>
-            <a:r>
-              <a:rPr lang="ko-KR" altLang="en-US" sz="1450">
-                <a:solidFill>
-                  <a:srgbClr val="e7e6e6">
-                    <a:lumMod val="90000"/>
-                  </a:srgbClr>
-                </a:solidFill>
-              </a:rPr>
-              <a:t> </a:t>
-            </a:r>
+              <a:t>- 관리자는 상영스케줄 관리 페이지에서 날짜별 상영스케줄을 선택하여 상세보기할 수 있다.</a:t>
+            </a:r>
+            <a:endParaRPr lang="ko-KR" altLang="ko-KR" sz="1450">
+              <a:solidFill>
+                <a:srgbClr val="e7e6e6">
+                  <a:lumMod val="90000"/>
+                </a:srgbClr>
+              </a:solidFill>
+            </a:endParaRPr>
+          </a:p>
+          <a:p>
+            <a:pPr lvl="1">
+              <a:lnSpc>
+                <a:spcPct val="160000"/>
+              </a:lnSpc>
+              <a:defRPr/>
+            </a:pPr>
             <a:r>
               <a:rPr lang="ko-KR" altLang="ko-KR" sz="1450">
                 <a:solidFill>
@@ -5806,7 +5778,7 @@
                   </a:srgbClr>
                 </a:solidFill>
               </a:rPr>
-              <a:t>할 수 있다.</a:t>
+              <a:t>- 관리자는 상영스케줄 관리 페이지에서 날짜별 영화에 대한 상영스케줄을 등록할 수 있다.</a:t>
             </a:r>
             <a:endParaRPr lang="ko-KR" altLang="ko-KR" sz="1450">
               <a:solidFill>
@@ -5831,18 +5803,23 @@
                   </a:srgbClr>
                 </a:solidFill>
               </a:rPr>
-              <a:t>- 관리자는 상영스케줄 관리 페이지에서 영화에 대한 상영스케줄을 수정</a:t>
-            </a:r>
-            <a:r>
-              <a:rPr lang="ko-KR" altLang="en-US" sz="1450">
-                <a:solidFill>
-                  <a:srgbClr val="e7e6e6">
-                    <a:lumMod val="90000"/>
-                  </a:srgbClr>
-                </a:solidFill>
-              </a:rPr>
-              <a:t> </a:t>
-            </a:r>
+              <a:t>- 관리자는 상영스케줄을 상영스케줄 상세보기 페이지에서 수정할 수 있다.</a:t>
+            </a:r>
+            <a:endParaRPr lang="ko-KR" altLang="ko-KR" sz="1450">
+              <a:solidFill>
+                <a:srgbClr val="e7e6e6">
+                  <a:lumMod val="90000"/>
+                </a:srgbClr>
+              </a:solidFill>
+            </a:endParaRPr>
+          </a:p>
+          <a:p>
+            <a:pPr lvl="1">
+              <a:lnSpc>
+                <a:spcPct val="160000"/>
+              </a:lnSpc>
+              <a:defRPr/>
+            </a:pPr>
             <a:r>
               <a:rPr lang="ko-KR" altLang="ko-KR" sz="1450">
                 <a:solidFill>
@@ -5851,52 +5828,7 @@
                   </a:srgbClr>
                 </a:solidFill>
               </a:rPr>
-              <a:t>할 수 있다.</a:t>
-            </a:r>
-            <a:endParaRPr lang="ko-KR" altLang="ko-KR" sz="1450">
-              <a:solidFill>
-                <a:srgbClr val="e7e6e6">
-                  <a:lumMod val="90000"/>
-                </a:srgbClr>
-              </a:solidFill>
-            </a:endParaRPr>
-          </a:p>
-          <a:p>
-            <a:pPr lvl="1">
-              <a:lnSpc>
-                <a:spcPct val="160000"/>
-              </a:lnSpc>
-              <a:defRPr/>
-            </a:pPr>
-            <a:r>
-              <a:rPr lang="ko-KR" altLang="ko-KR" sz="1450">
-                <a:solidFill>
-                  <a:srgbClr val="e7e6e6">
-                    <a:lumMod val="90000"/>
-                  </a:srgbClr>
-                </a:solidFill>
-              </a:rPr>
-              <a:t>- 관리자는 상영스케줄 관리 페이지에서 영화에 대한 상영스케줄을 삭제</a:t>
-            </a:r>
-            <a:r>
-              <a:rPr lang="ko-KR" altLang="en-US" sz="1450">
-                <a:solidFill>
-                  <a:srgbClr val="e7e6e6">
-                    <a:lumMod val="90000"/>
-                  </a:srgbClr>
-                </a:solidFill>
-              </a:rPr>
-              <a:t> </a:t>
-            </a:r>
-            <a:r>
-              <a:rPr lang="ko-KR" altLang="ko-KR" sz="1450">
-                <a:solidFill>
-                  <a:srgbClr val="e7e6e6">
-                    <a:lumMod val="90000"/>
-                  </a:srgbClr>
-                </a:solidFill>
-              </a:rPr>
-              <a:t>할 수 있다.</a:t>
+              <a:t>- 관리자는 상영스케줄을 상영스케줄 상세보기 페이지에서 삭제할 수 있다.</a:t>
             </a:r>
             <a:endParaRPr lang="ko-KR" altLang="ko-KR" sz="1450">
               <a:solidFill>
@@ -6065,8 +5997,8 @@
         </p:nvSpPr>
         <p:spPr>
           <a:xfrm>
-            <a:off x="157464" y="1452995"/>
-            <a:ext cx="11564803" cy="4764924"/>
+            <a:off x="157464" y="1398566"/>
+            <a:ext cx="11637376" cy="5288799"/>
           </a:xfrm>
           <a:prstGeom prst="rect">
             <a:avLst/>
@@ -6092,7 +6024,7 @@
                   </a:srgbClr>
                 </a:solidFill>
               </a:rPr>
-              <a:t>7. 영화 - 회원, 비회원, 관리자 이용가능</a:t>
+              <a:t>7. 영화 - 관리자</a:t>
             </a:r>
             <a:endParaRPr lang="ko-KR" altLang="ko-KR" b="1">
               <a:solidFill>
@@ -6132,7 +6064,27 @@
                   </a:srgbClr>
                 </a:solidFill>
               </a:rPr>
-              <a:t>- 회원은 마이페이지에서 ‘내 예매 내역’을 클릭하여 내가 본 영화를 조회 할 수 있다.(포스터, 제목, 줄거리, 개봉일, 장르, 감독, 배우) </a:t>
+              <a:t>- 관리자는 영화 관리 페이지에서 </a:t>
+            </a:r>
+            <a:r>
+              <a:rPr lang="en-US" altLang="ko-KR" sz="1450">
+                <a:solidFill>
+                  <a:srgbClr val="e7e6e6">
+                    <a:lumMod val="90000"/>
+                  </a:srgbClr>
+                </a:solidFill>
+              </a:rPr>
+              <a:t>7(1)</a:t>
+            </a:r>
+            <a:r>
+              <a:rPr lang="ko-KR" altLang="ko-KR" sz="1450">
+                <a:solidFill>
+                  <a:srgbClr val="e7e6e6">
+                    <a:lumMod val="90000"/>
+                  </a:srgbClr>
+                </a:solidFill>
+              </a:rPr>
+              <a:t>영화 목록을 조회할 수 있다.</a:t>
             </a:r>
             <a:endParaRPr lang="ko-KR" altLang="ko-KR" sz="1450">
               <a:solidFill>
@@ -6157,7 +6109,7 @@
                   </a:srgbClr>
                 </a:solidFill>
               </a:rPr>
-              <a:t>- 회원은 마이페이지에서 ‘내 예매 내역’을 클릭 후 내가 본 영화를 조회 한 뒤 내가 본 영화 상세페이지에서 리뷰를 작성할 수 있다.</a:t>
+              <a:t>- 관리자는 영화 관리 페이지에서 영화를 키워드(제목)로 검색할 수 있다.</a:t>
             </a:r>
             <a:endParaRPr lang="ko-KR" altLang="ko-KR" sz="1450">
               <a:solidFill>
@@ -6182,7 +6134,7 @@
                   </a:srgbClr>
                 </a:solidFill>
               </a:rPr>
-              <a:t>- 회원, 비회원, 관리자는 영화 랭킹 페이지에서 현재 상영 중인 영화</a:t>
+              <a:t>- 관리자는 영화 관리 페이지에서 영화를 선택하여 상세보기(포스터, 제목, 줄거리, 개봉일, 장르, 감독, 배우, 예매율)</a:t>
             </a:r>
             <a:r>
               <a:rPr lang="ko-KR" altLang="en-US" sz="1450">
@@ -6202,7 +6154,7 @@
                   </a:srgbClr>
                 </a:solidFill>
               </a:rPr>
-              <a:t>전체를 조회 할 수 있다. (포스터, 제목, 예매율) </a:t>
+              <a:t>할 수 있다.</a:t>
             </a:r>
             <a:endParaRPr lang="ko-KR" altLang="ko-KR" sz="1450">
               <a:solidFill>
@@ -6220,6 +6172,141 @@
               <a:defRPr/>
             </a:pPr>
             <a:r>
+              <a:rPr lang="ko-KR" altLang="ko-KR" sz="1450">
+                <a:solidFill>
+                  <a:srgbClr val="e7e6e6">
+                    <a:lumMod val="90000"/>
+                  </a:srgbClr>
+                </a:solidFill>
+              </a:rPr>
+              <a:t>- 관리자는 영화 관리 페이지에서 영화를 상세보기 페이지에서 영화 정보를 수정 및 삭제할 수 있다.</a:t>
+            </a:r>
+            <a:endParaRPr lang="ko-KR" altLang="ko-KR" sz="1450">
+              <a:solidFill>
+                <a:srgbClr val="e7e6e6">
+                  <a:lumMod val="90000"/>
+                </a:srgbClr>
+              </a:solidFill>
+            </a:endParaRPr>
+          </a:p>
+          <a:p>
+            <a:pPr lvl="1">
+              <a:lnSpc>
+                <a:spcPct val="160000"/>
+              </a:lnSpc>
+              <a:defRPr/>
+            </a:pPr>
+            <a:r>
+              <a:rPr lang="ko-KR" altLang="ko-KR" sz="1450">
+                <a:solidFill>
+                  <a:srgbClr val="e7e6e6">
+                    <a:lumMod val="90000"/>
+                  </a:srgbClr>
+                </a:solidFill>
+              </a:rPr>
+              <a:t>- 관리자는 영화 관리 페이지에서 영화에 대한 정보(포스터, 제목, 줄거리, 개봉일, 장르, 감독, 배우)를 등록할 수 있다.</a:t>
+            </a:r>
+            <a:endParaRPr lang="ko-KR" altLang="ko-KR" sz="1450">
+              <a:solidFill>
+                <a:srgbClr val="e7e6e6">
+                  <a:lumMod val="90000"/>
+                </a:srgbClr>
+              </a:solidFill>
+            </a:endParaRPr>
+          </a:p>
+          <a:p>
+            <a:pPr lvl="1">
+              <a:lnSpc>
+                <a:spcPct val="160000"/>
+              </a:lnSpc>
+              <a:defRPr/>
+            </a:pPr>
+            <a:endParaRPr lang="ko-KR" altLang="ko-KR" sz="1450">
+              <a:solidFill>
+                <a:srgbClr val="e7e6e6">
+                  <a:lumMod val="90000"/>
+                </a:srgbClr>
+              </a:solidFill>
+            </a:endParaRPr>
+          </a:p>
+          <a:p>
+            <a:pPr lvl="1">
+              <a:lnSpc>
+                <a:spcPct val="160000"/>
+              </a:lnSpc>
+              <a:defRPr/>
+            </a:pPr>
+            <a:r>
+              <a:rPr lang="ko-KR" altLang="ko-KR" b="1">
+                <a:solidFill>
+                  <a:srgbClr val="e7e6e6">
+                    <a:lumMod val="90000"/>
+                  </a:srgbClr>
+                </a:solidFill>
+              </a:rPr>
+              <a:t>7(1). 영화 예매 랭킹</a:t>
+            </a:r>
+            <a:r>
+              <a:rPr lang="ko-KR" altLang="en-US" b="1">
+                <a:solidFill>
+                  <a:srgbClr val="e7e6e6">
+                    <a:lumMod val="90000"/>
+                  </a:srgbClr>
+                </a:solidFill>
+              </a:rPr>
+              <a:t> 목록</a:t>
+            </a:r>
+            <a:r>
+              <a:rPr lang="ko-KR" altLang="ko-KR" b="1">
+                <a:solidFill>
+                  <a:srgbClr val="e7e6e6">
+                    <a:lumMod val="90000"/>
+                  </a:srgbClr>
+                </a:solidFill>
+              </a:rPr>
+              <a:t> - 회원, 비회원, 관리자</a:t>
+            </a:r>
+            <a:endParaRPr lang="ko-KR" altLang="ko-KR" b="1">
+              <a:solidFill>
+                <a:srgbClr val="e7e6e6">
+                  <a:lumMod val="90000"/>
+                </a:srgbClr>
+              </a:solidFill>
+            </a:endParaRPr>
+          </a:p>
+          <a:p>
+            <a:pPr lvl="1">
+              <a:lnSpc>
+                <a:spcPct val="160000"/>
+              </a:lnSpc>
+              <a:defRPr/>
+            </a:pPr>
+            <a:endParaRPr lang="ko-KR" altLang="ko-KR" b="1">
+              <a:solidFill>
+                <a:srgbClr val="e7e6e6">
+                  <a:lumMod val="90000"/>
+                </a:srgbClr>
+              </a:solidFill>
+            </a:endParaRPr>
+          </a:p>
+          <a:p>
+            <a:pPr lvl="1">
+              <a:lnSpc>
+                <a:spcPct val="160000"/>
+              </a:lnSpc>
+              <a:defRPr/>
+            </a:pPr>
+            <a:r>
+              <a:rPr lang="en-US" altLang="ko-KR" sz="1450">
+                <a:solidFill>
+                  <a:srgbClr val="e7e6e6">
+                    <a:lumMod val="90000"/>
+                  </a:srgbClr>
+                </a:solidFill>
+              </a:rPr>
+              <a:t>-</a:t>
+            </a:r>
+            <a:r>
               <a:rPr lang="ko-KR" altLang="en-US" sz="1450">
                 <a:solidFill>
                   <a:srgbClr val="e7e6e6">
@@ -6227,6 +6314,86 @@
                   </a:srgbClr>
                 </a:solidFill>
               </a:rPr>
+              <a:t> </a:t>
+            </a:r>
+            <a:r>
+              <a:rPr lang="ko-KR" altLang="ko-KR" sz="1450">
+                <a:solidFill>
+                  <a:srgbClr val="e7e6e6">
+                    <a:lumMod val="90000"/>
+                  </a:srgbClr>
+                </a:solidFill>
+              </a:rPr>
+              <a:t>회원과 관리자와 비회원은 영화 랭킹 페이지에서 영화 목록을 예매율 순으로 조회할 수있다.</a:t>
+            </a:r>
+            <a:endParaRPr lang="ko-KR" altLang="ko-KR" sz="1450">
+              <a:solidFill>
+                <a:srgbClr val="e7e6e6">
+                  <a:lumMod val="90000"/>
+                </a:srgbClr>
+              </a:solidFill>
+            </a:endParaRPr>
+          </a:p>
+          <a:p>
+            <a:pPr lvl="1">
+              <a:lnSpc>
+                <a:spcPct val="160000"/>
+              </a:lnSpc>
+              <a:defRPr/>
+            </a:pPr>
+            <a:r>
+              <a:rPr lang="en-US" altLang="ko-KR" sz="1450">
+                <a:solidFill>
+                  <a:srgbClr val="e7e6e6">
+                    <a:lumMod val="90000"/>
+                  </a:srgbClr>
+                </a:solidFill>
+              </a:rPr>
+              <a:t>-</a:t>
+            </a:r>
+            <a:r>
+              <a:rPr lang="ko-KR" altLang="en-US" sz="1450">
+                <a:solidFill>
+                  <a:srgbClr val="e7e6e6">
+                    <a:lumMod val="90000"/>
+                  </a:srgbClr>
+                </a:solidFill>
+              </a:rPr>
+              <a:t> </a:t>
+            </a:r>
+            <a:r>
+              <a:rPr lang="ko-KR" altLang="ko-KR" sz="1450">
+                <a:solidFill>
+                  <a:srgbClr val="e7e6e6">
+                    <a:lumMod val="90000"/>
+                  </a:srgbClr>
+                </a:solidFill>
+              </a:rPr>
+              <a:t>회원과 관리자와 비회원은 영화 랭킹 페이지에서 영화를 선택하여 영화에 대한 정보를 상세보기(포스터, 제목, 줄거리, 개봉일, 장르, </a:t>
+            </a:r>
+            <a:endParaRPr lang="ko-KR" altLang="ko-KR" sz="1450">
+              <a:solidFill>
+                <a:srgbClr val="e7e6e6">
+                  <a:lumMod val="90000"/>
+                </a:srgbClr>
+              </a:solidFill>
+            </a:endParaRPr>
+          </a:p>
+          <a:p>
+            <a:pPr lvl="1">
+              <a:lnSpc>
+                <a:spcPct val="160000"/>
+              </a:lnSpc>
+              <a:defRPr/>
+            </a:pPr>
+            <a:r>
+              <a:rPr lang="ko-KR" altLang="en-US" sz="1450">
+                <a:solidFill>
+                  <a:srgbClr val="e7e6e6">
+                    <a:lumMod val="90000"/>
+                  </a:srgbClr>
+                </a:solidFill>
+              </a:rPr>
               <a:t>  </a:t>
             </a:r>
             <a:r>
@@ -6237,7 +6404,7 @@
                   </a:srgbClr>
                 </a:solidFill>
               </a:rPr>
-              <a:t>(현재 상영중인 영화 예매율 순위로 조회)</a:t>
+              <a:t>감독, 배우, 예매율)할 수 있다.</a:t>
             </a:r>
             <a:endParaRPr lang="ko-KR" altLang="ko-KR" sz="1450">
               <a:solidFill>
@@ -6255,6 +6422,16 @@
               <a:defRPr/>
             </a:pPr>
             <a:r>
+              <a:rPr lang="en-US" altLang="ko-KR" sz="1450">
+                <a:solidFill>
+                  <a:srgbClr val="e7e6e6">
+                    <a:lumMod val="90000"/>
+                  </a:srgbClr>
+                </a:solidFill>
+              </a:rPr>
+              <a:t>-</a:t>
+            </a:r>
+            <a:r>
               <a:rPr lang="ko-KR" altLang="ko-KR" sz="1450">
                 <a:solidFill>
                   <a:srgbClr val="e7e6e6">
@@ -6262,177 +6439,7 @@
                   </a:srgbClr>
                 </a:solidFill>
               </a:rPr>
-              <a:t>- 회원, 비회원, 관리자는 영화 랭킹 페이지에서 키워드를 입력하여 영화를 검색할 수 있다.</a:t>
-            </a:r>
-            <a:endParaRPr lang="ko-KR" altLang="ko-KR" sz="1450">
-              <a:solidFill>
-                <a:srgbClr val="e7e6e6">
-                  <a:lumMod val="90000"/>
-                </a:srgbClr>
-              </a:solidFill>
-            </a:endParaRPr>
-          </a:p>
-          <a:p>
-            <a:pPr lvl="1">
-              <a:lnSpc>
-                <a:spcPct val="160000"/>
-              </a:lnSpc>
-              <a:defRPr/>
-            </a:pPr>
-            <a:r>
-              <a:rPr lang="ko-KR" altLang="ko-KR" sz="1450">
-                <a:solidFill>
-                  <a:srgbClr val="e7e6e6">
-                    <a:lumMod val="90000"/>
-                  </a:srgbClr>
-                </a:solidFill>
-              </a:rPr>
-              <a:t>- 회원, 비회원, 관리자는 영화 랭킹 페이지에서 영화들 중 하나를 클릭하여 상세보기가 가능하다. (포스터, 제목, 줄거리, 개봉일, </a:t>
-            </a:r>
-            <a:endParaRPr lang="ko-KR" altLang="ko-KR" sz="1450">
-              <a:solidFill>
-                <a:srgbClr val="e7e6e6">
-                  <a:lumMod val="90000"/>
-                </a:srgbClr>
-              </a:solidFill>
-            </a:endParaRPr>
-          </a:p>
-          <a:p>
-            <a:pPr lvl="1">
-              <a:lnSpc>
-                <a:spcPct val="160000"/>
-              </a:lnSpc>
-              <a:defRPr/>
-            </a:pPr>
-            <a:r>
-              <a:rPr lang="ko-KR" altLang="en-US" sz="1450">
-                <a:solidFill>
-                  <a:srgbClr val="e7e6e6">
-                    <a:lumMod val="90000"/>
-                  </a:srgbClr>
-                </a:solidFill>
-              </a:rPr>
-              <a:t>  </a:t>
-            </a:r>
-            <a:r>
-              <a:rPr lang="ko-KR" altLang="ko-KR" sz="1450">
-                <a:solidFill>
-                  <a:srgbClr val="e7e6e6">
-                    <a:lumMod val="90000"/>
-                  </a:srgbClr>
-                </a:solidFill>
-              </a:rPr>
-              <a:t>장르, 감독, 배우)</a:t>
-            </a:r>
-            <a:endParaRPr lang="ko-KR" altLang="ko-KR" sz="1450">
-              <a:solidFill>
-                <a:srgbClr val="e7e6e6">
-                  <a:lumMod val="90000"/>
-                </a:srgbClr>
-              </a:solidFill>
-            </a:endParaRPr>
-          </a:p>
-          <a:p>
-            <a:pPr lvl="1">
-              <a:lnSpc>
-                <a:spcPct val="160000"/>
-              </a:lnSpc>
-              <a:defRPr/>
-            </a:pPr>
-            <a:endParaRPr lang="ko-KR" altLang="ko-KR" sz="1450">
-              <a:solidFill>
-                <a:srgbClr val="e7e6e6">
-                  <a:lumMod val="90000"/>
-                </a:srgbClr>
-              </a:solidFill>
-            </a:endParaRPr>
-          </a:p>
-          <a:p>
-            <a:pPr lvl="1">
-              <a:lnSpc>
-                <a:spcPct val="160000"/>
-              </a:lnSpc>
-              <a:defRPr/>
-            </a:pPr>
-            <a:r>
-              <a:rPr lang="ko-KR" altLang="ko-KR" sz="1450">
-                <a:solidFill>
-                  <a:srgbClr val="e7e6e6">
-                    <a:lumMod val="90000"/>
-                  </a:srgbClr>
-                </a:solidFill>
-              </a:rPr>
-              <a:t>- 관리자는 영화 관리 페이지에서 영화 정보(포스터, 제목, 줄거리, 개봉일, 장르, 감독, 배우)를 등록 할 수 있다.</a:t>
-            </a:r>
-            <a:endParaRPr lang="ko-KR" altLang="ko-KR" sz="1450">
-              <a:solidFill>
-                <a:srgbClr val="e7e6e6">
-                  <a:lumMod val="90000"/>
-                </a:srgbClr>
-              </a:solidFill>
-            </a:endParaRPr>
-          </a:p>
-          <a:p>
-            <a:pPr lvl="1">
-              <a:lnSpc>
-                <a:spcPct val="160000"/>
-              </a:lnSpc>
-              <a:defRPr/>
-            </a:pPr>
-            <a:r>
-              <a:rPr lang="ko-KR" altLang="ko-KR" sz="1450">
-                <a:solidFill>
-                  <a:srgbClr val="e7e6e6">
-                    <a:lumMod val="90000"/>
-                  </a:srgbClr>
-                </a:solidFill>
-              </a:rPr>
-              <a:t>- 관리자는 영화 관리 페이지에서 영화 정보(포스터, 제목, 줄거리, 개봉일, 장르, 감독, 배우)를 수정</a:t>
-            </a:r>
-            <a:r>
-              <a:rPr lang="ko-KR" altLang="en-US" sz="1450">
-                <a:solidFill>
-                  <a:srgbClr val="e7e6e6">
-                    <a:lumMod val="90000"/>
-                  </a:srgbClr>
-                </a:solidFill>
-              </a:rPr>
-              <a:t> </a:t>
-            </a:r>
-            <a:r>
-              <a:rPr lang="ko-KR" altLang="ko-KR" sz="1450">
-                <a:solidFill>
-                  <a:srgbClr val="e7e6e6">
-                    <a:lumMod val="90000"/>
-                  </a:srgbClr>
-                </a:solidFill>
-              </a:rPr>
-              <a:t>할 수 있다.</a:t>
-            </a:r>
-            <a:endParaRPr lang="ko-KR" altLang="ko-KR" sz="1450">
-              <a:solidFill>
-                <a:srgbClr val="e7e6e6">
-                  <a:lumMod val="90000"/>
-                </a:srgbClr>
-              </a:solidFill>
-            </a:endParaRPr>
-          </a:p>
-          <a:p>
-            <a:pPr lvl="1">
-              <a:lnSpc>
-                <a:spcPct val="160000"/>
-              </a:lnSpc>
-              <a:defRPr/>
-            </a:pPr>
-            <a:r>
-              <a:rPr lang="ko-KR" altLang="ko-KR" sz="1450">
-                <a:solidFill>
-                  <a:srgbClr val="e7e6e6">
-                    <a:lumMod val="90000"/>
-                  </a:srgbClr>
-                </a:solidFill>
-              </a:rPr>
-              <a:t>- 관리자는 영화 관리 페이지에서 영화 정보를 삭제할 수 있다.</a:t>
+              <a:t> 회원과 관리자와 비회원은 영화 랭킹 페이지에서 영화를 키워드(제목)로 검색할 수 있다.</a:t>
             </a:r>
             <a:endParaRPr lang="ko-KR" altLang="ko-KR" sz="1450">
               <a:solidFill>
@@ -6586,8 +6593,8 @@
         </p:nvSpPr>
         <p:spPr>
           <a:xfrm>
-            <a:off x="157725" y="1378594"/>
-            <a:ext cx="11664590" cy="5308319"/>
+            <a:off x="0" y="1457012"/>
+            <a:ext cx="11945805" cy="3943976"/>
           </a:xfrm>
           <a:prstGeom prst="rect">
             <a:avLst/>
@@ -6613,7 +6620,27 @@
                   </a:srgbClr>
                 </a:solidFill>
               </a:rPr>
-              <a:t>8 채용정보 - 회원, 관리자 이용가능</a:t>
+              <a:t>8</a:t>
+            </a:r>
+            <a:r>
+              <a:rPr lang="en-US" altLang="ko-KR" b="1">
+                <a:solidFill>
+                  <a:srgbClr val="e7e6e6">
+                    <a:lumMod val="90000"/>
+                  </a:srgbClr>
+                </a:solidFill>
+              </a:rPr>
+              <a:t>.</a:t>
+            </a:r>
+            <a:r>
+              <a:rPr lang="ko-KR" altLang="ko-KR" b="1">
+                <a:solidFill>
+                  <a:srgbClr val="e7e6e6">
+                    <a:lumMod val="90000"/>
+                  </a:srgbClr>
+                </a:solidFill>
+              </a:rPr>
+              <a:t> 채용정보 - 회원, 관리자 이용가능</a:t>
             </a:r>
             <a:endParaRPr lang="ko-KR" altLang="ko-KR" b="1">
               <a:solidFill>
@@ -6653,7 +6680,7 @@
                   </a:srgbClr>
                 </a:solidFill>
               </a:rPr>
-              <a:t>- 회원은 채용정보 게시판에서 현재 진행 중인 채용정보를 조회 할 수 있다.</a:t>
+              <a:t>- 회원과 관리자는 메인에서 채용정보를 클릭 시 '채용공고 게시판'과 '내 지원현황(회원전용)'과 '지원서 관리(관리자 전용)', '즐겨찾는 지원서</a:t>
             </a:r>
             <a:endParaRPr lang="ko-KR" altLang="ko-KR" sz="1400">
               <a:solidFill>
@@ -6671,6 +6698,16 @@
               <a:defRPr/>
             </a:pPr>
             <a:r>
+              <a:rPr lang="ko-KR" altLang="en-US" sz="1400">
+                <a:solidFill>
+                  <a:srgbClr val="e7e6e6">
+                    <a:lumMod val="90000"/>
+                  </a:srgbClr>
+                </a:solidFill>
+              </a:rPr>
+              <a:t>  </a:t>
+            </a:r>
+            <a:r>
               <a:rPr lang="ko-KR" altLang="ko-KR" sz="1400">
                 <a:solidFill>
                   <a:srgbClr val="e7e6e6">
@@ -6678,7 +6715,7 @@
                   </a:srgbClr>
                 </a:solidFill>
               </a:rPr>
-              <a:t>- 회원은 채용정보 게시판에서 현재 진행 중인 채용정보를 상세보기 할 수 있다.</a:t>
+              <a:t>(관리자 전용)' 중 '채용공고 게시판'의 목록이 먼저 조회된다.</a:t>
             </a:r>
             <a:endParaRPr lang="ko-KR" altLang="ko-KR" sz="1400">
               <a:solidFill>
@@ -6703,8 +6740,73 @@
                   </a:srgbClr>
                 </a:solidFill>
               </a:rPr>
-              <a:t>- 회원은 채용정보 상세보기 창에서 지원하기 버튼을 눌러 지원양식 폼에 사진, 이름, 자기소개, 주소, 전화번호, 이메일, </a:t>
-            </a:r>
+              <a:t>- 회원과 관리자는 채용정보의 채용공고 게시판에서 현재 진행 중인 채용공고를 조회 할 수 있다.</a:t>
+            </a:r>
+            <a:endParaRPr lang="ko-KR" altLang="ko-KR" sz="1400">
+              <a:solidFill>
+                <a:srgbClr val="e7e6e6">
+                  <a:lumMod val="90000"/>
+                </a:srgbClr>
+              </a:solidFill>
+            </a:endParaRPr>
+          </a:p>
+          <a:p>
+            <a:pPr lvl="1">
+              <a:lnSpc>
+                <a:spcPct val="160000"/>
+              </a:lnSpc>
+              <a:defRPr/>
+            </a:pPr>
+            <a:r>
+              <a:rPr lang="ko-KR" altLang="ko-KR" sz="1400">
+                <a:solidFill>
+                  <a:srgbClr val="e7e6e6">
+                    <a:lumMod val="90000"/>
+                  </a:srgbClr>
+                </a:solidFill>
+              </a:rPr>
+              <a:t>- 회원과 관리자는 채용정보의 채용공고 게시판에서 현재 진행 중인 채용공고를 조회 한 후 상세보기 할 수 있다.</a:t>
+            </a:r>
+            <a:endParaRPr lang="ko-KR" altLang="ko-KR" sz="1400">
+              <a:solidFill>
+                <a:srgbClr val="e7e6e6">
+                  <a:lumMod val="90000"/>
+                </a:srgbClr>
+              </a:solidFill>
+            </a:endParaRPr>
+          </a:p>
+          <a:p>
+            <a:pPr lvl="1">
+              <a:lnSpc>
+                <a:spcPct val="160000"/>
+              </a:lnSpc>
+              <a:defRPr/>
+            </a:pPr>
+            <a:r>
+              <a:rPr lang="ko-KR" altLang="ko-KR" sz="1400">
+                <a:solidFill>
+                  <a:srgbClr val="e7e6e6">
+                    <a:lumMod val="90000"/>
+                  </a:srgbClr>
+                </a:solidFill>
+              </a:rPr>
+              <a:t>- 회원은 채용정보의 채용공고 게시판에서 채용공고 글 상세보기 창에서 지원하기 버튼을 눌러 지원서(사진, 이름, 자기소개, 주소, 전화번호, </a:t>
+            </a:r>
+            <a:endParaRPr lang="ko-KR" altLang="ko-KR" sz="1400">
+              <a:solidFill>
+                <a:srgbClr val="e7e6e6">
+                  <a:lumMod val="90000"/>
+                </a:srgbClr>
+              </a:solidFill>
+            </a:endParaRPr>
+          </a:p>
+          <a:p>
+            <a:pPr lvl="1">
+              <a:lnSpc>
+                <a:spcPct val="160000"/>
+              </a:lnSpc>
+              <a:defRPr/>
+            </a:pPr>
             <a:r>
               <a:rPr lang="ko-KR" altLang="en-US" sz="1400">
                 <a:solidFill>
@@ -6713,7 +6815,7 @@
                   </a:srgbClr>
                 </a:solidFill>
               </a:rPr>
-              <a:t>아르바이트 </a:t>
+              <a:t>  </a:t>
             </a:r>
             <a:r>
               <a:rPr lang="ko-KR" altLang="ko-KR" sz="1400">
@@ -6723,7 +6825,7 @@
                   </a:srgbClr>
                 </a:solidFill>
               </a:rPr>
-              <a:t>경력을 </a:t>
+              <a:t>이메일, 알바경력)를 넣어서 지원할 수 있다.</a:t>
             </a:r>
             <a:endParaRPr lang="ko-KR" altLang="ko-KR" sz="1400">
               <a:solidFill>
@@ -6741,6 +6843,16 @@
               <a:defRPr/>
             </a:pPr>
             <a:r>
+              <a:rPr lang="ko-KR" altLang="ko-KR" sz="1400">
+                <a:solidFill>
+                  <a:srgbClr val="e7e6e6">
+                    <a:lumMod val="90000"/>
+                  </a:srgbClr>
+                </a:solidFill>
+              </a:rPr>
+              <a:t>- 회원은 채용정보에서 ‘내 지원현황’에서 자신의 지원현황을 조회</a:t>
+            </a:r>
+            <a:r>
               <a:rPr lang="ko-KR" altLang="en-US" sz="1400">
                 <a:solidFill>
                   <a:srgbClr val="e7e6e6">
@@ -6748,7 +6860,7 @@
                   </a:srgbClr>
                 </a:solidFill>
               </a:rPr>
-              <a:t>  </a:t>
+              <a:t> </a:t>
             </a:r>
             <a:r>
               <a:rPr lang="ko-KR" altLang="ko-KR" sz="1400">
@@ -6758,7 +6870,32 @@
                   </a:srgbClr>
                 </a:solidFill>
               </a:rPr>
-              <a:t>넣어서 지원할 수 있다.</a:t>
+              <a:t>할 수 있다.</a:t>
+            </a:r>
+            <a:endParaRPr lang="ko-KR" altLang="ko-KR" sz="1400">
+              <a:solidFill>
+                <a:srgbClr val="e7e6e6">
+                  <a:lumMod val="90000"/>
+                </a:srgbClr>
+              </a:solidFill>
+            </a:endParaRPr>
+          </a:p>
+          <a:p>
+            <a:pPr lvl="1">
+              <a:lnSpc>
+                <a:spcPct val="160000"/>
+              </a:lnSpc>
+              <a:defRPr/>
+            </a:pPr>
+            <a:r>
+              <a:rPr lang="ko-KR" altLang="ko-KR" sz="1400">
+                <a:solidFill>
+                  <a:srgbClr val="e7e6e6">
+                    <a:lumMod val="90000"/>
+                  </a:srgbClr>
+                </a:solidFill>
+              </a:rPr>
+              <a:t>- 회원은 채용정보에서 '내 지원현황'에서 자신의 지원현황을 조회 한 후 지원서를 상세보기</a:t>
             </a:r>
             <a:r>
               <a:rPr lang="ko-KR" altLang="en-US" sz="1400">
@@ -6771,16 +6908,6 @@
               <a:t> </a:t>
             </a:r>
             <a:r>
-              <a:rPr lang="en-US" altLang="ko-KR" sz="1400">
-                <a:solidFill>
-                  <a:srgbClr val="e7e6e6">
-                    <a:lumMod val="90000"/>
-                  </a:srgbClr>
-                </a:solidFill>
-              </a:rPr>
-              <a:t>{</a:t>
-            </a:r>
-            <a:r>
               <a:rPr lang="ko-KR" altLang="ko-KR" sz="1400">
                 <a:solidFill>
                   <a:srgbClr val="e7e6e6">
@@ -6788,19 +6915,9 @@
                   </a:srgbClr>
                 </a:solidFill>
               </a:rPr>
-              <a:t>블라인드 채용생각해보기</a:t>
-            </a:r>
-            <a:r>
-              <a:rPr lang="en-US" altLang="ko-KR" sz="1400">
-                <a:solidFill>
-                  <a:srgbClr val="e7e6e6">
-                    <a:lumMod val="90000"/>
-                  </a:srgbClr>
-                </a:solidFill>
-              </a:rPr>
-              <a:t>}</a:t>
-            </a:r>
-            <a:endParaRPr lang="en-US" altLang="ko-KR" sz="1400">
+              <a:t>할 수 있다.</a:t>
+            </a:r>
+            <a:endParaRPr lang="ko-KR" altLang="ko-KR" sz="1400">
               <a:solidFill>
                 <a:srgbClr val="e7e6e6">
                   <a:lumMod val="90000"/>
@@ -6823,217 +6940,7 @@
                   </a:srgbClr>
                 </a:solidFill>
               </a:rPr>
-              <a:t>- 회원은 채용정보 게시판 페이지에서 이름을 입력해 자신의 지원서를 조회한뒤 상세보기 할 수 있다</a:t>
-            </a:r>
-            <a:endParaRPr lang="ko-KR" altLang="ko-KR" sz="1400">
-              <a:solidFill>
-                <a:srgbClr val="e7e6e6">
-                  <a:lumMod val="90000"/>
-                </a:srgbClr>
-              </a:solidFill>
-            </a:endParaRPr>
-          </a:p>
-          <a:p>
-            <a:pPr lvl="1">
-              <a:lnSpc>
-                <a:spcPct val="160000"/>
-              </a:lnSpc>
-              <a:defRPr/>
-            </a:pPr>
-            <a:r>
-              <a:rPr lang="ko-KR" altLang="ko-KR" sz="1400">
-                <a:solidFill>
-                  <a:srgbClr val="e7e6e6">
-                    <a:lumMod val="90000"/>
-                  </a:srgbClr>
-                </a:solidFill>
-              </a:rPr>
-              <a:t>- 회원은 채용정보 게시판 내에서 ‘내 지원현황’을 클릭하여 자신의 지원현황을 조회 할 수 있다.</a:t>
-            </a:r>
-            <a:endParaRPr lang="ko-KR" altLang="ko-KR" sz="1400">
-              <a:solidFill>
-                <a:srgbClr val="e7e6e6">
-                  <a:lumMod val="90000"/>
-                </a:srgbClr>
-              </a:solidFill>
-            </a:endParaRPr>
-          </a:p>
-          <a:p>
-            <a:pPr lvl="1">
-              <a:lnSpc>
-                <a:spcPct val="160000"/>
-              </a:lnSpc>
-              <a:defRPr/>
-            </a:pPr>
-            <a:r>
-              <a:rPr lang="ko-KR" altLang="ko-KR" sz="1400">
-                <a:solidFill>
-                  <a:srgbClr val="e7e6e6">
-                    <a:lumMod val="90000"/>
-                  </a:srgbClr>
-                </a:solidFill>
-              </a:rPr>
-              <a:t>- 회원은 채용정보 게시판 내에서 ‘내 지원현황’을 클릭하여 자신의 지원현황를 수정 및 삭제 할 수 있다.</a:t>
-            </a:r>
-            <a:endParaRPr lang="ko-KR" altLang="ko-KR" sz="1400">
-              <a:solidFill>
-                <a:srgbClr val="e7e6e6">
-                  <a:lumMod val="90000"/>
-                </a:srgbClr>
-              </a:solidFill>
-            </a:endParaRPr>
-          </a:p>
-          <a:p>
-            <a:pPr lvl="1">
-              <a:lnSpc>
-                <a:spcPct val="160000"/>
-              </a:lnSpc>
-              <a:defRPr/>
-            </a:pPr>
-            <a:endParaRPr lang="ko-KR" altLang="ko-KR" sz="1400">
-              <a:solidFill>
-                <a:srgbClr val="e7e6e6">
-                  <a:lumMod val="90000"/>
-                </a:srgbClr>
-              </a:solidFill>
-            </a:endParaRPr>
-          </a:p>
-          <a:p>
-            <a:pPr lvl="1">
-              <a:lnSpc>
-                <a:spcPct val="160000"/>
-              </a:lnSpc>
-              <a:defRPr/>
-            </a:pPr>
-            <a:r>
-              <a:rPr lang="ko-KR" altLang="ko-KR" sz="1400">
-                <a:solidFill>
-                  <a:srgbClr val="e7e6e6">
-                    <a:lumMod val="90000"/>
-                  </a:srgbClr>
-                </a:solidFill>
-              </a:rPr>
-              <a:t>- 관리자는 채용정보 게시판 페이지에서 채용공고를 등록 할 수 있다. </a:t>
-            </a:r>
-            <a:endParaRPr lang="ko-KR" altLang="ko-KR" sz="1400">
-              <a:solidFill>
-                <a:srgbClr val="e7e6e6">
-                  <a:lumMod val="90000"/>
-                </a:srgbClr>
-              </a:solidFill>
-            </a:endParaRPr>
-          </a:p>
-          <a:p>
-            <a:pPr lvl="1">
-              <a:lnSpc>
-                <a:spcPct val="160000"/>
-              </a:lnSpc>
-              <a:defRPr/>
-            </a:pPr>
-            <a:r>
-              <a:rPr lang="ko-KR" altLang="ko-KR" sz="1400">
-                <a:solidFill>
-                  <a:srgbClr val="e7e6e6">
-                    <a:lumMod val="90000"/>
-                  </a:srgbClr>
-                </a:solidFill>
-              </a:rPr>
-              <a:t>- 관리자는 채용정보 게시판 페이지에서 모든 회원이 제출한 지원서들을 조회 및 상세보기할 수 있다.</a:t>
-            </a:r>
-            <a:endParaRPr lang="ko-KR" altLang="ko-KR" sz="1400">
-              <a:solidFill>
-                <a:srgbClr val="e7e6e6">
-                  <a:lumMod val="90000"/>
-                </a:srgbClr>
-              </a:solidFill>
-            </a:endParaRPr>
-          </a:p>
-          <a:p>
-            <a:pPr lvl="1">
-              <a:lnSpc>
-                <a:spcPct val="160000"/>
-              </a:lnSpc>
-              <a:defRPr/>
-            </a:pPr>
-            <a:r>
-              <a:rPr lang="ko-KR" altLang="ko-KR" sz="1400">
-                <a:solidFill>
-                  <a:srgbClr val="e7e6e6">
-                    <a:lumMod val="90000"/>
-                  </a:srgbClr>
-                </a:solidFill>
-              </a:rPr>
-              <a:t>- 관리자는 채용정보 게시판 페이지에서 키워드를 입력해 지원서를 상세보기 할 수 있다.</a:t>
-            </a:r>
-            <a:endParaRPr lang="ko-KR" altLang="ko-KR" sz="1400">
-              <a:solidFill>
-                <a:srgbClr val="e7e6e6">
-                  <a:lumMod val="90000"/>
-                </a:srgbClr>
-              </a:solidFill>
-            </a:endParaRPr>
-          </a:p>
-          <a:p>
-            <a:pPr lvl="1">
-              <a:lnSpc>
-                <a:spcPct val="160000"/>
-              </a:lnSpc>
-              <a:defRPr/>
-            </a:pPr>
-            <a:r>
-              <a:rPr lang="ko-KR" altLang="ko-KR" sz="1400">
-                <a:solidFill>
-                  <a:srgbClr val="e7e6e6">
-                    <a:lumMod val="90000"/>
-                  </a:srgbClr>
-                </a:solidFill>
-              </a:rPr>
-              <a:t>- 관리자는 채용정보 게시판 페이지에서 모든</a:t>
-            </a:r>
-            <a:r>
-              <a:rPr lang="ko-KR" altLang="en-US" sz="1400">
-                <a:solidFill>
-                  <a:srgbClr val="e7e6e6">
-                    <a:lumMod val="90000"/>
-                  </a:srgbClr>
-                </a:solidFill>
-              </a:rPr>
-              <a:t> </a:t>
-            </a:r>
-            <a:r>
-              <a:rPr lang="ko-KR" altLang="ko-KR" sz="1400">
-                <a:solidFill>
-                  <a:srgbClr val="e7e6e6">
-                    <a:lumMod val="90000"/>
-                  </a:srgbClr>
-                </a:solidFill>
-              </a:rPr>
-              <a:t>회원이 제출한 지원서를 즐겨찾기에 추가하거나 해제할 수 있다.</a:t>
-            </a:r>
-            <a:endParaRPr lang="ko-KR" altLang="ko-KR" sz="1400">
-              <a:solidFill>
-                <a:srgbClr val="e7e6e6">
-                  <a:lumMod val="90000"/>
-                </a:srgbClr>
-              </a:solidFill>
-            </a:endParaRPr>
-          </a:p>
-          <a:p>
-            <a:pPr lvl="1">
-              <a:lnSpc>
-                <a:spcPct val="160000"/>
-              </a:lnSpc>
-              <a:defRPr/>
-            </a:pPr>
-            <a:r>
-              <a:rPr lang="ko-KR" altLang="ko-KR" sz="1400">
-                <a:solidFill>
-                  <a:srgbClr val="e7e6e6">
-                    <a:lumMod val="90000"/>
-                  </a:srgbClr>
-                </a:solidFill>
-              </a:rPr>
-              <a:t>- 관리자는 채용정보 즐겨찾기 페이지에서 즐겨찾기한 지원서를 조회 및 상세보기 할 수 있다.</a:t>
+              <a:t>- 회원은 채용정보에서 '내 지원현황'에서 자신의 지원현황의 지원서 상세보기 페이지에서 지원서를 수정 및 삭제 할 수 있다.</a:t>
             </a:r>
             <a:endParaRPr lang="ko-KR" altLang="ko-KR" sz="1400">
               <a:solidFill>
@@ -7187,8 +7094,8 @@
         </p:nvSpPr>
         <p:spPr>
           <a:xfrm>
-            <a:off x="130512" y="1442094"/>
-            <a:ext cx="11564802" cy="3089901"/>
+            <a:off x="0" y="1351379"/>
+            <a:ext cx="11664590" cy="3943976"/>
           </a:xfrm>
           <a:prstGeom prst="rect">
             <a:avLst/>
@@ -7214,7 +7121,27 @@
                   </a:srgbClr>
                 </a:solidFill>
               </a:rPr>
-              <a:t>9 공지사항 게시판 - 회원, 비회원, 관리자</a:t>
+              <a:t>8</a:t>
+            </a:r>
+            <a:r>
+              <a:rPr lang="en-US" altLang="ko-KR" b="1">
+                <a:solidFill>
+                  <a:srgbClr val="e7e6e6">
+                    <a:lumMod val="90000"/>
+                  </a:srgbClr>
+                </a:solidFill>
+              </a:rPr>
+              <a:t>.</a:t>
+            </a:r>
+            <a:r>
+              <a:rPr lang="ko-KR" altLang="ko-KR" b="1">
+                <a:solidFill>
+                  <a:srgbClr val="e7e6e6">
+                    <a:lumMod val="90000"/>
+                  </a:srgbClr>
+                </a:solidFill>
+              </a:rPr>
+              <a:t> 채용정보 - 회원, 관리자 이용가능</a:t>
             </a:r>
             <a:endParaRPr lang="ko-KR" altLang="ko-KR" b="1">
               <a:solidFill>
@@ -7231,7 +7158,7 @@
               </a:lnSpc>
               <a:defRPr/>
             </a:pPr>
-            <a:endParaRPr lang="ko-KR" altLang="ko-KR" b="1">
+            <a:endParaRPr lang="ko-KR" altLang="ko-KR" sz="1400">
               <a:solidFill>
                 <a:srgbClr val="e7e6e6">
                   <a:lumMod val="90000"/>
@@ -7247,26 +7174,16 @@
               <a:defRPr/>
             </a:pPr>
             <a:r>
-              <a:rPr lang="ko-KR" altLang="ko-KR" sz="1450">
-                <a:solidFill>
-                  <a:srgbClr val="e7e6e6">
-                    <a:lumMod val="90000"/>
-                  </a:srgbClr>
-                </a:solidFill>
-              </a:rPr>
-              <a:t>- 회원, 비회원, 관리자는 공지사항 게시판 페이지에서 공지사항 게시글 전체를 조회할 수 있다</a:t>
-            </a:r>
-            <a:r>
-              <a:rPr lang="en-US" altLang="ko-KR" sz="1450">
-                <a:solidFill>
-                  <a:srgbClr val="e7e6e6">
-                    <a:lumMod val="90000"/>
-                  </a:srgbClr>
-                </a:solidFill>
-              </a:rPr>
-              <a:t>.</a:t>
-            </a:r>
-            <a:endParaRPr lang="en-US" altLang="ko-KR" sz="1450">
+              <a:rPr lang="ko-KR" altLang="ko-KR" sz="1400">
+                <a:solidFill>
+                  <a:srgbClr val="e7e6e6">
+                    <a:lumMod val="90000"/>
+                  </a:srgbClr>
+                </a:solidFill>
+              </a:rPr>
+              <a:t>- 관리자는 채용정보의 채용공고 게시판 페이지에서 채용공고를 등록 할 수 있다.</a:t>
+            </a:r>
+            <a:endParaRPr lang="ko-KR" altLang="ko-KR" sz="1400">
               <a:solidFill>
                 <a:srgbClr val="e7e6e6">
                   <a:lumMod val="90000"/>
@@ -7282,16 +7199,16 @@
               <a:defRPr/>
             </a:pPr>
             <a:r>
-              <a:rPr lang="ko-KR" altLang="ko-KR" sz="1450">
-                <a:solidFill>
-                  <a:srgbClr val="e7e6e6">
-                    <a:lumMod val="90000"/>
-                  </a:srgbClr>
-                </a:solidFill>
-              </a:rPr>
-              <a:t>- 회원, 비회원, 관리자는 공지사항 게시판 페이지에서 키워드(제목, 내용)를 입력하여 검색할 수 있다.</a:t>
-            </a:r>
-            <a:endParaRPr lang="ko-KR" altLang="ko-KR" sz="1450">
+              <a:rPr lang="ko-KR" altLang="ko-KR" sz="1400">
+                <a:solidFill>
+                  <a:srgbClr val="e7e6e6">
+                    <a:lumMod val="90000"/>
+                  </a:srgbClr>
+                </a:solidFill>
+              </a:rPr>
+              <a:t>- 관리자는 채용정보의 채용공고 게시판 페이지에서 채용공고를 상세보기하여 채용공고를 수정 및 삭제할 수 있다.</a:t>
+            </a:r>
+            <a:endParaRPr lang="ko-KR" altLang="ko-KR" sz="1400">
               <a:solidFill>
                 <a:srgbClr val="e7e6e6">
                   <a:lumMod val="90000"/>
@@ -7307,36 +7224,16 @@
               <a:defRPr/>
             </a:pPr>
             <a:r>
-              <a:rPr lang="ko-KR" altLang="ko-KR" sz="1450">
-                <a:solidFill>
-                  <a:srgbClr val="e7e6e6">
-                    <a:lumMod val="90000"/>
-                  </a:srgbClr>
-                </a:solidFill>
-              </a:rPr>
-              <a:t>- 회원, 비회원, 관리자는 공지사항 게시판 페이지에서 특정 공지사항 글 하나를 상세보기 할 수 있다.(제목</a:t>
-            </a:r>
-            <a:r>
-              <a:rPr lang="en-US" altLang="ko-KR" sz="1450">
-                <a:solidFill>
-                  <a:srgbClr val="e7e6e6">
-                    <a:lumMod val="90000"/>
-                  </a:srgbClr>
-                </a:solidFill>
-              </a:rPr>
-              <a:t>,</a:t>
-            </a:r>
-            <a:r>
-              <a:rPr lang="ko-KR" altLang="ko-KR" sz="1450">
-                <a:solidFill>
-                  <a:srgbClr val="e7e6e6">
-                    <a:lumMod val="90000"/>
-                  </a:srgbClr>
-                </a:solidFill>
-              </a:rPr>
-              <a:t> 내용)</a:t>
-            </a:r>
-            <a:endParaRPr lang="ko-KR" altLang="ko-KR" sz="1450">
+              <a:rPr lang="ko-KR" altLang="ko-KR" sz="1400">
+                <a:solidFill>
+                  <a:srgbClr val="e7e6e6">
+                    <a:lumMod val="90000"/>
+                  </a:srgbClr>
+                </a:solidFill>
+              </a:rPr>
+              <a:t>- 관리자는 채용정보의 '지원서 관리' 페이지에서 모든 회원이 제출한 지원서들을 조회할 수 있다.</a:t>
+            </a:r>
+            <a:endParaRPr lang="ko-KR" altLang="ko-KR" sz="1400">
               <a:solidFill>
                 <a:srgbClr val="e7e6e6">
                   <a:lumMod val="90000"/>
@@ -7351,7 +7248,37 @@
               </a:lnSpc>
               <a:defRPr/>
             </a:pPr>
-            <a:endParaRPr lang="ko-KR" altLang="ko-KR" sz="1450">
+            <a:r>
+              <a:rPr lang="ko-KR" altLang="ko-KR" sz="1400">
+                <a:solidFill>
+                  <a:srgbClr val="e7e6e6">
+                    <a:lumMod val="90000"/>
+                  </a:srgbClr>
+                </a:solidFill>
+              </a:rPr>
+              <a:t>- 관리자는 채용정보의 '지원서 관리' 페이지에서 모든 회원이 제출한 지원서들을 조회 한 후 상세보기</a:t>
+            </a:r>
+            <a:r>
+              <a:rPr lang="ko-KR" altLang="en-US" sz="1400">
+                <a:solidFill>
+                  <a:srgbClr val="e7e6e6">
+                    <a:lumMod val="90000"/>
+                  </a:srgbClr>
+                </a:solidFill>
+              </a:rPr>
+              <a:t> </a:t>
+            </a:r>
+            <a:r>
+              <a:rPr lang="ko-KR" altLang="ko-KR" sz="1400">
+                <a:solidFill>
+                  <a:srgbClr val="e7e6e6">
+                    <a:lumMod val="90000"/>
+                  </a:srgbClr>
+                </a:solidFill>
+              </a:rPr>
+              <a:t>할 수 있다.</a:t>
+            </a:r>
+            <a:endParaRPr lang="ko-KR" altLang="ko-KR" sz="1400">
               <a:solidFill>
                 <a:srgbClr val="e7e6e6">
                   <a:lumMod val="90000"/>
@@ -7367,26 +7294,16 @@
               <a:defRPr/>
             </a:pPr>
             <a:r>
-              <a:rPr lang="ko-KR" altLang="ko-KR" sz="1450">
-                <a:solidFill>
-                  <a:srgbClr val="e7e6e6">
-                    <a:lumMod val="90000"/>
-                  </a:srgbClr>
-                </a:solidFill>
-              </a:rPr>
-              <a:t>- 관리자는 공지사항 게시판 페이지에서 게시글을 작성할 수 있다</a:t>
-            </a:r>
-            <a:r>
-              <a:rPr lang="en-US" altLang="ko-KR" sz="1450">
-                <a:solidFill>
-                  <a:srgbClr val="e7e6e6">
-                    <a:lumMod val="90000"/>
-                  </a:srgbClr>
-                </a:solidFill>
-              </a:rPr>
-              <a:t>.</a:t>
-            </a:r>
-            <a:endParaRPr lang="en-US" altLang="ko-KR" sz="1450">
+              <a:rPr lang="ko-KR" altLang="ko-KR" sz="1400">
+                <a:solidFill>
+                  <a:srgbClr val="e7e6e6">
+                    <a:lumMod val="90000"/>
+                  </a:srgbClr>
+                </a:solidFill>
+              </a:rPr>
+              <a:t>- 관리자는 채용정보의 '지원서 관리' 페이지에서 모든 회원이 제출한 지원서들을 상세보기하여 즐겨찾기에 추가하거나 해제할 수 있다.</a:t>
+            </a:r>
+            <a:endParaRPr lang="ko-KR" altLang="ko-KR" sz="1400">
               <a:solidFill>
                 <a:srgbClr val="e7e6e6">
                   <a:lumMod val="90000"/>
@@ -7402,16 +7319,191 @@
               <a:defRPr/>
             </a:pPr>
             <a:r>
-              <a:rPr lang="ko-KR" altLang="ko-KR" sz="1450">
-                <a:solidFill>
-                  <a:srgbClr val="e7e6e6">
-                    <a:lumMod val="90000"/>
-                  </a:srgbClr>
-                </a:solidFill>
-              </a:rPr>
-              <a:t>- 관리자는 공지사항 게시판 페이지에서 게시글을 상세보기하여 수정 및 삭제할 수 있다.</a:t>
-            </a:r>
-            <a:endParaRPr lang="ko-KR" altLang="ko-KR" sz="1450">
+              <a:rPr lang="ko-KR" altLang="ko-KR" sz="1400">
+                <a:solidFill>
+                  <a:srgbClr val="e7e6e6">
+                    <a:lumMod val="90000"/>
+                  </a:srgbClr>
+                </a:solidFill>
+              </a:rPr>
+              <a:t>- 관리자는 채용정보의 '지원서 관리' 페이지에서 키워드</a:t>
+            </a:r>
+            <a:r>
+              <a:rPr lang="en-US" altLang="ko-KR" sz="1400">
+                <a:solidFill>
+                  <a:srgbClr val="e7e6e6">
+                    <a:lumMod val="90000"/>
+                  </a:srgbClr>
+                </a:solidFill>
+              </a:rPr>
+              <a:t>(</a:t>
+            </a:r>
+            <a:r>
+              <a:rPr lang="ko-KR" altLang="en-US" sz="1400">
+                <a:solidFill>
+                  <a:srgbClr val="e7e6e6">
+                    <a:lumMod val="90000"/>
+                  </a:srgbClr>
+                </a:solidFill>
+              </a:rPr>
+              <a:t>이름</a:t>
+            </a:r>
+            <a:r>
+              <a:rPr lang="en-US" altLang="ko-KR" sz="1400">
+                <a:solidFill>
+                  <a:srgbClr val="e7e6e6">
+                    <a:lumMod val="90000"/>
+                  </a:srgbClr>
+                </a:solidFill>
+              </a:rPr>
+              <a:t>)</a:t>
+            </a:r>
+            <a:r>
+              <a:rPr lang="ko-KR" altLang="ko-KR" sz="1400">
+                <a:solidFill>
+                  <a:srgbClr val="e7e6e6">
+                    <a:lumMod val="90000"/>
+                  </a:srgbClr>
+                </a:solidFill>
+              </a:rPr>
+              <a:t>를 통해 지원서를 검색할 수 있다.</a:t>
+            </a:r>
+            <a:endParaRPr lang="ko-KR" altLang="ko-KR" sz="1400">
+              <a:solidFill>
+                <a:srgbClr val="e7e6e6">
+                  <a:lumMod val="90000"/>
+                </a:srgbClr>
+              </a:solidFill>
+            </a:endParaRPr>
+          </a:p>
+          <a:p>
+            <a:pPr lvl="1">
+              <a:lnSpc>
+                <a:spcPct val="160000"/>
+              </a:lnSpc>
+              <a:defRPr/>
+            </a:pPr>
+            <a:r>
+              <a:rPr lang="ko-KR" altLang="ko-KR" sz="1400">
+                <a:solidFill>
+                  <a:srgbClr val="e7e6e6">
+                    <a:lumMod val="90000"/>
+                  </a:srgbClr>
+                </a:solidFill>
+              </a:rPr>
+              <a:t>- 관리자는 채용정보의 '즐겨찾는 지원서'</a:t>
+            </a:r>
+            <a:r>
+              <a:rPr lang="ko-KR" altLang="en-US" sz="1400">
+                <a:solidFill>
+                  <a:srgbClr val="e7e6e6">
+                    <a:lumMod val="90000"/>
+                  </a:srgbClr>
+                </a:solidFill>
+              </a:rPr>
+              <a:t> </a:t>
+            </a:r>
+            <a:r>
+              <a:rPr lang="ko-KR" altLang="ko-KR" sz="1400">
+                <a:solidFill>
+                  <a:srgbClr val="e7e6e6">
+                    <a:lumMod val="90000"/>
+                  </a:srgbClr>
+                </a:solidFill>
+              </a:rPr>
+              <a:t>페이지에서 즐겨찾기한 지원서를 조회할 수 있다.</a:t>
+            </a:r>
+            <a:endParaRPr lang="ko-KR" altLang="ko-KR" sz="1400">
+              <a:solidFill>
+                <a:srgbClr val="e7e6e6">
+                  <a:lumMod val="90000"/>
+                </a:srgbClr>
+              </a:solidFill>
+            </a:endParaRPr>
+          </a:p>
+          <a:p>
+            <a:pPr lvl="1">
+              <a:lnSpc>
+                <a:spcPct val="160000"/>
+              </a:lnSpc>
+              <a:defRPr/>
+            </a:pPr>
+            <a:r>
+              <a:rPr lang="ko-KR" altLang="ko-KR" sz="1400">
+                <a:solidFill>
+                  <a:srgbClr val="e7e6e6">
+                    <a:lumMod val="90000"/>
+                  </a:srgbClr>
+                </a:solidFill>
+              </a:rPr>
+              <a:t>- 관리자는 채용정보의 '즐겨찾는 지원서'</a:t>
+            </a:r>
+            <a:r>
+              <a:rPr lang="ko-KR" altLang="en-US" sz="1400">
+                <a:solidFill>
+                  <a:srgbClr val="e7e6e6">
+                    <a:lumMod val="90000"/>
+                  </a:srgbClr>
+                </a:solidFill>
+              </a:rPr>
+              <a:t> </a:t>
+            </a:r>
+            <a:r>
+              <a:rPr lang="ko-KR" altLang="ko-KR" sz="1400">
+                <a:solidFill>
+                  <a:srgbClr val="e7e6e6">
+                    <a:lumMod val="90000"/>
+                  </a:srgbClr>
+                </a:solidFill>
+              </a:rPr>
+              <a:t>페이지에서 즐겨찾기한 지원서를 조회 한 후 상세보기할 수 있다.</a:t>
+            </a:r>
+            <a:endParaRPr lang="ko-KR" altLang="ko-KR" sz="1400">
+              <a:solidFill>
+                <a:srgbClr val="e7e6e6">
+                  <a:lumMod val="90000"/>
+                </a:srgbClr>
+              </a:solidFill>
+            </a:endParaRPr>
+          </a:p>
+          <a:p>
+            <a:pPr lvl="1">
+              <a:lnSpc>
+                <a:spcPct val="160000"/>
+              </a:lnSpc>
+              <a:defRPr/>
+            </a:pPr>
+            <a:r>
+              <a:rPr lang="ko-KR" altLang="ko-KR" sz="1400">
+                <a:solidFill>
+                  <a:srgbClr val="e7e6e6">
+                    <a:lumMod val="90000"/>
+                  </a:srgbClr>
+                </a:solidFill>
+              </a:rPr>
+              <a:t>- 관리자는 채용정보의 '즐겨찾는 지원서'</a:t>
+            </a:r>
+            <a:r>
+              <a:rPr lang="ko-KR" altLang="en-US" sz="1400">
+                <a:solidFill>
+                  <a:srgbClr val="e7e6e6">
+                    <a:lumMod val="90000"/>
+                  </a:srgbClr>
+                </a:solidFill>
+              </a:rPr>
+              <a:t> </a:t>
+            </a:r>
+            <a:r>
+              <a:rPr lang="ko-KR" altLang="ko-KR" sz="1400">
+                <a:solidFill>
+                  <a:srgbClr val="e7e6e6">
+                    <a:lumMod val="90000"/>
+                  </a:srgbClr>
+                </a:solidFill>
+              </a:rPr>
+              <a:t>페이지에서 즐겨찾기한 지원서를 상세보기하여 즐겨찾기에서 해제할 수 있다.</a:t>
+            </a:r>
+            <a:endParaRPr lang="ko-KR" altLang="ko-KR" sz="1400">
               <a:solidFill>
                 <a:srgbClr val="e7e6e6">
                   <a:lumMod val="90000"/>
@@ -7563,8 +7655,8 @@
         </p:nvSpPr>
         <p:spPr>
           <a:xfrm>
-            <a:off x="139584" y="1396737"/>
-            <a:ext cx="11564802" cy="3087633"/>
+            <a:off x="0" y="1442094"/>
+            <a:ext cx="11564802" cy="2737476"/>
           </a:xfrm>
           <a:prstGeom prst="rect">
             <a:avLst/>
@@ -7590,7 +7682,27 @@
                   </a:srgbClr>
                 </a:solidFill>
               </a:rPr>
-              <a:t>10. 할인정보 게시판 - 회원, 비회원, 관리자</a:t>
+              <a:t>9</a:t>
+            </a:r>
+            <a:r>
+              <a:rPr lang="en-US" altLang="ko-KR" b="1">
+                <a:solidFill>
+                  <a:srgbClr val="e7e6e6">
+                    <a:lumMod val="90000"/>
+                  </a:srgbClr>
+                </a:solidFill>
+              </a:rPr>
+              <a:t>.</a:t>
+            </a:r>
+            <a:r>
+              <a:rPr lang="ko-KR" altLang="ko-KR" b="1">
+                <a:solidFill>
+                  <a:srgbClr val="e7e6e6">
+                    <a:lumMod val="90000"/>
+                  </a:srgbClr>
+                </a:solidFill>
+              </a:rPr>
+              <a:t> 공지사항 게시판 - 회원, 비회원, 관리자</a:t>
             </a:r>
             <a:endParaRPr lang="ko-KR" altLang="ko-KR" b="1">
               <a:solidFill>
@@ -7630,7 +7742,7 @@
                   </a:srgbClr>
                 </a:solidFill>
               </a:rPr>
-              <a:t>- 회원, 비회원, 관리자는 할인정보 게시판에서 할인정보 게시글 전체를 조회할 수 있다</a:t>
+              <a:t>- 회원, 비회원, 관리자는 공지사항 게시판 페이지에서 공지사항 게시글 전체를 조회할 수 있다</a:t>
             </a:r>
             <a:endParaRPr lang="ko-KR" altLang="ko-KR" sz="1450">
               <a:solidFill>
@@ -7655,7 +7767,7 @@
                   </a:srgbClr>
                 </a:solidFill>
               </a:rPr>
-              <a:t>- 회원, 비회원, 관리자는 할인정보 게시판에서 키워드(제목</a:t>
+              <a:t>- 회원, 비회원, 관리자는 공지사항 게시판 페이지에서 키워드(제목</a:t>
             </a:r>
             <a:r>
               <a:rPr lang="en-US" altLang="ko-KR" sz="1450">
@@ -7700,7 +7812,7 @@
                   </a:srgbClr>
                 </a:solidFill>
               </a:rPr>
-              <a:t>- 회원, 비회원, 관리자는 할인정보 게시판에서 특정 할인정보 글 하나를 상세보기(제목 내용)할 수 있다.</a:t>
+              <a:t>- 회원, 비회원, 관리자는 공지사항 게시판 페이지에서 특정 공지사항 글 하나를 상세보기(제목, 내용) 할 수 있다.</a:t>
             </a:r>
             <a:endParaRPr lang="ko-KR" altLang="ko-KR" sz="1450">
               <a:solidFill>
@@ -7717,6 +7829,16 @@
               </a:lnSpc>
               <a:defRPr/>
             </a:pPr>
+            <a:r>
+              <a:rPr lang="ko-KR" altLang="ko-KR" sz="1450">
+                <a:solidFill>
+                  <a:srgbClr val="e7e6e6">
+                    <a:lumMod val="90000"/>
+                  </a:srgbClr>
+                </a:solidFill>
+              </a:rPr>
+              <a:t>- 관리자는 공지사항 게시판 페이지에서 게시글을 작성할 수 있다</a:t>
+            </a:r>
             <a:endParaRPr lang="ko-KR" altLang="ko-KR" sz="1450">
               <a:solidFill>
                 <a:srgbClr val="e7e6e6">
@@ -7740,42 +7862,7 @@
                   </a:srgbClr>
                 </a:solidFill>
               </a:rPr>
-              <a:t>- 관리자는 할인정보 게시판에서 게시글을 작성할 수 있다</a:t>
-            </a:r>
-            <a:r>
-              <a:rPr lang="en-US" altLang="ko-KR" sz="1450">
-                <a:solidFill>
-                  <a:srgbClr val="e7e6e6">
-                    <a:lumMod val="90000"/>
-                  </a:srgbClr>
-                </a:solidFill>
-              </a:rPr>
-              <a:t>.</a:t>
-            </a:r>
-            <a:endParaRPr lang="en-US" altLang="ko-KR" sz="1450">
-              <a:solidFill>
-                <a:srgbClr val="e7e6e6">
-                  <a:lumMod val="90000"/>
-                </a:srgbClr>
-              </a:solidFill>
-            </a:endParaRPr>
-          </a:p>
-          <a:p>
-            <a:pPr lvl="1">
-              <a:lnSpc>
-                <a:spcPct val="160000"/>
-              </a:lnSpc>
-              <a:defRPr/>
-            </a:pPr>
-            <a:r>
-              <a:rPr lang="ko-KR" altLang="ko-KR" sz="1450">
-                <a:solidFill>
-                  <a:srgbClr val="e7e6e6">
-                    <a:lumMod val="90000"/>
-                  </a:srgbClr>
-                </a:solidFill>
-              </a:rPr>
-              <a:t>- 관리자는 할인정보 게시판에서 게시글을 상세보기하여 수정 및 삭제할 수 있다.</a:t>
+              <a:t>- 관리자는 공지사항 게시판 페이지에서 게시글을 상세보기하여 수정 및 삭제할 수 있다.</a:t>
             </a:r>
             <a:endParaRPr lang="ko-KR" altLang="ko-KR" sz="1450">
               <a:solidFill>
@@ -7929,8 +8016,8 @@
         </p:nvSpPr>
         <p:spPr>
           <a:xfrm>
-            <a:off x="139584" y="1396736"/>
-            <a:ext cx="11564802" cy="4421134"/>
+            <a:off x="0" y="1396737"/>
+            <a:ext cx="11704386" cy="3087633"/>
           </a:xfrm>
           <a:prstGeom prst="rect">
             <a:avLst/>
@@ -7956,27 +8043,7 @@
                   </a:srgbClr>
                 </a:solidFill>
               </a:rPr>
-              <a:t>11</a:t>
-            </a:r>
-            <a:r>
-              <a:rPr lang="en-US" altLang="ko-KR" b="1">
-                <a:solidFill>
-                  <a:srgbClr val="e7e6e6">
-                    <a:lumMod val="90000"/>
-                  </a:srgbClr>
-                </a:solidFill>
-              </a:rPr>
-              <a:t>.</a:t>
-            </a:r>
-            <a:r>
-              <a:rPr lang="ko-KR" altLang="ko-KR" b="1">
-                <a:solidFill>
-                  <a:srgbClr val="e7e6e6">
-                    <a:lumMod val="90000"/>
-                  </a:srgbClr>
-                </a:solidFill>
-              </a:rPr>
-              <a:t> 건의사항 게시판 -회원, 관리자</a:t>
+              <a:t>10. 할인정보 게시판 - 회원, 비회원, 관리자</a:t>
             </a:r>
             <a:endParaRPr lang="ko-KR" altLang="ko-KR" b="1">
               <a:solidFill>
@@ -7993,6 +8060,31 @@
               </a:lnSpc>
               <a:defRPr/>
             </a:pPr>
+            <a:endParaRPr lang="ko-KR" altLang="ko-KR" b="1">
+              <a:solidFill>
+                <a:srgbClr val="e7e6e6">
+                  <a:lumMod val="90000"/>
+                </a:srgbClr>
+              </a:solidFill>
+            </a:endParaRPr>
+          </a:p>
+          <a:p>
+            <a:pPr lvl="1">
+              <a:lnSpc>
+                <a:spcPct val="160000"/>
+              </a:lnSpc>
+              <a:defRPr/>
+            </a:pPr>
+            <a:r>
+              <a:rPr lang="ko-KR" altLang="ko-KR" sz="1450">
+                <a:solidFill>
+                  <a:srgbClr val="e7e6e6">
+                    <a:lumMod val="90000"/>
+                  </a:srgbClr>
+                </a:solidFill>
+              </a:rPr>
+              <a:t>- 회원, 비회원, 관리자는 할인정보 게시판에서 할인정보 게시글 전체를 조회할 수 있다</a:t>
+            </a:r>
             <a:endParaRPr lang="ko-KR" altLang="ko-KR" sz="1450">
               <a:solidFill>
                 <a:srgbClr val="e7e6e6">
@@ -8016,7 +8108,52 @@
                   </a:srgbClr>
                 </a:solidFill>
               </a:rPr>
-              <a:t>- 회원은 건의사항 게시판에서 건의사항 전체</a:t>
+              <a:t>- 회원, 비회원, 관리자는 할인정보 게시판에서 키워드(제목</a:t>
+            </a:r>
+            <a:r>
+              <a:rPr lang="en-US" altLang="ko-KR" sz="1450">
+                <a:solidFill>
+                  <a:srgbClr val="e7e6e6">
+                    <a:lumMod val="90000"/>
+                  </a:srgbClr>
+                </a:solidFill>
+              </a:rPr>
+              <a:t>/</a:t>
+            </a:r>
+            <a:r>
+              <a:rPr lang="ko-KR" altLang="ko-KR" sz="1450">
+                <a:solidFill>
+                  <a:srgbClr val="e7e6e6">
+                    <a:lumMod val="90000"/>
+                  </a:srgbClr>
+                </a:solidFill>
+              </a:rPr>
+              <a:t> 내용)를 입력하여 검색할 수 있다.</a:t>
+            </a:r>
+            <a:endParaRPr lang="ko-KR" altLang="ko-KR" sz="1450">
+              <a:solidFill>
+                <a:srgbClr val="e7e6e6">
+                  <a:lumMod val="90000"/>
+                </a:srgbClr>
+              </a:solidFill>
+            </a:endParaRPr>
+          </a:p>
+          <a:p>
+            <a:pPr lvl="1">
+              <a:lnSpc>
+                <a:spcPct val="160000"/>
+              </a:lnSpc>
+              <a:defRPr/>
+            </a:pPr>
+            <a:r>
+              <a:rPr lang="ko-KR" altLang="ko-KR" sz="1450">
+                <a:solidFill>
+                  <a:srgbClr val="e7e6e6">
+                    <a:lumMod val="90000"/>
+                  </a:srgbClr>
+                </a:solidFill>
+              </a:rPr>
+              <a:t>- 회원, 비회원, 관리자는 할인정보 게시판에서 특정 할인정보 글 하나를 상세보기(제목, 내용)</a:t>
             </a:r>
             <a:r>
               <a:rPr lang="ko-KR" altLang="en-US" sz="1450">
@@ -8036,7 +8173,7 @@
                   </a:srgbClr>
                 </a:solidFill>
               </a:rPr>
-              <a:t>게시글을 조회 할 수 있다. (공개글에 한함)</a:t>
+              <a:t>할 수 있다.</a:t>
             </a:r>
             <a:endParaRPr lang="ko-KR" altLang="ko-KR" sz="1450">
               <a:solidFill>
@@ -8053,6 +8190,21 @@
               </a:lnSpc>
               <a:defRPr/>
             </a:pPr>
+            <a:endParaRPr lang="ko-KR" altLang="ko-KR" sz="1450">
+              <a:solidFill>
+                <a:srgbClr val="e7e6e6">
+                  <a:lumMod val="90000"/>
+                </a:srgbClr>
+              </a:solidFill>
+            </a:endParaRPr>
+          </a:p>
+          <a:p>
+            <a:pPr lvl="1">
+              <a:lnSpc>
+                <a:spcPct val="160000"/>
+              </a:lnSpc>
+              <a:defRPr/>
+            </a:pPr>
             <a:r>
               <a:rPr lang="ko-KR" altLang="ko-KR" sz="1450">
                 <a:solidFill>
@@ -8061,18 +8213,23 @@
                   </a:srgbClr>
                 </a:solidFill>
               </a:rPr>
-              <a:t>- 회원은 건의사항 게시판에서 키워드(제목</a:t>
-            </a:r>
-            <a:r>
-              <a:rPr lang="en-US" altLang="ko-KR" sz="1450">
-                <a:solidFill>
-                  <a:srgbClr val="e7e6e6">
-                    <a:lumMod val="90000"/>
-                  </a:srgbClr>
-                </a:solidFill>
-              </a:rPr>
-              <a:t>/</a:t>
-            </a:r>
+              <a:t>- 관리자는 할인정보 게시판에서 게시글을 작성할 수 있다 </a:t>
+            </a:r>
+            <a:endParaRPr lang="ko-KR" altLang="ko-KR" sz="1450">
+              <a:solidFill>
+                <a:srgbClr val="e7e6e6">
+                  <a:lumMod val="90000"/>
+                </a:srgbClr>
+              </a:solidFill>
+            </a:endParaRPr>
+          </a:p>
+          <a:p>
+            <a:pPr lvl="1">
+              <a:lnSpc>
+                <a:spcPct val="160000"/>
+              </a:lnSpc>
+              <a:defRPr/>
+            </a:pPr>
             <a:r>
               <a:rPr lang="ko-KR" altLang="ko-KR" sz="1450">
                 <a:solidFill>
@@ -8081,327 +8238,7 @@
                   </a:srgbClr>
                 </a:solidFill>
               </a:rPr>
-              <a:t> 내용</a:t>
-            </a:r>
-            <a:r>
-              <a:rPr lang="en-US" altLang="ko-KR" sz="1450">
-                <a:solidFill>
-                  <a:srgbClr val="e7e6e6">
-                    <a:lumMod val="90000"/>
-                  </a:srgbClr>
-                </a:solidFill>
-              </a:rPr>
-              <a:t>/</a:t>
-            </a:r>
-            <a:r>
-              <a:rPr lang="ko-KR" altLang="ko-KR" sz="1450">
-                <a:solidFill>
-                  <a:srgbClr val="e7e6e6">
-                    <a:lumMod val="90000"/>
-                  </a:srgbClr>
-                </a:solidFill>
-              </a:rPr>
-              <a:t> 아이디)를 입력하여 검색 및 상세보기(제목</a:t>
-            </a:r>
-            <a:r>
-              <a:rPr lang="en-US" altLang="ko-KR" sz="1450">
-                <a:solidFill>
-                  <a:srgbClr val="e7e6e6">
-                    <a:lumMod val="90000"/>
-                  </a:srgbClr>
-                </a:solidFill>
-              </a:rPr>
-              <a:t>,</a:t>
-            </a:r>
-            <a:r>
-              <a:rPr lang="ko-KR" altLang="ko-KR" sz="1450">
-                <a:solidFill>
-                  <a:srgbClr val="e7e6e6">
-                    <a:lumMod val="90000"/>
-                  </a:srgbClr>
-                </a:solidFill>
-              </a:rPr>
-              <a:t> 내용</a:t>
-            </a:r>
-            <a:r>
-              <a:rPr lang="en-US" altLang="ko-KR" sz="1450">
-                <a:solidFill>
-                  <a:srgbClr val="e7e6e6">
-                    <a:lumMod val="90000"/>
-                  </a:srgbClr>
-                </a:solidFill>
-              </a:rPr>
-              <a:t>,</a:t>
-            </a:r>
-            <a:r>
-              <a:rPr lang="ko-KR" altLang="ko-KR" sz="1450">
-                <a:solidFill>
-                  <a:srgbClr val="e7e6e6">
-                    <a:lumMod val="90000"/>
-                  </a:srgbClr>
-                </a:solidFill>
-              </a:rPr>
-              <a:t> 아이디)를 할 수 있다. </a:t>
-            </a:r>
-            <a:endParaRPr lang="ko-KR" altLang="ko-KR" sz="1450">
-              <a:solidFill>
-                <a:srgbClr val="e7e6e6">
-                  <a:lumMod val="90000"/>
-                </a:srgbClr>
-              </a:solidFill>
-            </a:endParaRPr>
-          </a:p>
-          <a:p>
-            <a:pPr lvl="1">
-              <a:lnSpc>
-                <a:spcPct val="160000"/>
-              </a:lnSpc>
-              <a:defRPr/>
-            </a:pPr>
-            <a:r>
-              <a:rPr lang="ko-KR" altLang="en-US" sz="1450">
-                <a:solidFill>
-                  <a:srgbClr val="e7e6e6">
-                    <a:lumMod val="90000"/>
-                  </a:srgbClr>
-                </a:solidFill>
-              </a:rPr>
-              <a:t>   </a:t>
-            </a:r>
-            <a:r>
-              <a:rPr lang="ko-KR" altLang="ko-KR" sz="1450">
-                <a:solidFill>
-                  <a:srgbClr val="e7e6e6">
-                    <a:lumMod val="90000"/>
-                  </a:srgbClr>
-                </a:solidFill>
-              </a:rPr>
-              <a:t>(공개글에 한함)</a:t>
-            </a:r>
-            <a:endParaRPr lang="ko-KR" altLang="ko-KR" sz="1450">
-              <a:solidFill>
-                <a:srgbClr val="e7e6e6">
-                  <a:lumMod val="90000"/>
-                </a:srgbClr>
-              </a:solidFill>
-            </a:endParaRPr>
-          </a:p>
-          <a:p>
-            <a:pPr lvl="1">
-              <a:lnSpc>
-                <a:spcPct val="160000"/>
-              </a:lnSpc>
-              <a:defRPr/>
-            </a:pPr>
-            <a:r>
-              <a:rPr lang="ko-KR" altLang="ko-KR" sz="1450">
-                <a:solidFill>
-                  <a:srgbClr val="e7e6e6">
-                    <a:lumMod val="90000"/>
-                  </a:srgbClr>
-                </a:solidFill>
-              </a:rPr>
-              <a:t>- 회원은 건의사항 게시판에서 게시글을 작성 할 수 있다 (공개글/비밀글-비밀번호 여부, 제목, 내용)</a:t>
-            </a:r>
-            <a:endParaRPr lang="ko-KR" altLang="ko-KR" sz="1450">
-              <a:solidFill>
-                <a:srgbClr val="e7e6e6">
-                  <a:lumMod val="90000"/>
-                </a:srgbClr>
-              </a:solidFill>
-            </a:endParaRPr>
-          </a:p>
-          <a:p>
-            <a:pPr lvl="1">
-              <a:lnSpc>
-                <a:spcPct val="160000"/>
-              </a:lnSpc>
-              <a:defRPr/>
-            </a:pPr>
-            <a:r>
-              <a:rPr lang="ko-KR" altLang="ko-KR" sz="1450">
-                <a:solidFill>
-                  <a:srgbClr val="e7e6e6">
-                    <a:lumMod val="90000"/>
-                  </a:srgbClr>
-                </a:solidFill>
-              </a:rPr>
-              <a:t>- 회원은 마이페이지에서 ‘내 건의사항’을 클릭 후 자신이 작성한 게시글을 조회, 상세보기, 수정, 삭제 할 수 있다. </a:t>
-            </a:r>
-            <a:endParaRPr lang="ko-KR" altLang="ko-KR" sz="1450">
-              <a:solidFill>
-                <a:srgbClr val="e7e6e6">
-                  <a:lumMod val="90000"/>
-                </a:srgbClr>
-              </a:solidFill>
-            </a:endParaRPr>
-          </a:p>
-          <a:p>
-            <a:pPr lvl="1">
-              <a:lnSpc>
-                <a:spcPct val="160000"/>
-              </a:lnSpc>
-              <a:defRPr/>
-            </a:pPr>
-            <a:endParaRPr lang="ko-KR" altLang="ko-KR" sz="1450">
-              <a:solidFill>
-                <a:srgbClr val="e7e6e6">
-                  <a:lumMod val="90000"/>
-                </a:srgbClr>
-              </a:solidFill>
-            </a:endParaRPr>
-          </a:p>
-          <a:p>
-            <a:pPr lvl="1">
-              <a:lnSpc>
-                <a:spcPct val="160000"/>
-              </a:lnSpc>
-              <a:defRPr/>
-            </a:pPr>
-            <a:r>
-              <a:rPr lang="ko-KR" altLang="ko-KR" sz="1450">
-                <a:solidFill>
-                  <a:srgbClr val="e7e6e6">
-                    <a:lumMod val="90000"/>
-                  </a:srgbClr>
-                </a:solidFill>
-              </a:rPr>
-              <a:t>- 관리자는 건의사항 페이지에서 비밀글을 포함한 모든회원이 작성한 전체 게시글을 조회 할 수 있다</a:t>
-            </a:r>
-            <a:r>
-              <a:rPr lang="en-US" altLang="ko-KR" sz="1450">
-                <a:solidFill>
-                  <a:srgbClr val="e7e6e6">
-                    <a:lumMod val="90000"/>
-                  </a:srgbClr>
-                </a:solidFill>
-              </a:rPr>
-              <a:t>.</a:t>
-            </a:r>
-            <a:endParaRPr lang="en-US" altLang="ko-KR" sz="1450">
-              <a:solidFill>
-                <a:srgbClr val="e7e6e6">
-                  <a:lumMod val="90000"/>
-                </a:srgbClr>
-              </a:solidFill>
-            </a:endParaRPr>
-          </a:p>
-          <a:p>
-            <a:pPr lvl="1">
-              <a:lnSpc>
-                <a:spcPct val="160000"/>
-              </a:lnSpc>
-              <a:defRPr/>
-            </a:pPr>
-            <a:r>
-              <a:rPr lang="ko-KR" altLang="ko-KR" sz="1450">
-                <a:solidFill>
-                  <a:srgbClr val="e7e6e6">
-                    <a:lumMod val="90000"/>
-                  </a:srgbClr>
-                </a:solidFill>
-              </a:rPr>
-              <a:t>- 관리자는 건의사항 페이지에서 키워드(제목</a:t>
-            </a:r>
-            <a:r>
-              <a:rPr lang="en-US" altLang="ko-KR" sz="1450">
-                <a:solidFill>
-                  <a:srgbClr val="e7e6e6">
-                    <a:lumMod val="90000"/>
-                  </a:srgbClr>
-                </a:solidFill>
-              </a:rPr>
-              <a:t>/</a:t>
-            </a:r>
-            <a:r>
-              <a:rPr lang="ko-KR" altLang="ko-KR" sz="1450">
-                <a:solidFill>
-                  <a:srgbClr val="e7e6e6">
-                    <a:lumMod val="90000"/>
-                  </a:srgbClr>
-                </a:solidFill>
-              </a:rPr>
-              <a:t> 내용</a:t>
-            </a:r>
-            <a:r>
-              <a:rPr lang="en-US" altLang="ko-KR" sz="1450">
-                <a:solidFill>
-                  <a:srgbClr val="e7e6e6">
-                    <a:lumMod val="90000"/>
-                  </a:srgbClr>
-                </a:solidFill>
-              </a:rPr>
-              <a:t>/</a:t>
-            </a:r>
-            <a:r>
-              <a:rPr lang="ko-KR" altLang="ko-KR" sz="1450">
-                <a:solidFill>
-                  <a:srgbClr val="e7e6e6">
-                    <a:lumMod val="90000"/>
-                  </a:srgbClr>
-                </a:solidFill>
-              </a:rPr>
-              <a:t> 아이디)를 입력하여 검색 및 상세보기(제목 내용 아이디 비밀글/공개글 여부)를 </a:t>
-            </a:r>
-            <a:endParaRPr lang="ko-KR" altLang="ko-KR" sz="1450">
-              <a:solidFill>
-                <a:srgbClr val="e7e6e6">
-                  <a:lumMod val="90000"/>
-                </a:srgbClr>
-              </a:solidFill>
-            </a:endParaRPr>
-          </a:p>
-          <a:p>
-            <a:pPr lvl="1">
-              <a:lnSpc>
-                <a:spcPct val="160000"/>
-              </a:lnSpc>
-              <a:defRPr/>
-            </a:pPr>
-            <a:r>
-              <a:rPr lang="ko-KR" altLang="en-US" sz="1450">
-                <a:solidFill>
-                  <a:srgbClr val="e7e6e6">
-                    <a:lumMod val="90000"/>
-                  </a:srgbClr>
-                </a:solidFill>
-              </a:rPr>
-              <a:t>  </a:t>
-            </a:r>
-            <a:r>
-              <a:rPr lang="ko-KR" altLang="ko-KR" sz="1450">
-                <a:solidFill>
-                  <a:srgbClr val="e7e6e6">
-                    <a:lumMod val="90000"/>
-                  </a:srgbClr>
-                </a:solidFill>
-              </a:rPr>
-              <a:t>할 수 있다.</a:t>
-            </a:r>
-            <a:endParaRPr lang="ko-KR" altLang="ko-KR" sz="1450">
-              <a:solidFill>
-                <a:srgbClr val="e7e6e6">
-                  <a:lumMod val="90000"/>
-                </a:srgbClr>
-              </a:solidFill>
-            </a:endParaRPr>
-          </a:p>
-          <a:p>
-            <a:pPr lvl="1">
-              <a:lnSpc>
-                <a:spcPct val="160000"/>
-              </a:lnSpc>
-              <a:defRPr/>
-            </a:pPr>
-            <a:r>
-              <a:rPr lang="ko-KR" altLang="ko-KR" sz="1450">
-                <a:solidFill>
-                  <a:srgbClr val="e7e6e6">
-                    <a:lumMod val="90000"/>
-                  </a:srgbClr>
-                </a:solidFill>
-              </a:rPr>
-              <a:t>- 관리자는 건의사항 페이지에서 비밀글을 포함한 모든회원이 작성한 글을 삭제 할 수 있다. </a:t>
+              <a:t>- 관리자는 할인정보 게시판에서 게시글을 상세보기하여 수정 및 삭제할 수 있다.</a:t>
             </a:r>
             <a:endParaRPr lang="ko-KR" altLang="ko-KR" sz="1450">
               <a:solidFill>
@@ -8807,7 +8644,7 @@
         <p:spPr>
           <a:xfrm>
             <a:off x="139584" y="1396736"/>
-            <a:ext cx="11564802" cy="3440059"/>
+            <a:ext cx="11564802" cy="4773558"/>
           </a:xfrm>
           <a:prstGeom prst="rect">
             <a:avLst/>
@@ -8833,7 +8670,7 @@
                   </a:srgbClr>
                 </a:solidFill>
               </a:rPr>
-              <a:t>12</a:t>
+              <a:t>11</a:t>
             </a:r>
             <a:r>
               <a:rPr lang="en-US" altLang="ko-KR" b="1">
@@ -8853,7 +8690,7 @@
                   </a:srgbClr>
                 </a:solidFill>
               </a:rPr>
-              <a:t> 습득물 알림 게시판 - 회원, 관리자</a:t>
+              <a:t> 건의사항 게시판 -회원, 관리자</a:t>
             </a:r>
             <a:endParaRPr lang="ko-KR" altLang="ko-KR" b="1">
               <a:solidFill>
@@ -8870,7 +8707,7 @@
               </a:lnSpc>
               <a:defRPr/>
             </a:pPr>
-            <a:endParaRPr lang="ko-KR" altLang="ko-KR" b="1">
+            <a:endParaRPr lang="ko-KR" altLang="ko-KR" sz="1450">
               <a:solidFill>
                 <a:srgbClr val="e7e6e6">
                   <a:lumMod val="90000"/>
@@ -8893,7 +8730,32 @@
                   </a:srgbClr>
                 </a:solidFill>
               </a:rPr>
-              <a:t>- 회원, 관리자는 습득물 알림 게시판 페이지에서 습득물 알림 게시판의 글을 조회(제목 내용), 검색(제목</a:t>
+              <a:t>- 회원은 건의사항 게시판에서 건의사항 전체 게시글을 조회 할 수 있다.(공개글에 한함)</a:t>
+            </a:r>
+            <a:endParaRPr lang="ko-KR" altLang="ko-KR" sz="1450">
+              <a:solidFill>
+                <a:srgbClr val="e7e6e6">
+                  <a:lumMod val="90000"/>
+                </a:srgbClr>
+              </a:solidFill>
+            </a:endParaRPr>
+          </a:p>
+          <a:p>
+            <a:pPr lvl="1">
+              <a:lnSpc>
+                <a:spcPct val="160000"/>
+              </a:lnSpc>
+              <a:defRPr/>
+            </a:pPr>
+            <a:r>
+              <a:rPr lang="ko-KR" altLang="ko-KR" sz="1450">
+                <a:solidFill>
+                  <a:srgbClr val="e7e6e6">
+                    <a:lumMod val="90000"/>
+                  </a:srgbClr>
+                </a:solidFill>
+              </a:rPr>
+              <a:t>- 회원은 건의사항 게시판에서 키워드(제목</a:t>
             </a:r>
             <a:r>
               <a:rPr lang="en-US" altLang="ko-KR" sz="1450">
@@ -8903,7 +8765,117 @@
                   </a:srgbClr>
                 </a:solidFill>
               </a:rPr>
-              <a:t>,</a:t>
+              <a:t>/</a:t>
+            </a:r>
+            <a:r>
+              <a:rPr lang="ko-KR" altLang="ko-KR" sz="1450">
+                <a:solidFill>
+                  <a:srgbClr val="e7e6e6">
+                    <a:lumMod val="90000"/>
+                  </a:srgbClr>
+                </a:solidFill>
+              </a:rPr>
+              <a:t> 내용)를 입력하여 검색할 수 있다.</a:t>
+            </a:r>
+            <a:endParaRPr lang="ko-KR" altLang="ko-KR" sz="1450">
+              <a:solidFill>
+                <a:srgbClr val="e7e6e6">
+                  <a:lumMod val="90000"/>
+                </a:srgbClr>
+              </a:solidFill>
+            </a:endParaRPr>
+          </a:p>
+          <a:p>
+            <a:pPr lvl="1">
+              <a:lnSpc>
+                <a:spcPct val="160000"/>
+              </a:lnSpc>
+              <a:defRPr/>
+            </a:pPr>
+            <a:r>
+              <a:rPr lang="ko-KR" altLang="ko-KR" sz="1450">
+                <a:solidFill>
+                  <a:srgbClr val="e7e6e6">
+                    <a:lumMod val="90000"/>
+                  </a:srgbClr>
+                </a:solidFill>
+              </a:rPr>
+              <a:t>- 회원은 건의사항 게시판에서 게시글을 상세보기(제목, 내용, 아이디) 할 수 있다.(공개글에 한함)</a:t>
+            </a:r>
+            <a:endParaRPr lang="ko-KR" altLang="ko-KR" sz="1450">
+              <a:solidFill>
+                <a:srgbClr val="e7e6e6">
+                  <a:lumMod val="90000"/>
+                </a:srgbClr>
+              </a:solidFill>
+            </a:endParaRPr>
+          </a:p>
+          <a:p>
+            <a:pPr lvl="1">
+              <a:lnSpc>
+                <a:spcPct val="160000"/>
+              </a:lnSpc>
+              <a:defRPr/>
+            </a:pPr>
+            <a:r>
+              <a:rPr lang="ko-KR" altLang="ko-KR" sz="1450">
+                <a:solidFill>
+                  <a:srgbClr val="e7e6e6">
+                    <a:lumMod val="90000"/>
+                  </a:srgbClr>
+                </a:solidFill>
+              </a:rPr>
+              <a:t>- 회원은 건의사항 게시판에서 게시글을 작성 할 수 있다 (공개글/비밀글-비밀번호 여부, 제목, 내용)</a:t>
+            </a:r>
+            <a:endParaRPr lang="ko-KR" altLang="ko-KR" sz="1450">
+              <a:solidFill>
+                <a:srgbClr val="e7e6e6">
+                  <a:lumMod val="90000"/>
+                </a:srgbClr>
+              </a:solidFill>
+            </a:endParaRPr>
+          </a:p>
+          <a:p>
+            <a:pPr lvl="1">
+              <a:lnSpc>
+                <a:spcPct val="160000"/>
+              </a:lnSpc>
+              <a:defRPr/>
+            </a:pPr>
+            <a:r>
+              <a:rPr lang="ko-KR" altLang="ko-KR" sz="1450">
+                <a:solidFill>
+                  <a:srgbClr val="e7e6e6">
+                    <a:lumMod val="90000"/>
+                  </a:srgbClr>
+                </a:solidFill>
+              </a:rPr>
+              <a:t>- 회원은 자신의 건의사항 게시글을 상세보기해서 수정 및 삭제할 수 있다.</a:t>
+            </a:r>
+            <a:endParaRPr lang="ko-KR" altLang="ko-KR" sz="1450">
+              <a:solidFill>
+                <a:srgbClr val="e7e6e6">
+                  <a:lumMod val="90000"/>
+                </a:srgbClr>
+              </a:solidFill>
+            </a:endParaRPr>
+          </a:p>
+          <a:p>
+            <a:pPr lvl="1">
+              <a:lnSpc>
+                <a:spcPct val="160000"/>
+              </a:lnSpc>
+              <a:defRPr/>
+            </a:pPr>
+            <a:r>
+              <a:rPr lang="ko-KR" altLang="ko-KR" sz="1450">
+                <a:solidFill>
+                  <a:srgbClr val="e7e6e6">
+                    <a:lumMod val="90000"/>
+                  </a:srgbClr>
+                </a:solidFill>
+              </a:rPr>
+              <a:t>- 회원은 마이페이지에서 ‘내 건의사항’을 클릭 후 자신이 작성한 게시글을 조회</a:t>
             </a:r>
             <a:r>
               <a:rPr lang="ko-KR" altLang="en-US" sz="1450">
@@ -8923,7 +8895,92 @@
                   </a:srgbClr>
                 </a:solidFill>
               </a:rPr>
-              <a:t>내용), 상세보기(제목</a:t>
+              <a:t>할 수 있다. (조회 후 클릭 시 상세보기 가능)</a:t>
+            </a:r>
+            <a:endParaRPr lang="ko-KR" altLang="ko-KR" sz="1450">
+              <a:solidFill>
+                <a:srgbClr val="e7e6e6">
+                  <a:lumMod val="90000"/>
+                </a:srgbClr>
+              </a:solidFill>
+            </a:endParaRPr>
+          </a:p>
+          <a:p>
+            <a:pPr lvl="1">
+              <a:lnSpc>
+                <a:spcPct val="160000"/>
+              </a:lnSpc>
+              <a:defRPr/>
+            </a:pPr>
+            <a:endParaRPr lang="ko-KR" altLang="ko-KR" sz="1450">
+              <a:solidFill>
+                <a:srgbClr val="e7e6e6">
+                  <a:lumMod val="90000"/>
+                </a:srgbClr>
+              </a:solidFill>
+            </a:endParaRPr>
+          </a:p>
+          <a:p>
+            <a:pPr lvl="1">
+              <a:lnSpc>
+                <a:spcPct val="160000"/>
+              </a:lnSpc>
+              <a:defRPr/>
+            </a:pPr>
+            <a:r>
+              <a:rPr lang="ko-KR" altLang="ko-KR" sz="1450">
+                <a:solidFill>
+                  <a:srgbClr val="e7e6e6">
+                    <a:lumMod val="90000"/>
+                  </a:srgbClr>
+                </a:solidFill>
+              </a:rPr>
+              <a:t>- 관리자는 건의사항 게시판에서 비밀글을 포함한 모든</a:t>
+            </a:r>
+            <a:r>
+              <a:rPr lang="ko-KR" altLang="en-US" sz="1450">
+                <a:solidFill>
+                  <a:srgbClr val="e7e6e6">
+                    <a:lumMod val="90000"/>
+                  </a:srgbClr>
+                </a:solidFill>
+              </a:rPr>
+              <a:t> </a:t>
+            </a:r>
+            <a:r>
+              <a:rPr lang="ko-KR" altLang="ko-KR" sz="1450">
+                <a:solidFill>
+                  <a:srgbClr val="e7e6e6">
+                    <a:lumMod val="90000"/>
+                  </a:srgbClr>
+                </a:solidFill>
+              </a:rPr>
+              <a:t>회원이 작성한 전체 게시글을 조회 할 수 있다</a:t>
+            </a:r>
+            <a:endParaRPr lang="ko-KR" altLang="ko-KR" sz="1450">
+              <a:solidFill>
+                <a:srgbClr val="e7e6e6">
+                  <a:lumMod val="90000"/>
+                </a:srgbClr>
+              </a:solidFill>
+            </a:endParaRPr>
+          </a:p>
+          <a:p>
+            <a:pPr lvl="1">
+              <a:lnSpc>
+                <a:spcPct val="160000"/>
+              </a:lnSpc>
+              <a:defRPr/>
+            </a:pPr>
+            <a:r>
+              <a:rPr lang="ko-KR" altLang="ko-KR" sz="1450">
+                <a:solidFill>
+                  <a:srgbClr val="e7e6e6">
+                    <a:lumMod val="90000"/>
+                  </a:srgbClr>
+                </a:solidFill>
+              </a:rPr>
+              <a:t>- 관리자는 건의사항 게시판에서 키워드(제목</a:t>
             </a:r>
             <a:r>
               <a:rPr lang="en-US" altLang="ko-KR" sz="1450">
@@ -8933,7 +8990,37 @@
                   </a:srgbClr>
                 </a:solidFill>
               </a:rPr>
-              <a:t>,</a:t>
+              <a:t>/</a:t>
+            </a:r>
+            <a:r>
+              <a:rPr lang="ko-KR" altLang="ko-KR" sz="1450">
+                <a:solidFill>
+                  <a:srgbClr val="e7e6e6">
+                    <a:lumMod val="90000"/>
+                  </a:srgbClr>
+                </a:solidFill>
+              </a:rPr>
+              <a:t> 내용</a:t>
+            </a:r>
+            <a:r>
+              <a:rPr lang="en-US" altLang="ko-KR" sz="1450">
+                <a:solidFill>
+                  <a:srgbClr val="e7e6e6">
+                    <a:lumMod val="90000"/>
+                  </a:srgbClr>
+                </a:solidFill>
+              </a:rPr>
+              <a:t>/</a:t>
+            </a:r>
+            <a:r>
+              <a:rPr lang="ko-KR" altLang="ko-KR" sz="1450">
+                <a:solidFill>
+                  <a:srgbClr val="e7e6e6">
+                    <a:lumMod val="90000"/>
+                  </a:srgbClr>
+                </a:solidFill>
+              </a:rPr>
+              <a:t> 아이디)를 입력하여 검색할 수 있다.</a:t>
             </a:r>
             <a:endParaRPr lang="ko-KR" altLang="ko-KR" sz="1450">
               <a:solidFill>
@@ -8951,6 +9038,41 @@
               <a:defRPr/>
             </a:pPr>
             <a:r>
+              <a:rPr lang="ko-KR" altLang="ko-KR" sz="1450">
+                <a:solidFill>
+                  <a:srgbClr val="e7e6e6">
+                    <a:lumMod val="90000"/>
+                  </a:srgbClr>
+                </a:solidFill>
+              </a:rPr>
+              <a:t>- 관리자는 건의사항 게시판에서 게시글을 상세보기(제목, 내용, 아이디, 비밀글/공개글 여부)를 할 수 있다.</a:t>
+            </a:r>
+            <a:endParaRPr lang="ko-KR" altLang="ko-KR" sz="1450">
+              <a:solidFill>
+                <a:srgbClr val="e7e6e6">
+                  <a:lumMod val="90000"/>
+                </a:srgbClr>
+              </a:solidFill>
+            </a:endParaRPr>
+          </a:p>
+          <a:p>
+            <a:pPr lvl="1">
+              <a:lnSpc>
+                <a:spcPct val="160000"/>
+              </a:lnSpc>
+              <a:defRPr/>
+            </a:pPr>
+            <a:r>
+              <a:rPr lang="ko-KR" altLang="ko-KR" sz="1450">
+                <a:solidFill>
+                  <a:srgbClr val="e7e6e6">
+                    <a:lumMod val="90000"/>
+                  </a:srgbClr>
+                </a:solidFill>
+              </a:rPr>
+              <a:t>- 관리자는 건의사항 게시판에서 비밀글을 포함한 모든</a:t>
+            </a:r>
+            <a:r>
               <a:rPr lang="ko-KR" altLang="en-US" sz="1450">
                 <a:solidFill>
                   <a:srgbClr val="e7e6e6">
@@ -8958,7 +9080,7 @@
                   </a:srgbClr>
                 </a:solidFill>
               </a:rPr>
-              <a:t>  </a:t>
+              <a:t> </a:t>
             </a:r>
             <a:r>
               <a:rPr lang="ko-KR" altLang="ko-KR" sz="1450">
@@ -8968,113 +9090,8 @@
                   </a:srgbClr>
                 </a:solidFill>
               </a:rPr>
-              <a:t>내용)할 수 있다.</a:t>
-            </a:r>
-            <a:endParaRPr lang="ko-KR" altLang="ko-KR" sz="1450">
-              <a:solidFill>
-                <a:srgbClr val="e7e6e6">
-                  <a:lumMod val="90000"/>
-                </a:srgbClr>
-              </a:solidFill>
-            </a:endParaRPr>
-          </a:p>
-          <a:p>
-            <a:pPr lvl="1">
-              <a:lnSpc>
-                <a:spcPct val="160000"/>
-              </a:lnSpc>
-              <a:defRPr/>
-            </a:pPr>
-            <a:endParaRPr lang="ko-KR" altLang="ko-KR" sz="1450">
-              <a:solidFill>
-                <a:srgbClr val="e7e6e6">
-                  <a:lumMod val="90000"/>
-                </a:srgbClr>
-              </a:solidFill>
-            </a:endParaRPr>
-          </a:p>
-          <a:p>
-            <a:pPr lvl="1">
-              <a:lnSpc>
-                <a:spcPct val="160000"/>
-              </a:lnSpc>
-              <a:defRPr/>
-            </a:pPr>
-            <a:r>
-              <a:rPr lang="ko-KR" altLang="ko-KR" sz="1450">
-                <a:solidFill>
-                  <a:srgbClr val="e7e6e6">
-                    <a:lumMod val="90000"/>
-                  </a:srgbClr>
-                </a:solidFill>
-              </a:rPr>
-              <a:t>- 관리자는 습득물 알림 게시판 페이지에서 습득된 분실물에 대한 정보를 게시판에 등록할 수 있다. </a:t>
-            </a:r>
-            <a:endParaRPr lang="ko-KR" altLang="ko-KR" sz="1450">
-              <a:solidFill>
-                <a:srgbClr val="e7e6e6">
-                  <a:lumMod val="90000"/>
-                </a:srgbClr>
-              </a:solidFill>
-            </a:endParaRPr>
-          </a:p>
-          <a:p>
-            <a:pPr lvl="1">
-              <a:lnSpc>
-                <a:spcPct val="160000"/>
-              </a:lnSpc>
-              <a:defRPr/>
-            </a:pPr>
-            <a:r>
-              <a:rPr lang="ko-KR" altLang="ko-KR" sz="1450">
-                <a:solidFill>
-                  <a:srgbClr val="e7e6e6">
-                    <a:lumMod val="90000"/>
-                  </a:srgbClr>
-                </a:solidFill>
-              </a:rPr>
-              <a:t>- 관리자는 습득물 알림 게시판 페이지에서 습득된 분실물에 대한 글의 내용을 수정할 수 있다.</a:t>
-            </a:r>
-            <a:endParaRPr lang="ko-KR" altLang="ko-KR" sz="1450">
-              <a:solidFill>
-                <a:srgbClr val="e7e6e6">
-                  <a:lumMod val="90000"/>
-                </a:srgbClr>
-              </a:solidFill>
-            </a:endParaRPr>
-          </a:p>
-          <a:p>
-            <a:pPr lvl="1">
-              <a:lnSpc>
-                <a:spcPct val="160000"/>
-              </a:lnSpc>
-              <a:defRPr/>
-            </a:pPr>
-            <a:r>
-              <a:rPr lang="ko-KR" altLang="ko-KR" sz="1450">
-                <a:solidFill>
-                  <a:srgbClr val="e7e6e6">
-                    <a:lumMod val="90000"/>
-                  </a:srgbClr>
-                </a:solidFill>
-              </a:rPr>
-              <a:t>- 관리자는 습득물 알림 게시판 페이지에서 습득된 분실물에 대한 글을 삭제할 수 있다.</a:t>
-            </a:r>
-            <a:endParaRPr lang="ko-KR" altLang="ko-KR" sz="1450">
-              <a:solidFill>
-                <a:srgbClr val="e7e6e6">
-                  <a:lumMod val="90000"/>
-                </a:srgbClr>
-              </a:solidFill>
-            </a:endParaRPr>
-          </a:p>
-          <a:p>
-            <a:pPr lvl="1">
-              <a:lnSpc>
-                <a:spcPct val="160000"/>
-              </a:lnSpc>
-              <a:defRPr/>
-            </a:pPr>
+              <a:t>회원이 작성한 글을 삭제 할 수 있다. </a:t>
+            </a:r>
             <a:endParaRPr lang="ko-KR" altLang="ko-KR" sz="1450">
               <a:solidFill>
                 <a:srgbClr val="e7e6e6">
@@ -9227,8 +9244,8 @@
         </p:nvSpPr>
         <p:spPr>
           <a:xfrm>
-            <a:off x="139584" y="1396737"/>
-            <a:ext cx="11564802" cy="4154433"/>
+            <a:off x="0" y="1387664"/>
+            <a:ext cx="11773446" cy="3801556"/>
           </a:xfrm>
           <a:prstGeom prst="rect">
             <a:avLst/>
@@ -9254,7 +9271,7 @@
                   </a:srgbClr>
                 </a:solidFill>
               </a:rPr>
-              <a:t>13</a:t>
+              <a:t>12</a:t>
             </a:r>
             <a:r>
               <a:rPr lang="en-US" altLang="ko-KR" b="1">
@@ -9274,7 +9291,7 @@
                   </a:srgbClr>
                 </a:solidFill>
               </a:rPr>
-              <a:t> 기프티콘 - 회원</a:t>
+              <a:t> 습득물 알림 게시판 - 회원, 관리자</a:t>
             </a:r>
             <a:endParaRPr lang="ko-KR" altLang="ko-KR" b="1">
               <a:solidFill>
@@ -9314,7 +9331,7 @@
                   </a:srgbClr>
                 </a:solidFill>
               </a:rPr>
-              <a:t>- 회원은 기프티콘 페이지에서 현재 판매중인 기프티콘</a:t>
+              <a:t>- 회원, 관리자는 습득물 알림 게시판 습득물 알림 게시판의 글을 조회</a:t>
             </a:r>
             <a:r>
               <a:rPr lang="ko-KR" altLang="en-US" sz="1450">
@@ -9334,7 +9351,7 @@
                   </a:srgbClr>
                 </a:solidFill>
               </a:rPr>
-              <a:t>전체를 조회할 수 있다.</a:t>
+              <a:t>할 수 있다.</a:t>
             </a:r>
             <a:endParaRPr lang="ko-KR" altLang="ko-KR" sz="1450">
               <a:solidFill>
@@ -9359,7 +9376,7 @@
                   </a:srgbClr>
                 </a:solidFill>
               </a:rPr>
-              <a:t>- 회원은 기프티콘 페이지에서 키워드(제목</a:t>
+              <a:t>- 회원, 관리자는 습득물 알림 게시판에서 키워드(제목</a:t>
             </a:r>
             <a:r>
               <a:rPr lang="en-US" altLang="ko-KR" sz="1450">
@@ -9372,6 +9389,16 @@
               <a:t>/</a:t>
             </a:r>
             <a:r>
+              <a:rPr lang="ko-KR" altLang="en-US" sz="1450">
+                <a:solidFill>
+                  <a:srgbClr val="e7e6e6">
+                    <a:lumMod val="90000"/>
+                  </a:srgbClr>
+                </a:solidFill>
+              </a:rPr>
+              <a:t> </a:t>
+            </a:r>
+            <a:r>
               <a:rPr lang="ko-KR" altLang="ko-KR" sz="1450">
                 <a:solidFill>
                   <a:srgbClr val="e7e6e6">
@@ -9379,17 +9406,17 @@
                   </a:srgbClr>
                 </a:solidFill>
               </a:rPr>
-              <a:t> 내용)를 검색하여 현재 판매중인 기프티콘 목록을 검색할 수 있고</a:t>
-            </a:r>
-            <a:r>
-              <a:rPr lang="en-US" altLang="ko-KR" sz="1450">
-                <a:solidFill>
-                  <a:srgbClr val="e7e6e6">
-                    <a:lumMod val="90000"/>
-                  </a:srgbClr>
-                </a:solidFill>
-              </a:rPr>
-              <a:t>,</a:t>
+              <a:t>내용)를 통해 게시글을 검색</a:t>
+            </a:r>
+            <a:r>
+              <a:rPr lang="ko-KR" altLang="en-US" sz="1450">
+                <a:solidFill>
+                  <a:srgbClr val="e7e6e6">
+                    <a:lumMod val="90000"/>
+                  </a:srgbClr>
+                </a:solidFill>
+              </a:rPr>
+              <a:t> </a:t>
             </a:r>
             <a:r>
               <a:rPr lang="ko-KR" altLang="ko-KR" sz="1450">
@@ -9399,7 +9426,7 @@
                   </a:srgbClr>
                 </a:solidFill>
               </a:rPr>
-              <a:t> 상세보기</a:t>
+              <a:t>할 수 있다.</a:t>
             </a:r>
             <a:endParaRPr lang="ko-KR" altLang="ko-KR" sz="1450">
               <a:solidFill>
@@ -9417,6 +9444,16 @@
               <a:defRPr/>
             </a:pPr>
             <a:r>
+              <a:rPr lang="ko-KR" altLang="ko-KR" sz="1450">
+                <a:solidFill>
+                  <a:srgbClr val="e7e6e6">
+                    <a:lumMod val="90000"/>
+                  </a:srgbClr>
+                </a:solidFill>
+              </a:rPr>
+              <a:t>- 회원, 관리자는 습득물 알림 게시판에서 게시글을 상세보기(제목, 내용)</a:t>
+            </a:r>
+            <a:r>
               <a:rPr lang="ko-KR" altLang="en-US" sz="1450">
                 <a:solidFill>
                   <a:srgbClr val="e7e6e6">
@@ -9424,7 +9461,7 @@
                   </a:srgbClr>
                 </a:solidFill>
               </a:rPr>
-              <a:t>   </a:t>
+              <a:t> </a:t>
             </a:r>
             <a:r>
               <a:rPr lang="ko-KR" altLang="ko-KR" sz="1450">
@@ -9434,18 +9471,38 @@
                   </a:srgbClr>
                 </a:solidFill>
               </a:rPr>
-              <a:t>(제목</a:t>
-            </a:r>
-            <a:r>
-              <a:rPr lang="en-US" altLang="ko-KR" sz="1450">
-                <a:solidFill>
-                  <a:srgbClr val="e7e6e6">
-                    <a:lumMod val="90000"/>
-                  </a:srgbClr>
-                </a:solidFill>
-              </a:rPr>
-              <a:t>,</a:t>
-            </a:r>
+              <a:t>할 수 있다.</a:t>
+            </a:r>
+            <a:endParaRPr lang="ko-KR" altLang="ko-KR" sz="1450">
+              <a:solidFill>
+                <a:srgbClr val="e7e6e6">
+                  <a:lumMod val="90000"/>
+                </a:srgbClr>
+              </a:solidFill>
+            </a:endParaRPr>
+          </a:p>
+          <a:p>
+            <a:pPr lvl="1">
+              <a:lnSpc>
+                <a:spcPct val="160000"/>
+              </a:lnSpc>
+              <a:defRPr/>
+            </a:pPr>
+            <a:endParaRPr lang="ko-KR" altLang="ko-KR" sz="1450">
+              <a:solidFill>
+                <a:srgbClr val="e7e6e6">
+                  <a:lumMod val="90000"/>
+                </a:srgbClr>
+              </a:solidFill>
+            </a:endParaRPr>
+          </a:p>
+          <a:p>
+            <a:pPr lvl="1">
+              <a:lnSpc>
+                <a:spcPct val="160000"/>
+              </a:lnSpc>
+              <a:defRPr/>
+            </a:pPr>
             <a:r>
               <a:rPr lang="ko-KR" altLang="ko-KR" sz="1450">
                 <a:solidFill>
@@ -9454,18 +9511,23 @@
                   </a:srgbClr>
                 </a:solidFill>
               </a:rPr>
-              <a:t> 내용</a:t>
-            </a:r>
-            <a:r>
-              <a:rPr lang="en-US" altLang="ko-KR" sz="1450">
-                <a:solidFill>
-                  <a:srgbClr val="e7e6e6">
-                    <a:lumMod val="90000"/>
-                  </a:srgbClr>
-                </a:solidFill>
-              </a:rPr>
-              <a:t>,</a:t>
-            </a:r>
+              <a:t>- 관리자는 습득물 알림 게시판 페이지에서 습득된 분실물에 대한 정보를 게시판에 등록(제목, 분실물 특징, 날짜, 습득 위치)할 수 있다. </a:t>
+            </a:r>
+            <a:endParaRPr lang="ko-KR" altLang="ko-KR" sz="1450">
+              <a:solidFill>
+                <a:srgbClr val="e7e6e6">
+                  <a:lumMod val="90000"/>
+                </a:srgbClr>
+              </a:solidFill>
+            </a:endParaRPr>
+          </a:p>
+          <a:p>
+            <a:pPr lvl="1">
+              <a:lnSpc>
+                <a:spcPct val="160000"/>
+              </a:lnSpc>
+              <a:defRPr/>
+            </a:pPr>
             <a:r>
               <a:rPr lang="ko-KR" altLang="ko-KR" sz="1450">
                 <a:solidFill>
@@ -9474,7 +9536,7 @@
                   </a:srgbClr>
                 </a:solidFill>
               </a:rPr>
-              <a:t> 기간) 할수 있다. </a:t>
+              <a:t>- 관리자는 습득물 알림 게시판 페이지에서 게시글 상세보기 페이지에서 내용을 수정할 수 있다.</a:t>
             </a:r>
             <a:endParaRPr lang="ko-KR" altLang="ko-KR" sz="1450">
               <a:solidFill>
@@ -9499,157 +9561,7 @@
                   </a:srgbClr>
                 </a:solidFill>
               </a:rPr>
-              <a:t>- 회원은 기프티콘 페이지에서 기프티콘을 구입 할 수 있다.(기프티콘의 유효기간은 구매일자로부터 3달 이다.)</a:t>
-            </a:r>
-            <a:endParaRPr lang="ko-KR" altLang="ko-KR" sz="1450">
-              <a:solidFill>
-                <a:srgbClr val="e7e6e6">
-                  <a:lumMod val="90000"/>
-                </a:srgbClr>
-              </a:solidFill>
-            </a:endParaRPr>
-          </a:p>
-          <a:p>
-            <a:pPr lvl="1">
-              <a:lnSpc>
-                <a:spcPct val="160000"/>
-              </a:lnSpc>
-              <a:defRPr/>
-            </a:pPr>
-            <a:r>
-              <a:rPr lang="ko-KR" altLang="ko-KR" sz="1450">
-                <a:solidFill>
-                  <a:srgbClr val="e7e6e6">
-                    <a:lumMod val="90000"/>
-                  </a:srgbClr>
-                </a:solidFill>
-              </a:rPr>
-              <a:t>- 회원은 마이페이지 내 ‘내 기프티콘’ 페이지에서 기프티콘 만료 일주일 전에 유효기간을 1회 한</a:t>
-            </a:r>
-            <a:r>
-              <a:rPr lang="ko-KR" altLang="en-US" sz="1450">
-                <a:solidFill>
-                  <a:srgbClr val="e7e6e6">
-                    <a:lumMod val="90000"/>
-                  </a:srgbClr>
-                </a:solidFill>
-              </a:rPr>
-              <a:t> </a:t>
-            </a:r>
-            <a:r>
-              <a:rPr lang="ko-KR" altLang="ko-KR" sz="1450">
-                <a:solidFill>
-                  <a:srgbClr val="e7e6e6">
-                    <a:lumMod val="90000"/>
-                  </a:srgbClr>
-                </a:solidFill>
-              </a:rPr>
-              <a:t>달 연장 할 수 있다. </a:t>
-            </a:r>
-            <a:endParaRPr lang="ko-KR" altLang="ko-KR" sz="1450">
-              <a:solidFill>
-                <a:srgbClr val="e7e6e6">
-                  <a:lumMod val="90000"/>
-                </a:srgbClr>
-              </a:solidFill>
-            </a:endParaRPr>
-          </a:p>
-          <a:p>
-            <a:pPr lvl="1">
-              <a:lnSpc>
-                <a:spcPct val="160000"/>
-              </a:lnSpc>
-              <a:defRPr/>
-            </a:pPr>
-            <a:r>
-              <a:rPr lang="ko-KR" altLang="ko-KR" sz="1450">
-                <a:solidFill>
-                  <a:srgbClr val="e7e6e6">
-                    <a:lumMod val="90000"/>
-                  </a:srgbClr>
-                </a:solidFill>
-              </a:rPr>
-              <a:t>- 회원은 마이페이지 내 ‘내 기프티콘’ 페이지에서 사용가능한 기프티콘에 대하여 환불 받을 수 있다.</a:t>
-            </a:r>
-            <a:endParaRPr lang="ko-KR" altLang="ko-KR" sz="1450">
-              <a:solidFill>
-                <a:srgbClr val="e7e6e6">
-                  <a:lumMod val="90000"/>
-                </a:srgbClr>
-              </a:solidFill>
-            </a:endParaRPr>
-          </a:p>
-          <a:p>
-            <a:pPr lvl="1">
-              <a:lnSpc>
-                <a:spcPct val="160000"/>
-              </a:lnSpc>
-              <a:defRPr/>
-            </a:pPr>
-            <a:r>
-              <a:rPr lang="ko-KR" altLang="ko-KR" sz="1450">
-                <a:solidFill>
-                  <a:srgbClr val="e7e6e6">
-                    <a:lumMod val="90000"/>
-                  </a:srgbClr>
-                </a:solidFill>
-              </a:rPr>
-              <a:t>- 회원은 마이페이지 내 ‘내 기프티콘’</a:t>
-            </a:r>
-            <a:r>
-              <a:rPr lang="ko-KR" altLang="en-US" sz="1450">
-                <a:solidFill>
-                  <a:srgbClr val="e7e6e6">
-                    <a:lumMod val="90000"/>
-                  </a:srgbClr>
-                </a:solidFill>
-              </a:rPr>
-              <a:t> </a:t>
-            </a:r>
-            <a:r>
-              <a:rPr lang="ko-KR" altLang="ko-KR" sz="1450">
-                <a:solidFill>
-                  <a:srgbClr val="e7e6e6">
-                    <a:lumMod val="90000"/>
-                  </a:srgbClr>
-                </a:solidFill>
-              </a:rPr>
-              <a:t>페이지에서 자신이 사용한 기프티콘과 사용하지 않은 기프티콘 내역을 조회, 상세보기할 수 </a:t>
-            </a:r>
-            <a:endParaRPr lang="ko-KR" altLang="ko-KR" sz="1450">
-              <a:solidFill>
-                <a:srgbClr val="e7e6e6">
-                  <a:lumMod val="90000"/>
-                </a:srgbClr>
-              </a:solidFill>
-            </a:endParaRPr>
-          </a:p>
-          <a:p>
-            <a:pPr lvl="1">
-              <a:lnSpc>
-                <a:spcPct val="160000"/>
-              </a:lnSpc>
-              <a:defRPr/>
-            </a:pPr>
-            <a:r>
-              <a:rPr lang="ko-KR" altLang="en-US" sz="1450">
-                <a:solidFill>
-                  <a:srgbClr val="e7e6e6">
-                    <a:lumMod val="90000"/>
-                  </a:srgbClr>
-                </a:solidFill>
-              </a:rPr>
-              <a:t>  </a:t>
-            </a:r>
-            <a:r>
-              <a:rPr lang="ko-KR" altLang="ko-KR" sz="1450">
-                <a:solidFill>
-                  <a:srgbClr val="e7e6e6">
-                    <a:lumMod val="90000"/>
-                  </a:srgbClr>
-                </a:solidFill>
-              </a:rPr>
-              <a:t>있다.</a:t>
+              <a:t>- 관리자는 습득물 알림 게시판 페이지에서 게시글 상세보기 페이지에서 게시글을 삭제할 수 있다.</a:t>
             </a:r>
             <a:endParaRPr lang="ko-KR" altLang="ko-KR" sz="1450">
               <a:solidFill>
@@ -9819,6 +9731,1033 @@
         <p:spPr>
           <a:xfrm>
             <a:off x="139584" y="1396737"/>
+            <a:ext cx="11564802" cy="4154433"/>
+          </a:xfrm>
+          <a:prstGeom prst="rect">
+            <a:avLst/>
+          </a:prstGeom>
+        </p:spPr>
+        <p:txBody>
+          <a:bodyPr vert="horz" wrap="square" lIns="91440" tIns="45720" rIns="91440" bIns="45720" anchor="t">
+            <a:spAutoFit/>
+          </a:bodyPr>
+          <a:lstStyle/>
+          <a:p>
+            <a:pPr lvl="1">
+              <a:lnSpc>
+                <a:spcPct val="160000"/>
+              </a:lnSpc>
+              <a:defRPr/>
+            </a:pPr>
+            <a:r>
+              <a:rPr lang="ko-KR" altLang="ko-KR" b="1">
+                <a:solidFill>
+                  <a:srgbClr val="e7e6e6">
+                    <a:lumMod val="90000"/>
+                  </a:srgbClr>
+                </a:solidFill>
+              </a:rPr>
+              <a:t>13</a:t>
+            </a:r>
+            <a:r>
+              <a:rPr lang="en-US" altLang="ko-KR" b="1">
+                <a:solidFill>
+                  <a:srgbClr val="e7e6e6">
+                    <a:lumMod val="90000"/>
+                  </a:srgbClr>
+                </a:solidFill>
+              </a:rPr>
+              <a:t>.</a:t>
+            </a:r>
+            <a:r>
+              <a:rPr lang="ko-KR" altLang="ko-KR" b="1">
+                <a:solidFill>
+                  <a:srgbClr val="e7e6e6">
+                    <a:lumMod val="90000"/>
+                  </a:srgbClr>
+                </a:solidFill>
+              </a:rPr>
+              <a:t> 기프티콘 - 회원</a:t>
+            </a:r>
+            <a:r>
+              <a:rPr lang="en-US" altLang="ko-KR" b="1">
+                <a:solidFill>
+                  <a:srgbClr val="e7e6e6">
+                    <a:lumMod val="90000"/>
+                  </a:srgbClr>
+                </a:solidFill>
+              </a:rPr>
+              <a:t>,</a:t>
+            </a:r>
+            <a:r>
+              <a:rPr lang="ko-KR" altLang="en-US" b="1">
+                <a:solidFill>
+                  <a:srgbClr val="e7e6e6">
+                    <a:lumMod val="90000"/>
+                  </a:srgbClr>
+                </a:solidFill>
+              </a:rPr>
+              <a:t> 관리자</a:t>
+            </a:r>
+            <a:endParaRPr lang="ko-KR" altLang="en-US" b="1">
+              <a:solidFill>
+                <a:srgbClr val="e7e6e6">
+                  <a:lumMod val="90000"/>
+                </a:srgbClr>
+              </a:solidFill>
+            </a:endParaRPr>
+          </a:p>
+          <a:p>
+            <a:pPr lvl="1">
+              <a:lnSpc>
+                <a:spcPct val="160000"/>
+              </a:lnSpc>
+              <a:defRPr/>
+            </a:pPr>
+            <a:endParaRPr lang="ko-KR" altLang="ko-KR" b="1">
+              <a:solidFill>
+                <a:srgbClr val="e7e6e6">
+                  <a:lumMod val="90000"/>
+                </a:srgbClr>
+              </a:solidFill>
+            </a:endParaRPr>
+          </a:p>
+          <a:p>
+            <a:pPr lvl="1">
+              <a:lnSpc>
+                <a:spcPct val="160000"/>
+              </a:lnSpc>
+              <a:defRPr/>
+            </a:pPr>
+            <a:r>
+              <a:rPr lang="ko-KR" altLang="ko-KR" sz="1450">
+                <a:solidFill>
+                  <a:srgbClr val="e7e6e6">
+                    <a:lumMod val="90000"/>
+                  </a:srgbClr>
+                </a:solidFill>
+              </a:rPr>
+              <a:t>- 회원과 관리자는 기프티콘 페이지에서 현재 판매중인 기프티콘 전체를 조회할 수 있다.</a:t>
+            </a:r>
+            <a:endParaRPr lang="ko-KR" altLang="ko-KR" sz="1450">
+              <a:solidFill>
+                <a:srgbClr val="e7e6e6">
+                  <a:lumMod val="90000"/>
+                </a:srgbClr>
+              </a:solidFill>
+            </a:endParaRPr>
+          </a:p>
+          <a:p>
+            <a:pPr lvl="1">
+              <a:lnSpc>
+                <a:spcPct val="160000"/>
+              </a:lnSpc>
+              <a:defRPr/>
+            </a:pPr>
+            <a:r>
+              <a:rPr lang="ko-KR" altLang="ko-KR" sz="1450">
+                <a:solidFill>
+                  <a:srgbClr val="e7e6e6">
+                    <a:lumMod val="90000"/>
+                  </a:srgbClr>
+                </a:solidFill>
+              </a:rPr>
+              <a:t>- 회원과 관리자는 현재 판매중인 기프티콘을 클릭하여 상세보기</a:t>
+            </a:r>
+            <a:r>
+              <a:rPr lang="ko-KR" altLang="en-US" sz="1450">
+                <a:solidFill>
+                  <a:srgbClr val="e7e6e6">
+                    <a:lumMod val="90000"/>
+                  </a:srgbClr>
+                </a:solidFill>
+              </a:rPr>
+              <a:t> </a:t>
+            </a:r>
+            <a:r>
+              <a:rPr lang="ko-KR" altLang="ko-KR" sz="1450">
+                <a:solidFill>
+                  <a:srgbClr val="e7e6e6">
+                    <a:lumMod val="90000"/>
+                  </a:srgbClr>
+                </a:solidFill>
+              </a:rPr>
+              <a:t>할 수 있다.</a:t>
+            </a:r>
+            <a:endParaRPr lang="ko-KR" altLang="ko-KR" sz="1450">
+              <a:solidFill>
+                <a:srgbClr val="e7e6e6">
+                  <a:lumMod val="90000"/>
+                </a:srgbClr>
+              </a:solidFill>
+            </a:endParaRPr>
+          </a:p>
+          <a:p>
+            <a:pPr lvl="1">
+              <a:lnSpc>
+                <a:spcPct val="160000"/>
+              </a:lnSpc>
+              <a:defRPr/>
+            </a:pPr>
+            <a:r>
+              <a:rPr lang="ko-KR" altLang="ko-KR" sz="1450">
+                <a:solidFill>
+                  <a:srgbClr val="e7e6e6">
+                    <a:lumMod val="90000"/>
+                  </a:srgbClr>
+                </a:solidFill>
+              </a:rPr>
+              <a:t>- 회원과 관리자는 기프티콘 페이지에서 키워드(이름)를 통해 기프티콘을 검색할 수 있다.</a:t>
+            </a:r>
+            <a:endParaRPr lang="ko-KR" altLang="ko-KR" sz="1450">
+              <a:solidFill>
+                <a:srgbClr val="e7e6e6">
+                  <a:lumMod val="90000"/>
+                </a:srgbClr>
+              </a:solidFill>
+            </a:endParaRPr>
+          </a:p>
+          <a:p>
+            <a:pPr lvl="1">
+              <a:lnSpc>
+                <a:spcPct val="160000"/>
+              </a:lnSpc>
+              <a:defRPr/>
+            </a:pPr>
+            <a:r>
+              <a:rPr lang="ko-KR" altLang="ko-KR" sz="1450">
+                <a:solidFill>
+                  <a:srgbClr val="e7e6e6">
+                    <a:lumMod val="90000"/>
+                  </a:srgbClr>
+                </a:solidFill>
+              </a:rPr>
+              <a:t>- 회원은 기프티콘 상세보기 페이지에서 기프티콘을 구입 할 수 있다.(기프티콘의 유효기간은 구매일자로부터 3달이다.)</a:t>
+            </a:r>
+            <a:endParaRPr lang="ko-KR" altLang="ko-KR" sz="1450">
+              <a:solidFill>
+                <a:srgbClr val="e7e6e6">
+                  <a:lumMod val="90000"/>
+                </a:srgbClr>
+              </a:solidFill>
+            </a:endParaRPr>
+          </a:p>
+          <a:p>
+            <a:pPr lvl="1">
+              <a:lnSpc>
+                <a:spcPct val="160000"/>
+              </a:lnSpc>
+              <a:defRPr/>
+            </a:pPr>
+            <a:r>
+              <a:rPr lang="ko-KR" altLang="ko-KR" sz="1450">
+                <a:solidFill>
+                  <a:srgbClr val="e7e6e6">
+                    <a:lumMod val="90000"/>
+                  </a:srgbClr>
+                </a:solidFill>
+              </a:rPr>
+              <a:t>- 회원은 마이페이지 내 ‘내 기프티콘’ 페이지에서 기프티콘 만료 일주일 전에 유효기간을 1회 한</a:t>
+            </a:r>
+            <a:r>
+              <a:rPr lang="ko-KR" altLang="en-US" sz="1450">
+                <a:solidFill>
+                  <a:srgbClr val="e7e6e6">
+                    <a:lumMod val="90000"/>
+                  </a:srgbClr>
+                </a:solidFill>
+              </a:rPr>
+              <a:t> </a:t>
+            </a:r>
+            <a:r>
+              <a:rPr lang="ko-KR" altLang="ko-KR" sz="1450">
+                <a:solidFill>
+                  <a:srgbClr val="e7e6e6">
+                    <a:lumMod val="90000"/>
+                  </a:srgbClr>
+                </a:solidFill>
+              </a:rPr>
+              <a:t>달 연장 할 수 있다. </a:t>
+            </a:r>
+            <a:endParaRPr lang="ko-KR" altLang="ko-KR" sz="1450">
+              <a:solidFill>
+                <a:srgbClr val="e7e6e6">
+                  <a:lumMod val="90000"/>
+                </a:srgbClr>
+              </a:solidFill>
+            </a:endParaRPr>
+          </a:p>
+          <a:p>
+            <a:pPr lvl="1">
+              <a:lnSpc>
+                <a:spcPct val="160000"/>
+              </a:lnSpc>
+              <a:defRPr/>
+            </a:pPr>
+            <a:r>
+              <a:rPr lang="ko-KR" altLang="ko-KR" sz="1450">
+                <a:solidFill>
+                  <a:srgbClr val="e7e6e6">
+                    <a:lumMod val="90000"/>
+                  </a:srgbClr>
+                </a:solidFill>
+              </a:rPr>
+              <a:t>- 회원은 마이페이지 내 ‘내 기프티콘’ 페이지에서 사용가능한 기프티콘에 대하여 환불 받을 수 있다.</a:t>
+            </a:r>
+            <a:endParaRPr lang="ko-KR" altLang="ko-KR" sz="1450">
+              <a:solidFill>
+                <a:srgbClr val="e7e6e6">
+                  <a:lumMod val="90000"/>
+                </a:srgbClr>
+              </a:solidFill>
+            </a:endParaRPr>
+          </a:p>
+          <a:p>
+            <a:pPr lvl="1">
+              <a:lnSpc>
+                <a:spcPct val="160000"/>
+              </a:lnSpc>
+              <a:defRPr/>
+            </a:pPr>
+            <a:r>
+              <a:rPr lang="ko-KR" altLang="ko-KR" sz="1450">
+                <a:solidFill>
+                  <a:srgbClr val="e7e6e6">
+                    <a:lumMod val="90000"/>
+                  </a:srgbClr>
+                </a:solidFill>
+              </a:rPr>
+              <a:t>- 회원은 마이페이지 내 ‘내 기프티콘’ 페이지에서 기프티콘 구입 내역을 조회(이름, 가격, 사용가능여부(사용가능/기간만료/사용완료), </a:t>
+            </a:r>
+            <a:endParaRPr lang="ko-KR" altLang="ko-KR" sz="1450">
+              <a:solidFill>
+                <a:srgbClr val="e7e6e6">
+                  <a:lumMod val="90000"/>
+                </a:srgbClr>
+              </a:solidFill>
+            </a:endParaRPr>
+          </a:p>
+          <a:p>
+            <a:pPr lvl="1">
+              <a:lnSpc>
+                <a:spcPct val="160000"/>
+              </a:lnSpc>
+              <a:defRPr/>
+            </a:pPr>
+            <a:r>
+              <a:rPr lang="ko-KR" altLang="en-US" sz="1450">
+                <a:solidFill>
+                  <a:srgbClr val="e7e6e6">
+                    <a:lumMod val="90000"/>
+                  </a:srgbClr>
+                </a:solidFill>
+              </a:rPr>
+              <a:t>  </a:t>
+            </a:r>
+            <a:r>
+              <a:rPr lang="ko-KR" altLang="ko-KR" sz="1450">
+                <a:solidFill>
+                  <a:srgbClr val="e7e6e6">
+                    <a:lumMod val="90000"/>
+                  </a:srgbClr>
+                </a:solidFill>
+              </a:rPr>
+              <a:t>만료기간)</a:t>
+            </a:r>
+            <a:r>
+              <a:rPr lang="ko-KR" altLang="en-US" sz="1450">
+                <a:solidFill>
+                  <a:srgbClr val="e7e6e6">
+                    <a:lumMod val="90000"/>
+                  </a:srgbClr>
+                </a:solidFill>
+              </a:rPr>
+              <a:t> </a:t>
+            </a:r>
+            <a:r>
+              <a:rPr lang="ko-KR" altLang="ko-KR" sz="1450">
+                <a:solidFill>
+                  <a:srgbClr val="e7e6e6">
+                    <a:lumMod val="90000"/>
+                  </a:srgbClr>
+                </a:solidFill>
+              </a:rPr>
+              <a:t>할 수 있다. </a:t>
+            </a:r>
+            <a:endParaRPr lang="ko-KR" altLang="ko-KR" sz="1450">
+              <a:solidFill>
+                <a:srgbClr val="e7e6e6">
+                  <a:lumMod val="90000"/>
+                </a:srgbClr>
+              </a:solidFill>
+            </a:endParaRPr>
+          </a:p>
+          <a:p>
+            <a:pPr lvl="1">
+              <a:lnSpc>
+                <a:spcPct val="160000"/>
+              </a:lnSpc>
+              <a:defRPr/>
+            </a:pPr>
+            <a:endParaRPr lang="ko-KR" altLang="ko-KR" sz="1450">
+              <a:solidFill>
+                <a:srgbClr val="e7e6e6">
+                  <a:lumMod val="90000"/>
+                </a:srgbClr>
+              </a:solidFill>
+            </a:endParaRPr>
+          </a:p>
+        </p:txBody>
+      </p:sp>
+      <p:sp>
+        <p:nvSpPr>
+          <p:cNvPr id="57" name="직사각형 14"/>
+          <p:cNvSpPr/>
+          <p:nvPr/>
+        </p:nvSpPr>
+        <p:spPr>
+          <a:xfrm>
+            <a:off x="4712650" y="677994"/>
+            <a:ext cx="2766700" cy="728088"/>
+          </a:xfrm>
+          <a:prstGeom prst="rect">
+            <a:avLst/>
+          </a:prstGeom>
+        </p:spPr>
+        <p:txBody>
+          <a:bodyPr wrap="square">
+            <a:spAutoFit/>
+          </a:bodyPr>
+          <a:lstStyle/>
+          <a:p>
+            <a:pPr algn="ctr">
+              <a:lnSpc>
+                <a:spcPct val="150000"/>
+              </a:lnSpc>
+              <a:defRPr/>
+            </a:pPr>
+            <a:r>
+              <a:rPr lang="ko-KR" altLang="en-US" sz="2800" b="1">
+                <a:solidFill>
+                  <a:srgbClr val="15eeff"/>
+                </a:solidFill>
+              </a:rPr>
+              <a:t>요구사항 정의</a:t>
+            </a:r>
+            <a:endParaRPr lang="ko-KR" altLang="en-US" sz="2800" b="1">
+              <a:solidFill>
+                <a:srgbClr val="15eeff"/>
+              </a:solidFill>
+            </a:endParaRPr>
+          </a:p>
+        </p:txBody>
+      </p:sp>
+      <p:sp>
+        <p:nvSpPr>
+          <p:cNvPr id="58" name="직사각형 14"/>
+          <p:cNvSpPr/>
+          <p:nvPr/>
+        </p:nvSpPr>
+        <p:spPr>
+          <a:xfrm>
+            <a:off x="8460336" y="179957"/>
+            <a:ext cx="3630182" cy="475363"/>
+          </a:xfrm>
+          <a:prstGeom prst="rect">
+            <a:avLst/>
+          </a:prstGeom>
+        </p:spPr>
+        <p:txBody>
+          <a:bodyPr wrap="square">
+            <a:spAutoFit/>
+          </a:bodyPr>
+          <a:lstStyle/>
+          <a:p>
+            <a:pPr algn="ctr">
+              <a:lnSpc>
+                <a:spcPct val="150000"/>
+              </a:lnSpc>
+              <a:defRPr/>
+            </a:pPr>
+            <a:r>
+              <a:rPr lang="ko-KR" altLang="en-US" sz="1700" b="1" i="1">
+                <a:solidFill>
+                  <a:prstClr val="white">
+                    <a:lumMod val="95000"/>
+                  </a:prstClr>
+                </a:solidFill>
+                <a:latin typeface="KoPub돋움체 Bold"/>
+                <a:ea typeface="KoPub돋움체 Bold"/>
+              </a:rPr>
+              <a:t>멀티플렉스 영화관 관리 시스템</a:t>
+            </a:r>
+            <a:endParaRPr lang="ko-KR" altLang="en-US" sz="1700" b="1" i="1">
+              <a:solidFill>
+                <a:prstClr val="white">
+                  <a:lumMod val="95000"/>
+                </a:prstClr>
+              </a:solidFill>
+              <a:latin typeface="KoPub돋움체 Bold"/>
+              <a:ea typeface="KoPub돋움체 Bold"/>
+            </a:endParaRPr>
+          </a:p>
+        </p:txBody>
+      </p:sp>
+    </p:spTree>
+  </p:cSld>
+  <p:clrMapOvr>
+    <a:masterClrMapping/>
+  </p:clrMapOvr>
+  <mc:AlternateContent xmlns:mc="http://schemas.openxmlformats.org/markup-compatibility/2006">
+    <mc:Choice xmlns:p14="http://schemas.microsoft.com/office/powerpoint/2010/main" Requires="p14">
+      <p:transition xmlns:mc="http://schemas.openxmlformats.org/markup-compatibility/2006" xmlns:p14="http://schemas.microsoft.com/office/powerpoint/2010/main" mc:Ignorable="p14" p14:dur="500"/>
+    </mc:Choice>
+    <mc:Fallback>
+      <p:transition/>
+    </mc:Fallback>
+  </mc:AlternateContent>
+</p:sld>
+</file>
+
+<file path=ppt/slides/slide23.xml><?xml version="1.0" encoding="utf-8"?>
+<p:sld xmlns:r="http://schemas.openxmlformats.org/officeDocument/2006/relationships" xmlns:c="http://schemas.openxmlformats.org/drawingml/2006/chart" xmlns:a="http://schemas.openxmlformats.org/drawingml/2006/main" xmlns:dgm="http://schemas.openxmlformats.org/drawingml/2006/diagram" xmlns:dsp="http://schemas.microsoft.com/office/drawing/2008/diagram" xmlns:p="http://schemas.openxmlformats.org/presentationml/2006/main">
+  <p:cSld>
+    <p:bg>
+      <p:bgPr shadeToTitle="0">
+        <a:solidFill>
+          <a:srgbClr val="303038"/>
+        </a:solidFill>
+      </p:bgPr>
+    </p:bg>
+    <p:spTree>
+      <p:nvGrpSpPr>
+        <p:cNvPr id="1" name=""/>
+        <p:cNvGrpSpPr/>
+        <p:nvPr/>
+      </p:nvGrpSpPr>
+      <p:grpSpPr>
+        <a:xfrm>
+          <a:off x="0" y="0"/>
+          <a:ext cx="0" cy="0"/>
+          <a:chOff x="0" y="0"/>
+          <a:chExt cx="0" cy="0"/>
+        </a:xfrm>
+      </p:grpSpPr>
+      <p:sp>
+        <p:nvSpPr>
+          <p:cNvPr id="56" name="직사각형 55"/>
+          <p:cNvSpPr/>
+          <p:nvPr/>
+        </p:nvSpPr>
+        <p:spPr>
+          <a:xfrm>
+            <a:off x="139584" y="1396737"/>
+            <a:ext cx="11564802" cy="3087633"/>
+          </a:xfrm>
+          <a:prstGeom prst="rect">
+            <a:avLst/>
+          </a:prstGeom>
+        </p:spPr>
+        <p:txBody>
+          <a:bodyPr vert="horz" wrap="square" lIns="91440" tIns="45720" rIns="91440" bIns="45720" anchor="t">
+            <a:spAutoFit/>
+          </a:bodyPr>
+          <a:lstStyle/>
+          <a:p>
+            <a:pPr lvl="1">
+              <a:lnSpc>
+                <a:spcPct val="160000"/>
+              </a:lnSpc>
+              <a:defRPr/>
+            </a:pPr>
+            <a:r>
+              <a:rPr lang="ko-KR" altLang="ko-KR" b="1">
+                <a:solidFill>
+                  <a:srgbClr val="e7e6e6">
+                    <a:lumMod val="90000"/>
+                  </a:srgbClr>
+                </a:solidFill>
+              </a:rPr>
+              <a:t>14</a:t>
+            </a:r>
+            <a:r>
+              <a:rPr lang="en-US" altLang="ko-KR" b="1">
+                <a:solidFill>
+                  <a:srgbClr val="e7e6e6">
+                    <a:lumMod val="90000"/>
+                  </a:srgbClr>
+                </a:solidFill>
+              </a:rPr>
+              <a:t>.</a:t>
+            </a:r>
+            <a:r>
+              <a:rPr lang="ko-KR" altLang="ko-KR" b="1">
+                <a:solidFill>
+                  <a:srgbClr val="e7e6e6">
+                    <a:lumMod val="90000"/>
+                  </a:srgbClr>
+                </a:solidFill>
+              </a:rPr>
+              <a:t> 기프티콘 관리 - 관리자</a:t>
+            </a:r>
+            <a:endParaRPr lang="ko-KR" altLang="ko-KR" b="1">
+              <a:solidFill>
+                <a:srgbClr val="e7e6e6">
+                  <a:lumMod val="90000"/>
+                </a:srgbClr>
+              </a:solidFill>
+            </a:endParaRPr>
+          </a:p>
+          <a:p>
+            <a:pPr lvl="1">
+              <a:lnSpc>
+                <a:spcPct val="160000"/>
+              </a:lnSpc>
+              <a:defRPr/>
+            </a:pPr>
+            <a:endParaRPr lang="ko-KR" altLang="ko-KR" b="1">
+              <a:solidFill>
+                <a:srgbClr val="e7e6e6">
+                  <a:lumMod val="90000"/>
+                </a:srgbClr>
+              </a:solidFill>
+            </a:endParaRPr>
+          </a:p>
+          <a:p>
+            <a:pPr lvl="1">
+              <a:lnSpc>
+                <a:spcPct val="160000"/>
+              </a:lnSpc>
+              <a:defRPr/>
+            </a:pPr>
+            <a:r>
+              <a:rPr lang="ko-KR" altLang="ko-KR" sz="1450">
+                <a:solidFill>
+                  <a:srgbClr val="e7e6e6">
+                    <a:lumMod val="90000"/>
+                  </a:srgbClr>
+                </a:solidFill>
+              </a:rPr>
+              <a:t>- 관리자는 기프티콘 관리 페이지에서 현재 판매하고 있는 기프티콘 전체를 조회</a:t>
+            </a:r>
+            <a:r>
+              <a:rPr lang="ko-KR" altLang="en-US" sz="1450">
+                <a:solidFill>
+                  <a:srgbClr val="e7e6e6">
+                    <a:lumMod val="90000"/>
+                  </a:srgbClr>
+                </a:solidFill>
+              </a:rPr>
+              <a:t> </a:t>
+            </a:r>
+            <a:r>
+              <a:rPr lang="ko-KR" altLang="ko-KR" sz="1450">
+                <a:solidFill>
+                  <a:srgbClr val="e7e6e6">
+                    <a:lumMod val="90000"/>
+                  </a:srgbClr>
+                </a:solidFill>
+              </a:rPr>
+              <a:t>할 수 있다. </a:t>
+            </a:r>
+            <a:endParaRPr lang="ko-KR" altLang="ko-KR" sz="1450">
+              <a:solidFill>
+                <a:srgbClr val="e7e6e6">
+                  <a:lumMod val="90000"/>
+                </a:srgbClr>
+              </a:solidFill>
+            </a:endParaRPr>
+          </a:p>
+          <a:p>
+            <a:pPr lvl="1">
+              <a:lnSpc>
+                <a:spcPct val="160000"/>
+              </a:lnSpc>
+              <a:defRPr/>
+            </a:pPr>
+            <a:r>
+              <a:rPr lang="ko-KR" altLang="ko-KR" sz="1450">
+                <a:solidFill>
+                  <a:srgbClr val="e7e6e6">
+                    <a:lumMod val="90000"/>
+                  </a:srgbClr>
+                </a:solidFill>
+              </a:rPr>
+              <a:t>- 관리자는 기프티콘 관리 페이지에서 현재 판매하고 있는 기프티콘을 클릭하여 상세보기</a:t>
+            </a:r>
+            <a:r>
+              <a:rPr lang="ko-KR" altLang="en-US" sz="1450">
+                <a:solidFill>
+                  <a:srgbClr val="e7e6e6">
+                    <a:lumMod val="90000"/>
+                  </a:srgbClr>
+                </a:solidFill>
+              </a:rPr>
+              <a:t> </a:t>
+            </a:r>
+            <a:r>
+              <a:rPr lang="ko-KR" altLang="ko-KR" sz="1450">
+                <a:solidFill>
+                  <a:srgbClr val="e7e6e6">
+                    <a:lumMod val="90000"/>
+                  </a:srgbClr>
+                </a:solidFill>
+              </a:rPr>
+              <a:t>할 수 있다.</a:t>
+            </a:r>
+            <a:endParaRPr lang="ko-KR" altLang="ko-KR" sz="1450">
+              <a:solidFill>
+                <a:srgbClr val="e7e6e6">
+                  <a:lumMod val="90000"/>
+                </a:srgbClr>
+              </a:solidFill>
+            </a:endParaRPr>
+          </a:p>
+          <a:p>
+            <a:pPr lvl="1">
+              <a:lnSpc>
+                <a:spcPct val="160000"/>
+              </a:lnSpc>
+              <a:defRPr/>
+            </a:pPr>
+            <a:r>
+              <a:rPr lang="ko-KR" altLang="ko-KR" sz="1450">
+                <a:solidFill>
+                  <a:srgbClr val="e7e6e6">
+                    <a:lumMod val="90000"/>
+                  </a:srgbClr>
+                </a:solidFill>
+              </a:rPr>
+              <a:t>- 관리자는 기프티콘 관리 페이지에서 기프티콘을 검색(이름</a:t>
+            </a:r>
+            <a:r>
+              <a:rPr lang="en-US" altLang="ko-KR" sz="1450">
+                <a:solidFill>
+                  <a:srgbClr val="e7e6e6">
+                    <a:lumMod val="90000"/>
+                  </a:srgbClr>
+                </a:solidFill>
+              </a:rPr>
+              <a:t>/</a:t>
+            </a:r>
+            <a:r>
+              <a:rPr lang="ko-KR" altLang="ko-KR" sz="1450">
+                <a:solidFill>
+                  <a:srgbClr val="e7e6e6">
+                    <a:lumMod val="90000"/>
+                  </a:srgbClr>
+                </a:solidFill>
+              </a:rPr>
+              <a:t> 구성</a:t>
+            </a:r>
+            <a:r>
+              <a:rPr lang="en-US" altLang="ko-KR" sz="1450">
+                <a:solidFill>
+                  <a:srgbClr val="e7e6e6">
+                    <a:lumMod val="90000"/>
+                  </a:srgbClr>
+                </a:solidFill>
+              </a:rPr>
+              <a:t>/</a:t>
+            </a:r>
+            <a:r>
+              <a:rPr lang="ko-KR" altLang="ko-KR" sz="1450">
+                <a:solidFill>
+                  <a:srgbClr val="e7e6e6">
+                    <a:lumMod val="90000"/>
+                  </a:srgbClr>
+                </a:solidFill>
+              </a:rPr>
+              <a:t> 가격)할 수 있다.</a:t>
+            </a:r>
+            <a:endParaRPr lang="ko-KR" altLang="ko-KR" sz="1450">
+              <a:solidFill>
+                <a:srgbClr val="e7e6e6">
+                  <a:lumMod val="90000"/>
+                </a:srgbClr>
+              </a:solidFill>
+            </a:endParaRPr>
+          </a:p>
+          <a:p>
+            <a:pPr lvl="1">
+              <a:lnSpc>
+                <a:spcPct val="160000"/>
+              </a:lnSpc>
+              <a:defRPr/>
+            </a:pPr>
+            <a:r>
+              <a:rPr lang="ko-KR" altLang="ko-KR" sz="1450">
+                <a:solidFill>
+                  <a:srgbClr val="e7e6e6">
+                    <a:lumMod val="90000"/>
+                  </a:srgbClr>
+                </a:solidFill>
+              </a:rPr>
+              <a:t>- 관리자는 기프티콘 관리 페이지에서 기프티콘을 추가로 등록(사진, 이름, 구성, 가격)</a:t>
+            </a:r>
+            <a:r>
+              <a:rPr lang="ko-KR" altLang="en-US" sz="1450">
+                <a:solidFill>
+                  <a:srgbClr val="e7e6e6">
+                    <a:lumMod val="90000"/>
+                  </a:srgbClr>
+                </a:solidFill>
+              </a:rPr>
+              <a:t> </a:t>
+            </a:r>
+            <a:r>
+              <a:rPr lang="ko-KR" altLang="ko-KR" sz="1450">
+                <a:solidFill>
+                  <a:srgbClr val="e7e6e6">
+                    <a:lumMod val="90000"/>
+                  </a:srgbClr>
+                </a:solidFill>
+              </a:rPr>
+              <a:t>할 수 있다.</a:t>
+            </a:r>
+            <a:endParaRPr lang="ko-KR" altLang="ko-KR" sz="1450">
+              <a:solidFill>
+                <a:srgbClr val="e7e6e6">
+                  <a:lumMod val="90000"/>
+                </a:srgbClr>
+              </a:solidFill>
+            </a:endParaRPr>
+          </a:p>
+          <a:p>
+            <a:pPr lvl="1">
+              <a:lnSpc>
+                <a:spcPct val="160000"/>
+              </a:lnSpc>
+              <a:defRPr/>
+            </a:pPr>
+            <a:r>
+              <a:rPr lang="ko-KR" altLang="ko-KR" sz="1450">
+                <a:solidFill>
+                  <a:srgbClr val="e7e6e6">
+                    <a:lumMod val="90000"/>
+                  </a:srgbClr>
+                </a:solidFill>
+              </a:rPr>
+              <a:t>- 관리자는 기프티콘 상세보기 페이지에서 기프티콘의 이름이나 가격이나 사진을 수정</a:t>
+            </a:r>
+            <a:r>
+              <a:rPr lang="ko-KR" altLang="en-US" sz="1450">
+                <a:solidFill>
+                  <a:srgbClr val="e7e6e6">
+                    <a:lumMod val="90000"/>
+                  </a:srgbClr>
+                </a:solidFill>
+              </a:rPr>
+              <a:t> </a:t>
+            </a:r>
+            <a:r>
+              <a:rPr lang="ko-KR" altLang="ko-KR" sz="1450">
+                <a:solidFill>
+                  <a:srgbClr val="e7e6e6">
+                    <a:lumMod val="90000"/>
+                  </a:srgbClr>
+                </a:solidFill>
+              </a:rPr>
+              <a:t>할 수 있다.</a:t>
+            </a:r>
+            <a:endParaRPr lang="ko-KR" altLang="ko-KR" sz="1450">
+              <a:solidFill>
+                <a:srgbClr val="e7e6e6">
+                  <a:lumMod val="90000"/>
+                </a:srgbClr>
+              </a:solidFill>
+            </a:endParaRPr>
+          </a:p>
+          <a:p>
+            <a:pPr lvl="1">
+              <a:lnSpc>
+                <a:spcPct val="160000"/>
+              </a:lnSpc>
+              <a:defRPr/>
+            </a:pPr>
+            <a:r>
+              <a:rPr lang="ko-KR" altLang="ko-KR" sz="1450">
+                <a:solidFill>
+                  <a:srgbClr val="e7e6e6">
+                    <a:lumMod val="90000"/>
+                  </a:srgbClr>
+                </a:solidFill>
+              </a:rPr>
+              <a:t>- 관리자는 기프티콘 상세보기 페이지에서 상품 거래가 중단된 기프티콘을 목록에서 삭제</a:t>
+            </a:r>
+            <a:r>
+              <a:rPr lang="ko-KR" altLang="en-US" sz="1450">
+                <a:solidFill>
+                  <a:srgbClr val="e7e6e6">
+                    <a:lumMod val="90000"/>
+                  </a:srgbClr>
+                </a:solidFill>
+              </a:rPr>
+              <a:t> </a:t>
+            </a:r>
+            <a:r>
+              <a:rPr lang="ko-KR" altLang="ko-KR" sz="1450">
+                <a:solidFill>
+                  <a:srgbClr val="e7e6e6">
+                    <a:lumMod val="90000"/>
+                  </a:srgbClr>
+                </a:solidFill>
+              </a:rPr>
+              <a:t>할 수 있다.</a:t>
+            </a:r>
+            <a:endParaRPr lang="ko-KR" altLang="ko-KR" sz="1450">
+              <a:solidFill>
+                <a:srgbClr val="e7e6e6">
+                  <a:lumMod val="90000"/>
+                </a:srgbClr>
+              </a:solidFill>
+            </a:endParaRPr>
+          </a:p>
+        </p:txBody>
+      </p:sp>
+      <p:sp>
+        <p:nvSpPr>
+          <p:cNvPr id="57" name="직사각형 14"/>
+          <p:cNvSpPr/>
+          <p:nvPr/>
+        </p:nvSpPr>
+        <p:spPr>
+          <a:xfrm>
+            <a:off x="4712650" y="677994"/>
+            <a:ext cx="2766700" cy="728088"/>
+          </a:xfrm>
+          <a:prstGeom prst="rect">
+            <a:avLst/>
+          </a:prstGeom>
+        </p:spPr>
+        <p:txBody>
+          <a:bodyPr wrap="square">
+            <a:spAutoFit/>
+          </a:bodyPr>
+          <a:lstStyle/>
+          <a:p>
+            <a:pPr algn="ctr">
+              <a:lnSpc>
+                <a:spcPct val="150000"/>
+              </a:lnSpc>
+              <a:defRPr/>
+            </a:pPr>
+            <a:r>
+              <a:rPr lang="ko-KR" altLang="en-US" sz="2800" b="1">
+                <a:solidFill>
+                  <a:srgbClr val="15eeff"/>
+                </a:solidFill>
+              </a:rPr>
+              <a:t>요구사항 정의</a:t>
+            </a:r>
+            <a:endParaRPr lang="ko-KR" altLang="en-US" sz="2800" b="1">
+              <a:solidFill>
+                <a:srgbClr val="15eeff"/>
+              </a:solidFill>
+            </a:endParaRPr>
+          </a:p>
+        </p:txBody>
+      </p:sp>
+      <p:sp>
+        <p:nvSpPr>
+          <p:cNvPr id="58" name="직사각형 14"/>
+          <p:cNvSpPr/>
+          <p:nvPr/>
+        </p:nvSpPr>
+        <p:spPr>
+          <a:xfrm>
+            <a:off x="8460336" y="179957"/>
+            <a:ext cx="3630182" cy="475363"/>
+          </a:xfrm>
+          <a:prstGeom prst="rect">
+            <a:avLst/>
+          </a:prstGeom>
+        </p:spPr>
+        <p:txBody>
+          <a:bodyPr wrap="square">
+            <a:spAutoFit/>
+          </a:bodyPr>
+          <a:lstStyle/>
+          <a:p>
+            <a:pPr algn="ctr">
+              <a:lnSpc>
+                <a:spcPct val="150000"/>
+              </a:lnSpc>
+              <a:defRPr/>
+            </a:pPr>
+            <a:r>
+              <a:rPr lang="ko-KR" altLang="en-US" sz="1700" b="1" i="1">
+                <a:solidFill>
+                  <a:prstClr val="white">
+                    <a:lumMod val="95000"/>
+                  </a:prstClr>
+                </a:solidFill>
+                <a:latin typeface="KoPub돋움체 Bold"/>
+                <a:ea typeface="KoPub돋움체 Bold"/>
+              </a:rPr>
+              <a:t>멀티플렉스 영화관 관리 시스템</a:t>
+            </a:r>
+            <a:endParaRPr lang="ko-KR" altLang="en-US" sz="1700" b="1" i="1">
+              <a:solidFill>
+                <a:prstClr val="white">
+                  <a:lumMod val="95000"/>
+                </a:prstClr>
+              </a:solidFill>
+              <a:latin typeface="KoPub돋움체 Bold"/>
+              <a:ea typeface="KoPub돋움체 Bold"/>
+            </a:endParaRPr>
+          </a:p>
+        </p:txBody>
+      </p:sp>
+    </p:spTree>
+  </p:cSld>
+  <p:clrMapOvr>
+    <a:masterClrMapping/>
+  </p:clrMapOvr>
+  <mc:AlternateContent xmlns:mc="http://schemas.openxmlformats.org/markup-compatibility/2006">
+    <mc:Choice xmlns:p14="http://schemas.microsoft.com/office/powerpoint/2010/main" Requires="p14">
+      <p:transition xmlns:mc="http://schemas.openxmlformats.org/markup-compatibility/2006" xmlns:p14="http://schemas.microsoft.com/office/powerpoint/2010/main" mc:Ignorable="p14" p14:dur="500"/>
+    </mc:Choice>
+    <mc:Fallback>
+      <p:transition/>
+    </mc:Fallback>
+  </mc:AlternateContent>
+</p:sld>
+</file>
+
+<file path=ppt/slides/slide24.xml><?xml version="1.0" encoding="utf-8"?>
+<p:sld xmlns:r="http://schemas.openxmlformats.org/officeDocument/2006/relationships" xmlns:c="http://schemas.openxmlformats.org/drawingml/2006/chart" xmlns:a="http://schemas.openxmlformats.org/drawingml/2006/main" xmlns:dgm="http://schemas.openxmlformats.org/drawingml/2006/diagram" xmlns:dsp="http://schemas.microsoft.com/office/drawing/2008/diagram" xmlns:p="http://schemas.openxmlformats.org/presentationml/2006/main">
+  <p:cSld>
+    <p:bg>
+      <p:bgPr shadeToTitle="0">
+        <a:solidFill>
+          <a:srgbClr val="303038"/>
+        </a:solidFill>
+      </p:bgPr>
+    </p:bg>
+    <p:spTree>
+      <p:nvGrpSpPr>
+        <p:cNvPr id="1" name=""/>
+        <p:cNvGrpSpPr/>
+        <p:nvPr/>
+      </p:nvGrpSpPr>
+      <p:grpSpPr>
+        <a:xfrm>
+          <a:off x="0" y="0"/>
+          <a:ext cx="0" cy="0"/>
+          <a:chOff x="0" y="0"/>
+          <a:chExt cx="0" cy="0"/>
+        </a:xfrm>
+      </p:grpSpPr>
+      <p:sp>
+        <p:nvSpPr>
+          <p:cNvPr id="56" name="직사각형 55"/>
+          <p:cNvSpPr/>
+          <p:nvPr/>
+        </p:nvSpPr>
+        <p:spPr>
+          <a:xfrm>
+            <a:off x="0" y="1387665"/>
             <a:ext cx="11564802" cy="2735208"/>
           </a:xfrm>
           <a:prstGeom prst="rect">
@@ -9845,7 +10784,7 @@
                   </a:srgbClr>
                 </a:solidFill>
               </a:rPr>
-              <a:t>14</a:t>
+              <a:t>1</a:t>
             </a:r>
             <a:r>
               <a:rPr lang="en-US" altLang="ko-KR" b="1">
@@ -9855,7 +10794,7 @@
                   </a:srgbClr>
                 </a:solidFill>
               </a:rPr>
-              <a:t>.</a:t>
+              <a:t>5.</a:t>
             </a:r>
             <a:r>
               <a:rPr lang="ko-KR" altLang="ko-KR" b="1">
@@ -9865,7 +10804,27 @@
                   </a:srgbClr>
                 </a:solidFill>
               </a:rPr>
-              <a:t> 기프티콘 관리 - 관리자</a:t>
+              <a:t> </a:t>
+            </a:r>
+            <a:r>
+              <a:rPr lang="ko-KR" altLang="en-US" b="1">
+                <a:solidFill>
+                  <a:srgbClr val="e7e6e6">
+                    <a:lumMod val="90000"/>
+                  </a:srgbClr>
+                </a:solidFill>
+              </a:rPr>
+              <a:t>신고</a:t>
+            </a:r>
+            <a:r>
+              <a:rPr lang="ko-KR" altLang="ko-KR" b="1">
+                <a:solidFill>
+                  <a:srgbClr val="e7e6e6">
+                    <a:lumMod val="90000"/>
+                  </a:srgbClr>
+                </a:solidFill>
+              </a:rPr>
+              <a:t> 관리 - 관리자</a:t>
             </a:r>
             <a:endParaRPr lang="ko-KR" altLang="ko-KR" b="1">
               <a:solidFill>
@@ -9905,7 +10864,27 @@
                   </a:srgbClr>
                 </a:solidFill>
               </a:rPr>
-              <a:t>- 관리자는 기프티콘 관리 페이지에서 현재 판매하고 있는 기프티콘 전체를 조회할 수 있다.</a:t>
+              <a:t>- 관리자는 메인에서 신고 관리를 클릭 시 '리뷰 신고', '리뷰 댓글 신고', '한줄평 신고' 중 '리뷰 신고'의 목록이 먼저 조회</a:t>
+            </a:r>
+            <a:r>
+              <a:rPr lang="ko-KR" altLang="en-US" sz="1450">
+                <a:solidFill>
+                  <a:srgbClr val="e7e6e6">
+                    <a:lumMod val="90000"/>
+                  </a:srgbClr>
+                </a:solidFill>
+              </a:rPr>
+              <a:t> </a:t>
+            </a:r>
+            <a:r>
+              <a:rPr lang="ko-KR" altLang="ko-KR" sz="1450">
+                <a:solidFill>
+                  <a:srgbClr val="e7e6e6">
+                    <a:lumMod val="90000"/>
+                  </a:srgbClr>
+                </a:solidFill>
+              </a:rPr>
+              <a:t>되고, </a:t>
             </a:r>
             <a:endParaRPr lang="ko-KR" altLang="ko-KR" sz="1450">
               <a:solidFill>
@@ -9923,6 +10902,16 @@
               <a:defRPr/>
             </a:pPr>
             <a:r>
+              <a:rPr lang="ko-KR" altLang="en-US" sz="1450">
+                <a:solidFill>
+                  <a:srgbClr val="e7e6e6">
+                    <a:lumMod val="90000"/>
+                  </a:srgbClr>
+                </a:solidFill>
+              </a:rPr>
+              <a:t>  </a:t>
+            </a:r>
+            <a:r>
               <a:rPr lang="ko-KR" altLang="ko-KR" sz="1450">
                 <a:solidFill>
                   <a:srgbClr val="e7e6e6">
@@ -9930,18 +10919,23 @@
                   </a:srgbClr>
                 </a:solidFill>
               </a:rPr>
-              <a:t>- 관리자는 기프티콘 관리 페이지에서 기프티콘을 검색(제목</a:t>
-            </a:r>
-            <a:r>
-              <a:rPr lang="en-US" altLang="ko-KR" sz="1450">
-                <a:solidFill>
-                  <a:srgbClr val="e7e6e6">
-                    <a:lumMod val="90000"/>
-                  </a:srgbClr>
-                </a:solidFill>
-              </a:rPr>
-              <a:t>/</a:t>
-            </a:r>
+              <a:t>탭마다 각각 신고 내역을 조회할 수 있다.( 신고자ID, 신고내용, 신고제목[리뷰 제목/댓글 내용/한줄평 내용], 체크박스 )</a:t>
+            </a:r>
+            <a:endParaRPr lang="ko-KR" altLang="ko-KR" sz="1450">
+              <a:solidFill>
+                <a:srgbClr val="e7e6e6">
+                  <a:lumMod val="90000"/>
+                </a:srgbClr>
+              </a:solidFill>
+            </a:endParaRPr>
+          </a:p>
+          <a:p>
+            <a:pPr lvl="1">
+              <a:lnSpc>
+                <a:spcPct val="160000"/>
+              </a:lnSpc>
+              <a:defRPr/>
+            </a:pPr>
             <a:r>
               <a:rPr lang="ko-KR" altLang="ko-KR" sz="1450">
                 <a:solidFill>
@@ -9950,18 +10944,23 @@
                   </a:srgbClr>
                 </a:solidFill>
               </a:rPr>
-              <a:t> 구성</a:t>
-            </a:r>
-            <a:r>
-              <a:rPr lang="en-US" altLang="ko-KR" sz="1450">
-                <a:solidFill>
-                  <a:srgbClr val="e7e6e6">
-                    <a:lumMod val="90000"/>
-                  </a:srgbClr>
-                </a:solidFill>
-              </a:rPr>
-              <a:t>/</a:t>
-            </a:r>
+              <a:t>- 관리자는 신고내용을 클릭 시 신고 상세보기가 가능하다.</a:t>
+            </a:r>
+            <a:endParaRPr lang="ko-KR" altLang="ko-KR" sz="1450">
+              <a:solidFill>
+                <a:srgbClr val="e7e6e6">
+                  <a:lumMod val="90000"/>
+                </a:srgbClr>
+              </a:solidFill>
+            </a:endParaRPr>
+          </a:p>
+          <a:p>
+            <a:pPr lvl="1">
+              <a:lnSpc>
+                <a:spcPct val="160000"/>
+              </a:lnSpc>
+              <a:defRPr/>
+            </a:pPr>
             <a:r>
               <a:rPr lang="ko-KR" altLang="ko-KR" sz="1450">
                 <a:solidFill>
@@ -9970,7 +10969,27 @@
                   </a:srgbClr>
                 </a:solidFill>
               </a:rPr>
-              <a:t> 가격)할 수 있다.</a:t>
+              <a:t>- 관리자는 신고제목을 클릭 시 리뷰글/ 리뷰 댓글이 있는 리뷰글/ 한줄평 부분으로 이동해서 상세보기</a:t>
+            </a:r>
+            <a:r>
+              <a:rPr lang="ko-KR" altLang="en-US" sz="1450">
+                <a:solidFill>
+                  <a:srgbClr val="e7e6e6">
+                    <a:lumMod val="90000"/>
+                  </a:srgbClr>
+                </a:solidFill>
+              </a:rPr>
+              <a:t> </a:t>
+            </a:r>
+            <a:r>
+              <a:rPr lang="ko-KR" altLang="ko-KR" sz="1450">
+                <a:solidFill>
+                  <a:srgbClr val="e7e6e6">
+                    <a:lumMod val="90000"/>
+                  </a:srgbClr>
+                </a:solidFill>
+              </a:rPr>
+              <a:t>할 수 있다.</a:t>
             </a:r>
             <a:endParaRPr lang="ko-KR" altLang="ko-KR" sz="1450">
               <a:solidFill>
@@ -9995,57 +11014,7 @@
                   </a:srgbClr>
                 </a:solidFill>
               </a:rPr>
-              <a:t>- 관리자는 기프티콘 관리 페이지에서 기프티콘을 추가로 등록할 수 있다.</a:t>
-            </a:r>
-            <a:endParaRPr lang="ko-KR" altLang="ko-KR" sz="1450">
-              <a:solidFill>
-                <a:srgbClr val="e7e6e6">
-                  <a:lumMod val="90000"/>
-                </a:srgbClr>
-              </a:solidFill>
-            </a:endParaRPr>
-          </a:p>
-          <a:p>
-            <a:pPr lvl="1">
-              <a:lnSpc>
-                <a:spcPct val="160000"/>
-              </a:lnSpc>
-              <a:defRPr/>
-            </a:pPr>
-            <a:r>
-              <a:rPr lang="ko-KR" altLang="ko-KR" sz="1450">
-                <a:solidFill>
-                  <a:srgbClr val="e7e6e6">
-                    <a:lumMod val="90000"/>
-                  </a:srgbClr>
-                </a:solidFill>
-              </a:rPr>
-              <a:t>- 관리자는 기프티콘 관리 페이지에서 기프티콘의 이름, 가격을 수정할 수 있다.</a:t>
-            </a:r>
-            <a:endParaRPr lang="ko-KR" altLang="ko-KR" sz="1450">
-              <a:solidFill>
-                <a:srgbClr val="e7e6e6">
-                  <a:lumMod val="90000"/>
-                </a:srgbClr>
-              </a:solidFill>
-            </a:endParaRPr>
-          </a:p>
-          <a:p>
-            <a:pPr lvl="1">
-              <a:lnSpc>
-                <a:spcPct val="160000"/>
-              </a:lnSpc>
-              <a:defRPr/>
-            </a:pPr>
-            <a:r>
-              <a:rPr lang="ko-KR" altLang="ko-KR" sz="1450">
-                <a:solidFill>
-                  <a:srgbClr val="e7e6e6">
-                    <a:lumMod val="90000"/>
-                  </a:srgbClr>
-                </a:solidFill>
-              </a:rPr>
-              <a:t>- 관리자는 기프티콘 관리 페이지에서 상품 거래가 중단된 기프티콘을 목록에서 삭제할 수 있다.</a:t>
+              <a:t>- 관리자는 신고 내역 옆 체크박스를 선택하여 여러 글을 한 번에 삭제할 수 있다.</a:t>
             </a:r>
             <a:endParaRPr lang="ko-KR" altLang="ko-KR" sz="1450">
               <a:solidFill>
@@ -14007,8 +14976,8 @@
         </p:nvSpPr>
         <p:spPr>
           <a:xfrm>
-            <a:off x="139584" y="1396737"/>
-            <a:ext cx="11564802" cy="4738755"/>
+            <a:off x="0" y="1478379"/>
+            <a:ext cx="11858599" cy="4768115"/>
           </a:xfrm>
           <a:prstGeom prst="rect">
             <a:avLst/>
@@ -14046,6 +15015,21 @@
               </a:rPr>
               <a:t> </a:t>
             </a:r>
+            <a:endParaRPr lang="ko-KR" altLang="ko-KR" sz="1600">
+              <a:solidFill>
+                <a:srgbClr val="e7e6e6">
+                  <a:lumMod val="90000"/>
+                </a:srgbClr>
+              </a:solidFill>
+            </a:endParaRPr>
+          </a:p>
+          <a:p>
+            <a:pPr lvl="1">
+              <a:lnSpc>
+                <a:spcPct val="160000"/>
+              </a:lnSpc>
+              <a:defRPr/>
+            </a:pPr>
             <a:endParaRPr lang="ko-KR" altLang="ko-KR" sz="1400">
               <a:solidFill>
                 <a:srgbClr val="e7e6e6">
@@ -14061,7 +15045,17 @@
               </a:lnSpc>
               <a:defRPr/>
             </a:pPr>
-            <a:endParaRPr lang="ko-KR" altLang="ko-KR" sz="1400">
+            <a:r>
+              <a:rPr lang="ko-KR" altLang="ko-KR" sz="1450">
+                <a:solidFill>
+                  <a:srgbClr val="e7e6e6">
+                    <a:lumMod val="90000"/>
+                  </a:srgbClr>
+                </a:solidFill>
+              </a:rPr>
+              <a:t>- 비회원은 회원가입 페이지에서 아이디, 이름, 비밀번호, 비밀번호확인, 이메일, 생년월일, 핸드폰번호를 통해서 회원가입을 할 수 있다.</a:t>
+            </a:r>
+            <a:endParaRPr lang="ko-KR" altLang="ko-KR" sz="1450">
               <a:solidFill>
                 <a:srgbClr val="e7e6e6">
                   <a:lumMod val="90000"/>
@@ -14077,6 +15071,91 @@
               <a:defRPr/>
             </a:pPr>
             <a:r>
+              <a:rPr lang="ko-KR" altLang="ko-KR" sz="1450">
+                <a:solidFill>
+                  <a:srgbClr val="e7e6e6">
+                    <a:lumMod val="90000"/>
+                  </a:srgbClr>
+                </a:solidFill>
+              </a:rPr>
+              <a:t>- 회원은 아이디 찾기 페이지에서 이메일, 핸드폰번호를 통해서 아이디를 찾을수 있다.</a:t>
+            </a:r>
+            <a:endParaRPr lang="ko-KR" altLang="ko-KR" sz="1450">
+              <a:solidFill>
+                <a:srgbClr val="e7e6e6">
+                  <a:lumMod val="90000"/>
+                </a:srgbClr>
+              </a:solidFill>
+            </a:endParaRPr>
+          </a:p>
+          <a:p>
+            <a:pPr lvl="1">
+              <a:lnSpc>
+                <a:spcPct val="160000"/>
+              </a:lnSpc>
+              <a:defRPr/>
+            </a:pPr>
+            <a:r>
+              <a:rPr lang="ko-KR" altLang="ko-KR" sz="1450">
+                <a:solidFill>
+                  <a:srgbClr val="e7e6e6">
+                    <a:lumMod val="90000"/>
+                  </a:srgbClr>
+                </a:solidFill>
+              </a:rPr>
+              <a:t>- 회원은 비밀번호 찾기 페이지에서 아이디, 이메일, 핸드폰번호를 통해서 비밀번호를 초기화 할 수 있다.</a:t>
+            </a:r>
+            <a:endParaRPr lang="ko-KR" altLang="ko-KR" sz="1450">
+              <a:solidFill>
+                <a:srgbClr val="e7e6e6">
+                  <a:lumMod val="90000"/>
+                </a:srgbClr>
+              </a:solidFill>
+            </a:endParaRPr>
+          </a:p>
+          <a:p>
+            <a:pPr lvl="1">
+              <a:lnSpc>
+                <a:spcPct val="160000"/>
+              </a:lnSpc>
+              <a:defRPr/>
+            </a:pPr>
+            <a:r>
+              <a:rPr lang="ko-KR" altLang="ko-KR" sz="1450">
+                <a:solidFill>
+                  <a:srgbClr val="e7e6e6">
+                    <a:lumMod val="90000"/>
+                  </a:srgbClr>
+                </a:solidFill>
+              </a:rPr>
+              <a:t>- 회원은 마이페이지에서 '내정보 조회'를 클릭 후 본인의 정보를 상세보기(아이디, 이름, 이메일, 생년월일, 핸드폰번호) 할 수 있다.</a:t>
+            </a:r>
+            <a:endParaRPr lang="ko-KR" altLang="ko-KR" sz="1450">
+              <a:solidFill>
+                <a:srgbClr val="e7e6e6">
+                  <a:lumMod val="90000"/>
+                </a:srgbClr>
+              </a:solidFill>
+            </a:endParaRPr>
+          </a:p>
+          <a:p>
+            <a:pPr lvl="1">
+              <a:lnSpc>
+                <a:spcPct val="160000"/>
+              </a:lnSpc>
+              <a:defRPr/>
+            </a:pPr>
+            <a:r>
+              <a:rPr lang="ko-KR" altLang="ko-KR" sz="1450">
+                <a:solidFill>
+                  <a:srgbClr val="e7e6e6">
+                    <a:lumMod val="90000"/>
+                  </a:srgbClr>
+                </a:solidFill>
+              </a:rPr>
+              <a:t>- 회원은 마이페이지에서 ‘내정보 조회’의 상세보기 페이지에서 내정보를 수정(이메일</a:t>
+            </a:r>
+            <a:r>
               <a:rPr lang="en-US" altLang="ko-KR" sz="1450">
                 <a:solidFill>
                   <a:srgbClr val="e7e6e6">
@@ -14084,7 +15163,187 @@
                   </a:srgbClr>
                 </a:solidFill>
               </a:rPr>
-              <a:t>-</a:t>
+              <a:t>,</a:t>
+            </a:r>
+            <a:r>
+              <a:rPr lang="ko-KR" altLang="ko-KR" sz="1450">
+                <a:solidFill>
+                  <a:srgbClr val="e7e6e6">
+                    <a:lumMod val="90000"/>
+                  </a:srgbClr>
+                </a:solidFill>
+              </a:rPr>
+              <a:t> 핸드폰번호</a:t>
+            </a:r>
+            <a:r>
+              <a:rPr lang="en-US" altLang="ko-KR" sz="1450">
+                <a:solidFill>
+                  <a:srgbClr val="e7e6e6">
+                    <a:lumMod val="90000"/>
+                  </a:srgbClr>
+                </a:solidFill>
+              </a:rPr>
+              <a:t>,</a:t>
+            </a:r>
+            <a:r>
+              <a:rPr lang="ko-KR" altLang="ko-KR" sz="1450">
+                <a:solidFill>
+                  <a:srgbClr val="e7e6e6">
+                    <a:lumMod val="90000"/>
+                  </a:srgbClr>
+                </a:solidFill>
+              </a:rPr>
+              <a:t> 비밀번호)할 수 있다.</a:t>
+            </a:r>
+            <a:endParaRPr lang="ko-KR" altLang="ko-KR" sz="1450">
+              <a:solidFill>
+                <a:srgbClr val="e7e6e6">
+                  <a:lumMod val="90000"/>
+                </a:srgbClr>
+              </a:solidFill>
+            </a:endParaRPr>
+          </a:p>
+          <a:p>
+            <a:pPr lvl="1">
+              <a:lnSpc>
+                <a:spcPct val="160000"/>
+              </a:lnSpc>
+              <a:defRPr/>
+            </a:pPr>
+            <a:r>
+              <a:rPr lang="ko-KR" altLang="ko-KR" sz="1450">
+                <a:solidFill>
+                  <a:srgbClr val="e7e6e6">
+                    <a:lumMod val="90000"/>
+                  </a:srgbClr>
+                </a:solidFill>
+              </a:rPr>
+              <a:t>- 회원은 마이페이지에서 ‘내정보 조회'의 상세보기 페이지에서 비밀번호 입력을 통해 회원 탈퇴를 할 수 있다. </a:t>
+            </a:r>
+            <a:endParaRPr lang="ko-KR" altLang="ko-KR" sz="1450">
+              <a:solidFill>
+                <a:srgbClr val="e7e6e6">
+                  <a:lumMod val="90000"/>
+                </a:srgbClr>
+              </a:solidFill>
+            </a:endParaRPr>
+          </a:p>
+          <a:p>
+            <a:pPr lvl="1">
+              <a:lnSpc>
+                <a:spcPct val="160000"/>
+              </a:lnSpc>
+              <a:defRPr/>
+            </a:pPr>
+            <a:endParaRPr lang="ko-KR" altLang="ko-KR" sz="1450">
+              <a:solidFill>
+                <a:srgbClr val="e7e6e6">
+                  <a:lumMod val="90000"/>
+                </a:srgbClr>
+              </a:solidFill>
+            </a:endParaRPr>
+          </a:p>
+          <a:p>
+            <a:pPr lvl="1">
+              <a:lnSpc>
+                <a:spcPct val="160000"/>
+              </a:lnSpc>
+              <a:defRPr/>
+            </a:pPr>
+            <a:r>
+              <a:rPr lang="ko-KR" altLang="ko-KR" sz="1450">
+                <a:solidFill>
+                  <a:srgbClr val="e7e6e6">
+                    <a:lumMod val="90000"/>
+                  </a:srgbClr>
+                </a:solidFill>
+              </a:rPr>
+              <a:t>- 관리자는 ‘회원 관리’ 페이지에서 전체 회원을 조회(아이디</a:t>
+            </a:r>
+            <a:r>
+              <a:rPr lang="en-US" altLang="ko-KR" sz="1450">
+                <a:solidFill>
+                  <a:srgbClr val="e7e6e6">
+                    <a:lumMod val="90000"/>
+                  </a:srgbClr>
+                </a:solidFill>
+              </a:rPr>
+              <a:t>/</a:t>
+            </a:r>
+            <a:r>
+              <a:rPr lang="ko-KR" altLang="ko-KR" sz="1450">
+                <a:solidFill>
+                  <a:srgbClr val="e7e6e6">
+                    <a:lumMod val="90000"/>
+                  </a:srgbClr>
+                </a:solidFill>
+              </a:rPr>
+              <a:t> 이름</a:t>
+            </a:r>
+            <a:r>
+              <a:rPr lang="en-US" altLang="ko-KR" sz="1450">
+                <a:solidFill>
+                  <a:srgbClr val="e7e6e6">
+                    <a:lumMod val="90000"/>
+                  </a:srgbClr>
+                </a:solidFill>
+              </a:rPr>
+              <a:t>/</a:t>
+            </a:r>
+            <a:r>
+              <a:rPr lang="ko-KR" altLang="ko-KR" sz="1450">
+                <a:solidFill>
+                  <a:srgbClr val="e7e6e6">
+                    <a:lumMod val="90000"/>
+                  </a:srgbClr>
+                </a:solidFill>
+              </a:rPr>
+              <a:t> 이메일</a:t>
+            </a:r>
+            <a:r>
+              <a:rPr lang="en-US" altLang="ko-KR" sz="1450">
+                <a:solidFill>
+                  <a:srgbClr val="e7e6e6">
+                    <a:lumMod val="90000"/>
+                  </a:srgbClr>
+                </a:solidFill>
+              </a:rPr>
+              <a:t>/</a:t>
+            </a:r>
+            <a:r>
+              <a:rPr lang="ko-KR" altLang="ko-KR" sz="1450">
+                <a:solidFill>
+                  <a:srgbClr val="e7e6e6">
+                    <a:lumMod val="90000"/>
+                  </a:srgbClr>
+                </a:solidFill>
+              </a:rPr>
+              <a:t> 생년월일) 할 수 있다.</a:t>
+            </a:r>
+            <a:endParaRPr lang="ko-KR" altLang="ko-KR" sz="1450">
+              <a:solidFill>
+                <a:srgbClr val="e7e6e6">
+                  <a:lumMod val="90000"/>
+                </a:srgbClr>
+              </a:solidFill>
+            </a:endParaRPr>
+          </a:p>
+          <a:p>
+            <a:pPr lvl="1">
+              <a:lnSpc>
+                <a:spcPct val="160000"/>
+              </a:lnSpc>
+              <a:defRPr/>
+            </a:pPr>
+            <a:r>
+              <a:rPr lang="ko-KR" altLang="ko-KR" sz="1450">
+                <a:solidFill>
+                  <a:srgbClr val="e7e6e6">
+                    <a:lumMod val="90000"/>
+                  </a:srgbClr>
+                </a:solidFill>
+              </a:rPr>
+              <a:t>- 관리자는 ‘회원 관리’ 페이지에서 회원</a:t>
             </a:r>
             <a:r>
               <a:rPr lang="ko-KR" altLang="en-US" sz="1450">
@@ -14104,7 +15363,7 @@
                   </a:srgbClr>
                 </a:solidFill>
               </a:rPr>
-              <a:t>회원은 회원가입 페이지에서 아이디, 이름, 비밀번호, 비밀번호확인, 이메일, 생년월일, 핸드폰번호를 통해서 회원가입을 할 수 있다.</a:t>
+              <a:t>아이디, 이름 등으로 검색 할 수 있다.</a:t>
             </a:r>
             <a:endParaRPr lang="ko-KR" altLang="ko-KR" sz="1450">
               <a:solidFill>
@@ -14122,26 +15381,6 @@
               <a:defRPr/>
             </a:pPr>
             <a:r>
-              <a:rPr lang="en-US" altLang="ko-KR" sz="1450">
-                <a:solidFill>
-                  <a:srgbClr val="e7e6e6">
-                    <a:lumMod val="90000"/>
-                  </a:srgbClr>
-                </a:solidFill>
-              </a:rPr>
-              <a:t>-</a:t>
-            </a:r>
-            <a:r>
-              <a:rPr lang="ko-KR" altLang="en-US" sz="1450">
-                <a:solidFill>
-                  <a:srgbClr val="e7e6e6">
-                    <a:lumMod val="90000"/>
-                  </a:srgbClr>
-                </a:solidFill>
-              </a:rPr>
-              <a:t> </a:t>
-            </a:r>
-            <a:r>
               <a:rPr lang="ko-KR" altLang="ko-KR" sz="1450">
                 <a:solidFill>
                   <a:srgbClr val="e7e6e6">
@@ -14149,7 +15388,7 @@
                   </a:srgbClr>
                 </a:solidFill>
               </a:rPr>
-              <a:t>회원은 아이디 찾기 페이지에서 이메일, 핸드폰번호를 통해서 아이디를 찾을수 있다.</a:t>
+              <a:t>- 관리자는 ‘회원 관리’ 페이지에서 각 회원을 상세보기(아이디, 이메일, 생년월일, 핸드폰번호) 할 수 있다.</a:t>
             </a:r>
             <a:endParaRPr lang="ko-KR" altLang="ko-KR" sz="1450">
               <a:solidFill>
@@ -14167,26 +15406,6 @@
               <a:defRPr/>
             </a:pPr>
             <a:r>
-              <a:rPr lang="en-US" altLang="ko-KR" sz="1450">
-                <a:solidFill>
-                  <a:srgbClr val="e7e6e6">
-                    <a:lumMod val="90000"/>
-                  </a:srgbClr>
-                </a:solidFill>
-              </a:rPr>
-              <a:t>-</a:t>
-            </a:r>
-            <a:r>
-              <a:rPr lang="ko-KR" altLang="en-US" sz="1450">
-                <a:solidFill>
-                  <a:srgbClr val="e7e6e6">
-                    <a:lumMod val="90000"/>
-                  </a:srgbClr>
-                </a:solidFill>
-              </a:rPr>
-              <a:t> </a:t>
-            </a:r>
-            <a:r>
               <a:rPr lang="ko-KR" altLang="ko-KR" sz="1450">
                 <a:solidFill>
                   <a:srgbClr val="e7e6e6">
@@ -14194,389 +15413,9 @@
                   </a:srgbClr>
                 </a:solidFill>
               </a:rPr>
-              <a:t>회원은 비밀번호 찾기 페이지에서 아이디, 이메일, 핸드폰번호를 통해서 비밀번호를 초기화 할 수 있다.</a:t>
+              <a:t>- 관리자는 ‘회원 관리’ 페이지에서 각 회원의 상세보기 페이지에서 특정 회원을 강퇴 할 수 있다.</a:t>
             </a:r>
             <a:endParaRPr lang="ko-KR" altLang="ko-KR" sz="1450">
-              <a:solidFill>
-                <a:srgbClr val="e7e6e6">
-                  <a:lumMod val="90000"/>
-                </a:srgbClr>
-              </a:solidFill>
-            </a:endParaRPr>
-          </a:p>
-          <a:p>
-            <a:pPr lvl="1">
-              <a:lnSpc>
-                <a:spcPct val="150000"/>
-              </a:lnSpc>
-              <a:defRPr/>
-            </a:pPr>
-            <a:r>
-              <a:rPr lang="en-US" altLang="ko-KR" sz="1450">
-                <a:solidFill>
-                  <a:srgbClr val="e7e6e6">
-                    <a:lumMod val="90000"/>
-                  </a:srgbClr>
-                </a:solidFill>
-              </a:rPr>
-              <a:t>-</a:t>
-            </a:r>
-            <a:r>
-              <a:rPr lang="ko-KR" altLang="en-US" sz="1450">
-                <a:solidFill>
-                  <a:srgbClr val="e7e6e6">
-                    <a:lumMod val="90000"/>
-                  </a:srgbClr>
-                </a:solidFill>
-              </a:rPr>
-              <a:t> </a:t>
-            </a:r>
-            <a:r>
-              <a:rPr lang="ko-KR" altLang="ko-KR" sz="1450">
-                <a:solidFill>
-                  <a:srgbClr val="e7e6e6">
-                    <a:lumMod val="90000"/>
-                  </a:srgbClr>
-                </a:solidFill>
-              </a:rPr>
-              <a:t>회원은 마이페이지에서 본인의 정보를 상세보기(아이디, 이름, 이메일, 생년월일, 핸드폰번호) 할 수 있다.</a:t>
-            </a:r>
-            <a:endParaRPr lang="ko-KR" altLang="ko-KR" sz="1450">
-              <a:solidFill>
-                <a:srgbClr val="e7e6e6">
-                  <a:lumMod val="90000"/>
-                </a:srgbClr>
-              </a:solidFill>
-            </a:endParaRPr>
-          </a:p>
-          <a:p>
-            <a:pPr lvl="1">
-              <a:lnSpc>
-                <a:spcPct val="160000"/>
-              </a:lnSpc>
-              <a:defRPr/>
-            </a:pPr>
-            <a:r>
-              <a:rPr lang="en-US" altLang="ko-KR" sz="1450">
-                <a:solidFill>
-                  <a:srgbClr val="e7e6e6">
-                    <a:lumMod val="90000"/>
-                  </a:srgbClr>
-                </a:solidFill>
-              </a:rPr>
-              <a:t>-</a:t>
-            </a:r>
-            <a:r>
-              <a:rPr lang="ko-KR" altLang="en-US" sz="1450">
-                <a:solidFill>
-                  <a:srgbClr val="e7e6e6">
-                    <a:lumMod val="90000"/>
-                  </a:srgbClr>
-                </a:solidFill>
-              </a:rPr>
-              <a:t> </a:t>
-            </a:r>
-            <a:r>
-              <a:rPr lang="ko-KR" altLang="ko-KR" sz="1450">
-                <a:solidFill>
-                  <a:srgbClr val="e7e6e6">
-                    <a:lumMod val="90000"/>
-                  </a:srgbClr>
-                </a:solidFill>
-              </a:rPr>
-              <a:t>회원은 마이페이지에서 ‘내정보 조회’를 클릭 후 상세보기 페이지에서 내정보를 수정(이메일</a:t>
-            </a:r>
-            <a:r>
-              <a:rPr lang="en-US" altLang="ko-KR" sz="1450">
-                <a:solidFill>
-                  <a:srgbClr val="e7e6e6">
-                    <a:lumMod val="90000"/>
-                  </a:srgbClr>
-                </a:solidFill>
-              </a:rPr>
-              <a:t>,</a:t>
-            </a:r>
-            <a:r>
-              <a:rPr lang="ko-KR" altLang="ko-KR" sz="1450">
-                <a:solidFill>
-                  <a:srgbClr val="e7e6e6">
-                    <a:lumMod val="90000"/>
-                  </a:srgbClr>
-                </a:solidFill>
-              </a:rPr>
-              <a:t> 핸드폰번호</a:t>
-            </a:r>
-            <a:r>
-              <a:rPr lang="en-US" altLang="ko-KR" sz="1450">
-                <a:solidFill>
-                  <a:srgbClr val="e7e6e6">
-                    <a:lumMod val="90000"/>
-                  </a:srgbClr>
-                </a:solidFill>
-              </a:rPr>
-              <a:t>,</a:t>
-            </a:r>
-            <a:r>
-              <a:rPr lang="ko-KR" altLang="ko-KR" sz="1450">
-                <a:solidFill>
-                  <a:srgbClr val="e7e6e6">
-                    <a:lumMod val="90000"/>
-                  </a:srgbClr>
-                </a:solidFill>
-              </a:rPr>
-              <a:t> 비밀번호)할 수 있다.</a:t>
-            </a:r>
-            <a:endParaRPr lang="ko-KR" altLang="ko-KR" sz="1450">
-              <a:solidFill>
-                <a:srgbClr val="e7e6e6">
-                  <a:lumMod val="90000"/>
-                </a:srgbClr>
-              </a:solidFill>
-            </a:endParaRPr>
-          </a:p>
-          <a:p>
-            <a:pPr lvl="1">
-              <a:lnSpc>
-                <a:spcPct val="160000"/>
-              </a:lnSpc>
-              <a:defRPr/>
-            </a:pPr>
-            <a:r>
-              <a:rPr lang="en-US" altLang="ko-KR" sz="1450">
-                <a:solidFill>
-                  <a:srgbClr val="e7e6e6">
-                    <a:lumMod val="90000"/>
-                  </a:srgbClr>
-                </a:solidFill>
-              </a:rPr>
-              <a:t>-</a:t>
-            </a:r>
-            <a:r>
-              <a:rPr lang="ko-KR" altLang="ko-KR" sz="1450">
-                <a:solidFill>
-                  <a:srgbClr val="e7e6e6">
-                    <a:lumMod val="90000"/>
-                  </a:srgbClr>
-                </a:solidFill>
-              </a:rPr>
-              <a:t> 회원은 마이페이지에서 ‘내정보 조회’를 클릭 후 상세보기 페이지에서 비밀번호를 입력하면 회원 탈퇴를 할 수 있다. </a:t>
-            </a:r>
-            <a:endParaRPr lang="ko-KR" altLang="ko-KR" sz="1450">
-              <a:solidFill>
-                <a:srgbClr val="e7e6e6">
-                  <a:lumMod val="90000"/>
-                </a:srgbClr>
-              </a:solidFill>
-            </a:endParaRPr>
-          </a:p>
-          <a:p>
-            <a:pPr lvl="1">
-              <a:lnSpc>
-                <a:spcPct val="160000"/>
-              </a:lnSpc>
-              <a:defRPr/>
-            </a:pPr>
-            <a:endParaRPr lang="ko-KR" altLang="ko-KR" sz="1450">
-              <a:solidFill>
-                <a:srgbClr val="e7e6e6">
-                  <a:lumMod val="90000"/>
-                </a:srgbClr>
-              </a:solidFill>
-            </a:endParaRPr>
-          </a:p>
-          <a:p>
-            <a:pPr lvl="1">
-              <a:lnSpc>
-                <a:spcPct val="160000"/>
-              </a:lnSpc>
-              <a:defRPr/>
-            </a:pPr>
-            <a:r>
-              <a:rPr lang="en-US" altLang="ko-KR" sz="1450">
-                <a:solidFill>
-                  <a:srgbClr val="e7e6e6">
-                    <a:lumMod val="90000"/>
-                  </a:srgbClr>
-                </a:solidFill>
-              </a:rPr>
-              <a:t>-</a:t>
-            </a:r>
-            <a:r>
-              <a:rPr lang="ko-KR" altLang="ko-KR" sz="1450">
-                <a:solidFill>
-                  <a:srgbClr val="e7e6e6">
-                    <a:lumMod val="90000"/>
-                  </a:srgbClr>
-                </a:solidFill>
-              </a:rPr>
-              <a:t> 관리자는 ‘회원 관리’ 페이지에서 전체 회원을 조회(아이디, 이름, 이메일, 생년월일) 할 수 있다.</a:t>
-            </a:r>
-            <a:endParaRPr lang="ko-KR" altLang="ko-KR" sz="1450">
-              <a:solidFill>
-                <a:srgbClr val="e7e6e6">
-                  <a:lumMod val="90000"/>
-                </a:srgbClr>
-              </a:solidFill>
-            </a:endParaRPr>
-          </a:p>
-          <a:p>
-            <a:pPr lvl="1">
-              <a:lnSpc>
-                <a:spcPct val="160000"/>
-              </a:lnSpc>
-              <a:defRPr/>
-            </a:pPr>
-            <a:r>
-              <a:rPr lang="en-US" altLang="ko-KR" sz="1450">
-                <a:solidFill>
-                  <a:srgbClr val="e7e6e6">
-                    <a:lumMod val="90000"/>
-                  </a:srgbClr>
-                </a:solidFill>
-              </a:rPr>
-              <a:t>-</a:t>
-            </a:r>
-            <a:r>
-              <a:rPr lang="ko-KR" altLang="ko-KR" sz="1450">
-                <a:solidFill>
-                  <a:srgbClr val="e7e6e6">
-                    <a:lumMod val="90000"/>
-                  </a:srgbClr>
-                </a:solidFill>
-              </a:rPr>
-              <a:t> 관리자는 ‘회원 관리’ 페이지에서 회원아이디, 이름 등으로 검색 할 수 있다.</a:t>
-            </a:r>
-            <a:r>
-              <a:rPr lang="ko-KR" altLang="en-US" sz="1450">
-                <a:solidFill>
-                  <a:srgbClr val="e7e6e6">
-                    <a:lumMod val="90000"/>
-                  </a:srgbClr>
-                </a:solidFill>
-              </a:rPr>
-              <a:t> </a:t>
-            </a:r>
-            <a:r>
-              <a:rPr lang="en-US" altLang="ko-KR" sz="1450">
-                <a:solidFill>
-                  <a:srgbClr val="e7e6e6">
-                    <a:lumMod val="90000"/>
-                  </a:srgbClr>
-                </a:solidFill>
-              </a:rPr>
-              <a:t>(</a:t>
-            </a:r>
-            <a:r>
-              <a:rPr lang="ko-KR" altLang="en-US" sz="1450">
-                <a:solidFill>
-                  <a:srgbClr val="e7e6e6">
-                    <a:lumMod val="90000"/>
-                  </a:srgbClr>
-                </a:solidFill>
-              </a:rPr>
-              <a:t>등으로 말고 확실히 적어야 할 듯</a:t>
-            </a:r>
-            <a:r>
-              <a:rPr lang="en-US" altLang="ko-KR" sz="1450">
-                <a:solidFill>
-                  <a:srgbClr val="e7e6e6">
-                    <a:lumMod val="90000"/>
-                  </a:srgbClr>
-                </a:solidFill>
-              </a:rPr>
-              <a:t>!)</a:t>
-            </a:r>
-            <a:endParaRPr lang="en-US" altLang="ko-KR" sz="1450">
-              <a:solidFill>
-                <a:srgbClr val="e7e6e6">
-                  <a:lumMod val="90000"/>
-                </a:srgbClr>
-              </a:solidFill>
-            </a:endParaRPr>
-          </a:p>
-          <a:p>
-            <a:pPr lvl="1">
-              <a:lnSpc>
-                <a:spcPct val="160000"/>
-              </a:lnSpc>
-              <a:defRPr/>
-            </a:pPr>
-            <a:r>
-              <a:rPr lang="en-US" altLang="ko-KR" sz="1450">
-                <a:solidFill>
-                  <a:srgbClr val="e7e6e6">
-                    <a:lumMod val="90000"/>
-                  </a:srgbClr>
-                </a:solidFill>
-              </a:rPr>
-              <a:t>-</a:t>
-            </a:r>
-            <a:r>
-              <a:rPr lang="ko-KR" altLang="ko-KR" sz="1450">
-                <a:solidFill>
-                  <a:srgbClr val="e7e6e6">
-                    <a:lumMod val="90000"/>
-                  </a:srgbClr>
-                </a:solidFill>
-              </a:rPr>
-              <a:t> 관리자는 ‘회원 관리’ 페이지에서 각 회원의 상세보기(아이디, 이메일, 생년월일, 핸드폰번호)를 할 수 있다.</a:t>
-            </a:r>
-            <a:endParaRPr lang="ko-KR" altLang="ko-KR" sz="1450">
-              <a:solidFill>
-                <a:srgbClr val="e7e6e6">
-                  <a:lumMod val="90000"/>
-                </a:srgbClr>
-              </a:solidFill>
-            </a:endParaRPr>
-          </a:p>
-          <a:p>
-            <a:pPr lvl="1">
-              <a:lnSpc>
-                <a:spcPct val="160000"/>
-              </a:lnSpc>
-              <a:defRPr/>
-            </a:pPr>
-            <a:r>
-              <a:rPr lang="en-US" altLang="ko-KR" sz="1450">
-                <a:solidFill>
-                  <a:srgbClr val="e7e6e6">
-                    <a:lumMod val="90000"/>
-                  </a:srgbClr>
-                </a:solidFill>
-              </a:rPr>
-              <a:t>-</a:t>
-            </a:r>
-            <a:r>
-              <a:rPr lang="ko-KR" altLang="ko-KR" sz="1450">
-                <a:solidFill>
-                  <a:srgbClr val="e7e6e6">
-                    <a:lumMod val="90000"/>
-                  </a:srgbClr>
-                </a:solidFill>
-              </a:rPr>
-              <a:t> 관리자는 ‘회원 관리’ 페이지에서 특정 회원 상세보기를 클릭 후 회원 상세보기 페이지에서 특정 회원을 강퇴 할 수 있</a:t>
-            </a:r>
-            <a:r>
-              <a:rPr lang="ko-KR" altLang="en-US" sz="1400">
-                <a:solidFill>
-                  <a:srgbClr val="e7e6e6">
-                    <a:lumMod val="90000"/>
-                  </a:srgbClr>
-                </a:solidFill>
-              </a:rPr>
-              <a:t>다</a:t>
-            </a:r>
-            <a:r>
-              <a:rPr lang="en-US" altLang="ko-KR" sz="1400">
-                <a:solidFill>
-                  <a:srgbClr val="e7e6e6">
-                    <a:lumMod val="90000"/>
-                  </a:srgbClr>
-                </a:solidFill>
-              </a:rPr>
-              <a:t>.</a:t>
-            </a:r>
-            <a:endParaRPr lang="en-US" altLang="ko-KR" sz="1400">
               <a:solidFill>
                 <a:srgbClr val="e7e6e6">
                   <a:lumMod val="90000"/>

--- a/2조 시스템개요, 요구사항 정의.pptx
+++ b/2조 시스템개요, 요구사항 정의.pptx
@@ -286,7 +286,7 @@
                 </a:solidFill>
               </a:rPr>
               <a:pPr/>
-              <a:t>2019-12-27</a:t>
+              <a:t>2020-01-02</a:t>
             </a:fld>
             <a:endParaRPr lang="ko-KR" altLang="en-US">
               <a:solidFill>
@@ -486,7 +486,7 @@
                 </a:solidFill>
               </a:rPr>
               <a:pPr/>
-              <a:t>2019-12-27</a:t>
+              <a:t>2020-01-02</a:t>
             </a:fld>
             <a:endParaRPr lang="ko-KR" altLang="en-US">
               <a:solidFill>
@@ -696,7 +696,7 @@
                 </a:solidFill>
               </a:rPr>
               <a:pPr/>
-              <a:t>2019-12-27</a:t>
+              <a:t>2020-01-02</a:t>
             </a:fld>
             <a:endParaRPr lang="ko-KR" altLang="en-US">
               <a:solidFill>
@@ -896,7 +896,7 @@
                 </a:solidFill>
               </a:rPr>
               <a:pPr/>
-              <a:t>2019-12-27</a:t>
+              <a:t>2020-01-02</a:t>
             </a:fld>
             <a:endParaRPr lang="ko-KR" altLang="en-US">
               <a:solidFill>
@@ -1173,7 +1173,7 @@
                 </a:solidFill>
               </a:rPr>
               <a:pPr/>
-              <a:t>2019-12-27</a:t>
+              <a:t>2020-01-02</a:t>
             </a:fld>
             <a:endParaRPr lang="ko-KR" altLang="en-US">
               <a:solidFill>
@@ -1434,7 +1434,7 @@
                 </a:solidFill>
               </a:rPr>
               <a:pPr/>
-              <a:t>2019-12-27</a:t>
+              <a:t>2020-01-02</a:t>
             </a:fld>
             <a:endParaRPr lang="ko-KR" altLang="en-US">
               <a:solidFill>
@@ -1830,7 +1830,7 @@
                 </a:solidFill>
               </a:rPr>
               <a:pPr/>
-              <a:t>2019-12-27</a:t>
+              <a:t>2020-01-02</a:t>
             </a:fld>
             <a:endParaRPr lang="ko-KR" altLang="en-US">
               <a:solidFill>
@@ -1979,7 +1979,7 @@
                 </a:solidFill>
               </a:rPr>
               <a:pPr/>
-              <a:t>2019-12-27</a:t>
+              <a:t>2020-01-02</a:t>
             </a:fld>
             <a:endParaRPr lang="ko-KR" altLang="en-US">
               <a:solidFill>
@@ -2106,7 +2106,7 @@
                 </a:solidFill>
               </a:rPr>
               <a:pPr/>
-              <a:t>2019-12-27</a:t>
+              <a:t>2020-01-02</a:t>
             </a:fld>
             <a:endParaRPr lang="ko-KR" altLang="en-US">
               <a:solidFill>
@@ -2413,7 +2413,7 @@
                 </a:solidFill>
               </a:rPr>
               <a:pPr/>
-              <a:t>2019-12-27</a:t>
+              <a:t>2020-01-02</a:t>
             </a:fld>
             <a:endParaRPr lang="ko-KR" altLang="en-US">
               <a:solidFill>
@@ -2697,7 +2697,7 @@
                 </a:solidFill>
               </a:rPr>
               <a:pPr/>
-              <a:t>2019-12-27</a:t>
+              <a:t>2020-01-02</a:t>
             </a:fld>
             <a:endParaRPr lang="ko-KR" altLang="en-US">
               <a:solidFill>
@@ -2940,7 +2940,7 @@
                 </a:solidFill>
               </a:rPr>
               <a:pPr/>
-              <a:t>2019-12-27</a:t>
+              <a:t>2020-01-02</a:t>
             </a:fld>
             <a:endParaRPr lang="ko-KR" altLang="en-US">
               <a:solidFill>
@@ -3623,7 +3623,7 @@
         <p:spPr>
           <a:xfrm>
             <a:off x="0" y="1778288"/>
-            <a:ext cx="11858599" cy="4401718"/>
+            <a:ext cx="11858599" cy="4450449"/>
           </a:xfrm>
           <a:prstGeom prst="rect">
             <a:avLst/>
@@ -4016,7 +4016,27 @@
                   </a:srgbClr>
                 </a:solidFill>
               </a:rPr>
-              <a:t>회원은 마이페이지에서 </a:t>
+              <a:t>회원은 </a:t>
+            </a:r>
+            <a:r>
+              <a:rPr lang="ko-KR" altLang="en-US" sz="1450" dirty="0" err="1">
+                <a:solidFill>
+                  <a:srgbClr val="E7E6E6">
+                    <a:lumMod val="90000"/>
+                  </a:srgbClr>
+                </a:solidFill>
+              </a:rPr>
+              <a:t>마이페이지에서</a:t>
+            </a:r>
+            <a:r>
+              <a:rPr lang="ko-KR" altLang="en-US" sz="1450" dirty="0">
+                <a:solidFill>
+                  <a:srgbClr val="E7E6E6">
+                    <a:lumMod val="90000"/>
+                  </a:srgbClr>
+                </a:solidFill>
+              </a:rPr>
+              <a:t> </a:t>
             </a:r>
             <a:r>
               <a:rPr lang="en-US" altLang="ko-KR" sz="1450" dirty="0">
@@ -4224,7 +4244,7 @@
                   </a:srgbClr>
                 </a:solidFill>
               </a:rPr>
-              <a:t>회원은 마이페이지에서 ‘</a:t>
+              <a:t>회원은 </a:t>
             </a:r>
             <a:r>
               <a:rPr lang="ko-KR" altLang="en-US" sz="1450" dirty="0" err="1">
@@ -4234,6 +4254,26 @@
                   </a:srgbClr>
                 </a:solidFill>
               </a:rPr>
+              <a:t>마이페이지에서</a:t>
+            </a:r>
+            <a:r>
+              <a:rPr lang="ko-KR" altLang="en-US" sz="1450" dirty="0">
+                <a:solidFill>
+                  <a:srgbClr val="E7E6E6">
+                    <a:lumMod val="90000"/>
+                  </a:srgbClr>
+                </a:solidFill>
+              </a:rPr>
+              <a:t> ‘</a:t>
+            </a:r>
+            <a:r>
+              <a:rPr lang="ko-KR" altLang="en-US" sz="1450" dirty="0" err="1">
+                <a:solidFill>
+                  <a:srgbClr val="E7E6E6">
+                    <a:lumMod val="90000"/>
+                  </a:srgbClr>
+                </a:solidFill>
+              </a:rPr>
               <a:t>내정보</a:t>
             </a:r>
             <a:r>
@@ -4264,7 +4304,27 @@
                   </a:srgbClr>
                 </a:solidFill>
               </a:rPr>
-              <a:t> 상세보기 페이지에서 내정보를 수정</a:t>
+              <a:t> 상세보기 페이지에서 </a:t>
+            </a:r>
+            <a:r>
+              <a:rPr lang="ko-KR" altLang="en-US" sz="1450" dirty="0" err="1">
+                <a:solidFill>
+                  <a:srgbClr val="E7E6E6">
+                    <a:lumMod val="90000"/>
+                  </a:srgbClr>
+                </a:solidFill>
+              </a:rPr>
+              <a:t>내정보를</a:t>
+            </a:r>
+            <a:r>
+              <a:rPr lang="ko-KR" altLang="en-US" sz="1450" dirty="0">
+                <a:solidFill>
+                  <a:srgbClr val="E7E6E6">
+                    <a:lumMod val="90000"/>
+                  </a:srgbClr>
+                </a:solidFill>
+              </a:rPr>
+              <a:t> 수정</a:t>
             </a:r>
             <a:r>
               <a:rPr lang="en-US" altLang="ko-KR" sz="1450" dirty="0">
@@ -4342,7 +4402,7 @@
                   </a:srgbClr>
                 </a:solidFill>
               </a:rPr>
-              <a:t>회원은 마이페이지에서 ‘</a:t>
+              <a:t>회원은 </a:t>
             </a:r>
             <a:r>
               <a:rPr lang="ko-KR" altLang="en-US" sz="1450" dirty="0" err="1">
@@ -4352,6 +4412,26 @@
                   </a:srgbClr>
                 </a:solidFill>
               </a:rPr>
+              <a:t>마이페이지에서</a:t>
+            </a:r>
+            <a:r>
+              <a:rPr lang="ko-KR" altLang="en-US" sz="1450" dirty="0">
+                <a:solidFill>
+                  <a:srgbClr val="E7E6E6">
+                    <a:lumMod val="90000"/>
+                  </a:srgbClr>
+                </a:solidFill>
+              </a:rPr>
+              <a:t> ‘</a:t>
+            </a:r>
+            <a:r>
+              <a:rPr lang="ko-KR" altLang="en-US" sz="1450" dirty="0" err="1">
+                <a:solidFill>
+                  <a:srgbClr val="E7E6E6">
+                    <a:lumMod val="90000"/>
+                  </a:srgbClr>
+                </a:solidFill>
+              </a:rPr>
               <a:t>내정보</a:t>
             </a:r>
             <a:r>
@@ -4558,7 +4638,203 @@
                   </a:srgbClr>
                 </a:solidFill>
               </a:rPr>
-              <a:t>관리자는 ‘회원 관리’ 페이지에서 </a:t>
+              <a:t>관리자는 ‘회원 관리’ 페이지에서 회원아이디</a:t>
+            </a:r>
+            <a:r>
+              <a:rPr lang="en-US" altLang="ko-KR" sz="1450" dirty="0">
+                <a:solidFill>
+                  <a:srgbClr val="E7E6E6">
+                    <a:lumMod val="90000"/>
+                  </a:srgbClr>
+                </a:solidFill>
+              </a:rPr>
+              <a:t>, </a:t>
+            </a:r>
+            <a:r>
+              <a:rPr lang="ko-KR" altLang="en-US" sz="1450" dirty="0">
+                <a:solidFill>
+                  <a:srgbClr val="E7E6E6">
+                    <a:lumMod val="90000"/>
+                  </a:srgbClr>
+                </a:solidFill>
+              </a:rPr>
+              <a:t>이름 등으로 검색 할 수 있다</a:t>
+            </a:r>
+            <a:r>
+              <a:rPr lang="en-US" altLang="ko-KR" sz="1450" dirty="0">
+                <a:solidFill>
+                  <a:srgbClr val="E7E6E6">
+                    <a:lumMod val="90000"/>
+                  </a:srgbClr>
+                </a:solidFill>
+              </a:rPr>
+              <a:t>.</a:t>
+            </a:r>
+          </a:p>
+          <a:p>
+            <a:pPr lvl="1">
+              <a:lnSpc>
+                <a:spcPct val="160000"/>
+              </a:lnSpc>
+              <a:defRPr/>
+            </a:pPr>
+            <a:r>
+              <a:rPr lang="en-US" altLang="ko-KR" sz="1450" dirty="0">
+                <a:solidFill>
+                  <a:srgbClr val="E7E6E6">
+                    <a:lumMod val="90000"/>
+                  </a:srgbClr>
+                </a:solidFill>
+              </a:rPr>
+              <a:t>1-9. </a:t>
+            </a:r>
+            <a:r>
+              <a:rPr lang="ko-KR" altLang="en-US" sz="1450" dirty="0">
+                <a:solidFill>
+                  <a:srgbClr val="E7E6E6">
+                    <a:lumMod val="90000"/>
+                  </a:srgbClr>
+                </a:solidFill>
+              </a:rPr>
+              <a:t>관리자는 ‘회원 관리’ 페이지에서 각 회원을 상세보기</a:t>
+            </a:r>
+            <a:r>
+              <a:rPr lang="en-US" altLang="ko-KR" sz="1450" dirty="0">
+                <a:solidFill>
+                  <a:srgbClr val="E7E6E6">
+                    <a:lumMod val="90000"/>
+                  </a:srgbClr>
+                </a:solidFill>
+              </a:rPr>
+              <a:t>(</a:t>
+            </a:r>
+            <a:r>
+              <a:rPr lang="ko-KR" altLang="en-US" sz="1450" dirty="0">
+                <a:solidFill>
+                  <a:srgbClr val="E7E6E6">
+                    <a:lumMod val="90000"/>
+                  </a:srgbClr>
+                </a:solidFill>
+              </a:rPr>
+              <a:t>아이디</a:t>
+            </a:r>
+            <a:r>
+              <a:rPr lang="en-US" altLang="ko-KR" sz="1450" dirty="0">
+                <a:solidFill>
+                  <a:srgbClr val="E7E6E6">
+                    <a:lumMod val="90000"/>
+                  </a:srgbClr>
+                </a:solidFill>
+              </a:rPr>
+              <a:t>, </a:t>
+            </a:r>
+            <a:r>
+              <a:rPr lang="ko-KR" altLang="en-US" sz="1450" dirty="0">
+                <a:solidFill>
+                  <a:srgbClr val="E7E6E6">
+                    <a:lumMod val="90000"/>
+                  </a:srgbClr>
+                </a:solidFill>
+              </a:rPr>
+              <a:t>이메일</a:t>
+            </a:r>
+            <a:r>
+              <a:rPr lang="en-US" altLang="ko-KR" sz="1450" dirty="0">
+                <a:solidFill>
+                  <a:srgbClr val="E7E6E6">
+                    <a:lumMod val="90000"/>
+                  </a:srgbClr>
+                </a:solidFill>
+              </a:rPr>
+              <a:t>, </a:t>
+            </a:r>
+            <a:r>
+              <a:rPr lang="ko-KR" altLang="en-US" sz="1450" dirty="0">
+                <a:solidFill>
+                  <a:srgbClr val="E7E6E6">
+                    <a:lumMod val="90000"/>
+                  </a:srgbClr>
+                </a:solidFill>
+              </a:rPr>
+              <a:t>생년월일</a:t>
+            </a:r>
+            <a:r>
+              <a:rPr lang="en-US" altLang="ko-KR" sz="1450" dirty="0">
+                <a:solidFill>
+                  <a:srgbClr val="E7E6E6">
+                    <a:lumMod val="90000"/>
+                  </a:srgbClr>
+                </a:solidFill>
+              </a:rPr>
+              <a:t>, </a:t>
+            </a:r>
+            <a:r>
+              <a:rPr lang="ko-KR" altLang="en-US" sz="1450" dirty="0">
+                <a:solidFill>
+                  <a:srgbClr val="E7E6E6">
+                    <a:lumMod val="90000"/>
+                  </a:srgbClr>
+                </a:solidFill>
+              </a:rPr>
+              <a:t>핸드폰번호</a:t>
+            </a:r>
+            <a:r>
+              <a:rPr lang="en-US" altLang="ko-KR" sz="1450" dirty="0">
+                <a:solidFill>
+                  <a:srgbClr val="E7E6E6">
+                    <a:lumMod val="90000"/>
+                  </a:srgbClr>
+                </a:solidFill>
+              </a:rPr>
+              <a:t>) </a:t>
+            </a:r>
+            <a:r>
+              <a:rPr lang="ko-KR" altLang="en-US" sz="1450" dirty="0">
+                <a:solidFill>
+                  <a:srgbClr val="E7E6E6">
+                    <a:lumMod val="90000"/>
+                  </a:srgbClr>
+                </a:solidFill>
+              </a:rPr>
+              <a:t>할 수 있다</a:t>
+            </a:r>
+            <a:r>
+              <a:rPr lang="en-US" altLang="ko-KR" sz="1450" dirty="0">
+                <a:solidFill>
+                  <a:srgbClr val="E7E6E6">
+                    <a:lumMod val="90000"/>
+                  </a:srgbClr>
+                </a:solidFill>
+              </a:rPr>
+              <a:t>.</a:t>
+            </a:r>
+          </a:p>
+          <a:p>
+            <a:pPr lvl="1">
+              <a:lnSpc>
+                <a:spcPct val="160000"/>
+              </a:lnSpc>
+              <a:defRPr/>
+            </a:pPr>
+            <a:r>
+              <a:rPr lang="en-US" altLang="ko-KR" sz="1450" dirty="0">
+                <a:solidFill>
+                  <a:srgbClr val="E7E6E6">
+                    <a:lumMod val="90000"/>
+                  </a:srgbClr>
+                </a:solidFill>
+              </a:rPr>
+              <a:t>1-10. </a:t>
+            </a:r>
+            <a:r>
+              <a:rPr lang="ko-KR" altLang="en-US" sz="1450" dirty="0">
+                <a:solidFill>
+                  <a:srgbClr val="E7E6E6">
+                    <a:lumMod val="90000"/>
+                  </a:srgbClr>
+                </a:solidFill>
+              </a:rPr>
+              <a:t>관리자는 ‘회원 관리’ 페이지에서 각 회원의 상세보기 페이지에서 특정 회원을 </a:t>
             </a:r>
             <a:r>
               <a:rPr lang="ko-KR" altLang="en-US" sz="1450" dirty="0" err="1">
@@ -4568,27 +4844,17 @@
                   </a:srgbClr>
                 </a:solidFill>
               </a:rPr>
-              <a:t>회원아이디</a:t>
-            </a:r>
-            <a:r>
-              <a:rPr lang="en-US" altLang="ko-KR" sz="1450" dirty="0">
-                <a:solidFill>
-                  <a:srgbClr val="E7E6E6">
-                    <a:lumMod val="90000"/>
-                  </a:srgbClr>
-                </a:solidFill>
-              </a:rPr>
-              <a:t>, </a:t>
-            </a:r>
-            <a:r>
-              <a:rPr lang="ko-KR" altLang="en-US" sz="1450" dirty="0">
-                <a:solidFill>
-                  <a:srgbClr val="E7E6E6">
-                    <a:lumMod val="90000"/>
-                  </a:srgbClr>
-                </a:solidFill>
-              </a:rPr>
-              <a:t>이름 등으로 검색 할 수 있다</a:t>
+              <a:t>강퇴</a:t>
+            </a:r>
+            <a:r>
+              <a:rPr lang="ko-KR" altLang="en-US" sz="1450" dirty="0">
+                <a:solidFill>
+                  <a:srgbClr val="E7E6E6">
+                    <a:lumMod val="90000"/>
+                  </a:srgbClr>
+                </a:solidFill>
+              </a:rPr>
+              <a:t> 할 수 있다</a:t>
             </a:r>
             <a:r>
               <a:rPr lang="en-US" altLang="ko-KR" sz="1450" dirty="0">
@@ -4600,202 +4866,13 @@
               </a:rPr>
               <a:t>.</a:t>
             </a:r>
-          </a:p>
-          <a:p>
-            <a:pPr lvl="1">
-              <a:lnSpc>
-                <a:spcPct val="160000"/>
-              </a:lnSpc>
-              <a:defRPr/>
-            </a:pPr>
-            <a:r>
-              <a:rPr lang="en-US" altLang="ko-KR" sz="1450" dirty="0">
-                <a:solidFill>
-                  <a:srgbClr val="E7E6E6">
-                    <a:lumMod val="90000"/>
-                  </a:srgbClr>
-                </a:solidFill>
-              </a:rPr>
-              <a:t>1-9. </a:t>
-            </a:r>
-            <a:r>
-              <a:rPr lang="ko-KR" altLang="en-US" sz="1450" dirty="0">
-                <a:solidFill>
-                  <a:srgbClr val="E7E6E6">
-                    <a:lumMod val="90000"/>
-                  </a:srgbClr>
-                </a:solidFill>
-              </a:rPr>
-              <a:t>관리자는 ‘회원 관리’ 페이지에서 각 회원을 상세보기</a:t>
-            </a:r>
-            <a:r>
-              <a:rPr lang="en-US" altLang="ko-KR" sz="1450" dirty="0">
-                <a:solidFill>
-                  <a:srgbClr val="E7E6E6">
-                    <a:lumMod val="90000"/>
-                  </a:srgbClr>
-                </a:solidFill>
-              </a:rPr>
-              <a:t>(</a:t>
-            </a:r>
-            <a:r>
-              <a:rPr lang="ko-KR" altLang="en-US" sz="1450" dirty="0">
-                <a:solidFill>
-                  <a:srgbClr val="E7E6E6">
-                    <a:lumMod val="90000"/>
-                  </a:srgbClr>
-                </a:solidFill>
-              </a:rPr>
-              <a:t>아이디</a:t>
-            </a:r>
-            <a:r>
-              <a:rPr lang="en-US" altLang="ko-KR" sz="1450" dirty="0">
-                <a:solidFill>
-                  <a:srgbClr val="E7E6E6">
-                    <a:lumMod val="90000"/>
-                  </a:srgbClr>
-                </a:solidFill>
-              </a:rPr>
-              <a:t>, </a:t>
-            </a:r>
-            <a:r>
-              <a:rPr lang="ko-KR" altLang="en-US" sz="1450" dirty="0">
-                <a:solidFill>
-                  <a:srgbClr val="E7E6E6">
-                    <a:lumMod val="90000"/>
-                  </a:srgbClr>
-                </a:solidFill>
-              </a:rPr>
-              <a:t>이메일</a:t>
-            </a:r>
-            <a:r>
-              <a:rPr lang="en-US" altLang="ko-KR" sz="1450" dirty="0">
-                <a:solidFill>
-                  <a:srgbClr val="E7E6E6">
-                    <a:lumMod val="90000"/>
-                  </a:srgbClr>
-                </a:solidFill>
-              </a:rPr>
-              <a:t>, </a:t>
-            </a:r>
-            <a:r>
-              <a:rPr lang="ko-KR" altLang="en-US" sz="1450" dirty="0">
-                <a:solidFill>
-                  <a:srgbClr val="E7E6E6">
-                    <a:lumMod val="90000"/>
-                  </a:srgbClr>
-                </a:solidFill>
-              </a:rPr>
-              <a:t>생년월일</a:t>
-            </a:r>
-            <a:r>
-              <a:rPr lang="en-US" altLang="ko-KR" sz="1450" dirty="0">
-                <a:solidFill>
-                  <a:srgbClr val="E7E6E6">
-                    <a:lumMod val="90000"/>
-                  </a:srgbClr>
-                </a:solidFill>
-              </a:rPr>
-              <a:t>, </a:t>
-            </a:r>
-            <a:r>
-              <a:rPr lang="ko-KR" altLang="en-US" sz="1450" dirty="0">
-                <a:solidFill>
-                  <a:srgbClr val="E7E6E6">
-                    <a:lumMod val="90000"/>
-                  </a:srgbClr>
-                </a:solidFill>
-              </a:rPr>
-              <a:t>핸드폰번호</a:t>
-            </a:r>
-            <a:r>
-              <a:rPr lang="en-US" altLang="ko-KR" sz="1450" dirty="0">
-                <a:solidFill>
-                  <a:srgbClr val="E7E6E6">
-                    <a:lumMod val="90000"/>
-                  </a:srgbClr>
-                </a:solidFill>
-              </a:rPr>
-              <a:t>) </a:t>
-            </a:r>
-            <a:r>
-              <a:rPr lang="ko-KR" altLang="en-US" sz="1450" dirty="0">
-                <a:solidFill>
-                  <a:srgbClr val="E7E6E6">
-                    <a:lumMod val="90000"/>
-                  </a:srgbClr>
-                </a:solidFill>
-              </a:rPr>
-              <a:t>할 수 있다</a:t>
-            </a:r>
-            <a:r>
-              <a:rPr lang="en-US" altLang="ko-KR" sz="1450" dirty="0">
-                <a:solidFill>
-                  <a:srgbClr val="E7E6E6">
-                    <a:lumMod val="90000"/>
-                  </a:srgbClr>
-                </a:solidFill>
-              </a:rPr>
-              <a:t>.</a:t>
-            </a:r>
-          </a:p>
-          <a:p>
-            <a:pPr lvl="1">
-              <a:lnSpc>
-                <a:spcPct val="160000"/>
-              </a:lnSpc>
-              <a:defRPr/>
-            </a:pPr>
-            <a:r>
-              <a:rPr lang="en-US" altLang="ko-KR" sz="1450" dirty="0">
-                <a:solidFill>
-                  <a:srgbClr val="E7E6E6">
-                    <a:lumMod val="90000"/>
-                  </a:srgbClr>
-                </a:solidFill>
-              </a:rPr>
-              <a:t>1-10. </a:t>
-            </a:r>
-            <a:r>
-              <a:rPr lang="ko-KR" altLang="en-US" sz="1450" dirty="0">
-                <a:solidFill>
-                  <a:srgbClr val="E7E6E6">
-                    <a:lumMod val="90000"/>
-                  </a:srgbClr>
-                </a:solidFill>
-              </a:rPr>
-              <a:t>관리자는 ‘회원 관리’ 페이지에서 각 회원의 상세보기 페이지에서 특정 회원을 </a:t>
-            </a:r>
-            <a:r>
-              <a:rPr lang="ko-KR" altLang="en-US" sz="1450" dirty="0" err="1">
-                <a:solidFill>
-                  <a:srgbClr val="E7E6E6">
-                    <a:lumMod val="90000"/>
-                  </a:srgbClr>
-                </a:solidFill>
-              </a:rPr>
-              <a:t>강퇴</a:t>
-            </a:r>
-            <a:r>
-              <a:rPr lang="ko-KR" altLang="en-US" sz="1450" dirty="0">
-                <a:solidFill>
-                  <a:srgbClr val="E7E6E6">
-                    <a:lumMod val="90000"/>
-                  </a:srgbClr>
-                </a:solidFill>
-              </a:rPr>
-              <a:t> 할 수 있다</a:t>
-            </a:r>
-            <a:r>
-              <a:rPr lang="en-US" altLang="ko-KR" sz="1450" dirty="0">
-                <a:solidFill>
-                  <a:srgbClr val="E7E6E6">
-                    <a:lumMod val="90000"/>
-                  </a:srgbClr>
-                </a:solidFill>
-              </a:rPr>
-              <a:t>.</a:t>
-            </a:r>
+            <a:endParaRPr lang="en-US" altLang="ko-KR" sz="1450" dirty="0">
+              <a:solidFill>
+                <a:srgbClr val="E7E6E6">
+                  <a:lumMod val="90000"/>
+                </a:srgbClr>
+              </a:solidFill>
+            </a:endParaRPr>
           </a:p>
         </p:txBody>
       </p:sp>
@@ -4934,7 +5011,7 @@
         <p:spPr>
           <a:xfrm>
             <a:off x="0" y="1862515"/>
-            <a:ext cx="11737158" cy="3811749"/>
+            <a:ext cx="11737158" cy="3854901"/>
           </a:xfrm>
           <a:prstGeom prst="rect">
             <a:avLst/>
@@ -5010,7 +5087,7 @@
                   </a:srgbClr>
                 </a:solidFill>
               </a:rPr>
-              <a:t>회원은 마이페이지에서 ‘내 </a:t>
+              <a:t>회원은 </a:t>
             </a:r>
             <a:r>
               <a:rPr lang="ko-KR" altLang="en-US" sz="1450" dirty="0" err="1">
@@ -5020,6 +5097,26 @@
                   </a:srgbClr>
                 </a:solidFill>
               </a:rPr>
+              <a:t>마이페이지에서</a:t>
+            </a:r>
+            <a:r>
+              <a:rPr lang="ko-KR" altLang="en-US" sz="1450" dirty="0">
+                <a:solidFill>
+                  <a:srgbClr val="E7E6E6">
+                    <a:lumMod val="90000"/>
+                  </a:srgbClr>
+                </a:solidFill>
+              </a:rPr>
+              <a:t> ‘내 </a:t>
+            </a:r>
+            <a:r>
+              <a:rPr lang="ko-KR" altLang="en-US" sz="1450" dirty="0" err="1">
+                <a:solidFill>
+                  <a:srgbClr val="E7E6E6">
+                    <a:lumMod val="90000"/>
+                  </a:srgbClr>
+                </a:solidFill>
+              </a:rPr>
               <a:t>리뷰’를</a:t>
             </a:r>
             <a:r>
@@ -5088,7 +5185,7 @@
                   </a:srgbClr>
                 </a:solidFill>
               </a:rPr>
-              <a:t>회원은 마이페이지에서 ‘내 예매 </a:t>
+              <a:t>회원은 </a:t>
             </a:r>
             <a:r>
               <a:rPr lang="ko-KR" altLang="en-US" sz="1450" dirty="0" err="1">
@@ -5098,6 +5195,26 @@
                   </a:srgbClr>
                 </a:solidFill>
               </a:rPr>
+              <a:t>마이페이지에서</a:t>
+            </a:r>
+            <a:r>
+              <a:rPr lang="ko-KR" altLang="en-US" sz="1450" dirty="0">
+                <a:solidFill>
+                  <a:srgbClr val="E7E6E6">
+                    <a:lumMod val="90000"/>
+                  </a:srgbClr>
+                </a:solidFill>
+              </a:rPr>
+              <a:t> ‘내 예매 </a:t>
+            </a:r>
+            <a:r>
+              <a:rPr lang="ko-KR" altLang="en-US" sz="1450" dirty="0" err="1">
+                <a:solidFill>
+                  <a:srgbClr val="E7E6E6">
+                    <a:lumMod val="90000"/>
+                  </a:srgbClr>
+                </a:solidFill>
+              </a:rPr>
               <a:t>내역’를</a:t>
             </a:r>
             <a:r>
@@ -5146,7 +5263,47 @@
                   </a:srgbClr>
                 </a:solidFill>
               </a:rPr>
-              <a:t>비회원과 회원과 관리자는 리뷰게시판 페이지에서 모든 회원이 작성한 리뷰 게시글을 조회 할 수 있다</a:t>
+              <a:t>비회원과 회원과 관리자는 </a:t>
+            </a:r>
+            <a:r>
+              <a:rPr lang="ko-KR" altLang="en-US" sz="1450" dirty="0" err="1">
+                <a:solidFill>
+                  <a:srgbClr val="E7E6E6">
+                    <a:lumMod val="90000"/>
+                  </a:srgbClr>
+                </a:solidFill>
+              </a:rPr>
+              <a:t>리뷰게시판</a:t>
+            </a:r>
+            <a:r>
+              <a:rPr lang="ko-KR" altLang="en-US" sz="1450" dirty="0">
+                <a:solidFill>
+                  <a:srgbClr val="E7E6E6">
+                    <a:lumMod val="90000"/>
+                  </a:srgbClr>
+                </a:solidFill>
+              </a:rPr>
+              <a:t> 페이지에서 모든 회원이 작성한 리뷰 </a:t>
+            </a:r>
+            <a:r>
+              <a:rPr lang="ko-KR" altLang="en-US" sz="1450" dirty="0" err="1">
+                <a:solidFill>
+                  <a:srgbClr val="E7E6E6">
+                    <a:lumMod val="90000"/>
+                  </a:srgbClr>
+                </a:solidFill>
+              </a:rPr>
+              <a:t>게시글을</a:t>
+            </a:r>
+            <a:r>
+              <a:rPr lang="ko-KR" altLang="en-US" sz="1450" dirty="0">
+                <a:solidFill>
+                  <a:srgbClr val="E7E6E6">
+                    <a:lumMod val="90000"/>
+                  </a:srgbClr>
+                </a:solidFill>
+              </a:rPr>
+              <a:t> 조회 할 수 있다</a:t>
             </a:r>
             <a:r>
               <a:rPr lang="en-US" altLang="ko-KR" sz="1450" dirty="0">
@@ -5264,7 +5421,27 @@
                   </a:srgbClr>
                 </a:solidFill>
               </a:rPr>
-              <a:t>비회원과 회원과 관리자는 리뷰게시판 페이지에서 특정 키워드를 입력하여</a:t>
+              <a:t>비회원과 회원과 관리자는 </a:t>
+            </a:r>
+            <a:r>
+              <a:rPr lang="ko-KR" altLang="en-US" sz="1450" dirty="0" err="1">
+                <a:solidFill>
+                  <a:srgbClr val="E7E6E6">
+                    <a:lumMod val="90000"/>
+                  </a:srgbClr>
+                </a:solidFill>
+              </a:rPr>
+              <a:t>리뷰게시판</a:t>
+            </a:r>
+            <a:r>
+              <a:rPr lang="ko-KR" altLang="en-US" sz="1450" dirty="0">
+                <a:solidFill>
+                  <a:srgbClr val="E7E6E6">
+                    <a:lumMod val="90000"/>
+                  </a:srgbClr>
+                </a:solidFill>
+              </a:rPr>
+              <a:t> 페이지에서 특정 키워드를 입력하여</a:t>
             </a:r>
             <a:r>
               <a:rPr lang="en-US" altLang="ko-KR" sz="1450" dirty="0">
@@ -5382,7 +5559,7 @@
                   </a:srgbClr>
                 </a:solidFill>
               </a:rPr>
-              <a:t>비회원과 회원과 관리자는 리뷰게시판 페이지에서 리뷰제목을 클릭하여 모든 회원이 작성한 </a:t>
+              <a:t>비회원과 회원과 관리자는 </a:t>
             </a:r>
             <a:r>
               <a:rPr lang="ko-KR" altLang="en-US" sz="1450" dirty="0" err="1">
@@ -5392,6 +5569,46 @@
                   </a:srgbClr>
                 </a:solidFill>
               </a:rPr>
+              <a:t>리뷰게시판</a:t>
+            </a:r>
+            <a:r>
+              <a:rPr lang="ko-KR" altLang="en-US" sz="1450" dirty="0">
+                <a:solidFill>
+                  <a:srgbClr val="E7E6E6">
+                    <a:lumMod val="90000"/>
+                  </a:srgbClr>
+                </a:solidFill>
+              </a:rPr>
+              <a:t> 페이지에서 </a:t>
+            </a:r>
+            <a:r>
+              <a:rPr lang="ko-KR" altLang="en-US" sz="1450" dirty="0" err="1">
+                <a:solidFill>
+                  <a:srgbClr val="E7E6E6">
+                    <a:lumMod val="90000"/>
+                  </a:srgbClr>
+                </a:solidFill>
+              </a:rPr>
+              <a:t>리뷰제목을</a:t>
+            </a:r>
+            <a:r>
+              <a:rPr lang="ko-KR" altLang="en-US" sz="1450" dirty="0">
+                <a:solidFill>
+                  <a:srgbClr val="E7E6E6">
+                    <a:lumMod val="90000"/>
+                  </a:srgbClr>
+                </a:solidFill>
+              </a:rPr>
+              <a:t> 클릭하여 모든 회원이 작성한 </a:t>
+            </a:r>
+            <a:r>
+              <a:rPr lang="ko-KR" altLang="en-US" sz="1450" dirty="0" err="1">
+                <a:solidFill>
+                  <a:srgbClr val="E7E6E6">
+                    <a:lumMod val="90000"/>
+                  </a:srgbClr>
+                </a:solidFill>
+              </a:rPr>
               <a:t>리뷰글들을</a:t>
             </a:r>
             <a:r>
@@ -5412,26 +5629,7 @@
                   </a:srgbClr>
                 </a:solidFill>
               </a:rPr>
-              <a:t>. </a:t>
-            </a:r>
-            <a:br>
-              <a:rPr lang="en-US" altLang="ko-KR" sz="1450" dirty="0">
-                <a:solidFill>
-                  <a:srgbClr val="E7E6E6">
-                    <a:lumMod val="90000"/>
-                  </a:srgbClr>
-                </a:solidFill>
-              </a:rPr>
-            </a:br>
-            <a:r>
-              <a:rPr lang="en-US" altLang="ko-KR" sz="1450" dirty="0">
-                <a:solidFill>
-                  <a:srgbClr val="E7E6E6">
-                    <a:lumMod val="90000"/>
-                  </a:srgbClr>
-                </a:solidFill>
-              </a:rPr>
-              <a:t>     (</a:t>
+              <a:t>. (</a:t>
             </a:r>
             <a:r>
               <a:rPr lang="ko-KR" altLang="en-US" sz="1450" dirty="0">
@@ -5474,14 +5672,24 @@
               <a:t>, </a:t>
             </a:r>
             <a:r>
-              <a:rPr lang="ko-KR" altLang="en-US" sz="1450" dirty="0">
-                <a:solidFill>
-                  <a:srgbClr val="E7E6E6">
-                    <a:lumMod val="90000"/>
-                  </a:srgbClr>
-                </a:solidFill>
-              </a:rPr>
-              <a:t>작성한사람 아이디</a:t>
+              <a:rPr lang="ko-KR" altLang="en-US" sz="1450" dirty="0" err="1">
+                <a:solidFill>
+                  <a:srgbClr val="E7E6E6">
+                    <a:lumMod val="90000"/>
+                  </a:srgbClr>
+                </a:solidFill>
+              </a:rPr>
+              <a:t>작성한사람</a:t>
+            </a:r>
+            <a:r>
+              <a:rPr lang="ko-KR" altLang="en-US" sz="1450" dirty="0">
+                <a:solidFill>
+                  <a:srgbClr val="E7E6E6">
+                    <a:lumMod val="90000"/>
+                  </a:srgbClr>
+                </a:solidFill>
+              </a:rPr>
+              <a:t> 아이디</a:t>
             </a:r>
             <a:r>
               <a:rPr lang="en-US" altLang="ko-KR" sz="1450" dirty="0">
@@ -5559,7 +5767,7 @@
                   </a:srgbClr>
                 </a:solidFill>
               </a:rPr>
-              <a:t>회원은 리뷰게시판 페이지에서 자신이 작성한 게시글을 클릭 후 </a:t>
+              <a:t>회원은 </a:t>
             </a:r>
             <a:r>
               <a:rPr lang="ko-KR" altLang="en-US" sz="1450" dirty="0" err="1">
@@ -5569,6 +5777,46 @@
                   </a:srgbClr>
                 </a:solidFill>
               </a:rPr>
+              <a:t>리뷰게시판</a:t>
+            </a:r>
+            <a:r>
+              <a:rPr lang="ko-KR" altLang="en-US" sz="1450" dirty="0">
+                <a:solidFill>
+                  <a:srgbClr val="E7E6E6">
+                    <a:lumMod val="90000"/>
+                  </a:srgbClr>
+                </a:solidFill>
+              </a:rPr>
+              <a:t> 페이지에서 자신이 작성한 </a:t>
+            </a:r>
+            <a:r>
+              <a:rPr lang="ko-KR" altLang="en-US" sz="1450" dirty="0" err="1">
+                <a:solidFill>
+                  <a:srgbClr val="E7E6E6">
+                    <a:lumMod val="90000"/>
+                  </a:srgbClr>
+                </a:solidFill>
+              </a:rPr>
+              <a:t>게시글을</a:t>
+            </a:r>
+            <a:r>
+              <a:rPr lang="ko-KR" altLang="en-US" sz="1450" dirty="0">
+                <a:solidFill>
+                  <a:srgbClr val="E7E6E6">
+                    <a:lumMod val="90000"/>
+                  </a:srgbClr>
+                </a:solidFill>
+              </a:rPr>
+              <a:t> 클릭 후 </a:t>
+            </a:r>
+            <a:r>
+              <a:rPr lang="ko-KR" altLang="en-US" sz="1450" dirty="0" err="1">
+                <a:solidFill>
+                  <a:srgbClr val="E7E6E6">
+                    <a:lumMod val="90000"/>
+                  </a:srgbClr>
+                </a:solidFill>
+              </a:rPr>
               <a:t>리뷰글</a:t>
             </a:r>
             <a:r>
@@ -5617,7 +5865,27 @@
                   </a:srgbClr>
                 </a:solidFill>
               </a:rPr>
-              <a:t>회원은 리뷰게시판 페이지에서 다른 회원이 작성한 </a:t>
+              <a:t>회원은 </a:t>
+            </a:r>
+            <a:r>
+              <a:rPr lang="ko-KR" altLang="en-US" sz="1450" dirty="0" err="1">
+                <a:solidFill>
+                  <a:srgbClr val="E7E6E6">
+                    <a:lumMod val="90000"/>
+                  </a:srgbClr>
+                </a:solidFill>
+              </a:rPr>
+              <a:t>리뷰게시판</a:t>
+            </a:r>
+            <a:r>
+              <a:rPr lang="ko-KR" altLang="en-US" sz="1450" dirty="0">
+                <a:solidFill>
+                  <a:srgbClr val="E7E6E6">
+                    <a:lumMod val="90000"/>
+                  </a:srgbClr>
+                </a:solidFill>
+              </a:rPr>
+              <a:t> 페이지에서 다른 회원이 작성한 </a:t>
             </a:r>
             <a:r>
               <a:rPr lang="ko-KR" altLang="en-US" sz="1450" dirty="0" err="1">
@@ -5827,7 +6095,7 @@
         <p:spPr>
           <a:xfrm>
             <a:off x="0" y="2114537"/>
-            <a:ext cx="11704386" cy="2628925"/>
+            <a:ext cx="11704386" cy="2677656"/>
           </a:xfrm>
           <a:prstGeom prst="rect">
             <a:avLst/>
@@ -5933,7 +6201,47 @@
                   </a:srgbClr>
                 </a:solidFill>
               </a:rPr>
-              <a:t>비회원과 회원과 관리자는 리뷰게시판 페이지에서 게시글 상세보기 페이지에서 댓글들을 조회 할 수 있다</a:t>
+              <a:t>비회원과 회원과 관리자는 </a:t>
+            </a:r>
+            <a:r>
+              <a:rPr lang="ko-KR" altLang="en-US" sz="1450" dirty="0" err="1">
+                <a:solidFill>
+                  <a:srgbClr val="E7E6E6">
+                    <a:lumMod val="90000"/>
+                  </a:srgbClr>
+                </a:solidFill>
+              </a:rPr>
+              <a:t>리뷰게시판</a:t>
+            </a:r>
+            <a:r>
+              <a:rPr lang="ko-KR" altLang="en-US" sz="1450" dirty="0">
+                <a:solidFill>
+                  <a:srgbClr val="E7E6E6">
+                    <a:lumMod val="90000"/>
+                  </a:srgbClr>
+                </a:solidFill>
+              </a:rPr>
+              <a:t> 페이지에서 </a:t>
+            </a:r>
+            <a:r>
+              <a:rPr lang="ko-KR" altLang="en-US" sz="1450" dirty="0" err="1">
+                <a:solidFill>
+                  <a:srgbClr val="E7E6E6">
+                    <a:lumMod val="90000"/>
+                  </a:srgbClr>
+                </a:solidFill>
+              </a:rPr>
+              <a:t>게시글</a:t>
+            </a:r>
+            <a:r>
+              <a:rPr lang="ko-KR" altLang="en-US" sz="1450" dirty="0">
+                <a:solidFill>
+                  <a:srgbClr val="E7E6E6">
+                    <a:lumMod val="90000"/>
+                  </a:srgbClr>
+                </a:solidFill>
+              </a:rPr>
+              <a:t> 상세보기 페이지에서 댓글들을 조회 할 수 있다</a:t>
             </a:r>
             <a:r>
               <a:rPr lang="en-US" altLang="ko-KR" sz="1450" dirty="0">
@@ -5971,7 +6279,47 @@
                   </a:srgbClr>
                 </a:solidFill>
               </a:rPr>
-              <a:t>회원은 리뷰게시판 페이지에서 게시글을 상세보기 페이지에서 댓글을 작성하면 해당 게시물 하단에 자신의 댓글이 등록된다</a:t>
+              <a:t>회원은 </a:t>
+            </a:r>
+            <a:r>
+              <a:rPr lang="ko-KR" altLang="en-US" sz="1450" dirty="0" err="1">
+                <a:solidFill>
+                  <a:srgbClr val="E7E6E6">
+                    <a:lumMod val="90000"/>
+                  </a:srgbClr>
+                </a:solidFill>
+              </a:rPr>
+              <a:t>리뷰게시판</a:t>
+            </a:r>
+            <a:r>
+              <a:rPr lang="ko-KR" altLang="en-US" sz="1450" dirty="0">
+                <a:solidFill>
+                  <a:srgbClr val="E7E6E6">
+                    <a:lumMod val="90000"/>
+                  </a:srgbClr>
+                </a:solidFill>
+              </a:rPr>
+              <a:t> 페이지에서 </a:t>
+            </a:r>
+            <a:r>
+              <a:rPr lang="ko-KR" altLang="en-US" sz="1450" dirty="0" err="1">
+                <a:solidFill>
+                  <a:srgbClr val="E7E6E6">
+                    <a:lumMod val="90000"/>
+                  </a:srgbClr>
+                </a:solidFill>
+              </a:rPr>
+              <a:t>게시글을</a:t>
+            </a:r>
+            <a:r>
+              <a:rPr lang="ko-KR" altLang="en-US" sz="1450" dirty="0">
+                <a:solidFill>
+                  <a:srgbClr val="E7E6E6">
+                    <a:lumMod val="90000"/>
+                  </a:srgbClr>
+                </a:solidFill>
+              </a:rPr>
+              <a:t> 상세보기 페이지에서 댓글을 작성하면 해당 게시물 하단에 자신의 댓글이 등록된다</a:t>
             </a:r>
             <a:r>
               <a:rPr lang="en-US" altLang="ko-KR" sz="1450" dirty="0">
@@ -6009,7 +6357,47 @@
                   </a:srgbClr>
                 </a:solidFill>
               </a:rPr>
-              <a:t>회원은 리뷰게시판 페이지에서 게시글을 상세보기 페이지에서 해당 게시물에서 자신이 작성한 댓글을 수정 및 삭제 할 수 있다</a:t>
+              <a:t>회원은 </a:t>
+            </a:r>
+            <a:r>
+              <a:rPr lang="ko-KR" altLang="en-US" sz="1450" dirty="0" err="1">
+                <a:solidFill>
+                  <a:srgbClr val="E7E6E6">
+                    <a:lumMod val="90000"/>
+                  </a:srgbClr>
+                </a:solidFill>
+              </a:rPr>
+              <a:t>리뷰게시판</a:t>
+            </a:r>
+            <a:r>
+              <a:rPr lang="ko-KR" altLang="en-US" sz="1450" dirty="0">
+                <a:solidFill>
+                  <a:srgbClr val="E7E6E6">
+                    <a:lumMod val="90000"/>
+                  </a:srgbClr>
+                </a:solidFill>
+              </a:rPr>
+              <a:t> 페이지에서 </a:t>
+            </a:r>
+            <a:r>
+              <a:rPr lang="ko-KR" altLang="en-US" sz="1450" dirty="0" err="1">
+                <a:solidFill>
+                  <a:srgbClr val="E7E6E6">
+                    <a:lumMod val="90000"/>
+                  </a:srgbClr>
+                </a:solidFill>
+              </a:rPr>
+              <a:t>게시글을</a:t>
+            </a:r>
+            <a:r>
+              <a:rPr lang="ko-KR" altLang="en-US" sz="1450" dirty="0">
+                <a:solidFill>
+                  <a:srgbClr val="E7E6E6">
+                    <a:lumMod val="90000"/>
+                  </a:srgbClr>
+                </a:solidFill>
+              </a:rPr>
+              <a:t> 상세보기 페이지에서 해당 게시물에서 자신이 작성한 댓글을 수정 및 삭제 할 수 있다</a:t>
             </a:r>
             <a:r>
               <a:rPr lang="en-US" altLang="ko-KR" sz="1450" dirty="0">
@@ -6047,7 +6435,47 @@
                   </a:srgbClr>
                 </a:solidFill>
               </a:rPr>
-              <a:t>회원은 리뷰게시판 게시글 상세보기 페이지에서 다른 회원이 작성한 댓글을 신고할 수 있다</a:t>
+              <a:t>회원은 </a:t>
+            </a:r>
+            <a:r>
+              <a:rPr lang="ko-KR" altLang="en-US" sz="1450" dirty="0" err="1">
+                <a:solidFill>
+                  <a:srgbClr val="E7E6E6">
+                    <a:lumMod val="90000"/>
+                  </a:srgbClr>
+                </a:solidFill>
+              </a:rPr>
+              <a:t>리뷰게시판</a:t>
+            </a:r>
+            <a:r>
+              <a:rPr lang="ko-KR" altLang="en-US" sz="1450" dirty="0">
+                <a:solidFill>
+                  <a:srgbClr val="E7E6E6">
+                    <a:lumMod val="90000"/>
+                  </a:srgbClr>
+                </a:solidFill>
+              </a:rPr>
+              <a:t> </a:t>
+            </a:r>
+            <a:r>
+              <a:rPr lang="ko-KR" altLang="en-US" sz="1450" dirty="0" err="1">
+                <a:solidFill>
+                  <a:srgbClr val="E7E6E6">
+                    <a:lumMod val="90000"/>
+                  </a:srgbClr>
+                </a:solidFill>
+              </a:rPr>
+              <a:t>게시글</a:t>
+            </a:r>
+            <a:r>
+              <a:rPr lang="ko-KR" altLang="en-US" sz="1450" dirty="0">
+                <a:solidFill>
+                  <a:srgbClr val="E7E6E6">
+                    <a:lumMod val="90000"/>
+                  </a:srgbClr>
+                </a:solidFill>
+              </a:rPr>
+              <a:t> 상세보기 페이지에서 다른 회원이 작성한 댓글을 신고할 수 있다</a:t>
             </a:r>
             <a:r>
               <a:rPr lang="en-US" altLang="ko-KR" sz="1450" dirty="0">
@@ -6085,7 +6513,47 @@
                   </a:srgbClr>
                 </a:solidFill>
               </a:rPr>
-              <a:t>관리자는 리뷰게시판 게시글 상세보기 페이지에 있는 모든 회원들의 댓글을 삭제할 수 있다</a:t>
+              <a:t>관리자는 </a:t>
+            </a:r>
+            <a:r>
+              <a:rPr lang="ko-KR" altLang="en-US" sz="1450" dirty="0" err="1">
+                <a:solidFill>
+                  <a:srgbClr val="E7E6E6">
+                    <a:lumMod val="90000"/>
+                  </a:srgbClr>
+                </a:solidFill>
+              </a:rPr>
+              <a:t>리뷰게시판</a:t>
+            </a:r>
+            <a:r>
+              <a:rPr lang="ko-KR" altLang="en-US" sz="1450" dirty="0">
+                <a:solidFill>
+                  <a:srgbClr val="E7E6E6">
+                    <a:lumMod val="90000"/>
+                  </a:srgbClr>
+                </a:solidFill>
+              </a:rPr>
+              <a:t> </a:t>
+            </a:r>
+            <a:r>
+              <a:rPr lang="ko-KR" altLang="en-US" sz="1450" dirty="0" err="1">
+                <a:solidFill>
+                  <a:srgbClr val="E7E6E6">
+                    <a:lumMod val="90000"/>
+                  </a:srgbClr>
+                </a:solidFill>
+              </a:rPr>
+              <a:t>게시글</a:t>
+            </a:r>
+            <a:r>
+              <a:rPr lang="ko-KR" altLang="en-US" sz="1450" dirty="0">
+                <a:solidFill>
+                  <a:srgbClr val="E7E6E6">
+                    <a:lumMod val="90000"/>
+                  </a:srgbClr>
+                </a:solidFill>
+              </a:rPr>
+              <a:t> 상세보기 페이지에 있는 모든 회원들의 댓글을 삭제할 수 있다</a:t>
             </a:r>
             <a:r>
               <a:rPr lang="en-US" altLang="ko-KR" sz="1450" dirty="0">
@@ -6237,7 +6705,7 @@
         <p:spPr>
           <a:xfrm>
             <a:off x="0" y="2021679"/>
-            <a:ext cx="11564802" cy="3330655"/>
+            <a:ext cx="11564802" cy="3379387"/>
           </a:xfrm>
           <a:prstGeom prst="rect">
             <a:avLst/>
@@ -6403,36 +6871,62 @@
                   </a:srgbClr>
                 </a:solidFill>
               </a:rPr>
-              <a:t>과</a:t>
-            </a:r>
-            <a:br>
-              <a:rPr lang="en-US" altLang="ko-KR" sz="1450" dirty="0">
-                <a:solidFill>
-                  <a:srgbClr val="E7E6E6">
-                    <a:lumMod val="90000"/>
-                  </a:srgbClr>
-                </a:solidFill>
-              </a:rPr>
-            </a:br>
-            <a:r>
-              <a:rPr lang="en-US" altLang="ko-KR" sz="1450" dirty="0">
-                <a:solidFill>
-                  <a:srgbClr val="E7E6E6">
-                    <a:lumMod val="90000"/>
-                  </a:srgbClr>
-                </a:solidFill>
-              </a:rPr>
-              <a:t>      </a:t>
-            </a:r>
-            <a:r>
-              <a:rPr lang="ko-KR" altLang="en-US" sz="1450" dirty="0">
-                <a:solidFill>
-                  <a:srgbClr val="E7E6E6">
-                    <a:lumMod val="90000"/>
-                  </a:srgbClr>
-                </a:solidFill>
-              </a:rPr>
-              <a:t>각 회원이 작성한 </a:t>
+              <a:t>과 </a:t>
+            </a:r>
+            <a:endParaRPr lang="en-US" altLang="ko-KR" sz="1450" dirty="0" smtClean="0">
+              <a:solidFill>
+                <a:srgbClr val="E7E6E6">
+                  <a:lumMod val="90000"/>
+                </a:srgbClr>
+              </a:solidFill>
+            </a:endParaRPr>
+          </a:p>
+          <a:p>
+            <a:pPr lvl="1">
+              <a:lnSpc>
+                <a:spcPct val="160000"/>
+              </a:lnSpc>
+              <a:defRPr/>
+            </a:pPr>
+            <a:r>
+              <a:rPr lang="en-US" altLang="ko-KR" sz="1450" dirty="0">
+                <a:solidFill>
+                  <a:srgbClr val="E7E6E6">
+                    <a:lumMod val="90000"/>
+                  </a:srgbClr>
+                </a:solidFill>
+              </a:rPr>
+              <a:t> </a:t>
+            </a:r>
+            <a:r>
+              <a:rPr lang="en-US" altLang="ko-KR" sz="1450" dirty="0" smtClean="0">
+                <a:solidFill>
+                  <a:srgbClr val="E7E6E6">
+                    <a:lumMod val="90000"/>
+                  </a:srgbClr>
+                </a:solidFill>
+              </a:rPr>
+              <a:t>     </a:t>
+            </a:r>
+            <a:r>
+              <a:rPr lang="ko-KR" altLang="en-US" sz="1450" dirty="0" smtClean="0">
+                <a:solidFill>
+                  <a:srgbClr val="E7E6E6">
+                    <a:lumMod val="90000"/>
+                  </a:srgbClr>
+                </a:solidFill>
+              </a:rPr>
+              <a:t>각 </a:t>
+            </a:r>
+            <a:r>
+              <a:rPr lang="ko-KR" altLang="en-US" sz="1450" dirty="0">
+                <a:solidFill>
+                  <a:srgbClr val="E7E6E6">
+                    <a:lumMod val="90000"/>
+                  </a:srgbClr>
+                </a:solidFill>
+              </a:rPr>
+              <a:t>회원이 작성한 </a:t>
             </a:r>
             <a:r>
               <a:rPr lang="ko-KR" altLang="en-US" sz="1450" dirty="0" err="1">
@@ -6485,7 +6979,7 @@
               <a:t>개</a:t>
             </a:r>
             <a:r>
-              <a:rPr lang="en-US" altLang="ko-KR" sz="1450" dirty="0">
+              <a:rPr lang="en-US" altLang="ko-KR" sz="1450" dirty="0" smtClean="0">
                 <a:solidFill>
                   <a:srgbClr val="E7E6E6">
                     <a:lumMod val="90000"/>
@@ -6495,7 +6989,7 @@
               <a:t>)</a:t>
             </a:r>
             <a:r>
-              <a:rPr lang="ko-KR" altLang="en-US" sz="1450" dirty="0">
+              <a:rPr lang="ko-KR" altLang="en-US" sz="1450" dirty="0" smtClean="0">
                 <a:solidFill>
                   <a:srgbClr val="E7E6E6">
                     <a:lumMod val="90000"/>
@@ -6774,7 +7268,7 @@
                   </a:srgbClr>
                 </a:solidFill>
               </a:rPr>
-              <a:t>회원은 마이페이지에서 ‘내가 작성한 </a:t>
+              <a:t>회원은 </a:t>
             </a:r>
             <a:r>
               <a:rPr lang="ko-KR" altLang="en-US" sz="1450" dirty="0" err="1">
@@ -6784,27 +7278,37 @@
                   </a:srgbClr>
                 </a:solidFill>
               </a:rPr>
-              <a:t>한줄평</a:t>
-            </a:r>
-            <a:r>
-              <a:rPr lang="en-US" altLang="ko-KR" sz="1450" dirty="0">
-                <a:solidFill>
-                  <a:srgbClr val="E7E6E6">
-                    <a:lumMod val="90000"/>
-                  </a:srgbClr>
-                </a:solidFill>
-              </a:rPr>
-              <a:t>’</a:t>
-            </a:r>
-            <a:r>
-              <a:rPr lang="ko-KR" altLang="en-US" sz="1450" dirty="0">
-                <a:solidFill>
-                  <a:srgbClr val="E7E6E6">
-                    <a:lumMod val="90000"/>
-                  </a:srgbClr>
-                </a:solidFill>
-              </a:rPr>
-              <a:t>에서 내가 작성한 </a:t>
+              <a:t>마이페이지에서</a:t>
+            </a:r>
+            <a:r>
+              <a:rPr lang="ko-KR" altLang="en-US" sz="1450" dirty="0">
+                <a:solidFill>
+                  <a:srgbClr val="E7E6E6">
+                    <a:lumMod val="90000"/>
+                  </a:srgbClr>
+                </a:solidFill>
+              </a:rPr>
+              <a:t> ‘내가 작성한 </a:t>
+            </a:r>
+            <a:r>
+              <a:rPr lang="ko-KR" altLang="en-US" sz="1450" dirty="0" err="1">
+                <a:solidFill>
+                  <a:srgbClr val="E7E6E6">
+                    <a:lumMod val="90000"/>
+                  </a:srgbClr>
+                </a:solidFill>
+              </a:rPr>
+              <a:t>한줄평’에서</a:t>
+            </a:r>
+            <a:r>
+              <a:rPr lang="ko-KR" altLang="en-US" sz="1450" dirty="0">
+                <a:solidFill>
+                  <a:srgbClr val="E7E6E6">
+                    <a:lumMod val="90000"/>
+                  </a:srgbClr>
+                </a:solidFill>
+              </a:rPr>
+              <a:t> 내가 작성한 </a:t>
             </a:r>
             <a:r>
               <a:rPr lang="ko-KR" altLang="en-US" sz="1450" dirty="0" err="1">
@@ -7074,7 +7578,7 @@
         <p:spPr>
           <a:xfrm>
             <a:off x="0" y="2123460"/>
-            <a:ext cx="11836944" cy="2985946"/>
+            <a:ext cx="11836944" cy="3034677"/>
           </a:xfrm>
           <a:prstGeom prst="rect">
             <a:avLst/>
@@ -7160,19 +7664,35 @@
                   </a:srgbClr>
                 </a:solidFill>
               </a:rPr>
-              <a:t>,</a:t>
-            </a:r>
-            <a:br>
-              <a:rPr lang="en-US" altLang="ko-KR" sz="1450" dirty="0">
-                <a:solidFill>
-                  <a:srgbClr val="E7E6E6">
-                    <a:lumMod val="90000"/>
-                  </a:srgbClr>
-                </a:solidFill>
-              </a:rPr>
-            </a:br>
-            <a:r>
-              <a:rPr lang="en-US" altLang="ko-KR" sz="1450" dirty="0">
+              <a:t>, </a:t>
+            </a:r>
+            <a:endParaRPr lang="en-US" altLang="ko-KR" sz="1450" dirty="0" smtClean="0">
+              <a:solidFill>
+                <a:srgbClr val="E7E6E6">
+                  <a:lumMod val="90000"/>
+                </a:srgbClr>
+              </a:solidFill>
+            </a:endParaRPr>
+          </a:p>
+          <a:p>
+            <a:pPr lvl="1">
+              <a:lnSpc>
+                <a:spcPct val="160000"/>
+              </a:lnSpc>
+              <a:defRPr/>
+            </a:pPr>
+            <a:r>
+              <a:rPr lang="en-US" altLang="ko-KR" sz="1450" dirty="0">
+                <a:solidFill>
+                  <a:srgbClr val="E7E6E6">
+                    <a:lumMod val="90000"/>
+                  </a:srgbClr>
+                </a:solidFill>
+              </a:rPr>
+              <a:t> </a:t>
+            </a:r>
+            <a:r>
+              <a:rPr lang="en-US" altLang="ko-KR" sz="1450" dirty="0" smtClean="0">
                 <a:solidFill>
                   <a:srgbClr val="E7E6E6">
                     <a:lumMod val="90000"/>
@@ -7182,14 +7702,24 @@
               <a:t>     </a:t>
             </a:r>
             <a:r>
-              <a:rPr lang="ko-KR" altLang="en-US" sz="1450" dirty="0">
-                <a:solidFill>
-                  <a:srgbClr val="E7E6E6">
-                    <a:lumMod val="90000"/>
-                  </a:srgbClr>
-                </a:solidFill>
-              </a:rPr>
-              <a:t>좌석과 인원을 선택 후 결제하여 영화를 예매할 수 있다</a:t>
+              <a:rPr lang="ko-KR" altLang="en-US" sz="1450" dirty="0" smtClean="0">
+                <a:solidFill>
+                  <a:srgbClr val="E7E6E6">
+                    <a:lumMod val="90000"/>
+                  </a:srgbClr>
+                </a:solidFill>
+              </a:rPr>
+              <a:t>좌석과 </a:t>
+            </a:r>
+            <a:r>
+              <a:rPr lang="ko-KR" altLang="en-US" sz="1450" dirty="0">
+                <a:solidFill>
+                  <a:srgbClr val="E7E6E6">
+                    <a:lumMod val="90000"/>
+                  </a:srgbClr>
+                </a:solidFill>
+              </a:rPr>
+              <a:t>인원을 선택 후 결제하여 영화를 예매할 수 있다</a:t>
             </a:r>
             <a:r>
               <a:rPr lang="en-US" altLang="ko-KR" sz="1450" dirty="0">
@@ -7217,7 +7747,17 @@
                   </a:srgbClr>
                 </a:solidFill>
               </a:rPr>
-              <a:t>     (</a:t>
+              <a:t>     </a:t>
+            </a:r>
+            <a:r>
+              <a:rPr lang="en-US" altLang="ko-KR" sz="1450" dirty="0" smtClean="0">
+                <a:solidFill>
+                  <a:srgbClr val="E7E6E6">
+                    <a:lumMod val="90000"/>
+                  </a:srgbClr>
+                </a:solidFill>
+              </a:rPr>
+              <a:t> (</a:t>
             </a:r>
             <a:r>
               <a:rPr lang="ko-KR" altLang="en-US" sz="1450" dirty="0">
@@ -7385,7 +7925,7 @@
                   </a:srgbClr>
                 </a:solidFill>
               </a:rPr>
-              <a:t>회원은 마이페이지에서 ‘내 예매 </a:t>
+              <a:t>회원은 </a:t>
             </a:r>
             <a:r>
               <a:rPr lang="ko-KR" altLang="en-US" sz="1450" dirty="0" err="1">
@@ -7395,6 +7935,26 @@
                   </a:srgbClr>
                 </a:solidFill>
               </a:rPr>
+              <a:t>마이페이지에서</a:t>
+            </a:r>
+            <a:r>
+              <a:rPr lang="ko-KR" altLang="en-US" sz="1450" dirty="0">
+                <a:solidFill>
+                  <a:srgbClr val="E7E6E6">
+                    <a:lumMod val="90000"/>
+                  </a:srgbClr>
+                </a:solidFill>
+              </a:rPr>
+              <a:t> ‘내 예매 </a:t>
+            </a:r>
+            <a:r>
+              <a:rPr lang="ko-KR" altLang="en-US" sz="1450" dirty="0" err="1">
+                <a:solidFill>
+                  <a:srgbClr val="E7E6E6">
+                    <a:lumMod val="90000"/>
+                  </a:srgbClr>
+                </a:solidFill>
+              </a:rPr>
               <a:t>내역’에서</a:t>
             </a:r>
             <a:r>
@@ -7523,7 +8083,7 @@
                   </a:srgbClr>
                 </a:solidFill>
               </a:rPr>
-              <a:t>회원은 마이페이지에서 ‘내 예매 </a:t>
+              <a:t>회원은 </a:t>
             </a:r>
             <a:r>
               <a:rPr lang="ko-KR" altLang="en-US" sz="1450" dirty="0" err="1">
@@ -7533,6 +8093,26 @@
                   </a:srgbClr>
                 </a:solidFill>
               </a:rPr>
+              <a:t>마이페이지에서</a:t>
+            </a:r>
+            <a:r>
+              <a:rPr lang="ko-KR" altLang="en-US" sz="1450" dirty="0">
+                <a:solidFill>
+                  <a:srgbClr val="E7E6E6">
+                    <a:lumMod val="90000"/>
+                  </a:srgbClr>
+                </a:solidFill>
+              </a:rPr>
+              <a:t> ‘내 예매 </a:t>
+            </a:r>
+            <a:r>
+              <a:rPr lang="ko-KR" altLang="en-US" sz="1450" dirty="0" err="1">
+                <a:solidFill>
+                  <a:srgbClr val="E7E6E6">
+                    <a:lumMod val="90000"/>
+                  </a:srgbClr>
+                </a:solidFill>
+              </a:rPr>
               <a:t>내역’을</a:t>
             </a:r>
             <a:r>
@@ -7586,14 +8166,14 @@
               <a:t>분 전까지 영화를 취소할 </a:t>
             </a:r>
             <a:r>
-              <a:rPr lang="ko-KR" altLang="en-US" sz="1450" dirty="0" err="1">
-                <a:solidFill>
-                  <a:srgbClr val="E7E6E6">
-                    <a:lumMod val="90000"/>
-                  </a:srgbClr>
-                </a:solidFill>
-              </a:rPr>
-              <a:t>수있다</a:t>
+              <a:rPr lang="ko-KR" altLang="en-US" sz="1450" dirty="0" smtClean="0">
+                <a:solidFill>
+                  <a:srgbClr val="E7E6E6">
+                    <a:lumMod val="90000"/>
+                  </a:srgbClr>
+                </a:solidFill>
+              </a:rPr>
+              <a:t>수 있다</a:t>
             </a:r>
             <a:r>
               <a:rPr lang="en-US" altLang="ko-KR" sz="1450" dirty="0">
@@ -7643,6 +8223,13 @@
               </a:rPr>
               <a:t>.</a:t>
             </a:r>
+            <a:endParaRPr lang="en-US" altLang="ko-KR" sz="1450" dirty="0">
+              <a:solidFill>
+                <a:srgbClr val="E7E6E6">
+                  <a:lumMod val="90000"/>
+                </a:srgbClr>
+              </a:solidFill>
+            </a:endParaRPr>
           </a:p>
         </p:txBody>
       </p:sp>
@@ -7776,7 +8363,7 @@
         <p:spPr>
           <a:xfrm>
             <a:off x="130772" y="2222598"/>
-            <a:ext cx="11564803" cy="2616614"/>
+            <a:ext cx="11564803" cy="2308324"/>
           </a:xfrm>
           <a:prstGeom prst="rect">
             <a:avLst/>
@@ -7902,7 +8489,7 @@
                   </a:srgbClr>
                 </a:solidFill>
               </a:rPr>
-              <a:t>관리자는 상영스케줄 조회 페이지에서 </a:t>
+              <a:t>관리자는 </a:t>
             </a:r>
             <a:r>
               <a:rPr lang="ko-KR" altLang="en-US" sz="1450" dirty="0" err="1">
@@ -7912,6 +8499,26 @@
                   </a:srgbClr>
                 </a:solidFill>
               </a:rPr>
+              <a:t>상영스케줄</a:t>
+            </a:r>
+            <a:r>
+              <a:rPr lang="ko-KR" altLang="en-US" sz="1450" dirty="0">
+                <a:solidFill>
+                  <a:srgbClr val="E7E6E6">
+                    <a:lumMod val="90000"/>
+                  </a:srgbClr>
+                </a:solidFill>
+              </a:rPr>
+              <a:t> 조회 페이지에서 </a:t>
+            </a:r>
+            <a:r>
+              <a:rPr lang="ko-KR" altLang="en-US" sz="1450" dirty="0" err="1">
+                <a:solidFill>
+                  <a:srgbClr val="E7E6E6">
+                    <a:lumMod val="90000"/>
+                  </a:srgbClr>
+                </a:solidFill>
+              </a:rPr>
               <a:t>날짜별</a:t>
             </a:r>
             <a:r>
@@ -7960,7 +8567,7 @@
                   </a:srgbClr>
                 </a:solidFill>
               </a:rPr>
-              <a:t>관리자는 상영스케줄 관리 페이지에서 </a:t>
+              <a:t>관리자는 </a:t>
             </a:r>
             <a:r>
               <a:rPr lang="ko-KR" altLang="en-US" sz="1450" dirty="0" err="1">
@@ -7970,6 +8577,26 @@
                   </a:srgbClr>
                 </a:solidFill>
               </a:rPr>
+              <a:t>상영스케줄</a:t>
+            </a:r>
+            <a:r>
+              <a:rPr lang="ko-KR" altLang="en-US" sz="1450" dirty="0">
+                <a:solidFill>
+                  <a:srgbClr val="E7E6E6">
+                    <a:lumMod val="90000"/>
+                  </a:srgbClr>
+                </a:solidFill>
+              </a:rPr>
+              <a:t> 조회 페이지에서 </a:t>
+            </a:r>
+            <a:r>
+              <a:rPr lang="ko-KR" altLang="en-US" sz="1450" dirty="0" err="1">
+                <a:solidFill>
+                  <a:srgbClr val="E7E6E6">
+                    <a:lumMod val="90000"/>
+                  </a:srgbClr>
+                </a:solidFill>
+              </a:rPr>
               <a:t>날짜별</a:t>
             </a:r>
             <a:r>
@@ -7980,7 +8607,7 @@
                   </a:srgbClr>
                 </a:solidFill>
               </a:rPr>
-              <a:t> 상영스케줄을 조회할 수 있다</a:t>
+              <a:t> 영화에 대한 상영스케줄을 등록할 수 있다</a:t>
             </a:r>
             <a:r>
               <a:rPr lang="en-US" altLang="ko-KR" sz="1450" dirty="0">
@@ -8018,7 +8645,7 @@
                   </a:srgbClr>
                 </a:solidFill>
               </a:rPr>
-              <a:t>관리자는 상영스케줄 관리 페이지에서 </a:t>
+              <a:t>관리자는 </a:t>
             </a:r>
             <a:r>
               <a:rPr lang="ko-KR" altLang="en-US" sz="1450" dirty="0" err="1">
@@ -8028,17 +8655,17 @@
                   </a:srgbClr>
                 </a:solidFill>
               </a:rPr>
-              <a:t>날짜별</a:t>
-            </a:r>
-            <a:r>
-              <a:rPr lang="ko-KR" altLang="en-US" sz="1450" dirty="0">
-                <a:solidFill>
-                  <a:srgbClr val="E7E6E6">
-                    <a:lumMod val="90000"/>
-                  </a:srgbClr>
-                </a:solidFill>
-              </a:rPr>
-              <a:t> 영화에 대한 상영스케줄을 등록할 수 있다</a:t>
+              <a:t>상영스케줄</a:t>
+            </a:r>
+            <a:r>
+              <a:rPr lang="ko-KR" altLang="en-US" sz="1450" dirty="0">
+                <a:solidFill>
+                  <a:srgbClr val="E7E6E6">
+                    <a:lumMod val="90000"/>
+                  </a:srgbClr>
+                </a:solidFill>
+              </a:rPr>
+              <a:t> 조회 페이지에서 상영스케줄을 수정할 수 있다</a:t>
             </a:r>
             <a:r>
               <a:rPr lang="en-US" altLang="ko-KR" sz="1450" dirty="0">
@@ -8076,7 +8703,7 @@
                   </a:srgbClr>
                 </a:solidFill>
               </a:rPr>
-              <a:t>관리자는 상영스케줄을 </a:t>
+              <a:t>관리자는 </a:t>
             </a:r>
             <a:r>
               <a:rPr lang="ko-KR" altLang="en-US" sz="1450" dirty="0" err="1">
@@ -8086,75 +8713,17 @@
                   </a:srgbClr>
                 </a:solidFill>
               </a:rPr>
-              <a:t>상영스케줄을</a:t>
-            </a:r>
-            <a:r>
-              <a:rPr lang="ko-KR" altLang="en-US" sz="1450" dirty="0">
-                <a:solidFill>
-                  <a:srgbClr val="E7E6E6">
-                    <a:lumMod val="90000"/>
-                  </a:srgbClr>
-                </a:solidFill>
-              </a:rPr>
-              <a:t> 수정할 수 있다</a:t>
-            </a:r>
-            <a:r>
-              <a:rPr lang="en-US" altLang="ko-KR" sz="1450" dirty="0">
-                <a:solidFill>
-                  <a:srgbClr val="E7E6E6">
-                    <a:lumMod val="90000"/>
-                  </a:srgbClr>
-                </a:solidFill>
-              </a:rPr>
-              <a:t>.</a:t>
-            </a:r>
-          </a:p>
-          <a:p>
-            <a:pPr lvl="1">
-              <a:lnSpc>
-                <a:spcPct val="160000"/>
-              </a:lnSpc>
-              <a:defRPr/>
-            </a:pPr>
-            <a:r>
-              <a:rPr lang="en-US" altLang="ko-KR" sz="1450" dirty="0">
-                <a:solidFill>
-                  <a:srgbClr val="E7E6E6">
-                    <a:lumMod val="90000"/>
-                  </a:srgbClr>
-                </a:solidFill>
-              </a:rPr>
-              <a:t>6-5. </a:t>
-            </a:r>
-            <a:r>
-              <a:rPr lang="ko-KR" altLang="en-US" sz="1450" dirty="0">
-                <a:solidFill>
-                  <a:srgbClr val="E7E6E6">
-                    <a:lumMod val="90000"/>
-                  </a:srgbClr>
-                </a:solidFill>
-              </a:rPr>
-              <a:t>관리자는 상영스케줄을 </a:t>
-            </a:r>
-            <a:r>
-              <a:rPr lang="ko-KR" altLang="en-US" sz="1450" dirty="0" err="1">
-                <a:solidFill>
-                  <a:srgbClr val="E7E6E6">
-                    <a:lumMod val="90000"/>
-                  </a:srgbClr>
-                </a:solidFill>
-              </a:rPr>
-              <a:t>상영스케줄을</a:t>
-            </a:r>
-            <a:r>
-              <a:rPr lang="ko-KR" altLang="en-US" sz="1450" dirty="0">
-                <a:solidFill>
-                  <a:srgbClr val="E7E6E6">
-                    <a:lumMod val="90000"/>
-                  </a:srgbClr>
-                </a:solidFill>
-              </a:rPr>
-              <a:t> 삭제할 수 있다</a:t>
+              <a:t>상영스케줄</a:t>
+            </a:r>
+            <a:r>
+              <a:rPr lang="ko-KR" altLang="en-US" sz="1450" dirty="0">
+                <a:solidFill>
+                  <a:srgbClr val="E7E6E6">
+                    <a:lumMod val="90000"/>
+                  </a:srgbClr>
+                </a:solidFill>
+              </a:rPr>
+              <a:t> 조회 페이지에서 상영스케줄을 삭제할 수 있다</a:t>
             </a:r>
             <a:r>
               <a:rPr lang="en-US" altLang="ko-KR" sz="1450" dirty="0">
@@ -8531,6 +9100,26 @@
                   </a:srgbClr>
                 </a:solidFill>
               </a:rPr>
+              <a:t>러닝타임</a:t>
+            </a:r>
+            <a:r>
+              <a:rPr lang="en-US" altLang="ko-KR" sz="1400" dirty="0">
+                <a:solidFill>
+                  <a:srgbClr val="E7E6E6">
+                    <a:lumMod val="90000"/>
+                  </a:srgbClr>
+                </a:solidFill>
+              </a:rPr>
+              <a:t>, </a:t>
+            </a:r>
+            <a:r>
+              <a:rPr lang="ko-KR" altLang="en-US" sz="1400" dirty="0">
+                <a:solidFill>
+                  <a:srgbClr val="E7E6E6">
+                    <a:lumMod val="90000"/>
+                  </a:srgbClr>
+                </a:solidFill>
+              </a:rPr>
               <a:t>줄거리</a:t>
             </a:r>
             <a:r>
@@ -8641,6 +9230,104 @@
                   </a:srgbClr>
                 </a:solidFill>
               </a:rPr>
+              <a:t>) </a:t>
+            </a:r>
+          </a:p>
+          <a:p>
+            <a:pPr lvl="1">
+              <a:lnSpc>
+                <a:spcPct val="160000"/>
+              </a:lnSpc>
+              <a:defRPr/>
+            </a:pPr>
+            <a:r>
+              <a:rPr lang="en-US" altLang="ko-KR" sz="1400" dirty="0">
+                <a:solidFill>
+                  <a:srgbClr val="E7E6E6">
+                    <a:lumMod val="90000"/>
+                  </a:srgbClr>
+                </a:solidFill>
+              </a:rPr>
+              <a:t>7-3. </a:t>
+            </a:r>
+            <a:r>
+              <a:rPr lang="ko-KR" altLang="en-US" sz="1400" dirty="0">
+                <a:solidFill>
+                  <a:srgbClr val="E7E6E6">
+                    <a:lumMod val="90000"/>
+                  </a:srgbClr>
+                </a:solidFill>
+              </a:rPr>
+              <a:t>회원과 관리자와 비회원은 영화 랭킹 페이지에서 영화를 키워드</a:t>
+            </a:r>
+            <a:r>
+              <a:rPr lang="en-US" altLang="ko-KR" sz="1400" dirty="0">
+                <a:solidFill>
+                  <a:srgbClr val="E7E6E6">
+                    <a:lumMod val="90000"/>
+                  </a:srgbClr>
+                </a:solidFill>
+              </a:rPr>
+              <a:t>(</a:t>
+            </a:r>
+            <a:r>
+              <a:rPr lang="ko-KR" altLang="en-US" sz="1400" dirty="0">
+                <a:solidFill>
+                  <a:srgbClr val="E7E6E6">
+                    <a:lumMod val="90000"/>
+                  </a:srgbClr>
+                </a:solidFill>
+              </a:rPr>
+              <a:t>제목</a:t>
+            </a:r>
+            <a:r>
+              <a:rPr lang="en-US" altLang="ko-KR" sz="1400" dirty="0">
+                <a:solidFill>
+                  <a:srgbClr val="E7E6E6">
+                    <a:lumMod val="90000"/>
+                  </a:srgbClr>
+                </a:solidFill>
+              </a:rPr>
+              <a:t>, </a:t>
+            </a:r>
+            <a:r>
+              <a:rPr lang="ko-KR" altLang="en-US" sz="1400" dirty="0">
+                <a:solidFill>
+                  <a:srgbClr val="E7E6E6">
+                    <a:lumMod val="90000"/>
+                  </a:srgbClr>
+                </a:solidFill>
+              </a:rPr>
+              <a:t>감독</a:t>
+            </a:r>
+            <a:r>
+              <a:rPr lang="en-US" altLang="ko-KR" sz="1400" dirty="0">
+                <a:solidFill>
+                  <a:srgbClr val="E7E6E6">
+                    <a:lumMod val="90000"/>
+                  </a:srgbClr>
+                </a:solidFill>
+              </a:rPr>
+              <a:t>, </a:t>
+            </a:r>
+            <a:r>
+              <a:rPr lang="ko-KR" altLang="en-US" sz="1400" dirty="0">
+                <a:solidFill>
+                  <a:srgbClr val="E7E6E6">
+                    <a:lumMod val="90000"/>
+                  </a:srgbClr>
+                </a:solidFill>
+              </a:rPr>
+              <a:t>배우</a:t>
+            </a:r>
+            <a:r>
+              <a:rPr lang="en-US" altLang="ko-KR" sz="1400" dirty="0">
+                <a:solidFill>
+                  <a:srgbClr val="E7E6E6">
+                    <a:lumMod val="90000"/>
+                  </a:srgbClr>
+                </a:solidFill>
+              </a:rPr>
               <a:t>)</a:t>
             </a:r>
             <a:r>
@@ -8651,369 +9338,281 @@
                   </a:srgbClr>
                 </a:solidFill>
               </a:rPr>
-              <a:t> </a:t>
-            </a:r>
-            <a:endParaRPr lang="en-US" altLang="ko-KR" sz="1400" dirty="0">
+              <a:t>로 검색할 수 있다</a:t>
+            </a:r>
+            <a:r>
+              <a:rPr lang="en-US" altLang="ko-KR" sz="1400" dirty="0">
+                <a:solidFill>
+                  <a:srgbClr val="E7E6E6">
+                    <a:lumMod val="90000"/>
+                  </a:srgbClr>
+                </a:solidFill>
+              </a:rPr>
+              <a:t>.</a:t>
+            </a:r>
+          </a:p>
+          <a:p>
+            <a:pPr lvl="1">
+              <a:lnSpc>
+                <a:spcPct val="160000"/>
+              </a:lnSpc>
+              <a:defRPr/>
+            </a:pPr>
+            <a:r>
+              <a:rPr lang="en-US" altLang="ko-KR" sz="1400" dirty="0">
+                <a:solidFill>
+                  <a:srgbClr val="E7E6E6">
+                    <a:lumMod val="90000"/>
+                  </a:srgbClr>
+                </a:solidFill>
+              </a:rPr>
+              <a:t>7-4. </a:t>
+            </a:r>
+            <a:r>
+              <a:rPr lang="ko-KR" altLang="en-US" sz="1400" dirty="0">
+                <a:solidFill>
+                  <a:srgbClr val="E7E6E6">
+                    <a:lumMod val="90000"/>
+                  </a:srgbClr>
+                </a:solidFill>
+              </a:rPr>
+              <a:t>관리자는 영화 상세보기 페이지에서 영화 정보를 수정 및 삭제할 수 있다</a:t>
+            </a:r>
+            <a:r>
+              <a:rPr lang="en-US" altLang="ko-KR" sz="1400" dirty="0">
+                <a:solidFill>
+                  <a:srgbClr val="E7E6E6">
+                    <a:lumMod val="90000"/>
+                  </a:srgbClr>
+                </a:solidFill>
+              </a:rPr>
+              <a:t>.</a:t>
+            </a:r>
+          </a:p>
+          <a:p>
+            <a:pPr lvl="1">
+              <a:lnSpc>
+                <a:spcPct val="160000"/>
+              </a:lnSpc>
+              <a:defRPr/>
+            </a:pPr>
+            <a:r>
+              <a:rPr lang="en-US" altLang="ko-KR" sz="1400" dirty="0">
+                <a:solidFill>
+                  <a:srgbClr val="E7E6E6">
+                    <a:lumMod val="90000"/>
+                  </a:srgbClr>
+                </a:solidFill>
+              </a:rPr>
+              <a:t>7-5. </a:t>
+            </a:r>
+            <a:r>
+              <a:rPr lang="ko-KR" altLang="en-US" sz="1400" dirty="0">
+                <a:solidFill>
+                  <a:srgbClr val="E7E6E6">
+                    <a:lumMod val="90000"/>
+                  </a:srgbClr>
+                </a:solidFill>
+              </a:rPr>
+              <a:t>관리자는 영화 조회 페이지에서 영화에 대한 정보</a:t>
+            </a:r>
+            <a:r>
+              <a:rPr lang="en-US" altLang="ko-KR" sz="1400" dirty="0">
+                <a:solidFill>
+                  <a:srgbClr val="E7E6E6">
+                    <a:lumMod val="90000"/>
+                  </a:srgbClr>
+                </a:solidFill>
+              </a:rPr>
+              <a:t>(</a:t>
+            </a:r>
+            <a:r>
+              <a:rPr lang="ko-KR" altLang="en-US" sz="1400" dirty="0">
+                <a:solidFill>
+                  <a:srgbClr val="E7E6E6">
+                    <a:lumMod val="90000"/>
+                  </a:srgbClr>
+                </a:solidFill>
+              </a:rPr>
+              <a:t>포스터</a:t>
+            </a:r>
+            <a:r>
+              <a:rPr lang="en-US" altLang="ko-KR" sz="1400" dirty="0">
+                <a:solidFill>
+                  <a:srgbClr val="E7E6E6">
+                    <a:lumMod val="90000"/>
+                  </a:srgbClr>
+                </a:solidFill>
+              </a:rPr>
+              <a:t>, </a:t>
+            </a:r>
+            <a:r>
+              <a:rPr lang="ko-KR" altLang="en-US" sz="1400" dirty="0">
+                <a:solidFill>
+                  <a:srgbClr val="E7E6E6">
+                    <a:lumMod val="90000"/>
+                  </a:srgbClr>
+                </a:solidFill>
+              </a:rPr>
+              <a:t>제목</a:t>
+            </a:r>
+            <a:r>
+              <a:rPr lang="en-US" altLang="ko-KR" sz="1400" dirty="0">
+                <a:solidFill>
+                  <a:srgbClr val="E7E6E6">
+                    <a:lumMod val="90000"/>
+                  </a:srgbClr>
+                </a:solidFill>
+              </a:rPr>
+              <a:t>, </a:t>
+            </a:r>
+            <a:r>
+              <a:rPr lang="ko-KR" altLang="en-US" sz="1400" dirty="0">
+                <a:solidFill>
+                  <a:srgbClr val="E7E6E6">
+                    <a:lumMod val="90000"/>
+                  </a:srgbClr>
+                </a:solidFill>
+              </a:rPr>
+              <a:t>러닝타임</a:t>
+            </a:r>
+            <a:r>
+              <a:rPr lang="en-US" altLang="ko-KR" sz="1400" dirty="0">
+                <a:solidFill>
+                  <a:srgbClr val="E7E6E6">
+                    <a:lumMod val="90000"/>
+                  </a:srgbClr>
+                </a:solidFill>
+              </a:rPr>
+              <a:t>, </a:t>
+            </a:r>
+            <a:r>
+              <a:rPr lang="ko-KR" altLang="en-US" sz="1400" dirty="0">
+                <a:solidFill>
+                  <a:srgbClr val="E7E6E6">
+                    <a:lumMod val="90000"/>
+                  </a:srgbClr>
+                </a:solidFill>
+              </a:rPr>
+              <a:t>줄거리</a:t>
+            </a:r>
+            <a:r>
+              <a:rPr lang="en-US" altLang="ko-KR" sz="1400" dirty="0">
+                <a:solidFill>
+                  <a:srgbClr val="E7E6E6">
+                    <a:lumMod val="90000"/>
+                  </a:srgbClr>
+                </a:solidFill>
+              </a:rPr>
+              <a:t>, </a:t>
+            </a:r>
+            <a:r>
+              <a:rPr lang="ko-KR" altLang="en-US" sz="1400" dirty="0">
+                <a:solidFill>
+                  <a:srgbClr val="E7E6E6">
+                    <a:lumMod val="90000"/>
+                  </a:srgbClr>
+                </a:solidFill>
+              </a:rPr>
+              <a:t>개봉일</a:t>
+            </a:r>
+            <a:r>
+              <a:rPr lang="en-US" altLang="ko-KR" sz="1400" dirty="0">
+                <a:solidFill>
+                  <a:srgbClr val="E7E6E6">
+                    <a:lumMod val="90000"/>
+                  </a:srgbClr>
+                </a:solidFill>
+              </a:rPr>
+              <a:t>, </a:t>
+            </a:r>
+            <a:r>
+              <a:rPr lang="ko-KR" altLang="en-US" sz="1400" dirty="0">
+                <a:solidFill>
+                  <a:srgbClr val="E7E6E6">
+                    <a:lumMod val="90000"/>
+                  </a:srgbClr>
+                </a:solidFill>
+              </a:rPr>
+              <a:t>장르</a:t>
+            </a:r>
+            <a:r>
+              <a:rPr lang="en-US" altLang="ko-KR" sz="1400" dirty="0">
+                <a:solidFill>
+                  <a:srgbClr val="E7E6E6">
+                    <a:lumMod val="90000"/>
+                  </a:srgbClr>
+                </a:solidFill>
+              </a:rPr>
+              <a:t>, </a:t>
+            </a:r>
+            <a:r>
+              <a:rPr lang="ko-KR" altLang="en-US" sz="1400" dirty="0">
+                <a:solidFill>
+                  <a:srgbClr val="E7E6E6">
+                    <a:lumMod val="90000"/>
+                  </a:srgbClr>
+                </a:solidFill>
+              </a:rPr>
+              <a:t>감독</a:t>
+            </a:r>
+            <a:r>
+              <a:rPr lang="en-US" altLang="ko-KR" sz="1400" dirty="0">
+                <a:solidFill>
+                  <a:srgbClr val="E7E6E6">
+                    <a:lumMod val="90000"/>
+                  </a:srgbClr>
+                </a:solidFill>
+              </a:rPr>
+              <a:t>, </a:t>
+            </a:r>
+            <a:r>
+              <a:rPr lang="ko-KR" altLang="en-US" sz="1400" dirty="0">
+                <a:solidFill>
+                  <a:srgbClr val="E7E6E6">
+                    <a:lumMod val="90000"/>
+                  </a:srgbClr>
+                </a:solidFill>
+              </a:rPr>
+              <a:t>배우</a:t>
+            </a:r>
+            <a:r>
+              <a:rPr lang="en-US" altLang="ko-KR" sz="1400" dirty="0">
+                <a:solidFill>
+                  <a:srgbClr val="E7E6E6">
+                    <a:lumMod val="90000"/>
+                  </a:srgbClr>
+                </a:solidFill>
+              </a:rPr>
+              <a:t>)</a:t>
+            </a:r>
+            <a:r>
+              <a:rPr lang="ko-KR" altLang="en-US" sz="1400" dirty="0">
+                <a:solidFill>
+                  <a:srgbClr val="E7E6E6">
+                    <a:lumMod val="90000"/>
+                  </a:srgbClr>
+                </a:solidFill>
+              </a:rPr>
+              <a:t>를 등록할 수 있다</a:t>
+            </a:r>
+            <a:r>
+              <a:rPr lang="en-US" altLang="ko-KR" sz="1400" dirty="0">
+                <a:solidFill>
+                  <a:srgbClr val="E7E6E6">
+                    <a:lumMod val="90000"/>
+                  </a:srgbClr>
+                </a:solidFill>
+              </a:rPr>
+              <a:t>.</a:t>
+            </a:r>
+            <a:endParaRPr lang="en-US" altLang="ko-KR" sz="1450" dirty="0">
               <a:solidFill>
                 <a:srgbClr val="E7E6E6">
                   <a:lumMod val="90000"/>
                 </a:srgbClr>
               </a:solidFill>
             </a:endParaRPr>
-          </a:p>
-          <a:p>
-            <a:pPr lvl="1">
-              <a:lnSpc>
-                <a:spcPct val="160000"/>
-              </a:lnSpc>
-              <a:defRPr/>
-            </a:pPr>
-            <a:r>
-              <a:rPr lang="en-US" altLang="ko-KR" sz="1450" dirty="0">
-                <a:solidFill>
-                  <a:srgbClr val="E7E6E6">
-                    <a:lumMod val="90000"/>
-                  </a:srgbClr>
-                </a:solidFill>
-              </a:rPr>
-              <a:t>7-3. </a:t>
-            </a:r>
-            <a:r>
-              <a:rPr lang="ko-KR" altLang="en-US" sz="1450" dirty="0">
-                <a:solidFill>
-                  <a:srgbClr val="E7E6E6">
-                    <a:lumMod val="90000"/>
-                  </a:srgbClr>
-                </a:solidFill>
-              </a:rPr>
-              <a:t>회원과 관리자와 비회원은 영화 랭킹 페이지에서 영화를 키워드</a:t>
-            </a:r>
-            <a:r>
-              <a:rPr lang="en-US" altLang="ko-KR" sz="1450" dirty="0">
-                <a:solidFill>
-                  <a:srgbClr val="E7E6E6">
-                    <a:lumMod val="90000"/>
-                  </a:srgbClr>
-                </a:solidFill>
-              </a:rPr>
-              <a:t>(</a:t>
-            </a:r>
-            <a:r>
-              <a:rPr lang="ko-KR" altLang="en-US" sz="1450" dirty="0">
-                <a:solidFill>
-                  <a:srgbClr val="E7E6E6">
-                    <a:lumMod val="90000"/>
-                  </a:srgbClr>
-                </a:solidFill>
-              </a:rPr>
-              <a:t>제목</a:t>
-            </a:r>
-            <a:r>
-              <a:rPr lang="en-US" altLang="ko-KR" sz="1450" dirty="0">
-                <a:solidFill>
-                  <a:srgbClr val="E7E6E6">
-                    <a:lumMod val="90000"/>
-                  </a:srgbClr>
-                </a:solidFill>
-              </a:rPr>
-              <a:t>, </a:t>
-            </a:r>
-            <a:r>
-              <a:rPr lang="ko-KR" altLang="en-US" sz="1450" dirty="0">
-                <a:solidFill>
-                  <a:srgbClr val="E7E6E6">
-                    <a:lumMod val="90000"/>
-                  </a:srgbClr>
-                </a:solidFill>
-              </a:rPr>
-              <a:t>감독</a:t>
-            </a:r>
-            <a:r>
-              <a:rPr lang="en-US" altLang="ko-KR" sz="1450" dirty="0">
-                <a:solidFill>
-                  <a:srgbClr val="E7E6E6">
-                    <a:lumMod val="90000"/>
-                  </a:srgbClr>
-                </a:solidFill>
-              </a:rPr>
-              <a:t>, </a:t>
-            </a:r>
-            <a:r>
-              <a:rPr lang="ko-KR" altLang="en-US" sz="1450" dirty="0">
-                <a:solidFill>
-                  <a:srgbClr val="E7E6E6">
-                    <a:lumMod val="90000"/>
-                  </a:srgbClr>
-                </a:solidFill>
-              </a:rPr>
-              <a:t>배우</a:t>
-            </a:r>
-            <a:r>
-              <a:rPr lang="en-US" altLang="ko-KR" sz="1450" dirty="0">
-                <a:solidFill>
-                  <a:srgbClr val="E7E6E6">
-                    <a:lumMod val="90000"/>
-                  </a:srgbClr>
-                </a:solidFill>
-              </a:rPr>
-              <a:t>)</a:t>
-            </a:r>
-            <a:r>
-              <a:rPr lang="ko-KR" altLang="en-US" sz="1450" dirty="0">
-                <a:solidFill>
-                  <a:srgbClr val="E7E6E6">
-                    <a:lumMod val="90000"/>
-                  </a:srgbClr>
-                </a:solidFill>
-              </a:rPr>
-              <a:t>로 검색할 수 있다</a:t>
-            </a:r>
-            <a:r>
-              <a:rPr lang="en-US" altLang="ko-KR" sz="1450" dirty="0">
-                <a:solidFill>
-                  <a:srgbClr val="E7E6E6">
-                    <a:lumMod val="90000"/>
-                  </a:srgbClr>
-                </a:solidFill>
-              </a:rPr>
-              <a:t>.</a:t>
-            </a:r>
-          </a:p>
-          <a:p>
-            <a:pPr lvl="1">
-              <a:lnSpc>
-                <a:spcPct val="160000"/>
-              </a:lnSpc>
-              <a:defRPr/>
-            </a:pPr>
-            <a:r>
-              <a:rPr lang="en-US" altLang="ko-KR" sz="1450" dirty="0">
-                <a:solidFill>
-                  <a:srgbClr val="E7E6E6">
-                    <a:lumMod val="90000"/>
-                  </a:srgbClr>
-                </a:solidFill>
-              </a:rPr>
-              <a:t>7-4. </a:t>
-            </a:r>
-            <a:r>
-              <a:rPr lang="ko-KR" altLang="en-US" sz="1450" dirty="0">
-                <a:solidFill>
-                  <a:srgbClr val="E7E6E6">
-                    <a:lumMod val="90000"/>
-                  </a:srgbClr>
-                </a:solidFill>
-              </a:rPr>
-              <a:t>관리자는 영화 상세보기 페이지에서 영화 정보를 수정 및 삭제할 수 있다</a:t>
-            </a:r>
-            <a:r>
-              <a:rPr lang="en-US" altLang="ko-KR" sz="1450" dirty="0">
-                <a:solidFill>
-                  <a:srgbClr val="E7E6E6">
-                    <a:lumMod val="90000"/>
-                  </a:srgbClr>
-                </a:solidFill>
-              </a:rPr>
-              <a:t>.</a:t>
-            </a:r>
-          </a:p>
-          <a:p>
-            <a:pPr lvl="1">
-              <a:lnSpc>
-                <a:spcPct val="160000"/>
-              </a:lnSpc>
-              <a:defRPr/>
-            </a:pPr>
-            <a:r>
-              <a:rPr lang="en-US" altLang="ko-KR" sz="1450" dirty="0">
-                <a:solidFill>
-                  <a:srgbClr val="E7E6E6">
-                    <a:lumMod val="90000"/>
-                  </a:srgbClr>
-                </a:solidFill>
-              </a:rPr>
-              <a:t>7-5. </a:t>
-            </a:r>
-            <a:r>
-              <a:rPr lang="ko-KR" altLang="en-US" sz="1450" dirty="0">
-                <a:solidFill>
-                  <a:srgbClr val="E7E6E6">
-                    <a:lumMod val="90000"/>
-                  </a:srgbClr>
-                </a:solidFill>
-              </a:rPr>
-              <a:t>관리자는 영화 조회 페이지에서 영화에 대한 정보</a:t>
-            </a:r>
-            <a:r>
-              <a:rPr lang="en-US" altLang="ko-KR" sz="1450" dirty="0">
-                <a:solidFill>
-                  <a:srgbClr val="E7E6E6">
-                    <a:lumMod val="90000"/>
-                  </a:srgbClr>
-                </a:solidFill>
-              </a:rPr>
-              <a:t>(</a:t>
-            </a:r>
-            <a:r>
-              <a:rPr lang="ko-KR" altLang="en-US" sz="1450" dirty="0">
-                <a:solidFill>
-                  <a:srgbClr val="E7E6E6">
-                    <a:lumMod val="90000"/>
-                  </a:srgbClr>
-                </a:solidFill>
-              </a:rPr>
-              <a:t>포스터</a:t>
-            </a:r>
-            <a:r>
-              <a:rPr lang="en-US" altLang="ko-KR" sz="1450" dirty="0">
-                <a:solidFill>
-                  <a:srgbClr val="E7E6E6">
-                    <a:lumMod val="90000"/>
-                  </a:srgbClr>
-                </a:solidFill>
-              </a:rPr>
-              <a:t>, </a:t>
-            </a:r>
-            <a:r>
-              <a:rPr lang="ko-KR" altLang="en-US" sz="1450" dirty="0">
-                <a:solidFill>
-                  <a:srgbClr val="E7E6E6">
-                    <a:lumMod val="90000"/>
-                  </a:srgbClr>
-                </a:solidFill>
-              </a:rPr>
-              <a:t>제목</a:t>
-            </a:r>
-            <a:r>
-              <a:rPr lang="en-US" altLang="ko-KR" sz="1450" dirty="0">
-                <a:solidFill>
-                  <a:srgbClr val="E7E6E6">
-                    <a:lumMod val="90000"/>
-                  </a:srgbClr>
-                </a:solidFill>
-              </a:rPr>
-              <a:t>, </a:t>
-            </a:r>
-            <a:r>
-              <a:rPr lang="ko-KR" altLang="en-US" sz="1450" dirty="0">
-                <a:solidFill>
-                  <a:srgbClr val="E7E6E6">
-                    <a:lumMod val="90000"/>
-                  </a:srgbClr>
-                </a:solidFill>
-              </a:rPr>
-              <a:t>줄거리</a:t>
-            </a:r>
-            <a:r>
-              <a:rPr lang="en-US" altLang="ko-KR" sz="1450" dirty="0">
-                <a:solidFill>
-                  <a:srgbClr val="E7E6E6">
-                    <a:lumMod val="90000"/>
-                  </a:srgbClr>
-                </a:solidFill>
-              </a:rPr>
-              <a:t>, </a:t>
-            </a:r>
-            <a:r>
-              <a:rPr lang="ko-KR" altLang="en-US" sz="1450" dirty="0">
-                <a:solidFill>
-                  <a:srgbClr val="E7E6E6">
-                    <a:lumMod val="90000"/>
-                  </a:srgbClr>
-                </a:solidFill>
-              </a:rPr>
-              <a:t>개봉일</a:t>
-            </a:r>
-            <a:r>
-              <a:rPr lang="en-US" altLang="ko-KR" sz="1450" dirty="0">
-                <a:solidFill>
-                  <a:srgbClr val="E7E6E6">
-                    <a:lumMod val="90000"/>
-                  </a:srgbClr>
-                </a:solidFill>
-              </a:rPr>
-              <a:t>, </a:t>
-            </a:r>
-            <a:r>
-              <a:rPr lang="ko-KR" altLang="en-US" sz="1450" dirty="0">
-                <a:solidFill>
-                  <a:srgbClr val="E7E6E6">
-                    <a:lumMod val="90000"/>
-                  </a:srgbClr>
-                </a:solidFill>
-              </a:rPr>
-              <a:t>장르</a:t>
-            </a:r>
-            <a:r>
-              <a:rPr lang="en-US" altLang="ko-KR" sz="1450" dirty="0">
-                <a:solidFill>
-                  <a:srgbClr val="E7E6E6">
-                    <a:lumMod val="90000"/>
-                  </a:srgbClr>
-                </a:solidFill>
-              </a:rPr>
-              <a:t>, </a:t>
-            </a:r>
-            <a:r>
-              <a:rPr lang="ko-KR" altLang="en-US" sz="1450" dirty="0">
-                <a:solidFill>
-                  <a:srgbClr val="E7E6E6">
-                    <a:lumMod val="90000"/>
-                  </a:srgbClr>
-                </a:solidFill>
-              </a:rPr>
-              <a:t>감독</a:t>
-            </a:r>
-            <a:r>
-              <a:rPr lang="en-US" altLang="ko-KR" sz="1450" dirty="0">
-                <a:solidFill>
-                  <a:srgbClr val="E7E6E6">
-                    <a:lumMod val="90000"/>
-                  </a:srgbClr>
-                </a:solidFill>
-              </a:rPr>
-              <a:t>, </a:t>
-            </a:r>
-            <a:r>
-              <a:rPr lang="ko-KR" altLang="en-US" sz="1450" dirty="0">
-                <a:solidFill>
-                  <a:srgbClr val="E7E6E6">
-                    <a:lumMod val="90000"/>
-                  </a:srgbClr>
-                </a:solidFill>
-              </a:rPr>
-              <a:t>배우</a:t>
-            </a:r>
-            <a:r>
-              <a:rPr lang="en-US" altLang="ko-KR" sz="1450" dirty="0">
-                <a:solidFill>
-                  <a:srgbClr val="E7E6E6">
-                    <a:lumMod val="90000"/>
-                  </a:srgbClr>
-                </a:solidFill>
-              </a:rPr>
-              <a:t>)</a:t>
-            </a:r>
-            <a:r>
-              <a:rPr lang="ko-KR" altLang="en-US" sz="1450" dirty="0">
-                <a:solidFill>
-                  <a:srgbClr val="E7E6E6">
-                    <a:lumMod val="90000"/>
-                  </a:srgbClr>
-                </a:solidFill>
-              </a:rPr>
-              <a:t>를 등록할 수 있다</a:t>
-            </a:r>
-            <a:r>
-              <a:rPr lang="en-US" altLang="ko-KR" sz="1450" dirty="0">
-                <a:solidFill>
-                  <a:srgbClr val="E7E6E6">
-                    <a:lumMod val="90000"/>
-                  </a:srgbClr>
-                </a:solidFill>
-              </a:rPr>
-              <a:t>.</a:t>
-            </a:r>
           </a:p>
         </p:txBody>
       </p:sp>
@@ -9147,7 +9746,7 @@
         <p:spPr>
           <a:xfrm>
             <a:off x="0" y="2173614"/>
-            <a:ext cx="11564802" cy="2715102"/>
+            <a:ext cx="11564802" cy="2763834"/>
           </a:xfrm>
           <a:prstGeom prst="rect">
             <a:avLst/>
@@ -9273,7 +9872,27 @@
                   </a:srgbClr>
                 </a:solidFill>
               </a:rPr>
-              <a:t>관리자는 공지사항 게시판 페이지에서 공지사항 게시글 전체를 조회할 수 있다</a:t>
+              <a:t>관리자는 공지사항 게시판 페이지에서 공지사항 </a:t>
+            </a:r>
+            <a:r>
+              <a:rPr lang="ko-KR" altLang="en-US" sz="1450" dirty="0" err="1">
+                <a:solidFill>
+                  <a:srgbClr val="E7E6E6">
+                    <a:lumMod val="90000"/>
+                  </a:srgbClr>
+                </a:solidFill>
+              </a:rPr>
+              <a:t>게시글</a:t>
+            </a:r>
+            <a:r>
+              <a:rPr lang="ko-KR" altLang="en-US" sz="1450" dirty="0">
+                <a:solidFill>
+                  <a:srgbClr val="E7E6E6">
+                    <a:lumMod val="90000"/>
+                  </a:srgbClr>
+                </a:solidFill>
+              </a:rPr>
+              <a:t> 전체를 조회할 수 있다</a:t>
             </a:r>
           </a:p>
           <a:p>
@@ -9557,7 +10176,27 @@
                   </a:srgbClr>
                 </a:solidFill>
               </a:rPr>
-              <a:t>관리자는 공지사항 게시판 페이지에서 게시글을 작성할 수 있다</a:t>
+              <a:t>관리자는 공지사항 게시판 페이지에서 </a:t>
+            </a:r>
+            <a:r>
+              <a:rPr lang="ko-KR" altLang="en-US" sz="1450" dirty="0" err="1">
+                <a:solidFill>
+                  <a:srgbClr val="E7E6E6">
+                    <a:lumMod val="90000"/>
+                  </a:srgbClr>
+                </a:solidFill>
+              </a:rPr>
+              <a:t>게시글을</a:t>
+            </a:r>
+            <a:r>
+              <a:rPr lang="ko-KR" altLang="en-US" sz="1450" dirty="0">
+                <a:solidFill>
+                  <a:srgbClr val="E7E6E6">
+                    <a:lumMod val="90000"/>
+                  </a:srgbClr>
+                </a:solidFill>
+              </a:rPr>
+              <a:t> 작성할 수 있다</a:t>
             </a:r>
           </a:p>
           <a:p>
@@ -9585,7 +10224,7 @@
                   </a:srgbClr>
                 </a:solidFill>
               </a:rPr>
-              <a:t>관리자는 공지사항 게시판 페이지에서 게시글을 </a:t>
+              <a:t>관리자는 공지사항 게시판 페이지에서 </a:t>
             </a:r>
             <a:r>
               <a:rPr lang="ko-KR" altLang="en-US" sz="1450" dirty="0" err="1">
@@ -9595,17 +10234,17 @@
                   </a:srgbClr>
                 </a:solidFill>
               </a:rPr>
-              <a:t>상세보기하여</a:t>
-            </a:r>
-            <a:r>
-              <a:rPr lang="ko-KR" altLang="en-US" sz="1450" dirty="0">
-                <a:solidFill>
-                  <a:srgbClr val="E7E6E6">
-                    <a:lumMod val="90000"/>
-                  </a:srgbClr>
-                </a:solidFill>
-              </a:rPr>
-              <a:t> 수정 및 삭제할 수 있다</a:t>
+              <a:t>게시글을</a:t>
+            </a:r>
+            <a:r>
+              <a:rPr lang="ko-KR" altLang="en-US" sz="1450" dirty="0">
+                <a:solidFill>
+                  <a:srgbClr val="E7E6E6">
+                    <a:lumMod val="90000"/>
+                  </a:srgbClr>
+                </a:solidFill>
+              </a:rPr>
+              <a:t> 상세보기하여 수정 및 삭제할 수 있다</a:t>
             </a:r>
             <a:r>
               <a:rPr lang="en-US" altLang="ko-KR" sz="1450" dirty="0">
@@ -9757,7 +10396,7 @@
         <p:spPr>
           <a:xfrm>
             <a:off x="0" y="1920992"/>
-            <a:ext cx="11564802" cy="3342966"/>
+            <a:ext cx="11564802" cy="3391698"/>
           </a:xfrm>
           <a:prstGeom prst="rect">
             <a:avLst/>
@@ -9883,7 +10522,27 @@
                   </a:srgbClr>
                 </a:solidFill>
               </a:rPr>
-              <a:t>비회원은 건의사항 게시판에서 건의사항 전체 게시글을 조회 할 수 있다</a:t>
+              <a:t>비회원은 건의사항 게시판에서 건의사항 전체 </a:t>
+            </a:r>
+            <a:r>
+              <a:rPr lang="ko-KR" altLang="en-US" sz="1450" dirty="0" err="1">
+                <a:solidFill>
+                  <a:srgbClr val="E7E6E6">
+                    <a:lumMod val="90000"/>
+                  </a:srgbClr>
+                </a:solidFill>
+              </a:rPr>
+              <a:t>게시글을</a:t>
+            </a:r>
+            <a:r>
+              <a:rPr lang="ko-KR" altLang="en-US" sz="1450" dirty="0">
+                <a:solidFill>
+                  <a:srgbClr val="E7E6E6">
+                    <a:lumMod val="90000"/>
+                  </a:srgbClr>
+                </a:solidFill>
+              </a:rPr>
+              <a:t> 조회 할 수 있다</a:t>
             </a:r>
             <a:r>
               <a:rPr lang="en-US" altLang="ko-KR" sz="1450" dirty="0">
@@ -10099,7 +10758,27 @@
                   </a:srgbClr>
                 </a:solidFill>
               </a:rPr>
-              <a:t>비회원은 건의사항 게시판에서 게시글을 상세보기</a:t>
+              <a:t>비회원은 건의사항 게시판에서 </a:t>
+            </a:r>
+            <a:r>
+              <a:rPr lang="ko-KR" altLang="en-US" sz="1450" dirty="0" err="1">
+                <a:solidFill>
+                  <a:srgbClr val="E7E6E6">
+                    <a:lumMod val="90000"/>
+                  </a:srgbClr>
+                </a:solidFill>
+              </a:rPr>
+              <a:t>게시글을</a:t>
+            </a:r>
+            <a:r>
+              <a:rPr lang="ko-KR" altLang="en-US" sz="1450" dirty="0">
+                <a:solidFill>
+                  <a:srgbClr val="E7E6E6">
+                    <a:lumMod val="90000"/>
+                  </a:srgbClr>
+                </a:solidFill>
+              </a:rPr>
+              <a:t> 상세보기</a:t>
             </a:r>
             <a:r>
               <a:rPr lang="en-US" altLang="ko-KR" sz="1450" dirty="0">
@@ -10277,7 +10956,27 @@
                   </a:srgbClr>
                 </a:solidFill>
               </a:rPr>
-              <a:t>회원은 건의사항 게시판에서 게시글을 작성 할 수 있다 </a:t>
+              <a:t>회원은 건의사항 게시판에서 </a:t>
+            </a:r>
+            <a:r>
+              <a:rPr lang="ko-KR" altLang="en-US" sz="1450" dirty="0" err="1">
+                <a:solidFill>
+                  <a:srgbClr val="E7E6E6">
+                    <a:lumMod val="90000"/>
+                  </a:srgbClr>
+                </a:solidFill>
+              </a:rPr>
+              <a:t>게시글을</a:t>
+            </a:r>
+            <a:r>
+              <a:rPr lang="ko-KR" altLang="en-US" sz="1450" dirty="0">
+                <a:solidFill>
+                  <a:srgbClr val="E7E6E6">
+                    <a:lumMod val="90000"/>
+                  </a:srgbClr>
+                </a:solidFill>
+              </a:rPr>
+              <a:t> 작성 할 수 있다 </a:t>
             </a:r>
             <a:r>
               <a:rPr lang="en-US" altLang="ko-KR" sz="1450" dirty="0">
@@ -10425,7 +11124,27 @@
                   </a:srgbClr>
                 </a:solidFill>
               </a:rPr>
-              <a:t>회원은 자신의 건의사항 게시글을 상세보기해서 수정 및 삭제할 수 있다</a:t>
+              <a:t>회원은 자신의 건의사항 </a:t>
+            </a:r>
+            <a:r>
+              <a:rPr lang="ko-KR" altLang="en-US" sz="1450" dirty="0" err="1">
+                <a:solidFill>
+                  <a:srgbClr val="E7E6E6">
+                    <a:lumMod val="90000"/>
+                  </a:srgbClr>
+                </a:solidFill>
+              </a:rPr>
+              <a:t>게시글을</a:t>
+            </a:r>
+            <a:r>
+              <a:rPr lang="ko-KR" altLang="en-US" sz="1450" dirty="0">
+                <a:solidFill>
+                  <a:srgbClr val="E7E6E6">
+                    <a:lumMod val="90000"/>
+                  </a:srgbClr>
+                </a:solidFill>
+              </a:rPr>
+              <a:t> 상세보기해서 수정 및 삭제할 수 있다</a:t>
             </a:r>
             <a:r>
               <a:rPr lang="en-US" altLang="ko-KR" sz="1450" dirty="0">
@@ -10463,7 +11182,7 @@
                   </a:srgbClr>
                 </a:solidFill>
               </a:rPr>
-              <a:t>회원은 마이페이지에서 ‘내 </a:t>
+              <a:t>회원은 </a:t>
             </a:r>
             <a:r>
               <a:rPr lang="ko-KR" altLang="en-US" sz="1450" dirty="0" err="1">
@@ -10473,6 +11192,26 @@
                   </a:srgbClr>
                 </a:solidFill>
               </a:rPr>
+              <a:t>마이페이지에서</a:t>
+            </a:r>
+            <a:r>
+              <a:rPr lang="ko-KR" altLang="en-US" sz="1450" dirty="0">
+                <a:solidFill>
+                  <a:srgbClr val="E7E6E6">
+                    <a:lumMod val="90000"/>
+                  </a:srgbClr>
+                </a:solidFill>
+              </a:rPr>
+              <a:t> ‘내 </a:t>
+            </a:r>
+            <a:r>
+              <a:rPr lang="ko-KR" altLang="en-US" sz="1450" dirty="0" err="1">
+                <a:solidFill>
+                  <a:srgbClr val="E7E6E6">
+                    <a:lumMod val="90000"/>
+                  </a:srgbClr>
+                </a:solidFill>
+              </a:rPr>
               <a:t>건의사항’을</a:t>
             </a:r>
             <a:r>
@@ -10483,7 +11222,27 @@
                   </a:srgbClr>
                 </a:solidFill>
               </a:rPr>
-              <a:t> 클릭 후 자신이 작성한 게시글을 조회할 수 있다</a:t>
+              <a:t> 클릭 후 자신이 작성한 </a:t>
+            </a:r>
+            <a:r>
+              <a:rPr lang="ko-KR" altLang="en-US" sz="1450" dirty="0" err="1">
+                <a:solidFill>
+                  <a:srgbClr val="E7E6E6">
+                    <a:lumMod val="90000"/>
+                  </a:srgbClr>
+                </a:solidFill>
+              </a:rPr>
+              <a:t>게시글을</a:t>
+            </a:r>
+            <a:r>
+              <a:rPr lang="ko-KR" altLang="en-US" sz="1450" dirty="0">
+                <a:solidFill>
+                  <a:srgbClr val="E7E6E6">
+                    <a:lumMod val="90000"/>
+                  </a:srgbClr>
+                </a:solidFill>
+              </a:rPr>
+              <a:t> 조회할 수 있다</a:t>
             </a:r>
             <a:r>
               <a:rPr lang="en-US" altLang="ko-KR" sz="1450" dirty="0">
@@ -10713,7 +11472,7 @@
         <p:spPr>
           <a:xfrm>
             <a:off x="0" y="2070416"/>
-            <a:ext cx="11773446" cy="3072123"/>
+            <a:ext cx="11773446" cy="3120854"/>
           </a:xfrm>
           <a:prstGeom prst="rect">
             <a:avLst/>
@@ -10927,7 +11686,27 @@
                   </a:srgbClr>
                 </a:solidFill>
               </a:rPr>
-              <a:t>관리자는 습득물 알림 게시판에서 키워드를 통해 게시글을 검색</a:t>
+              <a:t>관리자는 습득물 알림 게시판에서 키워드를 통해 </a:t>
+            </a:r>
+            <a:r>
+              <a:rPr lang="ko-KR" altLang="en-US" sz="1450" dirty="0" err="1">
+                <a:solidFill>
+                  <a:srgbClr val="E7E6E6">
+                    <a:lumMod val="90000"/>
+                  </a:srgbClr>
+                </a:solidFill>
+              </a:rPr>
+              <a:t>게시글을</a:t>
+            </a:r>
+            <a:r>
+              <a:rPr lang="ko-KR" altLang="en-US" sz="1450" dirty="0">
+                <a:solidFill>
+                  <a:srgbClr val="E7E6E6">
+                    <a:lumMod val="90000"/>
+                  </a:srgbClr>
+                </a:solidFill>
+              </a:rPr>
+              <a:t> 검색</a:t>
             </a:r>
             <a:r>
               <a:rPr lang="en-US" altLang="ko-KR" sz="1450" dirty="0">
@@ -11065,7 +11844,27 @@
                   </a:srgbClr>
                 </a:solidFill>
               </a:rPr>
-              <a:t>관리자는 습득물 알림 게시판에서 게시글을 상세보기</a:t>
+              <a:t>관리자는 습득물 알림 게시판에서 </a:t>
+            </a:r>
+            <a:r>
+              <a:rPr lang="ko-KR" altLang="en-US" sz="1450" dirty="0" err="1">
+                <a:solidFill>
+                  <a:srgbClr val="E7E6E6">
+                    <a:lumMod val="90000"/>
+                  </a:srgbClr>
+                </a:solidFill>
+              </a:rPr>
+              <a:t>게시글을</a:t>
+            </a:r>
+            <a:r>
+              <a:rPr lang="ko-KR" altLang="en-US" sz="1450" dirty="0">
+                <a:solidFill>
+                  <a:srgbClr val="E7E6E6">
+                    <a:lumMod val="90000"/>
+                  </a:srgbClr>
+                </a:solidFill>
+              </a:rPr>
+              <a:t> 상세보기</a:t>
             </a:r>
             <a:r>
               <a:rPr lang="en-US" altLang="ko-KR" sz="1450" dirty="0">
@@ -11301,7 +12100,27 @@
                   </a:srgbClr>
                 </a:solidFill>
               </a:rPr>
-              <a:t>관리자는 습득물 알림 게시판에서 게시글 상세보기 페이지에서 내용을 수정할 수 있다</a:t>
+              <a:t>관리자는 습득물 알림 게시판에서 </a:t>
+            </a:r>
+            <a:r>
+              <a:rPr lang="ko-KR" altLang="en-US" sz="1450" dirty="0" err="1">
+                <a:solidFill>
+                  <a:srgbClr val="E7E6E6">
+                    <a:lumMod val="90000"/>
+                  </a:srgbClr>
+                </a:solidFill>
+              </a:rPr>
+              <a:t>게시글</a:t>
+            </a:r>
+            <a:r>
+              <a:rPr lang="ko-KR" altLang="en-US" sz="1450" dirty="0">
+                <a:solidFill>
+                  <a:srgbClr val="E7E6E6">
+                    <a:lumMod val="90000"/>
+                  </a:srgbClr>
+                </a:solidFill>
+              </a:rPr>
+              <a:t> 상세보기 페이지에서 내용을 수정할 수 있다</a:t>
             </a:r>
             <a:r>
               <a:rPr lang="en-US" altLang="ko-KR" sz="1450" dirty="0">
@@ -11339,7 +12158,47 @@
                   </a:srgbClr>
                 </a:solidFill>
               </a:rPr>
-              <a:t>관리자는 습득물 알림 게시판에서 게시글 상세보기 페이지에서 게시글을 삭제할 수 있다</a:t>
+              <a:t>관리자는 습득물 알림 게시판에서 </a:t>
+            </a:r>
+            <a:r>
+              <a:rPr lang="ko-KR" altLang="en-US" sz="1450" dirty="0" err="1">
+                <a:solidFill>
+                  <a:srgbClr val="E7E6E6">
+                    <a:lumMod val="90000"/>
+                  </a:srgbClr>
+                </a:solidFill>
+              </a:rPr>
+              <a:t>게시글</a:t>
+            </a:r>
+            <a:r>
+              <a:rPr lang="ko-KR" altLang="en-US" sz="1450" dirty="0">
+                <a:solidFill>
+                  <a:srgbClr val="E7E6E6">
+                    <a:lumMod val="90000"/>
+                  </a:srgbClr>
+                </a:solidFill>
+              </a:rPr>
+              <a:t> 상세보기 페이지에서 </a:t>
+            </a:r>
+            <a:r>
+              <a:rPr lang="ko-KR" altLang="en-US" sz="1450" dirty="0" err="1">
+                <a:solidFill>
+                  <a:srgbClr val="E7E6E6">
+                    <a:lumMod val="90000"/>
+                  </a:srgbClr>
+                </a:solidFill>
+              </a:rPr>
+              <a:t>게시글을</a:t>
+            </a:r>
+            <a:r>
+              <a:rPr lang="ko-KR" altLang="en-US" sz="1450" dirty="0">
+                <a:solidFill>
+                  <a:srgbClr val="E7E6E6">
+                    <a:lumMod val="90000"/>
+                  </a:srgbClr>
+                </a:solidFill>
+              </a:rPr>
+              <a:t> 삭제할 수 있다</a:t>
             </a:r>
             <a:r>
               <a:rPr lang="en-US" altLang="ko-KR" sz="1450" dirty="0">
@@ -11351,6 +12210,13 @@
               </a:rPr>
               <a:t>.</a:t>
             </a:r>
+            <a:endParaRPr lang="en-US" altLang="ko-KR" sz="1450" dirty="0">
+              <a:solidFill>
+                <a:srgbClr val="E7E6E6">
+                  <a:lumMod val="90000"/>
+                </a:srgbClr>
+              </a:solidFill>
+            </a:endParaRPr>
           </a:p>
         </p:txBody>
       </p:sp>
@@ -11503,37 +12369,47 @@
               <a:defRPr/>
             </a:pPr>
             <a:r>
-              <a:rPr lang="ko-KR" altLang="en-US" sz="1700">
+              <a:rPr lang="ko-KR" altLang="en-US" sz="1700" dirty="0">
                 <a:solidFill>
                   <a:schemeClr val="bg2">
                     <a:lumMod val="90000"/>
                   </a:schemeClr>
                 </a:solidFill>
               </a:rPr>
-              <a:t>영화관 관리 시스템은 영화를 등록하고 이벤트</a:t>
-            </a:r>
-            <a:r>
-              <a:rPr lang="en-US" altLang="ko-KR" sz="1700">
+              <a:t>영화관 관리 시스템은 영화를 </a:t>
+            </a:r>
+            <a:r>
+              <a:rPr lang="ko-KR" altLang="en-US" sz="1700" dirty="0" smtClean="0">
                 <a:solidFill>
                   <a:schemeClr val="bg2">
                     <a:lumMod val="90000"/>
                   </a:schemeClr>
                 </a:solidFill>
               </a:rPr>
-              <a:t>, </a:t>
-            </a:r>
-            <a:r>
-              <a:rPr lang="ko-KR" altLang="en-US" sz="1700">
+              <a:t>등록하고</a:t>
+            </a:r>
+            <a:r>
+              <a:rPr lang="en-US" altLang="ko-KR" sz="1700" dirty="0" smtClean="0">
                 <a:solidFill>
                   <a:schemeClr val="bg2">
                     <a:lumMod val="90000"/>
                   </a:schemeClr>
                 </a:solidFill>
               </a:rPr>
+              <a:t> </a:t>
+            </a:r>
+            <a:r>
+              <a:rPr lang="ko-KR" altLang="en-US" sz="1700" dirty="0">
+                <a:solidFill>
+                  <a:schemeClr val="bg2">
+                    <a:lumMod val="90000"/>
+                  </a:schemeClr>
+                </a:solidFill>
+              </a:rPr>
               <a:t>공지사항 게시판 등을 관리할 수 있고</a:t>
             </a:r>
             <a:r>
-              <a:rPr lang="en-US" altLang="ko-KR" sz="1700">
+              <a:rPr lang="en-US" altLang="ko-KR" sz="1700" dirty="0">
                 <a:solidFill>
                   <a:schemeClr val="bg2">
                     <a:lumMod val="90000"/>
@@ -11550,7 +12426,7 @@
               </a:lnSpc>
               <a:defRPr/>
             </a:pPr>
-            <a:endParaRPr lang="en-US" altLang="ko-KR" sz="1700">
+            <a:endParaRPr lang="en-US" altLang="ko-KR" sz="1700" dirty="0">
               <a:solidFill>
                 <a:schemeClr val="bg2">
                   <a:lumMod val="90000"/>
@@ -11566,15 +12442,62 @@
               <a:defRPr/>
             </a:pPr>
             <a:r>
-              <a:rPr lang="ko-KR" altLang="en-US" sz="1700">
+              <a:rPr lang="ko-KR" altLang="en-US" sz="1700" dirty="0">
                 <a:solidFill>
                   <a:schemeClr val="bg2">
                     <a:lumMod val="90000"/>
                   </a:schemeClr>
                 </a:solidFill>
               </a:rPr>
-              <a:t>회원들은 영화를 예매하거나 정보 및 후기 등을 공유할 수 있는 환경을 제공하는 시스템이다</a:t>
-            </a:r>
+              <a:t>회원들은 영화를 예매하거나 정보 및 </a:t>
+            </a:r>
+            <a:r>
+              <a:rPr lang="ko-KR" altLang="en-US" sz="1700" dirty="0" smtClean="0">
+                <a:solidFill>
+                  <a:schemeClr val="bg2">
+                    <a:lumMod val="90000"/>
+                  </a:schemeClr>
+                </a:solidFill>
+              </a:rPr>
+              <a:t>리뷰 </a:t>
+            </a:r>
+            <a:r>
+              <a:rPr lang="ko-KR" altLang="en-US" sz="1700" dirty="0">
+                <a:solidFill>
+                  <a:schemeClr val="bg2">
+                    <a:lumMod val="90000"/>
+                  </a:schemeClr>
+                </a:solidFill>
+              </a:rPr>
+              <a:t>등을 공유할 수 있는 환경을 제공하는 </a:t>
+            </a:r>
+            <a:r>
+              <a:rPr lang="ko-KR" altLang="en-US" sz="1700" dirty="0" smtClean="0">
+                <a:solidFill>
+                  <a:schemeClr val="bg2">
+                    <a:lumMod val="90000"/>
+                  </a:schemeClr>
+                </a:solidFill>
+              </a:rPr>
+              <a:t>시스템이다</a:t>
+            </a:r>
+            <a:r>
+              <a:rPr lang="en-US" altLang="ko-KR" sz="1700" dirty="0" smtClean="0">
+                <a:solidFill>
+                  <a:schemeClr val="bg2">
+                    <a:lumMod val="90000"/>
+                  </a:schemeClr>
+                </a:solidFill>
+              </a:rPr>
+              <a:t>.</a:t>
+            </a:r>
+            <a:endParaRPr lang="ko-KR" altLang="en-US" sz="1700" dirty="0">
+              <a:solidFill>
+                <a:schemeClr val="bg2">
+                  <a:lumMod val="90000"/>
+                </a:schemeClr>
+              </a:solidFill>
+            </a:endParaRPr>
           </a:p>
         </p:txBody>
       </p:sp>
@@ -11708,7 +12631,7 @@
         <p:spPr>
           <a:xfrm>
             <a:off x="139584" y="1396737"/>
-            <a:ext cx="11564802" cy="4857227"/>
+            <a:ext cx="11564802" cy="4905958"/>
           </a:xfrm>
           <a:prstGeom prst="rect">
             <a:avLst/>
@@ -12216,7 +13139,7 @@
                   </a:srgbClr>
                 </a:solidFill>
               </a:rPr>
-              <a:t>회원은 마이페이지 내 ‘내 </a:t>
+              <a:t>회원은 </a:t>
             </a:r>
             <a:r>
               <a:rPr lang="ko-KR" altLang="en-US" sz="1450" dirty="0" err="1">
@@ -12226,6 +13149,26 @@
                   </a:srgbClr>
                 </a:solidFill>
               </a:rPr>
+              <a:t>마이페이지</a:t>
+            </a:r>
+            <a:r>
+              <a:rPr lang="ko-KR" altLang="en-US" sz="1450" dirty="0">
+                <a:solidFill>
+                  <a:srgbClr val="E7E6E6">
+                    <a:lumMod val="90000"/>
+                  </a:srgbClr>
+                </a:solidFill>
+              </a:rPr>
+              <a:t> 내 ‘내 </a:t>
+            </a:r>
+            <a:r>
+              <a:rPr lang="ko-KR" altLang="en-US" sz="1450" dirty="0" err="1">
+                <a:solidFill>
+                  <a:srgbClr val="E7E6E6">
+                    <a:lumMod val="90000"/>
+                  </a:srgbClr>
+                </a:solidFill>
+              </a:rPr>
               <a:t>기프티콘</a:t>
             </a:r>
             <a:r>
@@ -12314,7 +13257,7 @@
                   </a:srgbClr>
                 </a:solidFill>
               </a:rPr>
-              <a:t>회원은 마이페이지 내 ‘내 </a:t>
+              <a:t>회원은 </a:t>
             </a:r>
             <a:r>
               <a:rPr lang="ko-KR" altLang="en-US" sz="1450" dirty="0" err="1">
@@ -12324,6 +13267,26 @@
                   </a:srgbClr>
                 </a:solidFill>
               </a:rPr>
+              <a:t>마이페이지</a:t>
+            </a:r>
+            <a:r>
+              <a:rPr lang="ko-KR" altLang="en-US" sz="1450" dirty="0">
+                <a:solidFill>
+                  <a:srgbClr val="E7E6E6">
+                    <a:lumMod val="90000"/>
+                  </a:srgbClr>
+                </a:solidFill>
+              </a:rPr>
+              <a:t> 내 ‘내 </a:t>
+            </a:r>
+            <a:r>
+              <a:rPr lang="ko-KR" altLang="en-US" sz="1450" dirty="0" err="1">
+                <a:solidFill>
+                  <a:srgbClr val="E7E6E6">
+                    <a:lumMod val="90000"/>
+                  </a:srgbClr>
+                </a:solidFill>
+              </a:rPr>
               <a:t>기프티콘</a:t>
             </a:r>
             <a:r>
@@ -12334,7 +13297,7 @@
                   </a:srgbClr>
                 </a:solidFill>
               </a:rPr>
-              <a:t>’ 페이지에서 사용가능한 </a:t>
+              <a:t>’ 페이지에서 </a:t>
             </a:r>
             <a:r>
               <a:rPr lang="ko-KR" altLang="en-US" sz="1450" dirty="0" err="1">
@@ -12344,6 +13307,26 @@
                   </a:srgbClr>
                 </a:solidFill>
               </a:rPr>
+              <a:t>사용가능한</a:t>
+            </a:r>
+            <a:r>
+              <a:rPr lang="ko-KR" altLang="en-US" sz="1450" dirty="0">
+                <a:solidFill>
+                  <a:srgbClr val="E7E6E6">
+                    <a:lumMod val="90000"/>
+                  </a:srgbClr>
+                </a:solidFill>
+              </a:rPr>
+              <a:t> </a:t>
+            </a:r>
+            <a:r>
+              <a:rPr lang="ko-KR" altLang="en-US" sz="1450" dirty="0" err="1">
+                <a:solidFill>
+                  <a:srgbClr val="E7E6E6">
+                    <a:lumMod val="90000"/>
+                  </a:srgbClr>
+                </a:solidFill>
+              </a:rPr>
               <a:t>기프티콘에</a:t>
             </a:r>
             <a:r>
@@ -12392,7 +13375,7 @@
                   </a:srgbClr>
                 </a:solidFill>
               </a:rPr>
-              <a:t>회원은 마이페이지 내 ‘내 </a:t>
+              <a:t>회원은 </a:t>
             </a:r>
             <a:r>
               <a:rPr lang="ko-KR" altLang="en-US" sz="1450" dirty="0" err="1">
@@ -12402,6 +13385,26 @@
                   </a:srgbClr>
                 </a:solidFill>
               </a:rPr>
+              <a:t>마이페이지</a:t>
+            </a:r>
+            <a:r>
+              <a:rPr lang="ko-KR" altLang="en-US" sz="1450" dirty="0">
+                <a:solidFill>
+                  <a:srgbClr val="E7E6E6">
+                    <a:lumMod val="90000"/>
+                  </a:srgbClr>
+                </a:solidFill>
+              </a:rPr>
+              <a:t> 내 ‘내 </a:t>
+            </a:r>
+            <a:r>
+              <a:rPr lang="ko-KR" altLang="en-US" sz="1450" dirty="0" err="1">
+                <a:solidFill>
+                  <a:srgbClr val="E7E6E6">
+                    <a:lumMod val="90000"/>
+                  </a:srgbClr>
+                </a:solidFill>
+              </a:rPr>
               <a:t>기프티콘</a:t>
             </a:r>
             <a:r>
@@ -12563,7 +13566,7 @@
               <a:t>/</a:t>
             </a:r>
             <a:r>
-              <a:rPr lang="ko-KR" altLang="en-US" sz="1450" dirty="0">
+              <a:rPr lang="ko-KR" altLang="en-US" sz="1450" dirty="0" err="1">
                 <a:solidFill>
                   <a:srgbClr val="E7E6E6">
                     <a:lumMod val="90000"/>
@@ -12583,7 +13586,7 @@
               <a:t>), </a:t>
             </a:r>
             <a:r>
-              <a:rPr lang="ko-KR" altLang="en-US" sz="1450" dirty="0">
+              <a:rPr lang="ko-KR" altLang="en-US" sz="1450" dirty="0" err="1">
                 <a:solidFill>
                   <a:srgbClr val="E7E6E6">
                     <a:lumMod val="90000"/>
@@ -12936,6 +13939,13 @@
               </a:rPr>
               <a:t>.</a:t>
             </a:r>
+            <a:endParaRPr lang="en-US" altLang="ko-KR" sz="1450" dirty="0">
+              <a:solidFill>
+                <a:srgbClr val="E7E6E6">
+                  <a:lumMod val="90000"/>
+                </a:srgbClr>
+              </a:solidFill>
+            </a:endParaRPr>
           </a:p>
         </p:txBody>
       </p:sp>
@@ -13069,7 +14079,7 @@
         <p:spPr>
           <a:xfrm>
             <a:off x="0" y="2082609"/>
-            <a:ext cx="11564802" cy="3072123"/>
+            <a:ext cx="11564802" cy="3120854"/>
           </a:xfrm>
           <a:prstGeom prst="rect">
             <a:avLst/>
@@ -13238,35 +14248,8 @@
                   </a:srgbClr>
                 </a:solidFill>
               </a:rPr>
-              <a:t> 신고＇</a:t>
-            </a:r>
-            <a:r>
-              <a:rPr lang="en-US" altLang="ko-KR" sz="1450" dirty="0">
-                <a:solidFill>
-                  <a:srgbClr val="E7E6E6">
-                    <a:lumMod val="90000"/>
-                  </a:srgbClr>
-                </a:solidFill>
-              </a:rPr>
-              <a:t> </a:t>
-            </a:r>
-            <a:r>
-              <a:rPr lang="ko-KR" altLang="en-US" sz="1450" dirty="0">
-                <a:solidFill>
-                  <a:srgbClr val="E7E6E6">
-                    <a:lumMod val="90000"/>
-                  </a:srgbClr>
-                </a:solidFill>
-              </a:rPr>
-              <a:t>중</a:t>
-            </a:r>
-            <a:endParaRPr lang="en-US" altLang="ko-KR" sz="1450" dirty="0">
-              <a:solidFill>
-                <a:srgbClr val="E7E6E6">
-                  <a:lumMod val="90000"/>
-                </a:srgbClr>
-              </a:solidFill>
-            </a:endParaRPr>
+              <a:t> 신고＇ 중</a:t>
+            </a:r>
           </a:p>
           <a:p>
             <a:pPr lvl="1">
@@ -13276,24 +14259,34 @@
               <a:defRPr/>
             </a:pPr>
             <a:r>
-              <a:rPr lang="en-US" altLang="ko-KR" sz="1450" dirty="0">
-                <a:solidFill>
-                  <a:srgbClr val="E7E6E6">
-                    <a:lumMod val="90000"/>
-                  </a:srgbClr>
-                </a:solidFill>
-              </a:rPr>
-              <a:t>      </a:t>
-            </a:r>
-            <a:r>
-              <a:rPr lang="ko-KR" altLang="en-US" sz="1450" dirty="0">
-                <a:solidFill>
-                  <a:srgbClr val="E7E6E6">
-                    <a:lumMod val="90000"/>
-                  </a:srgbClr>
-                </a:solidFill>
-              </a:rPr>
-              <a:t>＇리뷰 신고＇의 목록이 먼저 조회되고</a:t>
+              <a:rPr lang="ko-KR" altLang="en-US" sz="1450" dirty="0">
+                <a:solidFill>
+                  <a:srgbClr val="E7E6E6">
+                    <a:lumMod val="90000"/>
+                  </a:srgbClr>
+                </a:solidFill>
+              </a:rPr>
+              <a:t>      ＇리뷰 </a:t>
+            </a:r>
+            <a:r>
+              <a:rPr lang="ko-KR" altLang="en-US" sz="1450" dirty="0" err="1">
+                <a:solidFill>
+                  <a:srgbClr val="E7E6E6">
+                    <a:lumMod val="90000"/>
+                  </a:srgbClr>
+                </a:solidFill>
+              </a:rPr>
+              <a:t>신고＇의</a:t>
+            </a:r>
+            <a:r>
+              <a:rPr lang="ko-KR" altLang="en-US" sz="1450" dirty="0">
+                <a:solidFill>
+                  <a:srgbClr val="E7E6E6">
+                    <a:lumMod val="90000"/>
+                  </a:srgbClr>
+                </a:solidFill>
+              </a:rPr>
+              <a:t> 목록이 먼저 조회되고</a:t>
             </a:r>
             <a:r>
               <a:rPr lang="en-US" altLang="ko-KR" sz="1450" dirty="0">
@@ -13384,7 +14377,7 @@
               <a:t>, </a:t>
             </a:r>
             <a:r>
-              <a:rPr lang="ko-KR" altLang="en-US" sz="1450" dirty="0">
+              <a:rPr lang="ko-KR" altLang="en-US" sz="1450" dirty="0" err="1">
                 <a:solidFill>
                   <a:srgbClr val="E7E6E6">
                     <a:lumMod val="90000"/>
@@ -13514,7 +14507,7 @@
               <a:t>/</a:t>
             </a:r>
             <a:r>
-              <a:rPr lang="ko-KR" altLang="en-US" sz="1450" dirty="0">
+              <a:rPr lang="ko-KR" altLang="en-US" sz="1450" dirty="0" err="1">
                 <a:solidFill>
                   <a:srgbClr val="E7E6E6">
                     <a:lumMod val="90000"/>
@@ -13579,7 +14572,27 @@
                   </a:srgbClr>
                 </a:solidFill>
               </a:rPr>
-              <a:t>관리자는 신고내용을 클릭 시 신고 상세보기가 가능하다</a:t>
+              <a:t>관리자는 신고내용을 클릭 시 신고 </a:t>
+            </a:r>
+            <a:r>
+              <a:rPr lang="ko-KR" altLang="en-US" sz="1450" dirty="0" err="1">
+                <a:solidFill>
+                  <a:srgbClr val="E7E6E6">
+                    <a:lumMod val="90000"/>
+                  </a:srgbClr>
+                </a:solidFill>
+              </a:rPr>
+              <a:t>상세보기가</a:t>
+            </a:r>
+            <a:r>
+              <a:rPr lang="ko-KR" altLang="en-US" sz="1450" dirty="0">
+                <a:solidFill>
+                  <a:srgbClr val="E7E6E6">
+                    <a:lumMod val="90000"/>
+                  </a:srgbClr>
+                </a:solidFill>
+              </a:rPr>
+              <a:t> 가능하다</a:t>
             </a:r>
             <a:r>
               <a:rPr lang="en-US" altLang="ko-KR" sz="1450" dirty="0">
@@ -13617,7 +14630,57 @@
                   </a:srgbClr>
                 </a:solidFill>
               </a:rPr>
-              <a:t>관리자는 신고제목을 클릭 시 </a:t>
+              <a:t>관리자는 </a:t>
+            </a:r>
+            <a:r>
+              <a:rPr lang="ko-KR" altLang="en-US" sz="1450" dirty="0" err="1">
+                <a:solidFill>
+                  <a:srgbClr val="E7E6E6">
+                    <a:lumMod val="90000"/>
+                  </a:srgbClr>
+                </a:solidFill>
+              </a:rPr>
+              <a:t>신고제목</a:t>
+            </a:r>
+            <a:r>
+              <a:rPr lang="en-US" altLang="ko-KR" sz="1450" dirty="0">
+                <a:solidFill>
+                  <a:srgbClr val="E7E6E6">
+                    <a:lumMod val="90000"/>
+                  </a:srgbClr>
+                </a:solidFill>
+              </a:rPr>
+              <a:t>[</a:t>
+            </a:r>
+            <a:r>
+              <a:rPr lang="ko-KR" altLang="en-US" sz="1450" dirty="0">
+                <a:solidFill>
+                  <a:srgbClr val="E7E6E6">
+                    <a:lumMod val="90000"/>
+                  </a:srgbClr>
+                </a:solidFill>
+              </a:rPr>
+              <a:t>리뷰 제목</a:t>
+            </a:r>
+            <a:r>
+              <a:rPr lang="en-US" altLang="ko-KR" sz="1450" dirty="0">
+                <a:solidFill>
+                  <a:srgbClr val="E7E6E6">
+                    <a:lumMod val="90000"/>
+                  </a:srgbClr>
+                </a:solidFill>
+              </a:rPr>
+              <a:t>]</a:t>
+            </a:r>
+            <a:r>
+              <a:rPr lang="ko-KR" altLang="en-US" sz="1450" dirty="0">
+                <a:solidFill>
+                  <a:srgbClr val="E7E6E6">
+                    <a:lumMod val="90000"/>
+                  </a:srgbClr>
+                </a:solidFill>
+              </a:rPr>
+              <a:t>을 클릭 시 </a:t>
             </a:r>
             <a:r>
               <a:rPr lang="ko-KR" altLang="en-US" sz="1450" dirty="0" err="1">
@@ -13946,7 +15009,7 @@
         <p:spPr>
           <a:xfrm>
             <a:off x="186481" y="1726223"/>
-            <a:ext cx="11819037" cy="4262642"/>
+            <a:ext cx="11819037" cy="4573560"/>
           </a:xfrm>
           <a:prstGeom prst="rect">
             <a:avLst/>
@@ -14060,6 +15123,36 @@
               <a:defRPr/>
             </a:pPr>
             <a:r>
+              <a:rPr lang="en-US" altLang="ko-KR" sz="1400" dirty="0" smtClean="0">
+                <a:solidFill>
+                  <a:schemeClr val="bg2">
+                    <a:lumMod val="90000"/>
+                  </a:schemeClr>
+                </a:solidFill>
+              </a:rPr>
+              <a:t>- </a:t>
+            </a:r>
+            <a:r>
+              <a:rPr lang="ko-KR" altLang="en-US" sz="1400" dirty="0" smtClean="0">
+                <a:solidFill>
+                  <a:schemeClr val="bg2">
+                    <a:lumMod val="90000"/>
+                  </a:schemeClr>
+                </a:solidFill>
+              </a:rPr>
+              <a:t>관리자는 </a:t>
+            </a:r>
+            <a:r>
+              <a:rPr lang="ko-KR" altLang="en-US" sz="1400" dirty="0">
+                <a:solidFill>
+                  <a:schemeClr val="bg2">
+                    <a:lumMod val="90000"/>
+                  </a:schemeClr>
+                </a:solidFill>
+              </a:rPr>
+              <a:t>모든 회원의 정보를 조회 및 검색</a:t>
+            </a:r>
+            <a:r>
               <a:rPr lang="en-US" altLang="ko-KR" sz="1400" dirty="0">
                 <a:solidFill>
                   <a:schemeClr val="bg2">
@@ -14067,7 +15160,7 @@
                   </a:schemeClr>
                 </a:solidFill>
               </a:rPr>
-              <a:t>- </a:t>
+              <a:t>, </a:t>
             </a:r>
             <a:r>
               <a:rPr lang="ko-KR" altLang="en-US" sz="1400" dirty="0">
@@ -14077,7 +15170,7 @@
                   </a:schemeClr>
                 </a:solidFill>
               </a:rPr>
-              <a:t>관리자는 모든 회원의 정보를 조회 및 검색</a:t>
+              <a:t>상세보기</a:t>
             </a:r>
             <a:r>
               <a:rPr lang="en-US" altLang="ko-KR" sz="1400" dirty="0">
@@ -14097,7 +15190,7 @@
                   </a:schemeClr>
                 </a:solidFill>
               </a:rPr>
-              <a:t>상세보기</a:t>
+              <a:t>수정</a:t>
             </a:r>
             <a:r>
               <a:rPr lang="en-US" altLang="ko-KR" sz="1400" dirty="0">
@@ -14110,6 +15203,16 @@
               <a:t>, </a:t>
             </a:r>
             <a:r>
+              <a:rPr lang="ko-KR" altLang="en-US" sz="1400" dirty="0" err="1">
+                <a:solidFill>
+                  <a:schemeClr val="bg2">
+                    <a:lumMod val="90000"/>
+                  </a:schemeClr>
+                </a:solidFill>
+              </a:rPr>
+              <a:t>강퇴할</a:t>
+            </a:r>
+            <a:r>
               <a:rPr lang="ko-KR" altLang="en-US" sz="1400" dirty="0">
                 <a:solidFill>
                   <a:schemeClr val="bg2">
@@ -14117,51 +15220,21 @@
                   </a:schemeClr>
                 </a:solidFill>
               </a:rPr>
-              <a:t>수정</a:t>
-            </a:r>
-            <a:r>
-              <a:rPr lang="en-US" altLang="ko-KR" sz="1400" dirty="0">
+              <a:t> 수 있다</a:t>
+            </a:r>
+            <a:r>
+              <a:rPr lang="en-US" altLang="ko-KR" sz="1400" dirty="0" smtClean="0">
                 <a:solidFill>
                   <a:schemeClr val="bg2">
                     <a:lumMod val="90000"/>
                   </a:schemeClr>
                 </a:solidFill>
               </a:rPr>
-              <a:t>, </a:t>
-            </a:r>
-            <a:r>
-              <a:rPr lang="ko-KR" altLang="en-US" sz="1400" dirty="0" err="1">
-                <a:solidFill>
-                  <a:schemeClr val="bg2">
-                    <a:lumMod val="90000"/>
-                  </a:schemeClr>
-                </a:solidFill>
-              </a:rPr>
-              <a:t>강퇴할</a:t>
-            </a:r>
-            <a:r>
-              <a:rPr lang="ko-KR" altLang="en-US" sz="1400" dirty="0">
-                <a:solidFill>
-                  <a:schemeClr val="bg2">
-                    <a:lumMod val="90000"/>
-                  </a:schemeClr>
-                </a:solidFill>
-              </a:rPr>
-              <a:t> 수 있다</a:t>
-            </a:r>
-            <a:r>
-              <a:rPr lang="en-US" altLang="ko-KR" sz="1400" dirty="0">
-                <a:solidFill>
-                  <a:schemeClr val="bg2">
-                    <a:lumMod val="90000"/>
-                  </a:schemeClr>
-                </a:solidFill>
-              </a:rPr>
               <a:t>.</a:t>
             </a:r>
           </a:p>
           <a:p>
-            <a:pPr lvl="1">
+            <a:pPr lvl="2">
               <a:lnSpc>
                 <a:spcPct val="130000"/>
               </a:lnSpc>
@@ -14189,6 +15262,16 @@
               <a:defRPr/>
             </a:pPr>
             <a:r>
+              <a:rPr lang="en-US" altLang="ko-KR" sz="1400" dirty="0" smtClean="0">
+                <a:solidFill>
+                  <a:schemeClr val="bg2">
+                    <a:lumMod val="90000"/>
+                  </a:schemeClr>
+                </a:solidFill>
+              </a:rPr>
+              <a:t>2</a:t>
+            </a:r>
+            <a:r>
               <a:rPr lang="en-US" altLang="ko-KR" sz="1400" dirty="0">
                 <a:solidFill>
                   <a:schemeClr val="bg2">
@@ -14196,7 +15279,7 @@
                   </a:schemeClr>
                 </a:solidFill>
               </a:rPr>
-              <a:t>2. </a:t>
+              <a:t>. </a:t>
             </a:r>
             <a:r>
               <a:rPr lang="ko-KR" altLang="en-US" sz="1400" dirty="0">
@@ -14220,7 +15303,7 @@
               <a:defRPr/>
             </a:pPr>
             <a:r>
-              <a:rPr lang="en-US" altLang="ko-KR" sz="1400" dirty="0">
+              <a:rPr lang="en-US" altLang="ko-KR" sz="1400" dirty="0" smtClean="0">
                 <a:solidFill>
                   <a:schemeClr val="bg2">
                     <a:lumMod val="90000"/>
@@ -14230,7 +15313,7 @@
               <a:t>- </a:t>
             </a:r>
             <a:r>
-              <a:rPr lang="ko-KR" altLang="en-US" sz="1400" dirty="0">
+              <a:rPr lang="ko-KR" altLang="en-US" sz="1400" dirty="0" smtClean="0">
                 <a:solidFill>
                   <a:schemeClr val="bg2">
                     <a:lumMod val="90000"/>
@@ -14240,7 +15323,7 @@
               <a:t>회원과 비회원은 영화 정보를 조회 및 검색</a:t>
             </a:r>
             <a:r>
-              <a:rPr lang="en-US" altLang="ko-KR" sz="1400" dirty="0">
+              <a:rPr lang="en-US" altLang="ko-KR" sz="1400" dirty="0" smtClean="0">
                 <a:solidFill>
                   <a:schemeClr val="bg2">
                     <a:lumMod val="90000"/>
@@ -14250,17 +15333,27 @@
               <a:t>, </a:t>
             </a:r>
             <a:r>
-              <a:rPr lang="ko-KR" altLang="en-US" sz="1400" dirty="0">
+              <a:rPr lang="ko-KR" altLang="en-US" sz="1400" dirty="0" err="1" smtClean="0">
                 <a:solidFill>
                   <a:schemeClr val="bg2">
                     <a:lumMod val="90000"/>
                   </a:schemeClr>
                 </a:solidFill>
               </a:rPr>
-              <a:t>상세보기를 할 수 있다</a:t>
-            </a:r>
-            <a:r>
-              <a:rPr lang="en-US" altLang="ko-KR" sz="1400" dirty="0">
+              <a:t>상세보기를</a:t>
+            </a:r>
+            <a:r>
+              <a:rPr lang="ko-KR" altLang="en-US" sz="1400" dirty="0" smtClean="0">
+                <a:solidFill>
+                  <a:schemeClr val="bg2">
+                    <a:lumMod val="90000"/>
+                  </a:schemeClr>
+                </a:solidFill>
+              </a:rPr>
+              <a:t> 할 수 있다</a:t>
+            </a:r>
+            <a:r>
+              <a:rPr lang="en-US" altLang="ko-KR" sz="1400" dirty="0" smtClean="0">
                 <a:solidFill>
                   <a:schemeClr val="bg2">
                     <a:lumMod val="90000"/>
@@ -14281,6 +15374,155 @@
               <a:defRPr/>
             </a:pPr>
             <a:r>
+              <a:rPr lang="en-US" altLang="ko-KR" sz="1400" dirty="0" smtClean="0">
+                <a:solidFill>
+                  <a:schemeClr val="bg2">
+                    <a:lumMod val="90000"/>
+                  </a:schemeClr>
+                </a:solidFill>
+              </a:rPr>
+              <a:t>- </a:t>
+            </a:r>
+            <a:r>
+              <a:rPr lang="ko-KR" altLang="en-US" sz="1400" dirty="0" smtClean="0">
+                <a:solidFill>
+                  <a:schemeClr val="bg2">
+                    <a:lumMod val="90000"/>
+                  </a:schemeClr>
+                </a:solidFill>
+              </a:rPr>
+              <a:t>관리자는 영화 정보를 조회 및 검색</a:t>
+            </a:r>
+            <a:r>
+              <a:rPr lang="en-US" altLang="ko-KR" sz="1400" dirty="0" smtClean="0">
+                <a:solidFill>
+                  <a:schemeClr val="bg2">
+                    <a:lumMod val="90000"/>
+                  </a:schemeClr>
+                </a:solidFill>
+              </a:rPr>
+              <a:t>, </a:t>
+            </a:r>
+            <a:r>
+              <a:rPr lang="ko-KR" altLang="en-US" sz="1400" dirty="0" smtClean="0">
+                <a:solidFill>
+                  <a:schemeClr val="bg2">
+                    <a:lumMod val="90000"/>
+                  </a:schemeClr>
+                </a:solidFill>
+              </a:rPr>
+              <a:t>상세보기</a:t>
+            </a:r>
+            <a:r>
+              <a:rPr lang="en-US" altLang="ko-KR" sz="1400" dirty="0" smtClean="0">
+                <a:solidFill>
+                  <a:schemeClr val="bg2">
+                    <a:lumMod val="90000"/>
+                  </a:schemeClr>
+                </a:solidFill>
+              </a:rPr>
+              <a:t>, </a:t>
+            </a:r>
+            <a:r>
+              <a:rPr lang="ko-KR" altLang="en-US" sz="1400" dirty="0" smtClean="0">
+                <a:solidFill>
+                  <a:schemeClr val="bg2">
+                    <a:lumMod val="90000"/>
+                  </a:schemeClr>
+                </a:solidFill>
+              </a:rPr>
+              <a:t>등록</a:t>
+            </a:r>
+            <a:r>
+              <a:rPr lang="en-US" altLang="ko-KR" sz="1400" dirty="0" smtClean="0">
+                <a:solidFill>
+                  <a:schemeClr val="bg2">
+                    <a:lumMod val="90000"/>
+                  </a:schemeClr>
+                </a:solidFill>
+              </a:rPr>
+              <a:t>, </a:t>
+            </a:r>
+            <a:r>
+              <a:rPr lang="ko-KR" altLang="en-US" sz="1400" dirty="0" smtClean="0">
+                <a:solidFill>
+                  <a:schemeClr val="bg2">
+                    <a:lumMod val="90000"/>
+                  </a:schemeClr>
+                </a:solidFill>
+              </a:rPr>
+              <a:t>수정</a:t>
+            </a:r>
+            <a:r>
+              <a:rPr lang="en-US" altLang="ko-KR" sz="1400" dirty="0" smtClean="0">
+                <a:solidFill>
+                  <a:schemeClr val="bg2">
+                    <a:lumMod val="90000"/>
+                  </a:schemeClr>
+                </a:solidFill>
+              </a:rPr>
+              <a:t>, </a:t>
+            </a:r>
+            <a:r>
+              <a:rPr lang="ko-KR" altLang="en-US" sz="1400" dirty="0" smtClean="0">
+                <a:solidFill>
+                  <a:schemeClr val="bg2">
+                    <a:lumMod val="90000"/>
+                  </a:schemeClr>
+                </a:solidFill>
+              </a:rPr>
+              <a:t>삭제할 수 있다</a:t>
+            </a:r>
+            <a:r>
+              <a:rPr lang="en-US" altLang="ko-KR" sz="1400" dirty="0" smtClean="0">
+                <a:solidFill>
+                  <a:schemeClr val="bg2">
+                    <a:lumMod val="90000"/>
+                  </a:schemeClr>
+                </a:solidFill>
+              </a:rPr>
+              <a:t>.</a:t>
+            </a:r>
+          </a:p>
+          <a:p>
+            <a:pPr lvl="1">
+              <a:lnSpc>
+                <a:spcPct val="130000"/>
+              </a:lnSpc>
+              <a:spcAft>
+                <a:spcPts val="20"/>
+              </a:spcAft>
+              <a:defRPr/>
+            </a:pPr>
+            <a:endParaRPr lang="en-US" altLang="ko-KR" sz="1400" dirty="0" smtClean="0">
+              <a:solidFill>
+                <a:schemeClr val="bg2">
+                  <a:lumMod val="90000"/>
+                </a:schemeClr>
+              </a:solidFill>
+            </a:endParaRPr>
+          </a:p>
+          <a:p>
+            <a:pPr lvl="1">
+              <a:lnSpc>
+                <a:spcPct val="130000"/>
+              </a:lnSpc>
+              <a:spcAft>
+                <a:spcPts val="20"/>
+              </a:spcAft>
+              <a:defRPr/>
+            </a:pPr>
+            <a:r>
+              <a:rPr lang="en-US" altLang="ko-KR" sz="1400" dirty="0" smtClean="0">
+                <a:solidFill>
+                  <a:schemeClr val="bg2">
+                    <a:lumMod val="90000"/>
+                  </a:schemeClr>
+                </a:solidFill>
+              </a:rPr>
+              <a:t>3</a:t>
+            </a:r>
+            <a:r>
               <a:rPr lang="en-US" altLang="ko-KR" sz="1400" dirty="0">
                 <a:solidFill>
                   <a:schemeClr val="bg2">
@@ -14288,6 +15530,37 @@
                   </a:schemeClr>
                 </a:solidFill>
               </a:rPr>
+              <a:t>. </a:t>
+            </a:r>
+            <a:r>
+              <a:rPr lang="ko-KR" altLang="en-US" sz="1400" dirty="0">
+                <a:solidFill>
+                  <a:schemeClr val="bg2">
+                    <a:lumMod val="90000"/>
+                  </a:schemeClr>
+                </a:solidFill>
+              </a:rPr>
+              <a:t>영화예매</a:t>
+            </a:r>
+          </a:p>
+          <a:p>
+            <a:pPr lvl="2">
+              <a:lnSpc>
+                <a:spcPct val="130000"/>
+              </a:lnSpc>
+              <a:spcAft>
+                <a:spcPts val="20"/>
+              </a:spcAft>
+              <a:defRPr/>
+            </a:pPr>
+            <a:r>
+              <a:rPr lang="en-US" altLang="ko-KR" sz="1400" dirty="0">
+                <a:solidFill>
+                  <a:schemeClr val="bg2">
+                    <a:lumMod val="90000"/>
+                  </a:schemeClr>
+                </a:solidFill>
+              </a:rPr>
               <a:t>- </a:t>
             </a:r>
             <a:r>
@@ -14298,7 +15571,7 @@
                   </a:schemeClr>
                 </a:solidFill>
               </a:rPr>
-              <a:t>관리자는 영화 정보를 조회 및 검색</a:t>
+              <a:t>회원은 영화 예매 및 취소</a:t>
             </a:r>
             <a:r>
               <a:rPr lang="en-US" altLang="ko-KR" sz="1400" dirty="0">
@@ -14311,6 +15584,16 @@
               <a:t>, </a:t>
             </a:r>
             <a:r>
+              <a:rPr lang="ko-KR" altLang="en-US" sz="1400" dirty="0" smtClean="0">
+                <a:solidFill>
+                  <a:schemeClr val="bg2">
+                    <a:lumMod val="90000"/>
+                  </a:schemeClr>
+                </a:solidFill>
+              </a:rPr>
+              <a:t>예매 </a:t>
+            </a:r>
+            <a:r>
               <a:rPr lang="ko-KR" altLang="en-US" sz="1400" dirty="0">
                 <a:solidFill>
                   <a:schemeClr val="bg2">
@@ -14318,7 +15601,7 @@
                   </a:schemeClr>
                 </a:solidFill>
               </a:rPr>
-              <a:t>상세보기</a:t>
+              <a:t>내역 조회를 할 수 있다</a:t>
             </a:r>
             <a:r>
               <a:rPr lang="en-US" altLang="ko-KR" sz="1400" dirty="0">
@@ -14328,7 +15611,28 @@
                   </a:schemeClr>
                 </a:solidFill>
               </a:rPr>
-              <a:t>, </a:t>
+              <a:t>.</a:t>
+            </a:r>
+          </a:p>
+          <a:p>
+            <a:pPr lvl="2">
+              <a:lnSpc>
+                <a:spcPct val="130000"/>
+              </a:lnSpc>
+              <a:spcAft>
+                <a:spcPts val="20"/>
+              </a:spcAft>
+              <a:defRPr/>
+            </a:pPr>
+            <a:r>
+              <a:rPr lang="en-US" altLang="ko-KR" sz="1400" dirty="0">
+                <a:solidFill>
+                  <a:schemeClr val="bg2">
+                    <a:lumMod val="90000"/>
+                  </a:schemeClr>
+                </a:solidFill>
+              </a:rPr>
+              <a:t>- </a:t>
             </a:r>
             <a:r>
               <a:rPr lang="ko-KR" altLang="en-US" sz="1400" dirty="0">
@@ -14338,47 +15642,7 @@
                   </a:schemeClr>
                 </a:solidFill>
               </a:rPr>
-              <a:t>등록</a:t>
-            </a:r>
-            <a:r>
-              <a:rPr lang="en-US" altLang="ko-KR" sz="1400" dirty="0">
-                <a:solidFill>
-                  <a:schemeClr val="bg2">
-                    <a:lumMod val="90000"/>
-                  </a:schemeClr>
-                </a:solidFill>
-              </a:rPr>
-              <a:t>, </a:t>
-            </a:r>
-            <a:r>
-              <a:rPr lang="ko-KR" altLang="en-US" sz="1400" dirty="0">
-                <a:solidFill>
-                  <a:schemeClr val="bg2">
-                    <a:lumMod val="90000"/>
-                  </a:schemeClr>
-                </a:solidFill>
-              </a:rPr>
-              <a:t>수정</a:t>
-            </a:r>
-            <a:r>
-              <a:rPr lang="en-US" altLang="ko-KR" sz="1400" dirty="0">
-                <a:solidFill>
-                  <a:schemeClr val="bg2">
-                    <a:lumMod val="90000"/>
-                  </a:schemeClr>
-                </a:solidFill>
-              </a:rPr>
-              <a:t>, </a:t>
-            </a:r>
-            <a:r>
-              <a:rPr lang="ko-KR" altLang="en-US" sz="1400" dirty="0">
-                <a:solidFill>
-                  <a:schemeClr val="bg2">
-                    <a:lumMod val="90000"/>
-                  </a:schemeClr>
-                </a:solidFill>
-              </a:rPr>
-              <a:t>삭제할 수 있다</a:t>
+              <a:t>관리자는 회원의 영화 예매 내역 조회를 할 수 있다</a:t>
             </a:r>
             <a:r>
               <a:rPr lang="en-US" altLang="ko-KR" sz="1400" dirty="0">
@@ -14427,7 +15691,7 @@
                   </a:schemeClr>
                 </a:solidFill>
               </a:rPr>
-              <a:t>3. </a:t>
+              <a:t>4. </a:t>
             </a:r>
             <a:r>
               <a:rPr lang="ko-KR" altLang="en-US" sz="1400" dirty="0">
@@ -14437,11 +15701,41 @@
                   </a:schemeClr>
                 </a:solidFill>
               </a:rPr>
-              <a:t>영화예매</a:t>
-            </a:r>
-          </a:p>
-          <a:p>
-            <a:pPr lvl="2">
+              <a:t>영화 리뷰 </a:t>
+            </a:r>
+            <a:r>
+              <a:rPr lang="en-US" altLang="ko-KR" sz="1400" dirty="0">
+                <a:solidFill>
+                  <a:schemeClr val="bg2">
+                    <a:lumMod val="90000"/>
+                  </a:schemeClr>
+                </a:solidFill>
+              </a:rPr>
+              <a:t>(</a:t>
+            </a:r>
+            <a:r>
+              <a:rPr lang="ko-KR" altLang="en-US" sz="1400" dirty="0">
+                <a:solidFill>
+                  <a:schemeClr val="bg2">
+                    <a:lumMod val="90000"/>
+                  </a:schemeClr>
+                </a:solidFill>
+              </a:rPr>
+              <a:t>게시판</a:t>
+            </a:r>
+            <a:r>
+              <a:rPr lang="en-US" altLang="ko-KR" sz="1400" dirty="0" smtClean="0">
+                <a:solidFill>
+                  <a:schemeClr val="bg2">
+                    <a:lumMod val="90000"/>
+                  </a:schemeClr>
+                </a:solidFill>
+              </a:rPr>
+              <a:t>)</a:t>
+            </a:r>
+          </a:p>
+          <a:p>
+            <a:pPr lvl="1">
               <a:lnSpc>
                 <a:spcPct val="130000"/>
               </a:lnSpc>
@@ -14458,120 +15752,68 @@
                   </a:schemeClr>
                 </a:solidFill>
               </a:rPr>
-              <a:t>- </a:t>
-            </a:r>
-            <a:r>
-              <a:rPr lang="ko-KR" altLang="en-US" sz="1400" dirty="0">
+              <a:t> </a:t>
+            </a:r>
+            <a:r>
+              <a:rPr lang="en-US" altLang="ko-KR" sz="1400" dirty="0" smtClean="0">
                 <a:solidFill>
                   <a:schemeClr val="bg2">
                     <a:lumMod val="90000"/>
                   </a:schemeClr>
                 </a:solidFill>
               </a:rPr>
-              <a:t>회원은 영화 예매 및 취소</a:t>
-            </a:r>
-            <a:r>
-              <a:rPr lang="en-US" altLang="ko-KR" sz="1400" dirty="0">
+              <a:t>       - </a:t>
+            </a:r>
+            <a:r>
+              <a:rPr lang="ko-KR" altLang="en-US" sz="1400" dirty="0" smtClean="0">
                 <a:solidFill>
                   <a:schemeClr val="bg2">
                     <a:lumMod val="90000"/>
                   </a:schemeClr>
                 </a:solidFill>
               </a:rPr>
+              <a:t>비회원은 회원들이 작성한 리뷰를 전체 조회 및 검색</a:t>
+            </a:r>
+            <a:r>
+              <a:rPr lang="en-US" altLang="ko-KR" sz="1400" dirty="0" smtClean="0">
+                <a:solidFill>
+                  <a:schemeClr val="bg2">
+                    <a:lumMod val="90000"/>
+                  </a:schemeClr>
+                </a:solidFill>
+              </a:rPr>
               <a:t>, </a:t>
             </a:r>
             <a:r>
-              <a:rPr lang="ko-KR" altLang="en-US" sz="1400" dirty="0">
+              <a:rPr lang="ko-KR" altLang="en-US" sz="1400" dirty="0" err="1" smtClean="0">
                 <a:solidFill>
                   <a:schemeClr val="bg2">
                     <a:lumMod val="90000"/>
                   </a:schemeClr>
                 </a:solidFill>
               </a:rPr>
-              <a:t>변경</a:t>
-            </a:r>
-            <a:r>
-              <a:rPr lang="en-US" altLang="ko-KR" sz="1400" dirty="0">
+              <a:t>상세보기를</a:t>
+            </a:r>
+            <a:r>
+              <a:rPr lang="ko-KR" altLang="en-US" sz="1400" dirty="0" smtClean="0">
                 <a:solidFill>
                   <a:schemeClr val="bg2">
                     <a:lumMod val="90000"/>
                   </a:schemeClr>
                 </a:solidFill>
               </a:rPr>
-              <a:t>, </a:t>
-            </a:r>
-            <a:r>
-              <a:rPr lang="ko-KR" altLang="en-US" sz="1400" dirty="0">
+              <a:t> 할 수 있다</a:t>
+            </a:r>
+            <a:r>
+              <a:rPr lang="en-US" altLang="ko-KR" sz="1400" dirty="0" smtClean="0">
                 <a:solidFill>
                   <a:schemeClr val="bg2">
                     <a:lumMod val="90000"/>
                   </a:schemeClr>
                 </a:solidFill>
               </a:rPr>
-              <a:t>예매 내역 조회를 할 수 있다</a:t>
-            </a:r>
-            <a:r>
-              <a:rPr lang="en-US" altLang="ko-KR" sz="1400" dirty="0">
-                <a:solidFill>
-                  <a:schemeClr val="bg2">
-                    <a:lumMod val="90000"/>
-                  </a:schemeClr>
-                </a:solidFill>
-              </a:rPr>
               <a:t>.</a:t>
             </a:r>
-          </a:p>
-          <a:p>
-            <a:pPr lvl="2">
-              <a:lnSpc>
-                <a:spcPct val="130000"/>
-              </a:lnSpc>
-              <a:spcAft>
-                <a:spcPts val="20"/>
-              </a:spcAft>
-              <a:defRPr/>
-            </a:pPr>
-            <a:r>
-              <a:rPr lang="en-US" altLang="ko-KR" sz="1400" dirty="0">
-                <a:solidFill>
-                  <a:schemeClr val="bg2">
-                    <a:lumMod val="90000"/>
-                  </a:schemeClr>
-                </a:solidFill>
-              </a:rPr>
-              <a:t>- </a:t>
-            </a:r>
-            <a:r>
-              <a:rPr lang="ko-KR" altLang="en-US" sz="1400" dirty="0">
-                <a:solidFill>
-                  <a:schemeClr val="bg2">
-                    <a:lumMod val="90000"/>
-                  </a:schemeClr>
-                </a:solidFill>
-              </a:rPr>
-              <a:t>관리자는 회원의 영화 예매 내역 조회를 할 수 있다</a:t>
-            </a:r>
-            <a:r>
-              <a:rPr lang="en-US" altLang="ko-KR" sz="1400" dirty="0">
-                <a:solidFill>
-                  <a:schemeClr val="bg2">
-                    <a:lumMod val="90000"/>
-                  </a:schemeClr>
-                </a:solidFill>
-              </a:rPr>
-              <a:t>.</a:t>
-            </a:r>
-          </a:p>
-          <a:p>
-            <a:pPr lvl="1">
-              <a:lnSpc>
-                <a:spcPct val="130000"/>
-              </a:lnSpc>
-              <a:spcAft>
-                <a:spcPts val="20"/>
-              </a:spcAft>
-              <a:defRPr/>
-            </a:pPr>
             <a:endParaRPr lang="en-US" altLang="ko-KR" sz="1400" dirty="0">
               <a:solidFill>
                 <a:schemeClr val="bg2">
@@ -14581,7 +15823,7 @@
             </a:endParaRPr>
           </a:p>
           <a:p>
-            <a:pPr lvl="1">
+            <a:pPr lvl="2">
               <a:lnSpc>
                 <a:spcPct val="130000"/>
               </a:lnSpc>
@@ -14598,7 +15840,7 @@
                   </a:schemeClr>
                 </a:solidFill>
               </a:rPr>
-              <a:t>4. </a:t>
+              <a:t>- </a:t>
             </a:r>
             <a:r>
               <a:rPr lang="ko-KR" altLang="en-US" sz="1400" dirty="0">
@@ -14608,7 +15850,7 @@
                   </a:schemeClr>
                 </a:solidFill>
               </a:rPr>
-              <a:t>영화 리뷰 </a:t>
+              <a:t>회원은 다른 회원이 작성한 리뷰를 전체 조회 및 검색</a:t>
             </a:r>
             <a:r>
               <a:rPr lang="en-US" altLang="ko-KR" sz="1400" dirty="0">
@@ -14618,7 +15860,7 @@
                   </a:schemeClr>
                 </a:solidFill>
               </a:rPr>
-              <a:t>(</a:t>
+              <a:t>, </a:t>
             </a:r>
             <a:r>
               <a:rPr lang="ko-KR" altLang="en-US" sz="1400" dirty="0">
@@ -14628,7 +15870,7 @@
                   </a:schemeClr>
                 </a:solidFill>
               </a:rPr>
-              <a:t>게시판</a:t>
+              <a:t>상세보기를 할 수 있고</a:t>
             </a:r>
             <a:r>
               <a:rPr lang="en-US" altLang="ko-KR" sz="1400" dirty="0">
@@ -14638,7 +15880,47 @@
                   </a:schemeClr>
                 </a:solidFill>
               </a:rPr>
-              <a:t>)</a:t>
+              <a:t>, </a:t>
+            </a:r>
+            <a:r>
+              <a:rPr lang="ko-KR" altLang="en-US" sz="1400" dirty="0">
+                <a:solidFill>
+                  <a:schemeClr val="bg2">
+                    <a:lumMod val="90000"/>
+                  </a:schemeClr>
+                </a:solidFill>
+              </a:rPr>
+              <a:t>리뷰를 작성하고</a:t>
+            </a:r>
+            <a:r>
+              <a:rPr lang="en-US" altLang="ko-KR" sz="1400" dirty="0">
+                <a:solidFill>
+                  <a:schemeClr val="bg2">
+                    <a:lumMod val="90000"/>
+                  </a:schemeClr>
+                </a:solidFill>
+              </a:rPr>
+              <a:t>, </a:t>
+            </a:r>
+            <a:r>
+              <a:rPr lang="ko-KR" altLang="en-US" sz="1400" dirty="0">
+                <a:solidFill>
+                  <a:schemeClr val="bg2">
+                    <a:lumMod val="90000"/>
+                  </a:schemeClr>
+                </a:solidFill>
+              </a:rPr>
+              <a:t>수정 및 삭제를 할 수 있다</a:t>
+            </a:r>
+            <a:r>
+              <a:rPr lang="en-US" altLang="ko-KR" sz="1400" dirty="0">
+                <a:solidFill>
+                  <a:schemeClr val="bg2">
+                    <a:lumMod val="90000"/>
+                  </a:schemeClr>
+                </a:solidFill>
+              </a:rPr>
+              <a:t>.</a:t>
             </a:r>
           </a:p>
           <a:p>
@@ -14669,7 +15951,7 @@
                   </a:schemeClr>
                 </a:solidFill>
               </a:rPr>
-              <a:t>회원은 다른 회원이 작성한 리뷰를 전체 조회 및 검색</a:t>
+              <a:t>관리자는 회원들이 작성한 리뷰를 전체 조회 및 검색</a:t>
             </a:r>
             <a:r>
               <a:rPr lang="en-US" altLang="ko-KR" sz="1400" dirty="0">
@@ -14702,6 +15984,26 @@
               <a:t>, </a:t>
             </a:r>
             <a:r>
+              <a:rPr lang="ko-KR" altLang="en-US" sz="1400" dirty="0" err="1" smtClean="0">
+                <a:solidFill>
+                  <a:schemeClr val="bg2">
+                    <a:lumMod val="90000"/>
+                  </a:schemeClr>
+                </a:solidFill>
+              </a:rPr>
+              <a:t>신고받은</a:t>
+            </a:r>
+            <a:r>
+              <a:rPr lang="ko-KR" altLang="en-US" sz="1400" dirty="0" smtClean="0">
+                <a:solidFill>
+                  <a:schemeClr val="bg2">
+                    <a:lumMod val="90000"/>
+                  </a:schemeClr>
+                </a:solidFill>
+              </a:rPr>
+              <a:t> </a:t>
+            </a:r>
+            <a:r>
               <a:rPr lang="ko-KR" altLang="en-US" sz="1400" dirty="0">
                 <a:solidFill>
                   <a:schemeClr val="bg2">
@@ -14709,108 +16011,7 @@
                   </a:schemeClr>
                 </a:solidFill>
               </a:rPr>
-              <a:t>리뷰를 작성하고</a:t>
-            </a:r>
-            <a:r>
-              <a:rPr lang="en-US" altLang="ko-KR" sz="1400" dirty="0">
-                <a:solidFill>
-                  <a:schemeClr val="bg2">
-                    <a:lumMod val="90000"/>
-                  </a:schemeClr>
-                </a:solidFill>
-              </a:rPr>
-              <a:t>, </a:t>
-            </a:r>
-            <a:r>
-              <a:rPr lang="ko-KR" altLang="en-US" sz="1400" dirty="0">
-                <a:solidFill>
-                  <a:schemeClr val="bg2">
-                    <a:lumMod val="90000"/>
-                  </a:schemeClr>
-                </a:solidFill>
-              </a:rPr>
-              <a:t>수정 및 삭제를 할 수 있다</a:t>
-            </a:r>
-            <a:r>
-              <a:rPr lang="en-US" altLang="ko-KR" sz="1400" dirty="0">
-                <a:solidFill>
-                  <a:schemeClr val="bg2">
-                    <a:lumMod val="90000"/>
-                  </a:schemeClr>
-                </a:solidFill>
-              </a:rPr>
-              <a:t>.</a:t>
-            </a:r>
-          </a:p>
-          <a:p>
-            <a:pPr lvl="2">
-              <a:lnSpc>
-                <a:spcPct val="130000"/>
-              </a:lnSpc>
-              <a:spcAft>
-                <a:spcPts val="20"/>
-              </a:spcAft>
-              <a:defRPr/>
-            </a:pPr>
-            <a:r>
-              <a:rPr lang="en-US" altLang="ko-KR" sz="1400" dirty="0">
-                <a:solidFill>
-                  <a:schemeClr val="bg2">
-                    <a:lumMod val="90000"/>
-                  </a:schemeClr>
-                </a:solidFill>
-              </a:rPr>
-              <a:t>- </a:t>
-            </a:r>
-            <a:r>
-              <a:rPr lang="ko-KR" altLang="en-US" sz="1400" dirty="0">
-                <a:solidFill>
-                  <a:schemeClr val="bg2">
-                    <a:lumMod val="90000"/>
-                  </a:schemeClr>
-                </a:solidFill>
-              </a:rPr>
-              <a:t>관리자는 회원들이 작성한 리뷰를 전체 조회 및 검색</a:t>
-            </a:r>
-            <a:r>
-              <a:rPr lang="en-US" altLang="ko-KR" sz="1400" dirty="0">
-                <a:solidFill>
-                  <a:schemeClr val="bg2">
-                    <a:lumMod val="90000"/>
-                  </a:schemeClr>
-                </a:solidFill>
-              </a:rPr>
-              <a:t>, </a:t>
-            </a:r>
-            <a:r>
-              <a:rPr lang="ko-KR" altLang="en-US" sz="1400" dirty="0">
-                <a:solidFill>
-                  <a:schemeClr val="bg2">
-                    <a:lumMod val="90000"/>
-                  </a:schemeClr>
-                </a:solidFill>
-              </a:rPr>
-              <a:t>상세보기를 할 수 있고</a:t>
-            </a:r>
-            <a:r>
-              <a:rPr lang="en-US" altLang="ko-KR" sz="1400" dirty="0">
-                <a:solidFill>
-                  <a:schemeClr val="bg2">
-                    <a:lumMod val="90000"/>
-                  </a:schemeClr>
-                </a:solidFill>
-              </a:rPr>
-              <a:t>, </a:t>
-            </a:r>
-            <a:r>
-              <a:rPr lang="ko-KR" altLang="en-US" sz="1400" dirty="0">
-                <a:solidFill>
-                  <a:schemeClr val="bg2">
-                    <a:lumMod val="90000"/>
-                  </a:schemeClr>
-                </a:solidFill>
-              </a:rPr>
-              <a:t>부적절한 리뷰는 삭제할 수 있다</a:t>
+              <a:t>리뷰는 삭제할 수 있다</a:t>
             </a:r>
             <a:r>
               <a:rPr lang="en-US" altLang="ko-KR" sz="1400" dirty="0">
@@ -14955,7 +16156,7 @@
         <p:spPr>
           <a:xfrm>
             <a:off x="206564" y="1774148"/>
-            <a:ext cx="11778872" cy="4539022"/>
+            <a:ext cx="11778872" cy="3733330"/>
           </a:xfrm>
           <a:prstGeom prst="rect">
             <a:avLst/>
@@ -15004,90 +16205,18 @@
                   </a:schemeClr>
                 </a:solidFill>
               </a:rPr>
-              <a:t>영화 리뷰 댓글</a:t>
-            </a:r>
-          </a:p>
-          <a:p>
-            <a:pPr lvl="1">
-              <a:lnSpc>
-                <a:spcPct val="130000"/>
-              </a:lnSpc>
-              <a:spcAft>
-                <a:spcPts val="20"/>
-              </a:spcAft>
-              <a:defRPr/>
-            </a:pPr>
-            <a:r>
-              <a:rPr lang="ko-KR" altLang="en-US" sz="1400" dirty="0">
+              <a:t>영화 리뷰 </a:t>
+            </a:r>
+            <a:r>
+              <a:rPr lang="ko-KR" altLang="en-US" sz="1400" dirty="0" smtClean="0">
                 <a:solidFill>
                   <a:schemeClr val="bg2">
                     <a:lumMod val="90000"/>
                   </a:schemeClr>
                 </a:solidFill>
               </a:rPr>
-              <a:t>      </a:t>
-            </a:r>
-            <a:r>
-              <a:rPr lang="en-US" altLang="ko-KR" sz="1400" dirty="0">
-                <a:solidFill>
-                  <a:schemeClr val="bg2">
-                    <a:lumMod val="90000"/>
-                  </a:schemeClr>
-                </a:solidFill>
-              </a:rPr>
-              <a:t>- </a:t>
-            </a:r>
-            <a:r>
-              <a:rPr lang="ko-KR" altLang="en-US" sz="1400" dirty="0">
-                <a:solidFill>
-                  <a:schemeClr val="bg2">
-                    <a:lumMod val="90000"/>
-                  </a:schemeClr>
-                </a:solidFill>
-              </a:rPr>
-              <a:t>관리자와 회원은 작성된 리뷰의 댓글을 조회할 수 있으며</a:t>
-            </a:r>
-            <a:r>
-              <a:rPr lang="en-US" altLang="ko-KR" sz="1400" dirty="0">
-                <a:solidFill>
-                  <a:schemeClr val="bg2">
-                    <a:lumMod val="90000"/>
-                  </a:schemeClr>
-                </a:solidFill>
-              </a:rPr>
-              <a:t>, </a:t>
-            </a:r>
-            <a:r>
-              <a:rPr lang="ko-KR" altLang="en-US" sz="1400" dirty="0">
-                <a:solidFill>
-                  <a:schemeClr val="bg2">
-                    <a:lumMod val="90000"/>
-                  </a:schemeClr>
-                </a:solidFill>
-              </a:rPr>
-              <a:t>댓글을 작성하고 수정 및 삭제를 할 수 있다</a:t>
-            </a:r>
-            <a:r>
-              <a:rPr lang="en-US" altLang="ko-KR" sz="1400" dirty="0">
-                <a:solidFill>
-                  <a:schemeClr val="bg2">
-                    <a:lumMod val="90000"/>
-                  </a:schemeClr>
-                </a:solidFill>
-              </a:rPr>
-              <a:t>.</a:t>
-            </a:r>
-          </a:p>
-          <a:p>
-            <a:pPr lvl="1">
-              <a:lnSpc>
-                <a:spcPct val="130000"/>
-              </a:lnSpc>
-              <a:spcAft>
-                <a:spcPts val="20"/>
-              </a:spcAft>
-              <a:defRPr/>
-            </a:pPr>
+              <a:t>댓글</a:t>
+            </a:r>
             <a:endParaRPr lang="en-US" altLang="ko-KR" sz="1400" dirty="0">
               <a:solidFill>
                 <a:schemeClr val="bg2">
@@ -15097,12 +16226,240 @@
             </a:endParaRPr>
           </a:p>
           <a:p>
+            <a:pPr lvl="0">
+              <a:lnSpc>
+                <a:spcPct val="130000"/>
+              </a:lnSpc>
+              <a:spcAft>
+                <a:spcPts val="20"/>
+              </a:spcAft>
+              <a:defRPr/>
+            </a:pPr>
+            <a:r>
+              <a:rPr lang="en-US" altLang="ko-KR" sz="1400" dirty="0">
+                <a:solidFill>
+                  <a:schemeClr val="bg2">
+                    <a:lumMod val="90000"/>
+                  </a:schemeClr>
+                </a:solidFill>
+              </a:rPr>
+              <a:t> </a:t>
+            </a:r>
+            <a:r>
+              <a:rPr lang="en-US" altLang="ko-KR" sz="1400" dirty="0" smtClean="0">
+                <a:solidFill>
+                  <a:schemeClr val="bg2">
+                    <a:lumMod val="90000"/>
+                  </a:schemeClr>
+                </a:solidFill>
+              </a:rPr>
+              <a:t>            - </a:t>
+            </a:r>
+            <a:r>
+              <a:rPr lang="ko-KR" altLang="en-US" sz="1400" dirty="0" smtClean="0">
+                <a:solidFill>
+                  <a:schemeClr val="bg2">
+                    <a:lumMod val="90000"/>
+                  </a:schemeClr>
+                </a:solidFill>
+              </a:rPr>
+              <a:t>비회원은 작성된 리뷰의 댓글을 조회할 수 있다</a:t>
+            </a:r>
+            <a:r>
+              <a:rPr lang="en-US" altLang="ko-KR" sz="1400" dirty="0" smtClean="0">
+                <a:solidFill>
+                  <a:schemeClr val="bg2">
+                    <a:lumMod val="90000"/>
+                  </a:schemeClr>
+                </a:solidFill>
+              </a:rPr>
+              <a:t>.</a:t>
+            </a:r>
+            <a:endParaRPr lang="ko-KR" altLang="en-US" sz="1400" dirty="0" smtClean="0">
+              <a:solidFill>
+                <a:schemeClr val="bg2">
+                  <a:lumMod val="90000"/>
+                </a:schemeClr>
+              </a:solidFill>
+            </a:endParaRPr>
+          </a:p>
+          <a:p>
             <a:pPr lvl="1">
               <a:lnSpc>
                 <a:spcPct val="130000"/>
               </a:lnSpc>
-              <a:defRPr/>
-            </a:pPr>
+              <a:spcAft>
+                <a:spcPts val="20"/>
+              </a:spcAft>
+              <a:defRPr/>
+            </a:pPr>
+            <a:r>
+              <a:rPr lang="ko-KR" altLang="en-US" sz="1400" dirty="0" smtClean="0">
+                <a:solidFill>
+                  <a:schemeClr val="bg2">
+                    <a:lumMod val="90000"/>
+                  </a:schemeClr>
+                </a:solidFill>
+              </a:rPr>
+              <a:t>      </a:t>
+            </a:r>
+            <a:r>
+              <a:rPr lang="en-US" altLang="ko-KR" sz="1400" dirty="0" smtClean="0">
+                <a:solidFill>
+                  <a:schemeClr val="bg2">
+                    <a:lumMod val="90000"/>
+                  </a:schemeClr>
+                </a:solidFill>
+              </a:rPr>
+              <a:t>- </a:t>
+            </a:r>
+            <a:r>
+              <a:rPr lang="ko-KR" altLang="en-US" sz="1400" dirty="0" smtClean="0">
+                <a:solidFill>
+                  <a:schemeClr val="bg2">
+                    <a:lumMod val="90000"/>
+                  </a:schemeClr>
+                </a:solidFill>
+              </a:rPr>
+              <a:t>회원은 작성된 리뷰의 댓글을 조회할 수 있으며</a:t>
+            </a:r>
+            <a:r>
+              <a:rPr lang="en-US" altLang="ko-KR" sz="1400" dirty="0" smtClean="0">
+                <a:solidFill>
+                  <a:schemeClr val="bg2">
+                    <a:lumMod val="90000"/>
+                  </a:schemeClr>
+                </a:solidFill>
+              </a:rPr>
+              <a:t>, </a:t>
+            </a:r>
+            <a:r>
+              <a:rPr lang="ko-KR" altLang="en-US" sz="1400" dirty="0" smtClean="0">
+                <a:solidFill>
+                  <a:schemeClr val="bg2">
+                    <a:lumMod val="90000"/>
+                  </a:schemeClr>
+                </a:solidFill>
+              </a:rPr>
+              <a:t>댓글을 작성하고 수정 및 삭제를 할 수 있다</a:t>
+            </a:r>
+            <a:r>
+              <a:rPr lang="en-US" altLang="ko-KR" sz="1400" dirty="0" smtClean="0">
+                <a:solidFill>
+                  <a:schemeClr val="bg2">
+                    <a:lumMod val="90000"/>
+                  </a:schemeClr>
+                </a:solidFill>
+              </a:rPr>
+              <a:t>.</a:t>
+            </a:r>
+          </a:p>
+          <a:p>
+            <a:pPr lvl="1">
+              <a:lnSpc>
+                <a:spcPct val="130000"/>
+              </a:lnSpc>
+              <a:spcAft>
+                <a:spcPts val="20"/>
+              </a:spcAft>
+              <a:defRPr/>
+            </a:pPr>
+            <a:r>
+              <a:rPr lang="en-US" altLang="ko-KR" sz="1400" dirty="0" smtClean="0">
+                <a:solidFill>
+                  <a:schemeClr val="bg2">
+                    <a:lumMod val="90000"/>
+                  </a:schemeClr>
+                </a:solidFill>
+              </a:rPr>
+              <a:t>      - </a:t>
+            </a:r>
+            <a:r>
+              <a:rPr lang="ko-KR" altLang="en-US" sz="1400" dirty="0" smtClean="0">
+                <a:solidFill>
+                  <a:schemeClr val="bg2">
+                    <a:lumMod val="90000"/>
+                  </a:schemeClr>
+                </a:solidFill>
+              </a:rPr>
+              <a:t>관리자는 작성된 리뷰의 댓글을 조회할 수 있으며</a:t>
+            </a:r>
+            <a:r>
+              <a:rPr lang="en-US" altLang="ko-KR" sz="1400" dirty="0" smtClean="0">
+                <a:solidFill>
+                  <a:schemeClr val="bg2">
+                    <a:lumMod val="90000"/>
+                  </a:schemeClr>
+                </a:solidFill>
+              </a:rPr>
+              <a:t>, </a:t>
+            </a:r>
+            <a:r>
+              <a:rPr lang="ko-KR" altLang="en-US" sz="1400" dirty="0" err="1" smtClean="0">
+                <a:solidFill>
+                  <a:schemeClr val="bg2">
+                    <a:lumMod val="90000"/>
+                  </a:schemeClr>
+                </a:solidFill>
+              </a:rPr>
+              <a:t>신고받은</a:t>
+            </a:r>
+            <a:r>
+              <a:rPr lang="ko-KR" altLang="en-US" sz="1400" dirty="0" smtClean="0">
+                <a:solidFill>
+                  <a:schemeClr val="bg2">
+                    <a:lumMod val="90000"/>
+                  </a:schemeClr>
+                </a:solidFill>
+              </a:rPr>
+              <a:t> 댓글은 삭제할 수 있다</a:t>
+            </a:r>
+            <a:r>
+              <a:rPr lang="en-US" altLang="ko-KR" sz="1400" dirty="0" smtClean="0">
+                <a:solidFill>
+                  <a:schemeClr val="bg2">
+                    <a:lumMod val="90000"/>
+                  </a:schemeClr>
+                </a:solidFill>
+              </a:rPr>
+              <a:t>.</a:t>
+            </a:r>
+          </a:p>
+          <a:p>
+            <a:pPr lvl="1">
+              <a:lnSpc>
+                <a:spcPct val="130000"/>
+              </a:lnSpc>
+              <a:spcAft>
+                <a:spcPts val="20"/>
+              </a:spcAft>
+              <a:defRPr/>
+            </a:pPr>
+            <a:endParaRPr lang="en-US" altLang="ko-KR" sz="1400" dirty="0" smtClean="0">
+              <a:solidFill>
+                <a:schemeClr val="bg2">
+                  <a:lumMod val="90000"/>
+                </a:schemeClr>
+              </a:solidFill>
+            </a:endParaRPr>
+          </a:p>
+          <a:p>
+            <a:pPr lvl="1">
+              <a:lnSpc>
+                <a:spcPct val="130000"/>
+              </a:lnSpc>
+              <a:defRPr/>
+            </a:pPr>
+            <a:r>
+              <a:rPr lang="en-US" altLang="ko-KR" sz="1400" dirty="0" smtClean="0">
+                <a:solidFill>
+                  <a:srgbClr val="E7E6E6">
+                    <a:lumMod val="90000"/>
+                  </a:srgbClr>
+                </a:solidFill>
+              </a:rPr>
+              <a:t>6</a:t>
+            </a:r>
             <a:r>
               <a:rPr lang="en-US" altLang="ko-KR" sz="1400" dirty="0">
                 <a:solidFill>
@@ -15111,7 +16468,7 @@
                   </a:srgbClr>
                 </a:solidFill>
               </a:rPr>
-              <a:t>6. </a:t>
+              <a:t>. </a:t>
             </a:r>
             <a:r>
               <a:rPr lang="ko-KR" altLang="en-US" sz="1400" dirty="0">
@@ -15149,7 +16506,7 @@
               <a:defRPr/>
             </a:pPr>
             <a:r>
-              <a:rPr lang="en-US" altLang="ko-KR" sz="1400" dirty="0">
+              <a:rPr lang="en-US" altLang="ko-KR" sz="1400" dirty="0" smtClean="0">
                 <a:solidFill>
                   <a:srgbClr val="E7E6E6">
                     <a:lumMod val="90000"/>
@@ -15159,6 +16516,16 @@
               <a:t>- </a:t>
             </a:r>
             <a:r>
+              <a:rPr lang="ko-KR" altLang="en-US" sz="1400" dirty="0" smtClean="0">
+                <a:solidFill>
+                  <a:srgbClr val="E7E6E6">
+                    <a:lumMod val="90000"/>
+                  </a:srgbClr>
+                </a:solidFill>
+              </a:rPr>
+              <a:t>비회원은 </a:t>
+            </a:r>
+            <a:r>
               <a:rPr lang="ko-KR" altLang="en-US" sz="1400" dirty="0">
                 <a:solidFill>
                   <a:srgbClr val="E7E6E6">
@@ -15166,7 +16533,7 @@
                   </a:srgbClr>
                 </a:solidFill>
               </a:rPr>
-              <a:t>비회원은 영화 상세보기에 들어가서 </a:t>
+              <a:t>영화 상세보기에 들어가서 </a:t>
             </a:r>
             <a:r>
               <a:rPr lang="ko-KR" altLang="en-US" sz="1400" dirty="0" err="1">
@@ -15443,7 +16810,27 @@
                   </a:srgbClr>
                 </a:solidFill>
               </a:rPr>
-              <a:t>회원 및 비회원은 영화 상영 스케줄을 조회 및 검색할 수 있다</a:t>
+              <a:t>회원 및 비회원은 영화 상영 스케줄을 </a:t>
+            </a:r>
+            <a:r>
+              <a:rPr lang="ko-KR" altLang="en-US" sz="1400" dirty="0" smtClean="0">
+                <a:solidFill>
+                  <a:srgbClr val="E7E6E6">
+                    <a:lumMod val="90000"/>
+                  </a:srgbClr>
+                </a:solidFill>
+              </a:rPr>
+              <a:t>조회할 수 </a:t>
+            </a:r>
+            <a:r>
+              <a:rPr lang="ko-KR" altLang="en-US" sz="1400" dirty="0">
+                <a:solidFill>
+                  <a:srgbClr val="E7E6E6">
+                    <a:lumMod val="90000"/>
+                  </a:srgbClr>
+                </a:solidFill>
+              </a:rPr>
+              <a:t>있다</a:t>
             </a:r>
             <a:r>
               <a:rPr lang="en-US" altLang="ko-KR" sz="1400" dirty="0">
@@ -15481,7 +16868,37 @@
                   </a:srgbClr>
                 </a:solidFill>
               </a:rPr>
-              <a:t>관리자는 영화 상영 스케줄을 조회 및 검색</a:t>
+              <a:t>관리자는 영화 상영 스케줄을 </a:t>
+            </a:r>
+            <a:r>
+              <a:rPr lang="ko-KR" altLang="en-US" sz="1400" dirty="0" smtClean="0">
+                <a:solidFill>
+                  <a:srgbClr val="E7E6E6">
+                    <a:lumMod val="90000"/>
+                  </a:srgbClr>
+                </a:solidFill>
+              </a:rPr>
+              <a:t>조회</a:t>
+            </a:r>
+            <a:r>
+              <a:rPr lang="en-US" altLang="ko-KR" sz="1400" dirty="0" smtClean="0">
+                <a:solidFill>
+                  <a:srgbClr val="E7E6E6">
+                    <a:lumMod val="90000"/>
+                  </a:srgbClr>
+                </a:solidFill>
+              </a:rPr>
+              <a:t>, </a:t>
+            </a:r>
+            <a:r>
+              <a:rPr lang="ko-KR" altLang="en-US" sz="1400" dirty="0">
+                <a:solidFill>
+                  <a:srgbClr val="E7E6E6">
+                    <a:lumMod val="90000"/>
+                  </a:srgbClr>
+                </a:solidFill>
+              </a:rPr>
+              <a:t>수정</a:t>
             </a:r>
             <a:r>
               <a:rPr lang="en-US" altLang="ko-KR" sz="1400" dirty="0">
@@ -15501,30 +16918,10 @@
                   </a:srgbClr>
                 </a:solidFill>
               </a:rPr>
-              <a:t>수정</a:t>
-            </a:r>
-            <a:r>
-              <a:rPr lang="en-US" altLang="ko-KR" sz="1400" dirty="0">
-                <a:solidFill>
-                  <a:srgbClr val="E7E6E6">
-                    <a:lumMod val="90000"/>
-                  </a:srgbClr>
-                </a:solidFill>
-              </a:rPr>
-              <a:t>, </a:t>
-            </a:r>
-            <a:r>
-              <a:rPr lang="ko-KR" altLang="en-US" sz="1400" dirty="0">
-                <a:solidFill>
-                  <a:srgbClr val="E7E6E6">
-                    <a:lumMod val="90000"/>
-                  </a:srgbClr>
-                </a:solidFill>
-              </a:rPr>
               <a:t>삭제할 수 있다</a:t>
             </a:r>
             <a:r>
-              <a:rPr lang="en-US" altLang="ko-KR" sz="1400" dirty="0">
+              <a:rPr lang="en-US" altLang="ko-KR" sz="1400" dirty="0" smtClean="0">
                 <a:solidFill>
                   <a:srgbClr val="E7E6E6">
                     <a:lumMod val="90000"/>
@@ -15533,14 +16930,6 @@
               </a:rPr>
               <a:t>.</a:t>
             </a:r>
-          </a:p>
-          <a:p>
-            <a:pPr lvl="2">
-              <a:lnSpc>
-                <a:spcPct val="130000"/>
-              </a:lnSpc>
-              <a:defRPr/>
-            </a:pPr>
             <a:endParaRPr lang="en-US" altLang="ko-KR" sz="1400" dirty="0">
               <a:solidFill>
                 <a:srgbClr val="E7E6E6">
@@ -15548,255 +16937,6 @@
                 </a:srgbClr>
               </a:solidFill>
             </a:endParaRPr>
-          </a:p>
-          <a:p>
-            <a:pPr lvl="1">
-              <a:lnSpc>
-                <a:spcPct val="130000"/>
-              </a:lnSpc>
-              <a:defRPr/>
-            </a:pPr>
-            <a:r>
-              <a:rPr lang="en-US" altLang="ko-KR" sz="1400" dirty="0">
-                <a:solidFill>
-                  <a:srgbClr val="E7E6E6">
-                    <a:lumMod val="90000"/>
-                  </a:srgbClr>
-                </a:solidFill>
-              </a:rPr>
-              <a:t>8. </a:t>
-            </a:r>
-            <a:r>
-              <a:rPr lang="ko-KR" altLang="en-US" sz="1400" dirty="0" err="1">
-                <a:solidFill>
-                  <a:srgbClr val="E7E6E6">
-                    <a:lumMod val="90000"/>
-                  </a:srgbClr>
-                </a:solidFill>
-              </a:rPr>
-              <a:t>기프티콘</a:t>
-            </a:r>
-            <a:endParaRPr lang="ko-KR" altLang="en-US" sz="1400" dirty="0">
-              <a:solidFill>
-                <a:srgbClr val="E7E6E6">
-                  <a:lumMod val="90000"/>
-                </a:srgbClr>
-              </a:solidFill>
-            </a:endParaRPr>
-          </a:p>
-          <a:p>
-            <a:pPr lvl="2">
-              <a:lnSpc>
-                <a:spcPct val="130000"/>
-              </a:lnSpc>
-              <a:defRPr/>
-            </a:pPr>
-            <a:r>
-              <a:rPr lang="en-US" altLang="ko-KR" sz="1400" dirty="0">
-                <a:solidFill>
-                  <a:srgbClr val="E7E6E6">
-                    <a:lumMod val="90000"/>
-                  </a:srgbClr>
-                </a:solidFill>
-              </a:rPr>
-              <a:t>- </a:t>
-            </a:r>
-            <a:r>
-              <a:rPr lang="ko-KR" altLang="en-US" sz="1400" dirty="0">
-                <a:solidFill>
-                  <a:srgbClr val="E7E6E6">
-                    <a:lumMod val="90000"/>
-                  </a:srgbClr>
-                </a:solidFill>
-              </a:rPr>
-              <a:t>회원은 </a:t>
-            </a:r>
-            <a:r>
-              <a:rPr lang="ko-KR" altLang="en-US" sz="1400" dirty="0" err="1">
-                <a:solidFill>
-                  <a:srgbClr val="E7E6E6">
-                    <a:lumMod val="90000"/>
-                  </a:srgbClr>
-                </a:solidFill>
-              </a:rPr>
-              <a:t>기프티콘의</a:t>
-            </a:r>
-            <a:r>
-              <a:rPr lang="ko-KR" altLang="en-US" sz="1400" dirty="0">
-                <a:solidFill>
-                  <a:srgbClr val="E7E6E6">
-                    <a:lumMod val="90000"/>
-                  </a:srgbClr>
-                </a:solidFill>
-              </a:rPr>
-              <a:t> 전체 목록을 조회 및 검색하여 구입할 수 있으며</a:t>
-            </a:r>
-            <a:r>
-              <a:rPr lang="en-US" altLang="ko-KR" sz="1400" dirty="0">
-                <a:solidFill>
-                  <a:srgbClr val="E7E6E6">
-                    <a:lumMod val="90000"/>
-                  </a:srgbClr>
-                </a:solidFill>
-              </a:rPr>
-              <a:t>,</a:t>
-            </a:r>
-          </a:p>
-          <a:p>
-            <a:pPr lvl="2">
-              <a:lnSpc>
-                <a:spcPct val="130000"/>
-              </a:lnSpc>
-              <a:defRPr/>
-            </a:pPr>
-            <a:r>
-              <a:rPr lang="en-US" altLang="ko-KR" sz="1400" dirty="0">
-                <a:solidFill>
-                  <a:srgbClr val="E7E6E6">
-                    <a:lumMod val="90000"/>
-                  </a:srgbClr>
-                </a:solidFill>
-              </a:rPr>
-              <a:t>- </a:t>
-            </a:r>
-            <a:r>
-              <a:rPr lang="ko-KR" altLang="en-US" sz="1400" dirty="0">
-                <a:solidFill>
-                  <a:srgbClr val="E7E6E6">
-                    <a:lumMod val="90000"/>
-                  </a:srgbClr>
-                </a:solidFill>
-              </a:rPr>
-              <a:t>기간이 만료되기 전에 </a:t>
-            </a:r>
-            <a:r>
-              <a:rPr lang="ko-KR" altLang="en-US" sz="1400" dirty="0" err="1">
-                <a:solidFill>
-                  <a:srgbClr val="E7E6E6">
-                    <a:lumMod val="90000"/>
-                  </a:srgbClr>
-                </a:solidFill>
-              </a:rPr>
-              <a:t>기프티콘의</a:t>
-            </a:r>
-            <a:r>
-              <a:rPr lang="ko-KR" altLang="en-US" sz="1400" dirty="0">
-                <a:solidFill>
-                  <a:srgbClr val="E7E6E6">
-                    <a:lumMod val="90000"/>
-                  </a:srgbClr>
-                </a:solidFill>
-              </a:rPr>
-              <a:t> 기간을 연장할 수 있다</a:t>
-            </a:r>
-            <a:r>
-              <a:rPr lang="en-US" altLang="ko-KR" sz="1400" dirty="0">
-                <a:solidFill>
-                  <a:srgbClr val="E7E6E6">
-                    <a:lumMod val="90000"/>
-                  </a:srgbClr>
-                </a:solidFill>
-              </a:rPr>
-              <a:t>.</a:t>
-            </a:r>
-          </a:p>
-          <a:p>
-            <a:pPr lvl="2">
-              <a:lnSpc>
-                <a:spcPct val="130000"/>
-              </a:lnSpc>
-              <a:defRPr/>
-            </a:pPr>
-            <a:r>
-              <a:rPr lang="en-US" altLang="ko-KR" sz="1400" dirty="0">
-                <a:solidFill>
-                  <a:srgbClr val="E7E6E6">
-                    <a:lumMod val="90000"/>
-                  </a:srgbClr>
-                </a:solidFill>
-              </a:rPr>
-              <a:t>- </a:t>
-            </a:r>
-            <a:r>
-              <a:rPr lang="ko-KR" altLang="en-US" sz="1400" dirty="0">
-                <a:solidFill>
-                  <a:srgbClr val="E7E6E6">
-                    <a:lumMod val="90000"/>
-                  </a:srgbClr>
-                </a:solidFill>
-              </a:rPr>
-              <a:t>자신이 구입한 </a:t>
-            </a:r>
-            <a:r>
-              <a:rPr lang="ko-KR" altLang="en-US" sz="1400" dirty="0" err="1">
-                <a:solidFill>
-                  <a:srgbClr val="E7E6E6">
-                    <a:lumMod val="90000"/>
-                  </a:srgbClr>
-                </a:solidFill>
-              </a:rPr>
-              <a:t>기프티콘을</a:t>
-            </a:r>
-            <a:r>
-              <a:rPr lang="ko-KR" altLang="en-US" sz="1400" dirty="0">
-                <a:solidFill>
-                  <a:srgbClr val="E7E6E6">
-                    <a:lumMod val="90000"/>
-                  </a:srgbClr>
-                </a:solidFill>
-              </a:rPr>
-              <a:t> 조회할 수 있고</a:t>
-            </a:r>
-            <a:r>
-              <a:rPr lang="en-US" altLang="ko-KR" sz="1400" dirty="0">
-                <a:solidFill>
-                  <a:srgbClr val="E7E6E6">
-                    <a:lumMod val="90000"/>
-                  </a:srgbClr>
-                </a:solidFill>
-              </a:rPr>
-              <a:t>, </a:t>
-            </a:r>
-            <a:r>
-              <a:rPr lang="ko-KR" altLang="en-US" sz="1400" dirty="0">
-                <a:solidFill>
-                  <a:srgbClr val="E7E6E6">
-                    <a:lumMod val="90000"/>
-                  </a:srgbClr>
-                </a:solidFill>
-              </a:rPr>
-              <a:t>사용하지 않은 </a:t>
-            </a:r>
-            <a:r>
-              <a:rPr lang="ko-KR" altLang="en-US" sz="1400" dirty="0" err="1">
-                <a:solidFill>
-                  <a:srgbClr val="E7E6E6">
-                    <a:lumMod val="90000"/>
-                  </a:srgbClr>
-                </a:solidFill>
-              </a:rPr>
-              <a:t>기프티콘에</a:t>
-            </a:r>
-            <a:r>
-              <a:rPr lang="ko-KR" altLang="en-US" sz="1400" dirty="0">
-                <a:solidFill>
-                  <a:srgbClr val="E7E6E6">
-                    <a:lumMod val="90000"/>
-                  </a:srgbClr>
-                </a:solidFill>
-              </a:rPr>
-              <a:t> 대해 환불을 받을 수 있다</a:t>
-            </a:r>
-            <a:r>
-              <a:rPr lang="en-US" altLang="ko-KR" sz="1400" dirty="0">
-                <a:solidFill>
-                  <a:srgbClr val="E7E6E6">
-                    <a:lumMod val="90000"/>
-                  </a:srgbClr>
-                </a:solidFill>
-              </a:rPr>
-              <a:t>.</a:t>
-            </a:r>
           </a:p>
         </p:txBody>
       </p:sp>
@@ -15930,7 +17070,7 @@
         <p:spPr>
           <a:xfrm>
             <a:off x="167654" y="1766558"/>
-            <a:ext cx="11457548" cy="4814381"/>
+            <a:ext cx="11457548" cy="3173176"/>
           </a:xfrm>
           <a:prstGeom prst="rect">
             <a:avLst/>
@@ -15956,7 +17096,62 @@
                   </a:srgbClr>
                 </a:solidFill>
               </a:rPr>
-              <a:t>9. </a:t>
+              <a:t>8</a:t>
+            </a:r>
+            <a:r>
+              <a:rPr lang="en-US" altLang="ko-KR" sz="1400" dirty="0" smtClean="0">
+                <a:solidFill>
+                  <a:srgbClr val="E7E6E6">
+                    <a:lumMod val="90000"/>
+                  </a:srgbClr>
+                </a:solidFill>
+              </a:rPr>
+              <a:t>. </a:t>
+            </a:r>
+            <a:r>
+              <a:rPr lang="ko-KR" altLang="en-US" sz="1400" dirty="0" err="1" smtClean="0">
+                <a:solidFill>
+                  <a:srgbClr val="E7E6E6">
+                    <a:lumMod val="90000"/>
+                  </a:srgbClr>
+                </a:solidFill>
+              </a:rPr>
+              <a:t>기프티콘</a:t>
+            </a:r>
+            <a:endParaRPr lang="ko-KR" altLang="en-US" sz="1400" dirty="0">
+              <a:solidFill>
+                <a:srgbClr val="E7E6E6">
+                  <a:lumMod val="90000"/>
+                </a:srgbClr>
+              </a:solidFill>
+            </a:endParaRPr>
+          </a:p>
+          <a:p>
+            <a:pPr lvl="2">
+              <a:lnSpc>
+                <a:spcPct val="130000"/>
+              </a:lnSpc>
+              <a:defRPr/>
+            </a:pPr>
+            <a:r>
+              <a:rPr lang="en-US" altLang="ko-KR" sz="1400" dirty="0">
+                <a:solidFill>
+                  <a:srgbClr val="E7E6E6">
+                    <a:lumMod val="90000"/>
+                  </a:srgbClr>
+                </a:solidFill>
+              </a:rPr>
+              <a:t>- </a:t>
+            </a:r>
+            <a:r>
+              <a:rPr lang="ko-KR" altLang="en-US" sz="1400" dirty="0">
+                <a:solidFill>
+                  <a:srgbClr val="E7E6E6">
+                    <a:lumMod val="90000"/>
+                  </a:srgbClr>
+                </a:solidFill>
+              </a:rPr>
+              <a:t>비회원은 </a:t>
             </a:r>
             <a:r>
               <a:rPr lang="ko-KR" altLang="en-US" sz="1400" dirty="0" err="1">
@@ -15966,7 +17161,7 @@
                   </a:srgbClr>
                 </a:solidFill>
               </a:rPr>
-              <a:t>기프티콘</a:t>
+              <a:t>기프티콘의</a:t>
             </a:r>
             <a:r>
               <a:rPr lang="ko-KR" altLang="en-US" sz="1400" dirty="0">
@@ -15976,7 +17171,37 @@
                   </a:srgbClr>
                 </a:solidFill>
               </a:rPr>
-              <a:t> 관리</a:t>
+              <a:t> 전체 목록을 조회 및 검색하고 </a:t>
+            </a:r>
+            <a:r>
+              <a:rPr lang="ko-KR" altLang="en-US" sz="1400" dirty="0" err="1">
+                <a:solidFill>
+                  <a:srgbClr val="E7E6E6">
+                    <a:lumMod val="90000"/>
+                  </a:srgbClr>
+                </a:solidFill>
+              </a:rPr>
+              <a:t>상세보기할</a:t>
+            </a:r>
+            <a:r>
+              <a:rPr lang="ko-KR" altLang="en-US" sz="1400" dirty="0">
+                <a:solidFill>
+                  <a:srgbClr val="E7E6E6">
+                    <a:lumMod val="90000"/>
+                  </a:srgbClr>
+                </a:solidFill>
+              </a:rPr>
+              <a:t> 수 있다</a:t>
+            </a:r>
+            <a:r>
+              <a:rPr lang="en-US" altLang="ko-KR" sz="1400" dirty="0">
+                <a:solidFill>
+                  <a:srgbClr val="E7E6E6">
+                    <a:lumMod val="90000"/>
+                  </a:srgbClr>
+                </a:solidFill>
+              </a:rPr>
+              <a:t>.</a:t>
             </a:r>
           </a:p>
           <a:p>
@@ -16004,6 +17229,260 @@
                   </a:srgbClr>
                 </a:solidFill>
               </a:rPr>
+              <a:t>회원은 </a:t>
+            </a:r>
+            <a:r>
+              <a:rPr lang="ko-KR" altLang="en-US" sz="1400" dirty="0" err="1">
+                <a:solidFill>
+                  <a:srgbClr val="E7E6E6">
+                    <a:lumMod val="90000"/>
+                  </a:srgbClr>
+                </a:solidFill>
+              </a:rPr>
+              <a:t>기프티콘의</a:t>
+            </a:r>
+            <a:r>
+              <a:rPr lang="ko-KR" altLang="en-US" sz="1400" dirty="0">
+                <a:solidFill>
+                  <a:srgbClr val="E7E6E6">
+                    <a:lumMod val="90000"/>
+                  </a:srgbClr>
+                </a:solidFill>
+              </a:rPr>
+              <a:t> 전체 목록을 조회 및 검색하고</a:t>
+            </a:r>
+            <a:r>
+              <a:rPr lang="en-US" altLang="ko-KR" sz="1400" dirty="0">
+                <a:solidFill>
+                  <a:srgbClr val="E7E6E6">
+                    <a:lumMod val="90000"/>
+                  </a:srgbClr>
+                </a:solidFill>
+              </a:rPr>
+              <a:t>, </a:t>
+            </a:r>
+            <a:r>
+              <a:rPr lang="ko-KR" altLang="en-US" sz="1400" dirty="0">
+                <a:solidFill>
+                  <a:srgbClr val="E7E6E6">
+                    <a:lumMod val="90000"/>
+                  </a:srgbClr>
+                </a:solidFill>
+              </a:rPr>
+              <a:t>상세보기하여 구입할 수 있다</a:t>
+            </a:r>
+            <a:r>
+              <a:rPr lang="en-US" altLang="ko-KR" sz="1400" dirty="0">
+                <a:solidFill>
+                  <a:srgbClr val="E7E6E6">
+                    <a:lumMod val="90000"/>
+                  </a:srgbClr>
+                </a:solidFill>
+              </a:rPr>
+              <a:t>.</a:t>
+            </a:r>
+          </a:p>
+          <a:p>
+            <a:pPr lvl="2">
+              <a:lnSpc>
+                <a:spcPct val="130000"/>
+              </a:lnSpc>
+              <a:defRPr/>
+            </a:pPr>
+            <a:r>
+              <a:rPr lang="en-US" altLang="ko-KR" sz="1400" dirty="0">
+                <a:solidFill>
+                  <a:srgbClr val="E7E6E6">
+                    <a:lumMod val="90000"/>
+                  </a:srgbClr>
+                </a:solidFill>
+              </a:rPr>
+              <a:t>- </a:t>
+            </a:r>
+            <a:r>
+              <a:rPr lang="ko-KR" altLang="en-US" sz="1400" dirty="0">
+                <a:solidFill>
+                  <a:srgbClr val="E7E6E6">
+                    <a:lumMod val="90000"/>
+                  </a:srgbClr>
+                </a:solidFill>
+              </a:rPr>
+              <a:t>회원은 자신이 구입한 </a:t>
+            </a:r>
+            <a:r>
+              <a:rPr lang="ko-KR" altLang="en-US" sz="1400" dirty="0" err="1">
+                <a:solidFill>
+                  <a:srgbClr val="E7E6E6">
+                    <a:lumMod val="90000"/>
+                  </a:srgbClr>
+                </a:solidFill>
+              </a:rPr>
+              <a:t>기프티콘의</a:t>
+            </a:r>
+            <a:r>
+              <a:rPr lang="ko-KR" altLang="en-US" sz="1400" dirty="0">
+                <a:solidFill>
+                  <a:srgbClr val="E7E6E6">
+                    <a:lumMod val="90000"/>
+                  </a:srgbClr>
+                </a:solidFill>
+              </a:rPr>
+              <a:t> 기간이 만료되기 전에 </a:t>
+            </a:r>
+            <a:r>
+              <a:rPr lang="ko-KR" altLang="en-US" sz="1400" dirty="0" err="1">
+                <a:solidFill>
+                  <a:srgbClr val="E7E6E6">
+                    <a:lumMod val="90000"/>
+                  </a:srgbClr>
+                </a:solidFill>
+              </a:rPr>
+              <a:t>기프티콘의</a:t>
+            </a:r>
+            <a:r>
+              <a:rPr lang="ko-KR" altLang="en-US" sz="1400" dirty="0">
+                <a:solidFill>
+                  <a:srgbClr val="E7E6E6">
+                    <a:lumMod val="90000"/>
+                  </a:srgbClr>
+                </a:solidFill>
+              </a:rPr>
+              <a:t> 기간을 연장할 수 있다</a:t>
+            </a:r>
+            <a:r>
+              <a:rPr lang="en-US" altLang="ko-KR" sz="1400" dirty="0">
+                <a:solidFill>
+                  <a:srgbClr val="E7E6E6">
+                    <a:lumMod val="90000"/>
+                  </a:srgbClr>
+                </a:solidFill>
+              </a:rPr>
+              <a:t>.</a:t>
+            </a:r>
+          </a:p>
+          <a:p>
+            <a:pPr lvl="2">
+              <a:lnSpc>
+                <a:spcPct val="130000"/>
+              </a:lnSpc>
+              <a:defRPr/>
+            </a:pPr>
+            <a:r>
+              <a:rPr lang="en-US" altLang="ko-KR" sz="1400" dirty="0">
+                <a:solidFill>
+                  <a:srgbClr val="E7E6E6">
+                    <a:lumMod val="90000"/>
+                  </a:srgbClr>
+                </a:solidFill>
+              </a:rPr>
+              <a:t>- </a:t>
+            </a:r>
+            <a:r>
+              <a:rPr lang="ko-KR" altLang="en-US" sz="1400" dirty="0">
+                <a:solidFill>
+                  <a:srgbClr val="E7E6E6">
+                    <a:lumMod val="90000"/>
+                  </a:srgbClr>
+                </a:solidFill>
+              </a:rPr>
+              <a:t>회원은 자신이 구입한 </a:t>
+            </a:r>
+            <a:r>
+              <a:rPr lang="ko-KR" altLang="en-US" sz="1400" dirty="0" err="1">
+                <a:solidFill>
+                  <a:srgbClr val="E7E6E6">
+                    <a:lumMod val="90000"/>
+                  </a:srgbClr>
+                </a:solidFill>
+              </a:rPr>
+              <a:t>기프티콘을</a:t>
+            </a:r>
+            <a:r>
+              <a:rPr lang="ko-KR" altLang="en-US" sz="1400" dirty="0">
+                <a:solidFill>
+                  <a:srgbClr val="E7E6E6">
+                    <a:lumMod val="90000"/>
+                  </a:srgbClr>
+                </a:solidFill>
+              </a:rPr>
+              <a:t> 조회할 수 있고</a:t>
+            </a:r>
+            <a:r>
+              <a:rPr lang="en-US" altLang="ko-KR" sz="1400" dirty="0">
+                <a:solidFill>
+                  <a:srgbClr val="E7E6E6">
+                    <a:lumMod val="90000"/>
+                  </a:srgbClr>
+                </a:solidFill>
+              </a:rPr>
+              <a:t>, </a:t>
+            </a:r>
+            <a:r>
+              <a:rPr lang="ko-KR" altLang="en-US" sz="1400" dirty="0">
+                <a:solidFill>
+                  <a:srgbClr val="E7E6E6">
+                    <a:lumMod val="90000"/>
+                  </a:srgbClr>
+                </a:solidFill>
+              </a:rPr>
+              <a:t>사용하지 않은 </a:t>
+            </a:r>
+            <a:r>
+              <a:rPr lang="ko-KR" altLang="en-US" sz="1400" dirty="0" err="1">
+                <a:solidFill>
+                  <a:srgbClr val="E7E6E6">
+                    <a:lumMod val="90000"/>
+                  </a:srgbClr>
+                </a:solidFill>
+              </a:rPr>
+              <a:t>기프티콘에</a:t>
+            </a:r>
+            <a:r>
+              <a:rPr lang="ko-KR" altLang="en-US" sz="1400" dirty="0">
+                <a:solidFill>
+                  <a:srgbClr val="E7E6E6">
+                    <a:lumMod val="90000"/>
+                  </a:srgbClr>
+                </a:solidFill>
+              </a:rPr>
+              <a:t> 대해 환불을 받을 수 있다</a:t>
+            </a:r>
+            <a:r>
+              <a:rPr lang="en-US" altLang="ko-KR" sz="1400" dirty="0">
+                <a:solidFill>
+                  <a:srgbClr val="E7E6E6">
+                    <a:lumMod val="90000"/>
+                  </a:srgbClr>
+                </a:solidFill>
+              </a:rPr>
+              <a:t>.</a:t>
+            </a:r>
+          </a:p>
+          <a:p>
+            <a:pPr lvl="2">
+              <a:lnSpc>
+                <a:spcPct val="130000"/>
+              </a:lnSpc>
+              <a:defRPr/>
+            </a:pPr>
+            <a:r>
+              <a:rPr lang="en-US" altLang="ko-KR" sz="1400" dirty="0">
+                <a:solidFill>
+                  <a:srgbClr val="E7E6E6">
+                    <a:lumMod val="90000"/>
+                  </a:srgbClr>
+                </a:solidFill>
+              </a:rPr>
+              <a:t>- </a:t>
+            </a:r>
+            <a:r>
+              <a:rPr lang="ko-KR" altLang="en-US" sz="1400" dirty="0">
+                <a:solidFill>
+                  <a:srgbClr val="E7E6E6">
+                    <a:lumMod val="90000"/>
+                  </a:srgbClr>
+                </a:solidFill>
+              </a:rPr>
               <a:t>관리자는 </a:t>
             </a:r>
             <a:r>
@@ -16014,7 +17493,7 @@
                   </a:srgbClr>
                 </a:solidFill>
               </a:rPr>
-              <a:t>기프티콘</a:t>
+              <a:t>기프티콘의</a:t>
             </a:r>
             <a:r>
               <a:rPr lang="ko-KR" altLang="en-US" sz="1400" dirty="0">
@@ -16024,7 +17503,17 @@
                   </a:srgbClr>
                 </a:solidFill>
               </a:rPr>
-              <a:t> 관리에 들어가서 </a:t>
+              <a:t> 전체 목록을 조회하거나 검색하고</a:t>
+            </a:r>
+            <a:r>
+              <a:rPr lang="en-US" altLang="ko-KR" sz="1400" dirty="0">
+                <a:solidFill>
+                  <a:srgbClr val="E7E6E6">
+                    <a:lumMod val="90000"/>
+                  </a:srgbClr>
+                </a:solidFill>
+              </a:rPr>
+              <a:t>, </a:t>
             </a:r>
             <a:r>
               <a:rPr lang="ko-KR" altLang="en-US" sz="1400" dirty="0" err="1">
@@ -16034,7 +17523,7 @@
                   </a:srgbClr>
                 </a:solidFill>
               </a:rPr>
-              <a:t>기프티콘의</a:t>
+              <a:t>상세보기할</a:t>
             </a:r>
             <a:r>
               <a:rPr lang="ko-KR" altLang="en-US" sz="1400" dirty="0">
@@ -16044,7 +17533,17 @@
                   </a:srgbClr>
                 </a:solidFill>
               </a:rPr>
-              <a:t> 전체 목록을 조회하거나 검색할 수 있으며</a:t>
+              <a:t> 수 있다</a:t>
+            </a:r>
+            <a:r>
+              <a:rPr lang="en-US" altLang="ko-KR" sz="1400" dirty="0">
+                <a:solidFill>
+                  <a:srgbClr val="E7E6E6">
+                    <a:lumMod val="90000"/>
+                  </a:srgbClr>
+                </a:solidFill>
+              </a:rPr>
+              <a:t>.</a:t>
             </a:r>
           </a:p>
           <a:p>
@@ -16055,6 +17554,36 @@
               <a:defRPr/>
             </a:pPr>
             <a:r>
+              <a:rPr lang="en-US" altLang="ko-KR" sz="1400" dirty="0" smtClean="0">
+                <a:solidFill>
+                  <a:srgbClr val="E7E6E6">
+                    <a:lumMod val="90000"/>
+                  </a:srgbClr>
+                </a:solidFill>
+              </a:rPr>
+              <a:t>- </a:t>
+            </a:r>
+            <a:r>
+              <a:rPr lang="ko-KR" altLang="en-US" sz="1400" dirty="0" smtClean="0">
+                <a:solidFill>
+                  <a:srgbClr val="E7E6E6">
+                    <a:lumMod val="90000"/>
+                  </a:srgbClr>
+                </a:solidFill>
+              </a:rPr>
+              <a:t>관리자는 </a:t>
+            </a:r>
+            <a:r>
+              <a:rPr lang="ko-KR" altLang="en-US" sz="1400" dirty="0" err="1">
+                <a:solidFill>
+                  <a:srgbClr val="E7E6E6">
+                    <a:lumMod val="90000"/>
+                  </a:srgbClr>
+                </a:solidFill>
+              </a:rPr>
+              <a:t>기프티콘을</a:t>
+            </a:r>
+            <a:r>
               <a:rPr lang="ko-KR" altLang="en-US" sz="1400" dirty="0">
                 <a:solidFill>
                   <a:srgbClr val="E7E6E6">
@@ -16062,7 +17591,7 @@
                   </a:srgbClr>
                 </a:solidFill>
               </a:rPr>
-              <a:t>  새로운 </a:t>
+              <a:t> 추가하거나 가격이나 구성이나 사진 등을 변경하거나 </a:t>
             </a:r>
             <a:r>
               <a:rPr lang="ko-KR" altLang="en-US" sz="1400" dirty="0" err="1">
@@ -16082,50 +17611,10 @@
                   </a:srgbClr>
                 </a:solidFill>
               </a:rPr>
-              <a:t> 추가하거나 가격이나 구성을 변경하거나</a:t>
-            </a:r>
-            <a:r>
-              <a:rPr lang="en-US" altLang="ko-KR" sz="1400" dirty="0">
-                <a:solidFill>
-                  <a:srgbClr val="E7E6E6">
-                    <a:lumMod val="90000"/>
-                  </a:srgbClr>
-                </a:solidFill>
-              </a:rPr>
-              <a:t>, </a:t>
-            </a:r>
-            <a:r>
-              <a:rPr lang="ko-KR" altLang="en-US" sz="1400" dirty="0">
-                <a:solidFill>
-                  <a:srgbClr val="E7E6E6">
-                    <a:lumMod val="90000"/>
-                  </a:srgbClr>
-                </a:solidFill>
-              </a:rPr>
-              <a:t>상품 거래가 중지된 </a:t>
-            </a:r>
-            <a:r>
-              <a:rPr lang="ko-KR" altLang="en-US" sz="1400" dirty="0" err="1">
-                <a:solidFill>
-                  <a:srgbClr val="E7E6E6">
-                    <a:lumMod val="90000"/>
-                  </a:srgbClr>
-                </a:solidFill>
-              </a:rPr>
-              <a:t>기프티콘을</a:t>
-            </a:r>
-            <a:r>
-              <a:rPr lang="ko-KR" altLang="en-US" sz="1400" dirty="0">
-                <a:solidFill>
-                  <a:srgbClr val="E7E6E6">
-                    <a:lumMod val="90000"/>
-                  </a:srgbClr>
-                </a:solidFill>
-              </a:rPr>
-              <a:t> 제거할 수도 있다</a:t>
-            </a:r>
-            <a:r>
-              <a:rPr lang="en-US" altLang="ko-KR" sz="1400" dirty="0">
+              <a:t> 제거할 수 있다</a:t>
+            </a:r>
+            <a:r>
+              <a:rPr lang="en-US" altLang="ko-KR" sz="1400" dirty="0" smtClean="0">
                 <a:solidFill>
                   <a:srgbClr val="E7E6E6">
                     <a:lumMod val="90000"/>
@@ -16136,16 +17625,15 @@
             </a:r>
           </a:p>
           <a:p>
-            <a:pPr marL="0" marR="0" lvl="0" defTabSz="914400">
+            <a:pPr marL="1200150" lvl="2" indent="-285750">
               <a:lnSpc>
                 <a:spcPct val="130000"/>
               </a:lnSpc>
-              <a:buClrTx/>
               <a:buFontTx/>
-              <a:buNone/>
-              <a:defRPr/>
-            </a:pPr>
-            <a:endParaRPr lang="en-US" altLang="ko-KR" sz="1400" dirty="0">
+              <a:buChar char="-"/>
+              <a:defRPr/>
+            </a:pPr>
+            <a:endParaRPr lang="en-US" altLang="ko-KR" sz="1400" dirty="0" smtClean="0">
               <a:solidFill>
                 <a:srgbClr val="15EEFF"/>
               </a:solidFill>
@@ -16169,7 +17657,17 @@
                   </a:srgbClr>
                 </a:solidFill>
               </a:rPr>
-              <a:t>10. </a:t>
+              <a:t>9</a:t>
+            </a:r>
+            <a:r>
+              <a:rPr lang="en-US" altLang="ko-KR" sz="1400" dirty="0" smtClean="0">
+                <a:solidFill>
+                  <a:srgbClr val="E7E6E6">
+                    <a:lumMod val="90000"/>
+                  </a:srgbClr>
+                </a:solidFill>
+              </a:rPr>
+              <a:t>. </a:t>
             </a:r>
             <a:r>
               <a:rPr lang="ko-KR" altLang="en-US" sz="1400" dirty="0">
@@ -16200,6 +17698,16 @@
               <a:t>- </a:t>
             </a:r>
             <a:r>
+              <a:rPr lang="ko-KR" altLang="en-US" sz="1400" dirty="0" smtClean="0">
+                <a:solidFill>
+                  <a:srgbClr val="E7E6E6">
+                    <a:lumMod val="90000"/>
+                  </a:srgbClr>
+                </a:solidFill>
+              </a:rPr>
+              <a:t>비회원과 회원은 </a:t>
+            </a:r>
+            <a:r>
               <a:rPr lang="ko-KR" altLang="en-US" sz="1400" dirty="0">
                 <a:solidFill>
                   <a:srgbClr val="E7E6E6">
@@ -16207,7 +17715,7 @@
                   </a:srgbClr>
                 </a:solidFill>
               </a:rPr>
-              <a:t>회원은 공지사항 게시판의 글을 조회 및 검색</a:t>
+              <a:t>공지사항 게시판의 글을 조회 및 검색</a:t>
             </a:r>
             <a:r>
               <a:rPr lang="en-US" altLang="ko-KR" sz="1400" dirty="0">
@@ -16265,16 +17773,18 @@
                   </a:srgbClr>
                 </a:solidFill>
               </a:rPr>
-              <a:t>관리자는 게시판에 글을 등록하고 수정하고 삭제할 수 있으며</a:t>
-            </a:r>
-          </a:p>
-          <a:p>
-            <a:pPr lvl="2">
-              <a:lnSpc>
-                <a:spcPct val="130000"/>
-              </a:lnSpc>
-              <a:defRPr/>
-            </a:pPr>
+              <a:t>관리자는 게시판에 글을 등록하고 수정하고 삭제할 수 </a:t>
+            </a:r>
+            <a:r>
+              <a:rPr lang="ko-KR" altLang="en-US" sz="1400" dirty="0" smtClean="0">
+                <a:solidFill>
+                  <a:srgbClr val="E7E6E6">
+                    <a:lumMod val="90000"/>
+                  </a:srgbClr>
+                </a:solidFill>
+              </a:rPr>
+              <a:t>있으며 게시판의 </a:t>
+            </a:r>
             <a:r>
               <a:rPr lang="ko-KR" altLang="en-US" sz="1400" dirty="0">
                 <a:solidFill>
@@ -16283,7 +17793,7 @@
                   </a:srgbClr>
                 </a:solidFill>
               </a:rPr>
-              <a:t>   게시판의 글을 조회 및 검색</a:t>
+              <a:t>글을 조회 및 검색</a:t>
             </a:r>
             <a:r>
               <a:rPr lang="en-US" altLang="ko-KR" sz="1400" dirty="0">
@@ -16306,7 +17816,7 @@
               <a:t>상세보기를 할 수 있다</a:t>
             </a:r>
             <a:r>
-              <a:rPr lang="en-US" altLang="ko-KR" sz="1400" dirty="0">
+              <a:rPr lang="en-US" altLang="ko-KR" sz="1400" dirty="0" smtClean="0">
                 <a:solidFill>
                   <a:srgbClr val="E7E6E6">
                     <a:lumMod val="90000"/>
@@ -16315,14 +17825,6 @@
               </a:rPr>
               <a:t>.</a:t>
             </a:r>
-          </a:p>
-          <a:p>
-            <a:pPr lvl="2">
-              <a:lnSpc>
-                <a:spcPct val="130000"/>
-              </a:lnSpc>
-              <a:defRPr/>
-            </a:pPr>
             <a:endParaRPr lang="en-US" altLang="ko-KR" sz="1400" dirty="0">
               <a:solidFill>
                 <a:srgbClr val="E7E6E6">
@@ -16330,377 +17832,6 @@
                 </a:srgbClr>
               </a:solidFill>
             </a:endParaRPr>
-          </a:p>
-          <a:p>
-            <a:pPr lvl="1">
-              <a:lnSpc>
-                <a:spcPct val="130000"/>
-              </a:lnSpc>
-              <a:defRPr/>
-            </a:pPr>
-            <a:r>
-              <a:rPr lang="en-US" altLang="ko-KR" sz="1400" strike="sngStrike" dirty="0">
-                <a:solidFill>
-                  <a:srgbClr val="E7E6E6">
-                    <a:lumMod val="90000"/>
-                  </a:srgbClr>
-                </a:solidFill>
-              </a:rPr>
-              <a:t>11. </a:t>
-            </a:r>
-            <a:r>
-              <a:rPr lang="ko-KR" altLang="en-US" sz="1400" strike="sngStrike" dirty="0">
-                <a:solidFill>
-                  <a:srgbClr val="E7E6E6">
-                    <a:lumMod val="90000"/>
-                  </a:srgbClr>
-                </a:solidFill>
-              </a:rPr>
-              <a:t>할인정보 게시판</a:t>
-            </a:r>
-          </a:p>
-          <a:p>
-            <a:pPr lvl="2">
-              <a:lnSpc>
-                <a:spcPct val="130000"/>
-              </a:lnSpc>
-              <a:defRPr/>
-            </a:pPr>
-            <a:r>
-              <a:rPr lang="en-US" altLang="ko-KR" sz="1400" strike="sngStrike" dirty="0">
-                <a:solidFill>
-                  <a:srgbClr val="E7E6E6">
-                    <a:lumMod val="90000"/>
-                  </a:srgbClr>
-                </a:solidFill>
-              </a:rPr>
-              <a:t>- </a:t>
-            </a:r>
-            <a:r>
-              <a:rPr lang="ko-KR" altLang="en-US" sz="1400" strike="sngStrike" dirty="0">
-                <a:solidFill>
-                  <a:srgbClr val="E7E6E6">
-                    <a:lumMod val="90000"/>
-                  </a:srgbClr>
-                </a:solidFill>
-              </a:rPr>
-              <a:t>회원은 할인정보 게시판의 글을 조회 및 검색</a:t>
-            </a:r>
-            <a:r>
-              <a:rPr lang="en-US" altLang="ko-KR" sz="1400" strike="sngStrike" dirty="0">
-                <a:solidFill>
-                  <a:srgbClr val="E7E6E6">
-                    <a:lumMod val="90000"/>
-                  </a:srgbClr>
-                </a:solidFill>
-              </a:rPr>
-              <a:t>, </a:t>
-            </a:r>
-            <a:r>
-              <a:rPr lang="ko-KR" altLang="en-US" sz="1400" strike="sngStrike" dirty="0">
-                <a:solidFill>
-                  <a:srgbClr val="E7E6E6">
-                    <a:lumMod val="90000"/>
-                  </a:srgbClr>
-                </a:solidFill>
-              </a:rPr>
-              <a:t>상세보기를 할 수 있다</a:t>
-            </a:r>
-            <a:r>
-              <a:rPr lang="en-US" altLang="ko-KR" sz="1400" strike="sngStrike" dirty="0">
-                <a:solidFill>
-                  <a:srgbClr val="E7E6E6">
-                    <a:lumMod val="90000"/>
-                  </a:srgbClr>
-                </a:solidFill>
-              </a:rPr>
-              <a:t>.</a:t>
-            </a:r>
-          </a:p>
-          <a:p>
-            <a:pPr lvl="2">
-              <a:lnSpc>
-                <a:spcPct val="130000"/>
-              </a:lnSpc>
-              <a:defRPr/>
-            </a:pPr>
-            <a:r>
-              <a:rPr lang="en-US" altLang="ko-KR" sz="1400" strike="sngStrike" dirty="0">
-                <a:solidFill>
-                  <a:srgbClr val="E7E6E6">
-                    <a:lumMod val="90000"/>
-                  </a:srgbClr>
-                </a:solidFill>
-              </a:rPr>
-              <a:t>- </a:t>
-            </a:r>
-            <a:r>
-              <a:rPr lang="ko-KR" altLang="en-US" sz="1400" strike="sngStrike" dirty="0">
-                <a:solidFill>
-                  <a:srgbClr val="E7E6E6">
-                    <a:lumMod val="90000"/>
-                  </a:srgbClr>
-                </a:solidFill>
-              </a:rPr>
-              <a:t>관리자는 게시판에 글을 등록하고 수정하고 삭제할 수 있으며 게시판의 글을 조회 및 검색</a:t>
-            </a:r>
-            <a:r>
-              <a:rPr lang="en-US" altLang="ko-KR" sz="1400" strike="sngStrike" dirty="0">
-                <a:solidFill>
-                  <a:srgbClr val="E7E6E6">
-                    <a:lumMod val="90000"/>
-                  </a:srgbClr>
-                </a:solidFill>
-              </a:rPr>
-              <a:t>, </a:t>
-            </a:r>
-            <a:r>
-              <a:rPr lang="ko-KR" altLang="en-US" sz="1400" strike="sngStrike" dirty="0">
-                <a:solidFill>
-                  <a:srgbClr val="E7E6E6">
-                    <a:lumMod val="90000"/>
-                  </a:srgbClr>
-                </a:solidFill>
-              </a:rPr>
-              <a:t>상세보기를 할 수 있다</a:t>
-            </a:r>
-            <a:r>
-              <a:rPr lang="en-US" altLang="ko-KR" sz="1400" strike="sngStrike" dirty="0">
-                <a:solidFill>
-                  <a:srgbClr val="E7E6E6">
-                    <a:lumMod val="90000"/>
-                  </a:srgbClr>
-                </a:solidFill>
-              </a:rPr>
-              <a:t>.</a:t>
-            </a:r>
-          </a:p>
-          <a:p>
-            <a:pPr lvl="2">
-              <a:lnSpc>
-                <a:spcPct val="130000"/>
-              </a:lnSpc>
-              <a:defRPr/>
-            </a:pPr>
-            <a:endParaRPr lang="en-US" altLang="ko-KR" sz="1400" dirty="0">
-              <a:solidFill>
-                <a:srgbClr val="E7E6E6">
-                  <a:lumMod val="90000"/>
-                </a:srgbClr>
-              </a:solidFill>
-            </a:endParaRPr>
-          </a:p>
-          <a:p>
-            <a:pPr lvl="1">
-              <a:lnSpc>
-                <a:spcPct val="130000"/>
-              </a:lnSpc>
-              <a:defRPr/>
-            </a:pPr>
-            <a:r>
-              <a:rPr lang="en-US" altLang="ko-KR" sz="1400" dirty="0">
-                <a:solidFill>
-                  <a:srgbClr val="E7E6E6">
-                    <a:lumMod val="90000"/>
-                  </a:srgbClr>
-                </a:solidFill>
-              </a:rPr>
-              <a:t>12. </a:t>
-            </a:r>
-            <a:r>
-              <a:rPr lang="ko-KR" altLang="en-US" sz="1400" dirty="0">
-                <a:solidFill>
-                  <a:srgbClr val="E7E6E6">
-                    <a:lumMod val="90000"/>
-                  </a:srgbClr>
-                </a:solidFill>
-              </a:rPr>
-              <a:t>건의사항 게시판</a:t>
-            </a:r>
-          </a:p>
-          <a:p>
-            <a:pPr lvl="2">
-              <a:lnSpc>
-                <a:spcPct val="130000"/>
-              </a:lnSpc>
-              <a:defRPr/>
-            </a:pPr>
-            <a:r>
-              <a:rPr lang="en-US" altLang="ko-KR" sz="1400" dirty="0">
-                <a:solidFill>
-                  <a:srgbClr val="E7E6E6">
-                    <a:lumMod val="90000"/>
-                  </a:srgbClr>
-                </a:solidFill>
-              </a:rPr>
-              <a:t>- </a:t>
-            </a:r>
-            <a:r>
-              <a:rPr lang="ko-KR" altLang="en-US" sz="1400" dirty="0">
-                <a:solidFill>
-                  <a:srgbClr val="E7E6E6">
-                    <a:lumMod val="90000"/>
-                  </a:srgbClr>
-                </a:solidFill>
-              </a:rPr>
-              <a:t>회원은 </a:t>
-            </a:r>
-            <a:r>
-              <a:rPr lang="ko-KR" altLang="en-US" sz="1400" dirty="0" err="1">
-                <a:solidFill>
-                  <a:srgbClr val="E7E6E6">
-                    <a:lumMod val="90000"/>
-                  </a:srgbClr>
-                </a:solidFill>
-              </a:rPr>
-              <a:t>컴플레인</a:t>
-            </a:r>
-            <a:r>
-              <a:rPr lang="ko-KR" altLang="en-US" sz="1400" dirty="0">
-                <a:solidFill>
-                  <a:srgbClr val="E7E6E6">
-                    <a:lumMod val="90000"/>
-                  </a:srgbClr>
-                </a:solidFill>
-              </a:rPr>
-              <a:t> 및 건의할 내용의 글을 작성하거나 수정</a:t>
-            </a:r>
-            <a:r>
-              <a:rPr lang="en-US" altLang="ko-KR" sz="1400" dirty="0">
-                <a:solidFill>
-                  <a:srgbClr val="E7E6E6">
-                    <a:lumMod val="90000"/>
-                  </a:srgbClr>
-                </a:solidFill>
-              </a:rPr>
-              <a:t>, </a:t>
-            </a:r>
-            <a:r>
-              <a:rPr lang="ko-KR" altLang="en-US" sz="1400" dirty="0">
-                <a:solidFill>
-                  <a:srgbClr val="E7E6E6">
-                    <a:lumMod val="90000"/>
-                  </a:srgbClr>
-                </a:solidFill>
-              </a:rPr>
-              <a:t>삭제할 수 있으며 다른 사람이 작성한 공개 게시글을 조회 및 검색</a:t>
-            </a:r>
-            <a:r>
-              <a:rPr lang="en-US" altLang="ko-KR" sz="1400" dirty="0">
-                <a:solidFill>
-                  <a:srgbClr val="E7E6E6">
-                    <a:lumMod val="90000"/>
-                  </a:srgbClr>
-                </a:solidFill>
-              </a:rPr>
-              <a:t>,      </a:t>
-            </a:r>
-            <a:r>
-              <a:rPr lang="ko-KR" altLang="en-US" sz="1400" dirty="0">
-                <a:solidFill>
-                  <a:srgbClr val="E7E6E6">
-                    <a:lumMod val="90000"/>
-                  </a:srgbClr>
-                </a:solidFill>
-              </a:rPr>
-              <a:t>    </a:t>
-            </a:r>
-          </a:p>
-          <a:p>
-            <a:pPr lvl="2">
-              <a:lnSpc>
-                <a:spcPct val="130000"/>
-              </a:lnSpc>
-              <a:defRPr/>
-            </a:pPr>
-            <a:r>
-              <a:rPr lang="ko-KR" altLang="en-US" sz="1400" dirty="0">
-                <a:solidFill>
-                  <a:srgbClr val="E7E6E6">
-                    <a:lumMod val="90000"/>
-                  </a:srgbClr>
-                </a:solidFill>
-              </a:rPr>
-              <a:t>  상세보기를 할 수 있다</a:t>
-            </a:r>
-            <a:r>
-              <a:rPr lang="en-US" altLang="ko-KR" sz="1400" dirty="0">
-                <a:solidFill>
-                  <a:srgbClr val="E7E6E6">
-                    <a:lumMod val="90000"/>
-                  </a:srgbClr>
-                </a:solidFill>
-              </a:rPr>
-              <a:t>.</a:t>
-            </a:r>
-          </a:p>
-          <a:p>
-            <a:pPr lvl="2">
-              <a:lnSpc>
-                <a:spcPct val="130000"/>
-              </a:lnSpc>
-              <a:defRPr/>
-            </a:pPr>
-            <a:r>
-              <a:rPr lang="en-US" altLang="ko-KR" sz="1400" dirty="0">
-                <a:solidFill>
-                  <a:srgbClr val="E7E6E6">
-                    <a:lumMod val="90000"/>
-                  </a:srgbClr>
-                </a:solidFill>
-              </a:rPr>
-              <a:t>- </a:t>
-            </a:r>
-            <a:r>
-              <a:rPr lang="ko-KR" altLang="en-US" sz="1400" dirty="0">
-                <a:solidFill>
-                  <a:srgbClr val="E7E6E6">
-                    <a:lumMod val="90000"/>
-                  </a:srgbClr>
-                </a:solidFill>
-              </a:rPr>
-              <a:t>관리자는 게시판의 글을 조회 및 검색</a:t>
-            </a:r>
-            <a:r>
-              <a:rPr lang="en-US" altLang="ko-KR" sz="1400" dirty="0">
-                <a:solidFill>
-                  <a:srgbClr val="E7E6E6">
-                    <a:lumMod val="90000"/>
-                  </a:srgbClr>
-                </a:solidFill>
-              </a:rPr>
-              <a:t>, </a:t>
-            </a:r>
-            <a:r>
-              <a:rPr lang="ko-KR" altLang="en-US" sz="1400" dirty="0" err="1">
-                <a:solidFill>
-                  <a:srgbClr val="E7E6E6">
-                    <a:lumMod val="90000"/>
-                  </a:srgbClr>
-                </a:solidFill>
-              </a:rPr>
-              <a:t>상세보기하거나</a:t>
-            </a:r>
-            <a:r>
-              <a:rPr lang="ko-KR" altLang="en-US" sz="1400" dirty="0">
-                <a:solidFill>
-                  <a:srgbClr val="E7E6E6">
-                    <a:lumMod val="90000"/>
-                  </a:srgbClr>
-                </a:solidFill>
-              </a:rPr>
-              <a:t> 삭제할 수 있다</a:t>
-            </a:r>
-            <a:r>
-              <a:rPr lang="en-US" altLang="ko-KR" sz="1400" dirty="0">
-                <a:solidFill>
-                  <a:srgbClr val="E7E6E6">
-                    <a:lumMod val="90000"/>
-                  </a:srgbClr>
-                </a:solidFill>
-              </a:rPr>
-              <a:t>.</a:t>
-            </a:r>
           </a:p>
         </p:txBody>
       </p:sp>
@@ -16834,7 +17965,7 @@
         <p:spPr>
           <a:xfrm>
             <a:off x="169676" y="1773554"/>
-            <a:ext cx="11308360" cy="2584270"/>
+            <a:ext cx="11308360" cy="4013406"/>
           </a:xfrm>
           <a:prstGeom prst="rect">
             <a:avLst/>
@@ -16860,7 +17991,7 @@
                   </a:srgbClr>
                 </a:solidFill>
               </a:rPr>
-              <a:t>13. </a:t>
+              <a:t>10. </a:t>
             </a:r>
             <a:r>
               <a:rPr lang="ko-KR" altLang="en-US" sz="1400" dirty="0">
@@ -16870,17 +18001,57 @@
                   </a:srgbClr>
                 </a:solidFill>
               </a:rPr>
-              <a:t>분실물 게시판</a:t>
-            </a:r>
-          </a:p>
-          <a:p>
-            <a:pPr lvl="2">
+              <a:t>건의사항 게시판</a:t>
+            </a:r>
+          </a:p>
+          <a:p>
+            <a:pPr lvl="1">
               <a:lnSpc>
                 <a:spcPct val="130000"/>
               </a:lnSpc>
               <a:defRPr/>
             </a:pPr>
             <a:r>
+              <a:rPr lang="en-US" altLang="ko-KR" sz="1400" dirty="0" smtClean="0">
+                <a:solidFill>
+                  <a:srgbClr val="E7E6E6">
+                    <a:lumMod val="90000"/>
+                  </a:srgbClr>
+                </a:solidFill>
+              </a:rPr>
+              <a:t>	- </a:t>
+            </a:r>
+            <a:r>
+              <a:rPr lang="ko-KR" altLang="en-US" sz="1400" dirty="0">
+                <a:solidFill>
+                  <a:srgbClr val="E7E6E6">
+                    <a:lumMod val="90000"/>
+                  </a:srgbClr>
+                </a:solidFill>
+              </a:rPr>
+              <a:t>비회원은 회원들이 작성한 건의사항 </a:t>
+            </a:r>
+            <a:r>
+              <a:rPr lang="ko-KR" altLang="en-US" sz="1400" dirty="0" err="1">
+                <a:solidFill>
+                  <a:srgbClr val="E7E6E6">
+                    <a:lumMod val="90000"/>
+                  </a:srgbClr>
+                </a:solidFill>
+              </a:rPr>
+              <a:t>게시글을</a:t>
+            </a:r>
+            <a:r>
+              <a:rPr lang="ko-KR" altLang="en-US" sz="1400" dirty="0">
+                <a:solidFill>
+                  <a:srgbClr val="E7E6E6">
+                    <a:lumMod val="90000"/>
+                  </a:srgbClr>
+                </a:solidFill>
+              </a:rPr>
+              <a:t> 조회 및 검색</a:t>
+            </a:r>
+            <a:r>
               <a:rPr lang="en-US" altLang="ko-KR" sz="1400" dirty="0">
                 <a:solidFill>
                   <a:srgbClr val="E7E6E6">
@@ -16888,7 +18059,17 @@
                   </a:srgbClr>
                 </a:solidFill>
               </a:rPr>
-              <a:t>- </a:t>
+              <a:t>, </a:t>
+            </a:r>
+            <a:r>
+              <a:rPr lang="ko-KR" altLang="en-US" sz="1400" dirty="0" err="1">
+                <a:solidFill>
+                  <a:srgbClr val="E7E6E6">
+                    <a:lumMod val="90000"/>
+                  </a:srgbClr>
+                </a:solidFill>
+              </a:rPr>
+              <a:t>상세보기할</a:t>
             </a:r>
             <a:r>
               <a:rPr lang="ko-KR" altLang="en-US" sz="1400" dirty="0">
@@ -16898,7 +18079,7 @@
                   </a:srgbClr>
                 </a:solidFill>
               </a:rPr>
-              <a:t>회원은 분실물 게시판의 글을 조회 및 검색</a:t>
+              <a:t> 수 있다</a:t>
             </a:r>
             <a:r>
               <a:rPr lang="en-US" altLang="ko-KR" sz="1400" dirty="0">
@@ -16908,6 +18089,64 @@
                   </a:srgbClr>
                 </a:solidFill>
               </a:rPr>
+              <a:t>.</a:t>
+            </a:r>
+          </a:p>
+          <a:p>
+            <a:pPr lvl="1">
+              <a:lnSpc>
+                <a:spcPct val="130000"/>
+              </a:lnSpc>
+              <a:defRPr/>
+            </a:pPr>
+            <a:r>
+              <a:rPr lang="en-US" altLang="ko-KR" sz="1400" dirty="0" smtClean="0">
+                <a:solidFill>
+                  <a:srgbClr val="E7E6E6">
+                    <a:lumMod val="90000"/>
+                  </a:srgbClr>
+                </a:solidFill>
+              </a:rPr>
+              <a:t>	- </a:t>
+            </a:r>
+            <a:r>
+              <a:rPr lang="ko-KR" altLang="en-US" sz="1400" dirty="0">
+                <a:solidFill>
+                  <a:srgbClr val="E7E6E6">
+                    <a:lumMod val="90000"/>
+                  </a:srgbClr>
+                </a:solidFill>
+              </a:rPr>
+              <a:t>회원은 </a:t>
+            </a:r>
+            <a:r>
+              <a:rPr lang="ko-KR" altLang="en-US" sz="1400" dirty="0" err="1">
+                <a:solidFill>
+                  <a:srgbClr val="E7E6E6">
+                    <a:lumMod val="90000"/>
+                  </a:srgbClr>
+                </a:solidFill>
+              </a:rPr>
+              <a:t>컴플레인</a:t>
+            </a:r>
+            <a:r>
+              <a:rPr lang="ko-KR" altLang="en-US" sz="1400" dirty="0">
+                <a:solidFill>
+                  <a:srgbClr val="E7E6E6">
+                    <a:lumMod val="90000"/>
+                  </a:srgbClr>
+                </a:solidFill>
+              </a:rPr>
+              <a:t> 및 건의할 내용의 글을 작성하거나 수정</a:t>
+            </a:r>
+            <a:r>
+              <a:rPr lang="en-US" altLang="ko-KR" sz="1400" dirty="0">
+                <a:solidFill>
+                  <a:srgbClr val="E7E6E6">
+                    <a:lumMod val="90000"/>
+                  </a:srgbClr>
+                </a:solidFill>
+              </a:rPr>
               <a:t>, </a:t>
             </a:r>
             <a:r>
@@ -16918,7 +18157,27 @@
                   </a:srgbClr>
                 </a:solidFill>
               </a:rPr>
-              <a:t>상세보기를 할 수 있다</a:t>
+              <a:t>삭제할 수 있으며 다른 사람이 작성한 공개 </a:t>
+            </a:r>
+            <a:r>
+              <a:rPr lang="ko-KR" altLang="en-US" sz="1400" dirty="0" err="1">
+                <a:solidFill>
+                  <a:srgbClr val="E7E6E6">
+                    <a:lumMod val="90000"/>
+                  </a:srgbClr>
+                </a:solidFill>
+              </a:rPr>
+              <a:t>게시글을</a:t>
+            </a:r>
+            <a:r>
+              <a:rPr lang="ko-KR" altLang="en-US" sz="1400" dirty="0">
+                <a:solidFill>
+                  <a:srgbClr val="E7E6E6">
+                    <a:lumMod val="90000"/>
+                  </a:srgbClr>
+                </a:solidFill>
+              </a:rPr>
+              <a:t> 조회 및 검색</a:t>
             </a:r>
             <a:r>
               <a:rPr lang="en-US" altLang="ko-KR" sz="1400" dirty="0">
@@ -16928,17 +18187,85 @@
                   </a:srgbClr>
                 </a:solidFill>
               </a:rPr>
+              <a:t>,          </a:t>
+            </a:r>
+          </a:p>
+          <a:p>
+            <a:pPr lvl="1">
+              <a:lnSpc>
+                <a:spcPct val="130000"/>
+              </a:lnSpc>
+              <a:defRPr/>
+            </a:pPr>
+            <a:r>
+              <a:rPr lang="en-US" altLang="ko-KR" sz="1400" dirty="0" smtClean="0">
+                <a:solidFill>
+                  <a:srgbClr val="E7E6E6">
+                    <a:lumMod val="90000"/>
+                  </a:srgbClr>
+                </a:solidFill>
+              </a:rPr>
+              <a:t>	  </a:t>
+            </a:r>
+            <a:r>
+              <a:rPr lang="ko-KR" altLang="en-US" sz="1400" dirty="0" err="1">
+                <a:solidFill>
+                  <a:srgbClr val="E7E6E6">
+                    <a:lumMod val="90000"/>
+                  </a:srgbClr>
+                </a:solidFill>
+              </a:rPr>
+              <a:t>상세보기를</a:t>
+            </a:r>
+            <a:r>
+              <a:rPr lang="ko-KR" altLang="en-US" sz="1400" dirty="0">
+                <a:solidFill>
+                  <a:srgbClr val="E7E6E6">
+                    <a:lumMod val="90000"/>
+                  </a:srgbClr>
+                </a:solidFill>
+              </a:rPr>
+              <a:t> 할 수 있다</a:t>
+            </a:r>
+            <a:r>
+              <a:rPr lang="en-US" altLang="ko-KR" sz="1400" dirty="0">
+                <a:solidFill>
+                  <a:srgbClr val="E7E6E6">
+                    <a:lumMod val="90000"/>
+                  </a:srgbClr>
+                </a:solidFill>
+              </a:rPr>
               <a:t>.</a:t>
             </a:r>
           </a:p>
           <a:p>
-            <a:pPr lvl="2">
+            <a:pPr lvl="1">
               <a:lnSpc>
                 <a:spcPct val="130000"/>
               </a:lnSpc>
               <a:defRPr/>
             </a:pPr>
             <a:r>
+              <a:rPr lang="en-US" altLang="ko-KR" sz="1400" dirty="0" smtClean="0">
+                <a:solidFill>
+                  <a:srgbClr val="E7E6E6">
+                    <a:lumMod val="90000"/>
+                  </a:srgbClr>
+                </a:solidFill>
+              </a:rPr>
+              <a:t>	- </a:t>
+            </a:r>
+            <a:r>
+              <a:rPr lang="ko-KR" altLang="en-US" sz="1400" dirty="0">
+                <a:solidFill>
+                  <a:srgbClr val="E7E6E6">
+                    <a:lumMod val="90000"/>
+                  </a:srgbClr>
+                </a:solidFill>
+              </a:rPr>
+              <a:t>관리자는 게시판의 글을 조회 및 검색</a:t>
+            </a:r>
+            <a:r>
               <a:rPr lang="en-US" altLang="ko-KR" sz="1400" dirty="0">
                 <a:solidFill>
                   <a:srgbClr val="E7E6E6">
@@ -16946,7 +18273,7 @@
                   </a:srgbClr>
                 </a:solidFill>
               </a:rPr>
-              <a:t>- </a:t>
+              <a:t>, </a:t>
             </a:r>
             <a:r>
               <a:rPr lang="ko-KR" altLang="en-US" sz="1400" dirty="0">
@@ -16956,50 +18283,10 @@
                   </a:srgbClr>
                 </a:solidFill>
               </a:rPr>
-              <a:t>관리자는 분실물 게시판에 분실물을 조회 및 검색</a:t>
-            </a:r>
-            <a:r>
-              <a:rPr lang="en-US" altLang="ko-KR" sz="1400" dirty="0">
-                <a:solidFill>
-                  <a:srgbClr val="E7E6E6">
-                    <a:lumMod val="90000"/>
-                  </a:srgbClr>
-                </a:solidFill>
-              </a:rPr>
-              <a:t>, </a:t>
-            </a:r>
-            <a:r>
-              <a:rPr lang="ko-KR" altLang="en-US" sz="1400" dirty="0">
-                <a:solidFill>
-                  <a:srgbClr val="E7E6E6">
-                    <a:lumMod val="90000"/>
-                  </a:srgbClr>
-                </a:solidFill>
-              </a:rPr>
-              <a:t>등록 및 수정</a:t>
-            </a:r>
-            <a:r>
-              <a:rPr lang="en-US" altLang="ko-KR" sz="1400" dirty="0">
-                <a:solidFill>
-                  <a:srgbClr val="E7E6E6">
-                    <a:lumMod val="90000"/>
-                  </a:srgbClr>
-                </a:solidFill>
-              </a:rPr>
-              <a:t>, </a:t>
-            </a:r>
-            <a:r>
-              <a:rPr lang="ko-KR" altLang="en-US" sz="1400" dirty="0">
-                <a:solidFill>
-                  <a:srgbClr val="E7E6E6">
-                    <a:lumMod val="90000"/>
-                  </a:srgbClr>
-                </a:solidFill>
-              </a:rPr>
-              <a:t>삭제를 할 수 있다</a:t>
-            </a:r>
-            <a:r>
-              <a:rPr lang="en-US" altLang="ko-KR" sz="1400" dirty="0">
+              <a:t>상세보기하거나 삭제할 수 있다</a:t>
+            </a:r>
+            <a:r>
+              <a:rPr lang="en-US" altLang="ko-KR" sz="1400" dirty="0" smtClean="0">
                 <a:solidFill>
                   <a:srgbClr val="E7E6E6">
                     <a:lumMod val="90000"/>
@@ -17010,13 +18297,10 @@
             </a:r>
           </a:p>
           <a:p>
-            <a:pPr marL="0" marR="0" lvl="0" defTabSz="914400">
+            <a:pPr lvl="1">
               <a:lnSpc>
                 <a:spcPct val="130000"/>
               </a:lnSpc>
-              <a:buClrTx/>
-              <a:buFontTx/>
-              <a:buNone/>
               <a:defRPr/>
             </a:pPr>
             <a:endParaRPr lang="en-US" altLang="ko-KR" sz="1400" dirty="0">
@@ -17043,48 +18327,48 @@
                   </a:srgbClr>
                 </a:solidFill>
               </a:rPr>
-              <a:t>14. </a:t>
-            </a:r>
-            <a:r>
-              <a:rPr lang="ko-KR" altLang="en-US" sz="1400" strike="sngStrike" dirty="0">
-                <a:solidFill>
-                  <a:srgbClr val="E7E6E6">
-                    <a:lumMod val="90000"/>
-                  </a:srgbClr>
-                </a:solidFill>
-              </a:rPr>
-              <a:t>채용정보 게시판</a:t>
-            </a:r>
-          </a:p>
-          <a:p>
-            <a:pPr lvl="2">
+              <a:t>11. </a:t>
+            </a:r>
+            <a:r>
+              <a:rPr lang="ko-KR" altLang="en-US" sz="1400" dirty="0">
+                <a:solidFill>
+                  <a:srgbClr val="E7E6E6">
+                    <a:lumMod val="90000"/>
+                  </a:srgbClr>
+                </a:solidFill>
+              </a:rPr>
+              <a:t>분실물 게시판</a:t>
+            </a:r>
+          </a:p>
+          <a:p>
+            <a:pPr lvl="1">
               <a:lnSpc>
                 <a:spcPct val="130000"/>
               </a:lnSpc>
               <a:defRPr/>
             </a:pPr>
             <a:r>
-              <a:rPr lang="en-US" altLang="ko-KR" sz="1400" strike="sngStrike" dirty="0">
-                <a:solidFill>
-                  <a:srgbClr val="E7E6E6">
-                    <a:lumMod val="90000"/>
-                  </a:srgbClr>
-                </a:solidFill>
-              </a:rPr>
-              <a:t>- </a:t>
-            </a:r>
-            <a:r>
-              <a:rPr lang="ko-KR" altLang="en-US" sz="1400" strike="sngStrike" dirty="0">
-                <a:solidFill>
-                  <a:srgbClr val="E7E6E6">
-                    <a:lumMod val="90000"/>
-                  </a:srgbClr>
-                </a:solidFill>
-              </a:rPr>
-              <a:t>회원은 채용정보 게시판에서 이력서를 작성 및 수정</a:t>
-            </a:r>
-            <a:r>
-              <a:rPr lang="en-US" altLang="ko-KR" sz="1400" strike="sngStrike" dirty="0">
+              <a:rPr lang="en-US" altLang="ko-KR" sz="1400" dirty="0" smtClean="0">
+                <a:solidFill>
+                  <a:srgbClr val="E7E6E6">
+                    <a:lumMod val="90000"/>
+                  </a:srgbClr>
+                </a:solidFill>
+              </a:rPr>
+              <a:t>	- </a:t>
+            </a:r>
+            <a:r>
+              <a:rPr lang="ko-KR" altLang="en-US" sz="1400" dirty="0">
+                <a:solidFill>
+                  <a:srgbClr val="E7E6E6">
+                    <a:lumMod val="90000"/>
+                  </a:srgbClr>
+                </a:solidFill>
+              </a:rPr>
+              <a:t>비회원과 회원은 분실물 게시판의 글을 조회 및 검색</a:t>
+            </a:r>
+            <a:r>
+              <a:rPr lang="en-US" altLang="ko-KR" sz="1400" dirty="0">
                 <a:solidFill>
                   <a:srgbClr val="E7E6E6">
                     <a:lumMod val="90000"/>
@@ -17094,17 +18378,65 @@
               <a:t>, </a:t>
             </a:r>
             <a:r>
-              <a:rPr lang="ko-KR" altLang="en-US" sz="1400" strike="sngStrike" dirty="0">
-                <a:solidFill>
-                  <a:srgbClr val="E7E6E6">
-                    <a:lumMod val="90000"/>
-                  </a:srgbClr>
-                </a:solidFill>
-              </a:rPr>
-              <a:t>삭제</a:t>
-            </a:r>
-            <a:r>
-              <a:rPr lang="en-US" altLang="ko-KR" sz="1400" strike="sngStrike" dirty="0">
+              <a:rPr lang="ko-KR" altLang="en-US" sz="1400" dirty="0" err="1">
+                <a:solidFill>
+                  <a:srgbClr val="E7E6E6">
+                    <a:lumMod val="90000"/>
+                  </a:srgbClr>
+                </a:solidFill>
+              </a:rPr>
+              <a:t>상세보기를</a:t>
+            </a:r>
+            <a:r>
+              <a:rPr lang="ko-KR" altLang="en-US" sz="1400" dirty="0">
+                <a:solidFill>
+                  <a:srgbClr val="E7E6E6">
+                    <a:lumMod val="90000"/>
+                  </a:srgbClr>
+                </a:solidFill>
+              </a:rPr>
+              <a:t> 할 수 있다</a:t>
+            </a:r>
+            <a:r>
+              <a:rPr lang="en-US" altLang="ko-KR" sz="1400" dirty="0">
+                <a:solidFill>
+                  <a:srgbClr val="E7E6E6">
+                    <a:lumMod val="90000"/>
+                  </a:srgbClr>
+                </a:solidFill>
+              </a:rPr>
+              <a:t>.</a:t>
+            </a:r>
+          </a:p>
+          <a:p>
+            <a:pPr lvl="1">
+              <a:lnSpc>
+                <a:spcPct val="130000"/>
+              </a:lnSpc>
+              <a:defRPr/>
+            </a:pPr>
+            <a:r>
+              <a:rPr lang="en-US" altLang="ko-KR" sz="1400" dirty="0" smtClean="0">
+                <a:solidFill>
+                  <a:srgbClr val="E7E6E6">
+                    <a:lumMod val="90000"/>
+                  </a:srgbClr>
+                </a:solidFill>
+              </a:rPr>
+              <a:t>	- </a:t>
+            </a:r>
+            <a:r>
+              <a:rPr lang="ko-KR" altLang="en-US" sz="1400" dirty="0">
+                <a:solidFill>
+                  <a:srgbClr val="E7E6E6">
+                    <a:lumMod val="90000"/>
+                  </a:srgbClr>
+                </a:solidFill>
+              </a:rPr>
+              <a:t>관리자는 분실물 게시판에 분실물을 조회 및 검색</a:t>
+            </a:r>
+            <a:r>
+              <a:rPr lang="en-US" altLang="ko-KR" sz="1400" dirty="0">
                 <a:solidFill>
                   <a:srgbClr val="E7E6E6">
                     <a:lumMod val="90000"/>
@@ -17114,17 +18446,37 @@
               <a:t>, </a:t>
             </a:r>
             <a:r>
-              <a:rPr lang="ko-KR" altLang="en-US" sz="1400" strike="sngStrike" dirty="0">
-                <a:solidFill>
-                  <a:srgbClr val="E7E6E6">
-                    <a:lumMod val="90000"/>
-                  </a:srgbClr>
-                </a:solidFill>
-              </a:rPr>
-              <a:t>그리고 지난 이력서를 조회할 수 있다</a:t>
-            </a:r>
-            <a:r>
-              <a:rPr lang="en-US" altLang="ko-KR" sz="1400" strike="sngStrike" dirty="0">
+              <a:rPr lang="ko-KR" altLang="en-US" sz="1400" dirty="0">
+                <a:solidFill>
+                  <a:srgbClr val="E7E6E6">
+                    <a:lumMod val="90000"/>
+                  </a:srgbClr>
+                </a:solidFill>
+              </a:rPr>
+              <a:t>등록 및 수정</a:t>
+            </a:r>
+            <a:r>
+              <a:rPr lang="en-US" altLang="ko-KR" sz="1400" dirty="0">
+                <a:solidFill>
+                  <a:srgbClr val="E7E6E6">
+                    <a:lumMod val="90000"/>
+                  </a:srgbClr>
+                </a:solidFill>
+              </a:rPr>
+              <a:t>, </a:t>
+            </a:r>
+            <a:r>
+              <a:rPr lang="ko-KR" altLang="en-US" sz="1400" dirty="0">
+                <a:solidFill>
+                  <a:srgbClr val="E7E6E6">
+                    <a:lumMod val="90000"/>
+                  </a:srgbClr>
+                </a:solidFill>
+              </a:rPr>
+              <a:t>삭제를 할 수 있다</a:t>
+            </a:r>
+            <a:r>
+              <a:rPr lang="en-US" altLang="ko-KR" sz="1400" dirty="0" smtClean="0">
                 <a:solidFill>
                   <a:srgbClr val="E7E6E6">
                     <a:lumMod val="90000"/>
@@ -17135,74 +18487,154 @@
             </a:r>
           </a:p>
           <a:p>
-            <a:pPr lvl="2">
+            <a:pPr lvl="1">
               <a:lnSpc>
                 <a:spcPct val="130000"/>
               </a:lnSpc>
               <a:defRPr/>
             </a:pPr>
-            <a:r>
-              <a:rPr lang="en-US" altLang="ko-KR" sz="1400" strike="sngStrike" dirty="0">
-                <a:solidFill>
-                  <a:srgbClr val="E7E6E6">
-                    <a:lumMod val="90000"/>
-                  </a:srgbClr>
-                </a:solidFill>
-              </a:rPr>
-              <a:t>- </a:t>
-            </a:r>
-            <a:r>
-              <a:rPr lang="ko-KR" altLang="en-US" sz="1400" strike="sngStrike" dirty="0">
-                <a:solidFill>
-                  <a:srgbClr val="E7E6E6">
-                    <a:lumMod val="90000"/>
-                  </a:srgbClr>
-                </a:solidFill>
-              </a:rPr>
-              <a:t>관리자는 회원들이 낸 이력서를 전체 조회 및 검색</a:t>
-            </a:r>
-            <a:r>
-              <a:rPr lang="en-US" altLang="ko-KR" sz="1400" strike="sngStrike" dirty="0">
-                <a:solidFill>
-                  <a:srgbClr val="E7E6E6">
-                    <a:lumMod val="90000"/>
-                  </a:srgbClr>
-                </a:solidFill>
-              </a:rPr>
-              <a:t>, </a:t>
-            </a:r>
-            <a:r>
-              <a:rPr lang="ko-KR" altLang="en-US" sz="1400" strike="sngStrike" dirty="0">
-                <a:solidFill>
-                  <a:srgbClr val="E7E6E6">
-                    <a:lumMod val="90000"/>
-                  </a:srgbClr>
-                </a:solidFill>
-              </a:rPr>
-              <a:t>상세보기</a:t>
-            </a:r>
-            <a:r>
-              <a:rPr lang="en-US" altLang="ko-KR" sz="1400" strike="sngStrike" dirty="0">
-                <a:solidFill>
-                  <a:srgbClr val="E7E6E6">
-                    <a:lumMod val="90000"/>
-                  </a:srgbClr>
-                </a:solidFill>
-              </a:rPr>
-              <a:t>, </a:t>
-            </a:r>
-            <a:r>
-              <a:rPr lang="ko-KR" altLang="en-US" sz="1400" strike="sngStrike" dirty="0">
-                <a:solidFill>
-                  <a:srgbClr val="E7E6E6">
-                    <a:lumMod val="90000"/>
-                  </a:srgbClr>
-                </a:solidFill>
-              </a:rPr>
-              <a:t>삭제를 할 수 있다</a:t>
-            </a:r>
-            <a:r>
-              <a:rPr lang="en-US" altLang="ko-KR" sz="1400" strike="sngStrike" dirty="0">
+            <a:endParaRPr lang="en-US" altLang="ko-KR" sz="1400" dirty="0">
+              <a:solidFill>
+                <a:srgbClr val="E7E6E6">
+                  <a:lumMod val="90000"/>
+                </a:srgbClr>
+              </a:solidFill>
+            </a:endParaRPr>
+          </a:p>
+          <a:p>
+            <a:pPr lvl="1">
+              <a:lnSpc>
+                <a:spcPct val="130000"/>
+              </a:lnSpc>
+              <a:defRPr/>
+            </a:pPr>
+            <a:r>
+              <a:rPr lang="en-US" altLang="ko-KR" sz="1400" dirty="0" smtClean="0">
+                <a:solidFill>
+                  <a:srgbClr val="E7E6E6">
+                    <a:lumMod val="90000"/>
+                  </a:srgbClr>
+                </a:solidFill>
+              </a:rPr>
+              <a:t>12. </a:t>
+            </a:r>
+            <a:r>
+              <a:rPr lang="ko-KR" altLang="en-US" sz="1400" dirty="0" smtClean="0">
+                <a:solidFill>
+                  <a:srgbClr val="E7E6E6">
+                    <a:lumMod val="90000"/>
+                  </a:srgbClr>
+                </a:solidFill>
+              </a:rPr>
+              <a:t>신고</a:t>
+            </a:r>
+            <a:endParaRPr lang="en-US" altLang="ko-KR" sz="1400" dirty="0" smtClean="0">
+              <a:solidFill>
+                <a:srgbClr val="E7E6E6">
+                  <a:lumMod val="90000"/>
+                </a:srgbClr>
+              </a:solidFill>
+            </a:endParaRPr>
+          </a:p>
+          <a:p>
+            <a:pPr lvl="1">
+              <a:lnSpc>
+                <a:spcPct val="130000"/>
+              </a:lnSpc>
+              <a:defRPr/>
+            </a:pPr>
+            <a:r>
+              <a:rPr lang="en-US" altLang="ko-KR" sz="1400" dirty="0">
+                <a:solidFill>
+                  <a:srgbClr val="E7E6E6">
+                    <a:lumMod val="90000"/>
+                  </a:srgbClr>
+                </a:solidFill>
+              </a:rPr>
+              <a:t>	- </a:t>
+            </a:r>
+            <a:r>
+              <a:rPr lang="ko-KR" altLang="en-US" sz="1400" dirty="0">
+                <a:solidFill>
+                  <a:srgbClr val="E7E6E6">
+                    <a:lumMod val="90000"/>
+                  </a:srgbClr>
+                </a:solidFill>
+              </a:rPr>
+              <a:t>회원은 다른 회원이 작성한 </a:t>
+            </a:r>
+            <a:r>
+              <a:rPr lang="ko-KR" altLang="en-US" sz="1400" dirty="0" err="1">
+                <a:solidFill>
+                  <a:srgbClr val="E7E6E6">
+                    <a:lumMod val="90000"/>
+                  </a:srgbClr>
+                </a:solidFill>
+              </a:rPr>
+              <a:t>리뷰글</a:t>
+            </a:r>
+            <a:r>
+              <a:rPr lang="ko-KR" altLang="en-US" sz="1400" dirty="0">
+                <a:solidFill>
+                  <a:srgbClr val="E7E6E6">
+                    <a:lumMod val="90000"/>
+                  </a:srgbClr>
+                </a:solidFill>
+              </a:rPr>
+              <a:t> </a:t>
+            </a:r>
+            <a:r>
+              <a:rPr lang="en-US" altLang="ko-KR" sz="1400" dirty="0">
+                <a:solidFill>
+                  <a:srgbClr val="E7E6E6">
+                    <a:lumMod val="90000"/>
+                  </a:srgbClr>
+                </a:solidFill>
+              </a:rPr>
+              <a:t>/ </a:t>
+            </a:r>
+            <a:r>
+              <a:rPr lang="ko-KR" altLang="en-US" sz="1400" dirty="0">
+                <a:solidFill>
+                  <a:srgbClr val="E7E6E6">
+                    <a:lumMod val="90000"/>
+                  </a:srgbClr>
+                </a:solidFill>
+              </a:rPr>
+              <a:t>리뷰 댓글 </a:t>
+            </a:r>
+            <a:r>
+              <a:rPr lang="en-US" altLang="ko-KR" sz="1400" dirty="0">
+                <a:solidFill>
+                  <a:srgbClr val="E7E6E6">
+                    <a:lumMod val="90000"/>
+                  </a:srgbClr>
+                </a:solidFill>
+              </a:rPr>
+              <a:t>/ </a:t>
+            </a:r>
+            <a:r>
+              <a:rPr lang="ko-KR" altLang="en-US" sz="1400" dirty="0" err="1">
+                <a:solidFill>
+                  <a:srgbClr val="E7E6E6">
+                    <a:lumMod val="90000"/>
+                  </a:srgbClr>
+                </a:solidFill>
+              </a:rPr>
+              <a:t>한줄평</a:t>
+            </a:r>
+            <a:r>
+              <a:rPr lang="ko-KR" altLang="en-US" sz="1400" dirty="0">
+                <a:solidFill>
+                  <a:srgbClr val="E7E6E6">
+                    <a:lumMod val="90000"/>
+                  </a:srgbClr>
+                </a:solidFill>
+              </a:rPr>
+              <a:t> 을 신고할 수 있다</a:t>
+            </a:r>
+            <a:r>
+              <a:rPr lang="en-US" altLang="ko-KR" sz="1400" dirty="0">
                 <a:solidFill>
                   <a:srgbClr val="E7E6E6">
                     <a:lumMod val="90000"/>
@@ -17213,54 +18645,154 @@
             </a:r>
           </a:p>
           <a:p>
-            <a:pPr lvl="2">
+            <a:pPr lvl="1">
               <a:lnSpc>
                 <a:spcPct val="130000"/>
               </a:lnSpc>
               <a:defRPr/>
             </a:pPr>
             <a:r>
-              <a:rPr lang="en-US" altLang="ko-KR" sz="1400" strike="sngStrike" dirty="0">
-                <a:solidFill>
-                  <a:srgbClr val="E7E6E6">
-                    <a:lumMod val="90000"/>
-                  </a:srgbClr>
-                </a:solidFill>
-              </a:rPr>
-              <a:t>- </a:t>
-            </a:r>
-            <a:r>
-              <a:rPr lang="ko-KR" altLang="en-US" sz="1400" strike="sngStrike" dirty="0">
-                <a:solidFill>
-                  <a:srgbClr val="E7E6E6">
-                    <a:lumMod val="90000"/>
-                  </a:srgbClr>
-                </a:solidFill>
-              </a:rPr>
-              <a:t>관리자는 특정 이력서를 </a:t>
-            </a:r>
-            <a:r>
-              <a:rPr lang="ko-KR" altLang="en-US" sz="1400" strike="sngStrike" dirty="0" err="1">
-                <a:solidFill>
-                  <a:srgbClr val="E7E6E6">
-                    <a:lumMod val="90000"/>
-                  </a:srgbClr>
-                </a:solidFill>
-              </a:rPr>
-              <a:t>즐겨찾기에</a:t>
-            </a:r>
-            <a:r>
-              <a:rPr lang="ko-KR" altLang="en-US" sz="1400" strike="sngStrike" dirty="0">
-                <a:solidFill>
-                  <a:srgbClr val="E7E6E6">
-                    <a:lumMod val="90000"/>
-                  </a:srgbClr>
-                </a:solidFill>
-              </a:rPr>
-              <a:t> 추가하거나 해제하고 조회할 수 있다</a:t>
-            </a:r>
-            <a:r>
-              <a:rPr lang="en-US" altLang="ko-KR" sz="1400" strike="sngStrike" dirty="0">
+              <a:rPr lang="en-US" altLang="ko-KR" sz="1400" dirty="0" smtClean="0">
+                <a:solidFill>
+                  <a:srgbClr val="E7E6E6">
+                    <a:lumMod val="90000"/>
+                  </a:srgbClr>
+                </a:solidFill>
+              </a:rPr>
+              <a:t>	- </a:t>
+            </a:r>
+            <a:r>
+              <a:rPr lang="ko-KR" altLang="en-US" sz="1400" dirty="0">
+                <a:solidFill>
+                  <a:srgbClr val="E7E6E6">
+                    <a:lumMod val="90000"/>
+                  </a:srgbClr>
+                </a:solidFill>
+              </a:rPr>
+              <a:t>관리자는 신고 </a:t>
+            </a:r>
+            <a:r>
+              <a:rPr lang="ko-KR" altLang="en-US" sz="1400" dirty="0" smtClean="0">
+                <a:solidFill>
+                  <a:srgbClr val="E7E6E6">
+                    <a:lumMod val="90000"/>
+                  </a:srgbClr>
+                </a:solidFill>
+              </a:rPr>
+              <a:t>내역 조회 및 상세보기 할 수 있고</a:t>
+            </a:r>
+            <a:r>
+              <a:rPr lang="en-US" altLang="ko-KR" sz="1400" dirty="0" smtClean="0">
+                <a:solidFill>
+                  <a:srgbClr val="E7E6E6">
+                    <a:lumMod val="90000"/>
+                  </a:srgbClr>
+                </a:solidFill>
+              </a:rPr>
+              <a:t>,</a:t>
+            </a:r>
+            <a:r>
+              <a:rPr lang="ko-KR" altLang="en-US" sz="1400" dirty="0">
+                <a:solidFill>
+                  <a:srgbClr val="E7E6E6">
+                    <a:lumMod val="90000"/>
+                  </a:srgbClr>
+                </a:solidFill>
+              </a:rPr>
+              <a:t> </a:t>
+            </a:r>
+            <a:r>
+              <a:rPr lang="ko-KR" altLang="en-US" sz="1400" dirty="0" err="1" smtClean="0">
+                <a:solidFill>
+                  <a:srgbClr val="E7E6E6">
+                    <a:lumMod val="90000"/>
+                  </a:srgbClr>
+                </a:solidFill>
+              </a:rPr>
+              <a:t>신고받은</a:t>
+            </a:r>
+            <a:r>
+              <a:rPr lang="ko-KR" altLang="en-US" sz="1400" dirty="0" smtClean="0">
+                <a:solidFill>
+                  <a:srgbClr val="E7E6E6">
+                    <a:lumMod val="90000"/>
+                  </a:srgbClr>
+                </a:solidFill>
+              </a:rPr>
+              <a:t> </a:t>
+            </a:r>
+            <a:r>
+              <a:rPr lang="ko-KR" altLang="en-US" sz="1400" dirty="0" err="1" smtClean="0">
+                <a:solidFill>
+                  <a:srgbClr val="E7E6E6">
+                    <a:lumMod val="90000"/>
+                  </a:srgbClr>
+                </a:solidFill>
+              </a:rPr>
+              <a:t>리뷰글</a:t>
+            </a:r>
+            <a:r>
+              <a:rPr lang="ko-KR" altLang="en-US" sz="1400" dirty="0" smtClean="0">
+                <a:solidFill>
+                  <a:srgbClr val="E7E6E6">
+                    <a:lumMod val="90000"/>
+                  </a:srgbClr>
+                </a:solidFill>
+              </a:rPr>
+              <a:t> </a:t>
+            </a:r>
+            <a:r>
+              <a:rPr lang="en-US" altLang="ko-KR" sz="1400" dirty="0" smtClean="0">
+                <a:solidFill>
+                  <a:srgbClr val="E7E6E6">
+                    <a:lumMod val="90000"/>
+                  </a:srgbClr>
+                </a:solidFill>
+              </a:rPr>
+              <a:t>/ </a:t>
+            </a:r>
+            <a:r>
+              <a:rPr lang="ko-KR" altLang="en-US" sz="1400" dirty="0" smtClean="0">
+                <a:solidFill>
+                  <a:srgbClr val="E7E6E6">
+                    <a:lumMod val="90000"/>
+                  </a:srgbClr>
+                </a:solidFill>
+              </a:rPr>
+              <a:t>리뷰 댓글 </a:t>
+            </a:r>
+            <a:r>
+              <a:rPr lang="en-US" altLang="ko-KR" sz="1400" dirty="0" smtClean="0">
+                <a:solidFill>
+                  <a:srgbClr val="E7E6E6">
+                    <a:lumMod val="90000"/>
+                  </a:srgbClr>
+                </a:solidFill>
+              </a:rPr>
+              <a:t>/ </a:t>
+            </a:r>
+            <a:r>
+              <a:rPr lang="ko-KR" altLang="en-US" sz="1400" dirty="0" err="1" smtClean="0">
+                <a:solidFill>
+                  <a:srgbClr val="E7E6E6">
+                    <a:lumMod val="90000"/>
+                  </a:srgbClr>
+                </a:solidFill>
+              </a:rPr>
+              <a:t>한줄평을</a:t>
+            </a:r>
+            <a:r>
+              <a:rPr lang="ko-KR" altLang="en-US" sz="1400" dirty="0" smtClean="0">
+                <a:solidFill>
+                  <a:srgbClr val="E7E6E6">
+                    <a:lumMod val="90000"/>
+                  </a:srgbClr>
+                </a:solidFill>
+              </a:rPr>
+              <a:t> 삭제 할 수 있다</a:t>
+            </a:r>
+            <a:r>
+              <a:rPr lang="en-US" altLang="ko-KR" sz="1400" smtClean="0">
                 <a:solidFill>
                   <a:srgbClr val="E7E6E6">
                     <a:lumMod val="90000"/>
@@ -17269,15 +18801,19 @@
               </a:rPr>
               <a:t>.</a:t>
             </a:r>
-          </a:p>
-          <a:p>
-            <a:pPr marL="914400" marR="0" lvl="2" defTabSz="914400">
+            <a:endParaRPr lang="en-US" altLang="ko-KR" sz="1400" dirty="0" smtClean="0">
+              <a:solidFill>
+                <a:srgbClr val="E7E6E6">
+                  <a:lumMod val="90000"/>
+                </a:srgbClr>
+              </a:solidFill>
+            </a:endParaRPr>
+          </a:p>
+          <a:p>
+            <a:pPr lvl="1">
               <a:lnSpc>
                 <a:spcPct val="130000"/>
               </a:lnSpc>
-              <a:buClrTx/>
-              <a:buFontTx/>
-              <a:buNone/>
               <a:defRPr/>
             </a:pPr>
             <a:endParaRPr lang="en-US" altLang="ko-KR" sz="1400" dirty="0">
